--- a/Slides/04. OpenCV影像處理.pptx
+++ b/Slides/04. OpenCV影像處理.pptx
@@ -248,7 +248,7 @@
   </p:defaultTextStyle>
   <p:extLst>
     <p:ext uri="{EFAFB233-063F-42B5-8137-9DF3F51BA10A}">
-      <p15:sldGuideLst xmlns="" xmlns:p15="http://schemas.microsoft.com/office/powerpoint/2012/main">
+      <p15:sldGuideLst xmlns:p15="http://schemas.microsoft.com/office/powerpoint/2012/main" xmlns="">
         <p15:guide id="1" orient="horz" pos="2160">
           <p15:clr>
             <a:srgbClr val="A4A3A4"/>
@@ -262,7 +262,7 @@
       </p15:sldGuideLst>
     </p:ext>
     <p:ext uri="{2D200454-40CA-4A62-9FC3-DE9A4176ACB9}">
-      <p15:notesGuideLst xmlns="" xmlns:p15="http://schemas.microsoft.com/office/powerpoint/2012/main"/>
+      <p15:notesGuideLst xmlns:p15="http://schemas.microsoft.com/office/powerpoint/2012/main" xmlns=""/>
     </p:ext>
   </p:extLst>
 </p:presentation>
@@ -353,7 +353,7 @@
             <a:fld id="{68F88C59-319B-4332-9A1D-2A62CFCB00D8}" type="datetimeFigureOut">
               <a:rPr lang="en-US" smtClean="0"/>
               <a:pPr/>
-              <a:t>9/25/2020</a:t>
+              <a:t>3/22/2021</a:t>
             </a:fld>
             <a:endParaRPr lang="en-US" dirty="0"/>
           </a:p>
@@ -431,7 +431,7 @@
     </p:spTree>
     <p:extLst>
       <p:ext uri="{BB962C8B-B14F-4D97-AF65-F5344CB8AC3E}">
-        <p14:creationId xmlns="" xmlns:p14="http://schemas.microsoft.com/office/powerpoint/2010/main" val="2345123278"/>
+        <p14:creationId xmlns:p14="http://schemas.microsoft.com/office/powerpoint/2010/main" xmlns="" val="2345123278"/>
       </p:ext>
     </p:extLst>
   </p:cSld>
@@ -524,7 +524,7 @@
             <a:fld id="{968B300D-05F0-4B43-940D-46DED5A791AD}" type="datetimeFigureOut">
               <a:rPr lang="en-US" smtClean="0"/>
               <a:pPr/>
-              <a:t>9/25/2020</a:t>
+              <a:t>3/22/2021</a:t>
             </a:fld>
             <a:endParaRPr lang="en-US" dirty="0"/>
           </a:p>
@@ -696,7 +696,7 @@
     </p:spTree>
     <p:extLst>
       <p:ext uri="{BB962C8B-B14F-4D97-AF65-F5344CB8AC3E}">
-        <p14:creationId xmlns="" xmlns:p14="http://schemas.microsoft.com/office/powerpoint/2010/main" val="623787478"/>
+        <p14:creationId xmlns:p14="http://schemas.microsoft.com/office/powerpoint/2010/main" xmlns="" val="623787478"/>
       </p:ext>
     </p:extLst>
   </p:cSld>
@@ -872,7 +872,7 @@
     </p:spTree>
     <p:extLst>
       <p:ext uri="{BB962C8B-B14F-4D97-AF65-F5344CB8AC3E}">
-        <p14:creationId xmlns="" xmlns:p14="http://schemas.microsoft.com/office/powerpoint/2010/main" val="2659555247"/>
+        <p14:creationId xmlns:p14="http://schemas.microsoft.com/office/powerpoint/2010/main" xmlns="" val="2659555247"/>
       </p:ext>
     </p:extLst>
   </p:cSld>
@@ -957,7 +957,7 @@
     </p:spTree>
     <p:extLst>
       <p:ext uri="{BB962C8B-B14F-4D97-AF65-F5344CB8AC3E}">
-        <p14:creationId xmlns="" xmlns:p14="http://schemas.microsoft.com/office/powerpoint/2010/main" val="2659555247"/>
+        <p14:creationId xmlns:p14="http://schemas.microsoft.com/office/powerpoint/2010/main" xmlns="" val="2659555247"/>
       </p:ext>
     </p:extLst>
   </p:cSld>
@@ -1042,7 +1042,7 @@
     </p:spTree>
     <p:extLst>
       <p:ext uri="{BB962C8B-B14F-4D97-AF65-F5344CB8AC3E}">
-        <p14:creationId xmlns="" xmlns:p14="http://schemas.microsoft.com/office/powerpoint/2010/main" val="2659555247"/>
+        <p14:creationId xmlns:p14="http://schemas.microsoft.com/office/powerpoint/2010/main" xmlns="" val="2659555247"/>
       </p:ext>
     </p:extLst>
   </p:cSld>
@@ -1127,7 +1127,7 @@
     </p:spTree>
     <p:extLst>
       <p:ext uri="{BB962C8B-B14F-4D97-AF65-F5344CB8AC3E}">
-        <p14:creationId xmlns="" xmlns:p14="http://schemas.microsoft.com/office/powerpoint/2010/main" val="2659555247"/>
+        <p14:creationId xmlns:p14="http://schemas.microsoft.com/office/powerpoint/2010/main" xmlns="" val="2659555247"/>
       </p:ext>
     </p:extLst>
   </p:cSld>
@@ -1212,7 +1212,7 @@
     </p:spTree>
     <p:extLst>
       <p:ext uri="{BB962C8B-B14F-4D97-AF65-F5344CB8AC3E}">
-        <p14:creationId xmlns="" xmlns:p14="http://schemas.microsoft.com/office/powerpoint/2010/main" val="2659555247"/>
+        <p14:creationId xmlns:p14="http://schemas.microsoft.com/office/powerpoint/2010/main" xmlns="" val="2659555247"/>
       </p:ext>
     </p:extLst>
   </p:cSld>
@@ -1297,7 +1297,7 @@
     </p:spTree>
     <p:extLst>
       <p:ext uri="{BB962C8B-B14F-4D97-AF65-F5344CB8AC3E}">
-        <p14:creationId xmlns="" xmlns:p14="http://schemas.microsoft.com/office/powerpoint/2010/main" val="2659555247"/>
+        <p14:creationId xmlns:p14="http://schemas.microsoft.com/office/powerpoint/2010/main" xmlns="" val="2659555247"/>
       </p:ext>
     </p:extLst>
   </p:cSld>
@@ -1382,7 +1382,7 @@
     </p:spTree>
     <p:extLst>
       <p:ext uri="{BB962C8B-B14F-4D97-AF65-F5344CB8AC3E}">
-        <p14:creationId xmlns="" xmlns:p14="http://schemas.microsoft.com/office/powerpoint/2010/main" val="2659555247"/>
+        <p14:creationId xmlns:p14="http://schemas.microsoft.com/office/powerpoint/2010/main" xmlns="" val="2659555247"/>
       </p:ext>
     </p:extLst>
   </p:cSld>
@@ -1467,7 +1467,7 @@
     </p:spTree>
     <p:extLst>
       <p:ext uri="{BB962C8B-B14F-4D97-AF65-F5344CB8AC3E}">
-        <p14:creationId xmlns="" xmlns:p14="http://schemas.microsoft.com/office/powerpoint/2010/main" val="2659555247"/>
+        <p14:creationId xmlns:p14="http://schemas.microsoft.com/office/powerpoint/2010/main" xmlns="" val="2659555247"/>
       </p:ext>
     </p:extLst>
   </p:cSld>
@@ -1552,7 +1552,7 @@
     </p:spTree>
     <p:extLst>
       <p:ext uri="{BB962C8B-B14F-4D97-AF65-F5344CB8AC3E}">
-        <p14:creationId xmlns="" xmlns:p14="http://schemas.microsoft.com/office/powerpoint/2010/main" val="2659555247"/>
+        <p14:creationId xmlns:p14="http://schemas.microsoft.com/office/powerpoint/2010/main" xmlns="" val="2659555247"/>
       </p:ext>
     </p:extLst>
   </p:cSld>
@@ -1637,7 +1637,7 @@
     </p:spTree>
     <p:extLst>
       <p:ext uri="{BB962C8B-B14F-4D97-AF65-F5344CB8AC3E}">
-        <p14:creationId xmlns="" xmlns:p14="http://schemas.microsoft.com/office/powerpoint/2010/main" val="2659555247"/>
+        <p14:creationId xmlns:p14="http://schemas.microsoft.com/office/powerpoint/2010/main" xmlns="" val="2659555247"/>
       </p:ext>
     </p:extLst>
   </p:cSld>
@@ -1722,7 +1722,7 @@
     </p:spTree>
     <p:extLst>
       <p:ext uri="{BB962C8B-B14F-4D97-AF65-F5344CB8AC3E}">
-        <p14:creationId xmlns="" xmlns:p14="http://schemas.microsoft.com/office/powerpoint/2010/main" val="2659555247"/>
+        <p14:creationId xmlns:p14="http://schemas.microsoft.com/office/powerpoint/2010/main" xmlns="" val="2659555247"/>
       </p:ext>
     </p:extLst>
   </p:cSld>
@@ -1807,7 +1807,7 @@
     </p:spTree>
     <p:extLst>
       <p:ext uri="{BB962C8B-B14F-4D97-AF65-F5344CB8AC3E}">
-        <p14:creationId xmlns="" xmlns:p14="http://schemas.microsoft.com/office/powerpoint/2010/main" val="2659555247"/>
+        <p14:creationId xmlns:p14="http://schemas.microsoft.com/office/powerpoint/2010/main" xmlns="" val="2659555247"/>
       </p:ext>
     </p:extLst>
   </p:cSld>
@@ -1892,7 +1892,7 @@
     </p:spTree>
     <p:extLst>
       <p:ext uri="{BB962C8B-B14F-4D97-AF65-F5344CB8AC3E}">
-        <p14:creationId xmlns="" xmlns:p14="http://schemas.microsoft.com/office/powerpoint/2010/main" val="2659555247"/>
+        <p14:creationId xmlns:p14="http://schemas.microsoft.com/office/powerpoint/2010/main" xmlns="" val="2659555247"/>
       </p:ext>
     </p:extLst>
   </p:cSld>
@@ -1977,7 +1977,7 @@
     </p:spTree>
     <p:extLst>
       <p:ext uri="{BB962C8B-B14F-4D97-AF65-F5344CB8AC3E}">
-        <p14:creationId xmlns="" xmlns:p14="http://schemas.microsoft.com/office/powerpoint/2010/main" val="2659555247"/>
+        <p14:creationId xmlns:p14="http://schemas.microsoft.com/office/powerpoint/2010/main" xmlns="" val="2659555247"/>
       </p:ext>
     </p:extLst>
   </p:cSld>
@@ -2062,7 +2062,7 @@
     </p:spTree>
     <p:extLst>
       <p:ext uri="{BB962C8B-B14F-4D97-AF65-F5344CB8AC3E}">
-        <p14:creationId xmlns="" xmlns:p14="http://schemas.microsoft.com/office/powerpoint/2010/main" val="2659555247"/>
+        <p14:creationId xmlns:p14="http://schemas.microsoft.com/office/powerpoint/2010/main" xmlns="" val="2659555247"/>
       </p:ext>
     </p:extLst>
   </p:cSld>
@@ -2147,7 +2147,7 @@
     </p:spTree>
     <p:extLst>
       <p:ext uri="{BB962C8B-B14F-4D97-AF65-F5344CB8AC3E}">
-        <p14:creationId xmlns="" xmlns:p14="http://schemas.microsoft.com/office/powerpoint/2010/main" val="2659555247"/>
+        <p14:creationId xmlns:p14="http://schemas.microsoft.com/office/powerpoint/2010/main" xmlns="" val="2659555247"/>
       </p:ext>
     </p:extLst>
   </p:cSld>
@@ -2232,7 +2232,7 @@
     </p:spTree>
     <p:extLst>
       <p:ext uri="{BB962C8B-B14F-4D97-AF65-F5344CB8AC3E}">
-        <p14:creationId xmlns="" xmlns:p14="http://schemas.microsoft.com/office/powerpoint/2010/main" val="2659555247"/>
+        <p14:creationId xmlns:p14="http://schemas.microsoft.com/office/powerpoint/2010/main" xmlns="" val="2659555247"/>
       </p:ext>
     </p:extLst>
   </p:cSld>
@@ -2317,7 +2317,7 @@
     </p:spTree>
     <p:extLst>
       <p:ext uri="{BB962C8B-B14F-4D97-AF65-F5344CB8AC3E}">
-        <p14:creationId xmlns="" xmlns:p14="http://schemas.microsoft.com/office/powerpoint/2010/main" val="2659555247"/>
+        <p14:creationId xmlns:p14="http://schemas.microsoft.com/office/powerpoint/2010/main" xmlns="" val="2659555247"/>
       </p:ext>
     </p:extLst>
   </p:cSld>
@@ -2402,7 +2402,7 @@
     </p:spTree>
     <p:extLst>
       <p:ext uri="{BB962C8B-B14F-4D97-AF65-F5344CB8AC3E}">
-        <p14:creationId xmlns="" xmlns:p14="http://schemas.microsoft.com/office/powerpoint/2010/main" val="2659555247"/>
+        <p14:creationId xmlns:p14="http://schemas.microsoft.com/office/powerpoint/2010/main" xmlns="" val="2659555247"/>
       </p:ext>
     </p:extLst>
   </p:cSld>
@@ -2487,7 +2487,7 @@
     </p:spTree>
     <p:extLst>
       <p:ext uri="{BB962C8B-B14F-4D97-AF65-F5344CB8AC3E}">
-        <p14:creationId xmlns="" xmlns:p14="http://schemas.microsoft.com/office/powerpoint/2010/main" val="2659555247"/>
+        <p14:creationId xmlns:p14="http://schemas.microsoft.com/office/powerpoint/2010/main" xmlns="" val="2659555247"/>
       </p:ext>
     </p:extLst>
   </p:cSld>
@@ -2572,7 +2572,7 @@
     </p:spTree>
     <p:extLst>
       <p:ext uri="{BB962C8B-B14F-4D97-AF65-F5344CB8AC3E}">
-        <p14:creationId xmlns="" xmlns:p14="http://schemas.microsoft.com/office/powerpoint/2010/main" val="2659555247"/>
+        <p14:creationId xmlns:p14="http://schemas.microsoft.com/office/powerpoint/2010/main" xmlns="" val="2659555247"/>
       </p:ext>
     </p:extLst>
   </p:cSld>
@@ -2657,7 +2657,7 @@
     </p:spTree>
     <p:extLst>
       <p:ext uri="{BB962C8B-B14F-4D97-AF65-F5344CB8AC3E}">
-        <p14:creationId xmlns="" xmlns:p14="http://schemas.microsoft.com/office/powerpoint/2010/main" val="2659555247"/>
+        <p14:creationId xmlns:p14="http://schemas.microsoft.com/office/powerpoint/2010/main" xmlns="" val="2659555247"/>
       </p:ext>
     </p:extLst>
   </p:cSld>
@@ -2742,7 +2742,7 @@
     </p:spTree>
     <p:extLst>
       <p:ext uri="{BB962C8B-B14F-4D97-AF65-F5344CB8AC3E}">
-        <p14:creationId xmlns="" xmlns:p14="http://schemas.microsoft.com/office/powerpoint/2010/main" val="2659555247"/>
+        <p14:creationId xmlns:p14="http://schemas.microsoft.com/office/powerpoint/2010/main" xmlns="" val="2659555247"/>
       </p:ext>
     </p:extLst>
   </p:cSld>
@@ -2827,7 +2827,7 @@
     </p:spTree>
     <p:extLst>
       <p:ext uri="{BB962C8B-B14F-4D97-AF65-F5344CB8AC3E}">
-        <p14:creationId xmlns="" xmlns:p14="http://schemas.microsoft.com/office/powerpoint/2010/main" val="2659555247"/>
+        <p14:creationId xmlns:p14="http://schemas.microsoft.com/office/powerpoint/2010/main" xmlns="" val="2659555247"/>
       </p:ext>
     </p:extLst>
   </p:cSld>
@@ -2912,7 +2912,7 @@
     </p:spTree>
     <p:extLst>
       <p:ext uri="{BB962C8B-B14F-4D97-AF65-F5344CB8AC3E}">
-        <p14:creationId xmlns="" xmlns:p14="http://schemas.microsoft.com/office/powerpoint/2010/main" val="2659555247"/>
+        <p14:creationId xmlns:p14="http://schemas.microsoft.com/office/powerpoint/2010/main" xmlns="" val="2659555247"/>
       </p:ext>
     </p:extLst>
   </p:cSld>
@@ -2997,7 +2997,7 @@
     </p:spTree>
     <p:extLst>
       <p:ext uri="{BB962C8B-B14F-4D97-AF65-F5344CB8AC3E}">
-        <p14:creationId xmlns="" xmlns:p14="http://schemas.microsoft.com/office/powerpoint/2010/main" val="2659555247"/>
+        <p14:creationId xmlns:p14="http://schemas.microsoft.com/office/powerpoint/2010/main" xmlns="" val="2659555247"/>
       </p:ext>
     </p:extLst>
   </p:cSld>
@@ -3082,7 +3082,7 @@
     </p:spTree>
     <p:extLst>
       <p:ext uri="{BB962C8B-B14F-4D97-AF65-F5344CB8AC3E}">
-        <p14:creationId xmlns="" xmlns:p14="http://schemas.microsoft.com/office/powerpoint/2010/main" val="2659555247"/>
+        <p14:creationId xmlns:p14="http://schemas.microsoft.com/office/powerpoint/2010/main" xmlns="" val="2659555247"/>
       </p:ext>
     </p:extLst>
   </p:cSld>
@@ -3167,7 +3167,7 @@
     </p:spTree>
     <p:extLst>
       <p:ext uri="{BB962C8B-B14F-4D97-AF65-F5344CB8AC3E}">
-        <p14:creationId xmlns="" xmlns:p14="http://schemas.microsoft.com/office/powerpoint/2010/main" val="2659555247"/>
+        <p14:creationId xmlns:p14="http://schemas.microsoft.com/office/powerpoint/2010/main" xmlns="" val="2659555247"/>
       </p:ext>
     </p:extLst>
   </p:cSld>
@@ -3252,7 +3252,7 @@
     </p:spTree>
     <p:extLst>
       <p:ext uri="{BB962C8B-B14F-4D97-AF65-F5344CB8AC3E}">
-        <p14:creationId xmlns="" xmlns:p14="http://schemas.microsoft.com/office/powerpoint/2010/main" val="2659555247"/>
+        <p14:creationId xmlns:p14="http://schemas.microsoft.com/office/powerpoint/2010/main" xmlns="" val="2659555247"/>
       </p:ext>
     </p:extLst>
   </p:cSld>
@@ -3337,7 +3337,7 @@
     </p:spTree>
     <p:extLst>
       <p:ext uri="{BB962C8B-B14F-4D97-AF65-F5344CB8AC3E}">
-        <p14:creationId xmlns="" xmlns:p14="http://schemas.microsoft.com/office/powerpoint/2010/main" val="2659555247"/>
+        <p14:creationId xmlns:p14="http://schemas.microsoft.com/office/powerpoint/2010/main" xmlns="" val="2659555247"/>
       </p:ext>
     </p:extLst>
   </p:cSld>
@@ -3422,7 +3422,7 @@
     </p:spTree>
     <p:extLst>
       <p:ext uri="{BB962C8B-B14F-4D97-AF65-F5344CB8AC3E}">
-        <p14:creationId xmlns="" xmlns:p14="http://schemas.microsoft.com/office/powerpoint/2010/main" val="2659555247"/>
+        <p14:creationId xmlns:p14="http://schemas.microsoft.com/office/powerpoint/2010/main" xmlns="" val="2659555247"/>
       </p:ext>
     </p:extLst>
   </p:cSld>
@@ -3507,7 +3507,7 @@
     </p:spTree>
     <p:extLst>
       <p:ext uri="{BB962C8B-B14F-4D97-AF65-F5344CB8AC3E}">
-        <p14:creationId xmlns:p14="http://schemas.microsoft.com/office/powerpoint/2010/main" xmlns="" val="939565178"/>
+        <p14:creationId xmlns="" xmlns:p14="http://schemas.microsoft.com/office/powerpoint/2010/main" val="939565178"/>
       </p:ext>
     </p:extLst>
   </p:cSld>
@@ -3596,7 +3596,7 @@
     </p:spTree>
     <p:extLst>
       <p:ext uri="{BB962C8B-B14F-4D97-AF65-F5344CB8AC3E}">
-        <p14:creationId xmlns="" xmlns:p14="http://schemas.microsoft.com/office/powerpoint/2010/main" val="2659555247"/>
+        <p14:creationId xmlns:p14="http://schemas.microsoft.com/office/powerpoint/2010/main" xmlns="" val="2659555247"/>
       </p:ext>
     </p:extLst>
   </p:cSld>
@@ -3685,7 +3685,7 @@
     </p:spTree>
     <p:extLst>
       <p:ext uri="{BB962C8B-B14F-4D97-AF65-F5344CB8AC3E}">
-        <p14:creationId xmlns="" xmlns:p14="http://schemas.microsoft.com/office/powerpoint/2010/main" val="2659555247"/>
+        <p14:creationId xmlns:p14="http://schemas.microsoft.com/office/powerpoint/2010/main" xmlns="" val="2659555247"/>
       </p:ext>
     </p:extLst>
   </p:cSld>
@@ -3770,7 +3770,7 @@
     </p:spTree>
     <p:extLst>
       <p:ext uri="{BB962C8B-B14F-4D97-AF65-F5344CB8AC3E}">
-        <p14:creationId xmlns="" xmlns:p14="http://schemas.microsoft.com/office/powerpoint/2010/main" val="2659555247"/>
+        <p14:creationId xmlns:p14="http://schemas.microsoft.com/office/powerpoint/2010/main" xmlns="" val="2659555247"/>
       </p:ext>
     </p:extLst>
   </p:cSld>
@@ -3859,7 +3859,7 @@
     </p:spTree>
     <p:extLst>
       <p:ext uri="{BB962C8B-B14F-4D97-AF65-F5344CB8AC3E}">
-        <p14:creationId xmlns="" xmlns:p14="http://schemas.microsoft.com/office/powerpoint/2010/main" val="2659555247"/>
+        <p14:creationId xmlns:p14="http://schemas.microsoft.com/office/powerpoint/2010/main" xmlns="" val="2659555247"/>
       </p:ext>
     </p:extLst>
   </p:cSld>
@@ -3948,7 +3948,7 @@
     </p:spTree>
     <p:extLst>
       <p:ext uri="{BB962C8B-B14F-4D97-AF65-F5344CB8AC3E}">
-        <p14:creationId xmlns="" xmlns:p14="http://schemas.microsoft.com/office/powerpoint/2010/main" val="2659555247"/>
+        <p14:creationId xmlns:p14="http://schemas.microsoft.com/office/powerpoint/2010/main" xmlns="" val="2659555247"/>
       </p:ext>
     </p:extLst>
   </p:cSld>
@@ -4037,7 +4037,7 @@
     </p:spTree>
     <p:extLst>
       <p:ext uri="{BB962C8B-B14F-4D97-AF65-F5344CB8AC3E}">
-        <p14:creationId xmlns="" xmlns:p14="http://schemas.microsoft.com/office/powerpoint/2010/main" val="2659555247"/>
+        <p14:creationId xmlns:p14="http://schemas.microsoft.com/office/powerpoint/2010/main" xmlns="" val="2659555247"/>
       </p:ext>
     </p:extLst>
   </p:cSld>
@@ -4126,7 +4126,7 @@
     </p:spTree>
     <p:extLst>
       <p:ext uri="{BB962C8B-B14F-4D97-AF65-F5344CB8AC3E}">
-        <p14:creationId xmlns="" xmlns:p14="http://schemas.microsoft.com/office/powerpoint/2010/main" val="2659555247"/>
+        <p14:creationId xmlns:p14="http://schemas.microsoft.com/office/powerpoint/2010/main" xmlns="" val="2659555247"/>
       </p:ext>
     </p:extLst>
   </p:cSld>
@@ -4215,7 +4215,7 @@
     </p:spTree>
     <p:extLst>
       <p:ext uri="{BB962C8B-B14F-4D97-AF65-F5344CB8AC3E}">
-        <p14:creationId xmlns="" xmlns:p14="http://schemas.microsoft.com/office/powerpoint/2010/main" val="2659555247"/>
+        <p14:creationId xmlns:p14="http://schemas.microsoft.com/office/powerpoint/2010/main" xmlns="" val="2659555247"/>
       </p:ext>
     </p:extLst>
   </p:cSld>
@@ -4304,7 +4304,7 @@
     </p:spTree>
     <p:extLst>
       <p:ext uri="{BB962C8B-B14F-4D97-AF65-F5344CB8AC3E}">
-        <p14:creationId xmlns="" xmlns:p14="http://schemas.microsoft.com/office/powerpoint/2010/main" val="2659555247"/>
+        <p14:creationId xmlns:p14="http://schemas.microsoft.com/office/powerpoint/2010/main" xmlns="" val="2659555247"/>
       </p:ext>
     </p:extLst>
   </p:cSld>
@@ -4393,7 +4393,7 @@
     </p:spTree>
     <p:extLst>
       <p:ext uri="{BB962C8B-B14F-4D97-AF65-F5344CB8AC3E}">
-        <p14:creationId xmlns="" xmlns:p14="http://schemas.microsoft.com/office/powerpoint/2010/main" val="2659555247"/>
+        <p14:creationId xmlns:p14="http://schemas.microsoft.com/office/powerpoint/2010/main" xmlns="" val="2659555247"/>
       </p:ext>
     </p:extLst>
   </p:cSld>
@@ -4482,7 +4482,7 @@
     </p:spTree>
     <p:extLst>
       <p:ext uri="{BB962C8B-B14F-4D97-AF65-F5344CB8AC3E}">
-        <p14:creationId xmlns="" xmlns:p14="http://schemas.microsoft.com/office/powerpoint/2010/main" val="2659555247"/>
+        <p14:creationId xmlns:p14="http://schemas.microsoft.com/office/powerpoint/2010/main" xmlns="" val="2659555247"/>
       </p:ext>
     </p:extLst>
   </p:cSld>
@@ -4571,7 +4571,7 @@
     </p:spTree>
     <p:extLst>
       <p:ext uri="{BB962C8B-B14F-4D97-AF65-F5344CB8AC3E}">
-        <p14:creationId xmlns="" xmlns:p14="http://schemas.microsoft.com/office/powerpoint/2010/main" val="2659555247"/>
+        <p14:creationId xmlns:p14="http://schemas.microsoft.com/office/powerpoint/2010/main" xmlns="" val="2659555247"/>
       </p:ext>
     </p:extLst>
   </p:cSld>
@@ -4660,7 +4660,7 @@
     </p:spTree>
     <p:extLst>
       <p:ext uri="{BB962C8B-B14F-4D97-AF65-F5344CB8AC3E}">
-        <p14:creationId xmlns="" xmlns:p14="http://schemas.microsoft.com/office/powerpoint/2010/main" val="2659555247"/>
+        <p14:creationId xmlns:p14="http://schemas.microsoft.com/office/powerpoint/2010/main" xmlns="" val="2659555247"/>
       </p:ext>
     </p:extLst>
   </p:cSld>
@@ -4745,7 +4745,7 @@
     </p:spTree>
     <p:extLst>
       <p:ext uri="{BB962C8B-B14F-4D97-AF65-F5344CB8AC3E}">
-        <p14:creationId xmlns="" xmlns:p14="http://schemas.microsoft.com/office/powerpoint/2010/main" val="2659555247"/>
+        <p14:creationId xmlns:p14="http://schemas.microsoft.com/office/powerpoint/2010/main" xmlns="" val="2659555247"/>
       </p:ext>
     </p:extLst>
   </p:cSld>
@@ -4830,7 +4830,7 @@
     </p:spTree>
     <p:extLst>
       <p:ext uri="{BB962C8B-B14F-4D97-AF65-F5344CB8AC3E}">
-        <p14:creationId xmlns="" xmlns:p14="http://schemas.microsoft.com/office/powerpoint/2010/main" val="2659555247"/>
+        <p14:creationId xmlns:p14="http://schemas.microsoft.com/office/powerpoint/2010/main" xmlns="" val="2659555247"/>
       </p:ext>
     </p:extLst>
   </p:cSld>
@@ -4915,7 +4915,7 @@
     </p:spTree>
     <p:extLst>
       <p:ext uri="{BB962C8B-B14F-4D97-AF65-F5344CB8AC3E}">
-        <p14:creationId xmlns="" xmlns:p14="http://schemas.microsoft.com/office/powerpoint/2010/main" val="2659555247"/>
+        <p14:creationId xmlns:p14="http://schemas.microsoft.com/office/powerpoint/2010/main" xmlns="" val="2659555247"/>
       </p:ext>
     </p:extLst>
   </p:cSld>
@@ -5000,7 +5000,7 @@
     </p:spTree>
     <p:extLst>
       <p:ext uri="{BB962C8B-B14F-4D97-AF65-F5344CB8AC3E}">
-        <p14:creationId xmlns="" xmlns:p14="http://schemas.microsoft.com/office/powerpoint/2010/main" val="2659555247"/>
+        <p14:creationId xmlns:p14="http://schemas.microsoft.com/office/powerpoint/2010/main" xmlns="" val="2659555247"/>
       </p:ext>
     </p:extLst>
   </p:cSld>
@@ -5085,7 +5085,7 @@
     </p:spTree>
     <p:extLst>
       <p:ext uri="{BB962C8B-B14F-4D97-AF65-F5344CB8AC3E}">
-        <p14:creationId xmlns="" xmlns:p14="http://schemas.microsoft.com/office/powerpoint/2010/main" val="2659555247"/>
+        <p14:creationId xmlns:p14="http://schemas.microsoft.com/office/powerpoint/2010/main" xmlns="" val="2659555247"/>
       </p:ext>
     </p:extLst>
   </p:cSld>
@@ -5170,7 +5170,7 @@
     </p:spTree>
     <p:extLst>
       <p:ext uri="{BB962C8B-B14F-4D97-AF65-F5344CB8AC3E}">
-        <p14:creationId xmlns="" xmlns:p14="http://schemas.microsoft.com/office/powerpoint/2010/main" val="2659555247"/>
+        <p14:creationId xmlns:p14="http://schemas.microsoft.com/office/powerpoint/2010/main" xmlns="" val="2659555247"/>
       </p:ext>
     </p:extLst>
   </p:cSld>
@@ -5255,7 +5255,7 @@
     </p:spTree>
     <p:extLst>
       <p:ext uri="{BB962C8B-B14F-4D97-AF65-F5344CB8AC3E}">
-        <p14:creationId xmlns:p14="http://schemas.microsoft.com/office/powerpoint/2010/main" xmlns="" val="939565178"/>
+        <p14:creationId xmlns="" xmlns:p14="http://schemas.microsoft.com/office/powerpoint/2010/main" val="939565178"/>
       </p:ext>
     </p:extLst>
   </p:cSld>
@@ -5340,7 +5340,7 @@
     </p:spTree>
     <p:extLst>
       <p:ext uri="{BB962C8B-B14F-4D97-AF65-F5344CB8AC3E}">
-        <p14:creationId xmlns="" xmlns:p14="http://schemas.microsoft.com/office/powerpoint/2010/main" val="2659555247"/>
+        <p14:creationId xmlns:p14="http://schemas.microsoft.com/office/powerpoint/2010/main" xmlns="" val="2659555247"/>
       </p:ext>
     </p:extLst>
   </p:cSld>
@@ -5425,7 +5425,7 @@
     </p:spTree>
     <p:extLst>
       <p:ext uri="{BB962C8B-B14F-4D97-AF65-F5344CB8AC3E}">
-        <p14:creationId xmlns="" xmlns:p14="http://schemas.microsoft.com/office/powerpoint/2010/main" val="2659555247"/>
+        <p14:creationId xmlns:p14="http://schemas.microsoft.com/office/powerpoint/2010/main" xmlns="" val="2659555247"/>
       </p:ext>
     </p:extLst>
   </p:cSld>
@@ -5510,7 +5510,7 @@
     </p:spTree>
     <p:extLst>
       <p:ext uri="{BB962C8B-B14F-4D97-AF65-F5344CB8AC3E}">
-        <p14:creationId xmlns="" xmlns:p14="http://schemas.microsoft.com/office/powerpoint/2010/main" val="2659555247"/>
+        <p14:creationId xmlns:p14="http://schemas.microsoft.com/office/powerpoint/2010/main" xmlns="" val="2659555247"/>
       </p:ext>
     </p:extLst>
   </p:cSld>
@@ -5595,7 +5595,7 @@
     </p:spTree>
     <p:extLst>
       <p:ext uri="{BB962C8B-B14F-4D97-AF65-F5344CB8AC3E}">
-        <p14:creationId xmlns="" xmlns:p14="http://schemas.microsoft.com/office/powerpoint/2010/main" val="2659555247"/>
+        <p14:creationId xmlns:p14="http://schemas.microsoft.com/office/powerpoint/2010/main" xmlns="" val="2659555247"/>
       </p:ext>
     </p:extLst>
   </p:cSld>
@@ -5680,7 +5680,7 @@
     </p:spTree>
     <p:extLst>
       <p:ext uri="{BB962C8B-B14F-4D97-AF65-F5344CB8AC3E}">
-        <p14:creationId xmlns="" xmlns:p14="http://schemas.microsoft.com/office/powerpoint/2010/main" val="2659555247"/>
+        <p14:creationId xmlns:p14="http://schemas.microsoft.com/office/powerpoint/2010/main" xmlns="" val="2659555247"/>
       </p:ext>
     </p:extLst>
   </p:cSld>
@@ -5765,7 +5765,7 @@
     </p:spTree>
     <p:extLst>
       <p:ext uri="{BB962C8B-B14F-4D97-AF65-F5344CB8AC3E}">
-        <p14:creationId xmlns="" xmlns:p14="http://schemas.microsoft.com/office/powerpoint/2010/main" val="2659555247"/>
+        <p14:creationId xmlns:p14="http://schemas.microsoft.com/office/powerpoint/2010/main" xmlns="" val="2659555247"/>
       </p:ext>
     </p:extLst>
   </p:cSld>
@@ -5850,7 +5850,7 @@
     </p:spTree>
     <p:extLst>
       <p:ext uri="{BB962C8B-B14F-4D97-AF65-F5344CB8AC3E}">
-        <p14:creationId xmlns="" xmlns:p14="http://schemas.microsoft.com/office/powerpoint/2010/main" val="2659555247"/>
+        <p14:creationId xmlns:p14="http://schemas.microsoft.com/office/powerpoint/2010/main" xmlns="" val="2659555247"/>
       </p:ext>
     </p:extLst>
   </p:cSld>
@@ -5935,7 +5935,7 @@
     </p:spTree>
     <p:extLst>
       <p:ext uri="{BB962C8B-B14F-4D97-AF65-F5344CB8AC3E}">
-        <p14:creationId xmlns="" xmlns:p14="http://schemas.microsoft.com/office/powerpoint/2010/main" val="2659555247"/>
+        <p14:creationId xmlns:p14="http://schemas.microsoft.com/office/powerpoint/2010/main" xmlns="" val="2659555247"/>
       </p:ext>
     </p:extLst>
   </p:cSld>
@@ -6020,7 +6020,7 @@
     </p:spTree>
     <p:extLst>
       <p:ext uri="{BB962C8B-B14F-4D97-AF65-F5344CB8AC3E}">
-        <p14:creationId xmlns="" xmlns:p14="http://schemas.microsoft.com/office/powerpoint/2010/main" val="2659555247"/>
+        <p14:creationId xmlns:p14="http://schemas.microsoft.com/office/powerpoint/2010/main" xmlns="" val="2659555247"/>
       </p:ext>
     </p:extLst>
   </p:cSld>
@@ -6105,7 +6105,7 @@
     </p:spTree>
     <p:extLst>
       <p:ext uri="{BB962C8B-B14F-4D97-AF65-F5344CB8AC3E}">
-        <p14:creationId xmlns="" xmlns:p14="http://schemas.microsoft.com/office/powerpoint/2010/main" val="2659555247"/>
+        <p14:creationId xmlns:p14="http://schemas.microsoft.com/office/powerpoint/2010/main" xmlns="" val="2659555247"/>
       </p:ext>
     </p:extLst>
   </p:cSld>
@@ -6190,7 +6190,7 @@
     </p:spTree>
     <p:extLst>
       <p:ext uri="{BB962C8B-B14F-4D97-AF65-F5344CB8AC3E}">
-        <p14:creationId xmlns="" xmlns:p14="http://schemas.microsoft.com/office/powerpoint/2010/main" val="2659555247"/>
+        <p14:creationId xmlns:p14="http://schemas.microsoft.com/office/powerpoint/2010/main" xmlns="" val="2659555247"/>
       </p:ext>
     </p:extLst>
   </p:cSld>
@@ -6275,7 +6275,7 @@
     </p:spTree>
     <p:extLst>
       <p:ext uri="{BB962C8B-B14F-4D97-AF65-F5344CB8AC3E}">
-        <p14:creationId xmlns:p14="http://schemas.microsoft.com/office/powerpoint/2010/main" xmlns="" val="939565178"/>
+        <p14:creationId xmlns="" xmlns:p14="http://schemas.microsoft.com/office/powerpoint/2010/main" val="939565178"/>
       </p:ext>
     </p:extLst>
   </p:cSld>
@@ -6360,7 +6360,7 @@
     </p:spTree>
     <p:extLst>
       <p:ext uri="{BB962C8B-B14F-4D97-AF65-F5344CB8AC3E}">
-        <p14:creationId xmlns="" xmlns:p14="http://schemas.microsoft.com/office/powerpoint/2010/main" val="2659555247"/>
+        <p14:creationId xmlns:p14="http://schemas.microsoft.com/office/powerpoint/2010/main" xmlns="" val="2659555247"/>
       </p:ext>
     </p:extLst>
   </p:cSld>
@@ -6445,7 +6445,7 @@
     </p:spTree>
     <p:extLst>
       <p:ext uri="{BB962C8B-B14F-4D97-AF65-F5344CB8AC3E}">
-        <p14:creationId xmlns="" xmlns:p14="http://schemas.microsoft.com/office/powerpoint/2010/main" val="2659555247"/>
+        <p14:creationId xmlns:p14="http://schemas.microsoft.com/office/powerpoint/2010/main" xmlns="" val="2659555247"/>
       </p:ext>
     </p:extLst>
   </p:cSld>
@@ -6530,7 +6530,7 @@
     </p:spTree>
     <p:extLst>
       <p:ext uri="{BB962C8B-B14F-4D97-AF65-F5344CB8AC3E}">
-        <p14:creationId xmlns="" xmlns:p14="http://schemas.microsoft.com/office/powerpoint/2010/main" val="2659555247"/>
+        <p14:creationId xmlns:p14="http://schemas.microsoft.com/office/powerpoint/2010/main" xmlns="" val="2659555247"/>
       </p:ext>
     </p:extLst>
   </p:cSld>
@@ -6615,7 +6615,7 @@
     </p:spTree>
     <p:extLst>
       <p:ext uri="{BB962C8B-B14F-4D97-AF65-F5344CB8AC3E}">
-        <p14:creationId xmlns="" xmlns:p14="http://schemas.microsoft.com/office/powerpoint/2010/main" val="2659555247"/>
+        <p14:creationId xmlns:p14="http://schemas.microsoft.com/office/powerpoint/2010/main" xmlns="" val="2659555247"/>
       </p:ext>
     </p:extLst>
   </p:cSld>
@@ -6700,7 +6700,7 @@
     </p:spTree>
     <p:extLst>
       <p:ext uri="{BB962C8B-B14F-4D97-AF65-F5344CB8AC3E}">
-        <p14:creationId xmlns="" xmlns:p14="http://schemas.microsoft.com/office/powerpoint/2010/main" val="2659555247"/>
+        <p14:creationId xmlns:p14="http://schemas.microsoft.com/office/powerpoint/2010/main" xmlns="" val="2659555247"/>
       </p:ext>
     </p:extLst>
   </p:cSld>
@@ -6785,7 +6785,7 @@
     </p:spTree>
     <p:extLst>
       <p:ext uri="{BB962C8B-B14F-4D97-AF65-F5344CB8AC3E}">
-        <p14:creationId xmlns="" xmlns:p14="http://schemas.microsoft.com/office/powerpoint/2010/main" val="2659555247"/>
+        <p14:creationId xmlns:p14="http://schemas.microsoft.com/office/powerpoint/2010/main" xmlns="" val="2659555247"/>
       </p:ext>
     </p:extLst>
   </p:cSld>
@@ -6870,7 +6870,7 @@
     </p:spTree>
     <p:extLst>
       <p:ext uri="{BB962C8B-B14F-4D97-AF65-F5344CB8AC3E}">
-        <p14:creationId xmlns="" xmlns:p14="http://schemas.microsoft.com/office/powerpoint/2010/main" val="2659555247"/>
+        <p14:creationId xmlns:p14="http://schemas.microsoft.com/office/powerpoint/2010/main" xmlns="" val="2659555247"/>
       </p:ext>
     </p:extLst>
   </p:cSld>
@@ -6955,7 +6955,7 @@
     </p:spTree>
     <p:extLst>
       <p:ext uri="{BB962C8B-B14F-4D97-AF65-F5344CB8AC3E}">
-        <p14:creationId xmlns="" xmlns:p14="http://schemas.microsoft.com/office/powerpoint/2010/main" val="2659555247"/>
+        <p14:creationId xmlns:p14="http://schemas.microsoft.com/office/powerpoint/2010/main" xmlns="" val="2659555247"/>
       </p:ext>
     </p:extLst>
   </p:cSld>
@@ -7040,7 +7040,7 @@
     </p:spTree>
     <p:extLst>
       <p:ext uri="{BB962C8B-B14F-4D97-AF65-F5344CB8AC3E}">
-        <p14:creationId xmlns="" xmlns:p14="http://schemas.microsoft.com/office/powerpoint/2010/main" val="2659555247"/>
+        <p14:creationId xmlns:p14="http://schemas.microsoft.com/office/powerpoint/2010/main" xmlns="" val="2659555247"/>
       </p:ext>
     </p:extLst>
   </p:cSld>
@@ -7125,7 +7125,7 @@
     </p:spTree>
     <p:extLst>
       <p:ext uri="{BB962C8B-B14F-4D97-AF65-F5344CB8AC3E}">
-        <p14:creationId xmlns="" xmlns:p14="http://schemas.microsoft.com/office/powerpoint/2010/main" val="2659555247"/>
+        <p14:creationId xmlns:p14="http://schemas.microsoft.com/office/powerpoint/2010/main" xmlns="" val="2659555247"/>
       </p:ext>
     </p:extLst>
   </p:cSld>
@@ -7210,7 +7210,7 @@
     </p:spTree>
     <p:extLst>
       <p:ext uri="{BB962C8B-B14F-4D97-AF65-F5344CB8AC3E}">
-        <p14:creationId xmlns="" xmlns:p14="http://schemas.microsoft.com/office/powerpoint/2010/main" val="2659555247"/>
+        <p14:creationId xmlns:p14="http://schemas.microsoft.com/office/powerpoint/2010/main" xmlns="" val="2659555247"/>
       </p:ext>
     </p:extLst>
   </p:cSld>
@@ -7295,7 +7295,7 @@
     </p:spTree>
     <p:extLst>
       <p:ext uri="{BB962C8B-B14F-4D97-AF65-F5344CB8AC3E}">
-        <p14:creationId xmlns="" xmlns:p14="http://schemas.microsoft.com/office/powerpoint/2010/main" val="2659555247"/>
+        <p14:creationId xmlns:p14="http://schemas.microsoft.com/office/powerpoint/2010/main" xmlns="" val="2659555247"/>
       </p:ext>
     </p:extLst>
   </p:cSld>
@@ -7380,7 +7380,7 @@
     </p:spTree>
     <p:extLst>
       <p:ext uri="{BB962C8B-B14F-4D97-AF65-F5344CB8AC3E}">
-        <p14:creationId xmlns="" xmlns:p14="http://schemas.microsoft.com/office/powerpoint/2010/main" val="2659555247"/>
+        <p14:creationId xmlns:p14="http://schemas.microsoft.com/office/powerpoint/2010/main" xmlns="" val="2659555247"/>
       </p:ext>
     </p:extLst>
   </p:cSld>
@@ -7465,7 +7465,7 @@
     </p:spTree>
     <p:extLst>
       <p:ext uri="{BB962C8B-B14F-4D97-AF65-F5344CB8AC3E}">
-        <p14:creationId xmlns="" xmlns:p14="http://schemas.microsoft.com/office/powerpoint/2010/main" val="2659555247"/>
+        <p14:creationId xmlns:p14="http://schemas.microsoft.com/office/powerpoint/2010/main" xmlns="" val="2659555247"/>
       </p:ext>
     </p:extLst>
   </p:cSld>
@@ -7550,7 +7550,7 @@
     </p:spTree>
     <p:extLst>
       <p:ext uri="{BB962C8B-B14F-4D97-AF65-F5344CB8AC3E}">
-        <p14:creationId xmlns="" xmlns:p14="http://schemas.microsoft.com/office/powerpoint/2010/main" val="2659555247"/>
+        <p14:creationId xmlns:p14="http://schemas.microsoft.com/office/powerpoint/2010/main" xmlns="" val="2659555247"/>
       </p:ext>
     </p:extLst>
   </p:cSld>
@@ -7635,7 +7635,7 @@
     </p:spTree>
     <p:extLst>
       <p:ext uri="{BB962C8B-B14F-4D97-AF65-F5344CB8AC3E}">
-        <p14:creationId xmlns="" xmlns:p14="http://schemas.microsoft.com/office/powerpoint/2010/main" val="2659555247"/>
+        <p14:creationId xmlns:p14="http://schemas.microsoft.com/office/powerpoint/2010/main" xmlns="" val="2659555247"/>
       </p:ext>
     </p:extLst>
   </p:cSld>
@@ -7720,7 +7720,7 @@
     </p:spTree>
     <p:extLst>
       <p:ext uri="{BB962C8B-B14F-4D97-AF65-F5344CB8AC3E}">
-        <p14:creationId xmlns="" xmlns:p14="http://schemas.microsoft.com/office/powerpoint/2010/main" val="2659555247"/>
+        <p14:creationId xmlns:p14="http://schemas.microsoft.com/office/powerpoint/2010/main" xmlns="" val="2659555247"/>
       </p:ext>
     </p:extLst>
   </p:cSld>
@@ -7805,7 +7805,7 @@
     </p:spTree>
     <p:extLst>
       <p:ext uri="{BB962C8B-B14F-4D97-AF65-F5344CB8AC3E}">
-        <p14:creationId xmlns="" xmlns:p14="http://schemas.microsoft.com/office/powerpoint/2010/main" val="2659555247"/>
+        <p14:creationId xmlns:p14="http://schemas.microsoft.com/office/powerpoint/2010/main" xmlns="" val="2659555247"/>
       </p:ext>
     </p:extLst>
   </p:cSld>
@@ -7890,7 +7890,7 @@
     </p:spTree>
     <p:extLst>
       <p:ext uri="{BB962C8B-B14F-4D97-AF65-F5344CB8AC3E}">
-        <p14:creationId xmlns="" xmlns:p14="http://schemas.microsoft.com/office/powerpoint/2010/main" val="2659555247"/>
+        <p14:creationId xmlns:p14="http://schemas.microsoft.com/office/powerpoint/2010/main" xmlns="" val="2659555247"/>
       </p:ext>
     </p:extLst>
   </p:cSld>
@@ -7975,7 +7975,7 @@
     </p:spTree>
     <p:extLst>
       <p:ext uri="{BB962C8B-B14F-4D97-AF65-F5344CB8AC3E}">
-        <p14:creationId xmlns="" xmlns:p14="http://schemas.microsoft.com/office/powerpoint/2010/main" val="2659555247"/>
+        <p14:creationId xmlns:p14="http://schemas.microsoft.com/office/powerpoint/2010/main" xmlns="" val="2659555247"/>
       </p:ext>
     </p:extLst>
   </p:cSld>
@@ -8060,7 +8060,7 @@
     </p:spTree>
     <p:extLst>
       <p:ext uri="{BB962C8B-B14F-4D97-AF65-F5344CB8AC3E}">
-        <p14:creationId xmlns="" xmlns:p14="http://schemas.microsoft.com/office/powerpoint/2010/main" val="2659555247"/>
+        <p14:creationId xmlns:p14="http://schemas.microsoft.com/office/powerpoint/2010/main" xmlns="" val="2659555247"/>
       </p:ext>
     </p:extLst>
   </p:cSld>
@@ -8145,7 +8145,7 @@
     </p:spTree>
     <p:extLst>
       <p:ext uri="{BB962C8B-B14F-4D97-AF65-F5344CB8AC3E}">
-        <p14:creationId xmlns="" xmlns:p14="http://schemas.microsoft.com/office/powerpoint/2010/main" val="2659555247"/>
+        <p14:creationId xmlns:p14="http://schemas.microsoft.com/office/powerpoint/2010/main" xmlns="" val="2659555247"/>
       </p:ext>
     </p:extLst>
   </p:cSld>
@@ -8230,7 +8230,7 @@
     </p:spTree>
     <p:extLst>
       <p:ext uri="{BB962C8B-B14F-4D97-AF65-F5344CB8AC3E}">
-        <p14:creationId xmlns="" xmlns:p14="http://schemas.microsoft.com/office/powerpoint/2010/main" val="2659555247"/>
+        <p14:creationId xmlns:p14="http://schemas.microsoft.com/office/powerpoint/2010/main" xmlns="" val="2659555247"/>
       </p:ext>
     </p:extLst>
   </p:cSld>
@@ -8315,7 +8315,7 @@
     </p:spTree>
     <p:extLst>
       <p:ext uri="{BB962C8B-B14F-4D97-AF65-F5344CB8AC3E}">
-        <p14:creationId xmlns="" xmlns:p14="http://schemas.microsoft.com/office/powerpoint/2010/main" val="2659555247"/>
+        <p14:creationId xmlns:p14="http://schemas.microsoft.com/office/powerpoint/2010/main" xmlns="" val="2659555247"/>
       </p:ext>
     </p:extLst>
   </p:cSld>
@@ -8400,7 +8400,7 @@
     </p:spTree>
     <p:extLst>
       <p:ext uri="{BB962C8B-B14F-4D97-AF65-F5344CB8AC3E}">
-        <p14:creationId xmlns="" xmlns:p14="http://schemas.microsoft.com/office/powerpoint/2010/main" val="2659555247"/>
+        <p14:creationId xmlns:p14="http://schemas.microsoft.com/office/powerpoint/2010/main" xmlns="" val="2659555247"/>
       </p:ext>
     </p:extLst>
   </p:cSld>
@@ -8485,7 +8485,7 @@
     </p:spTree>
     <p:extLst>
       <p:ext uri="{BB962C8B-B14F-4D97-AF65-F5344CB8AC3E}">
-        <p14:creationId xmlns:p14="http://schemas.microsoft.com/office/powerpoint/2010/main" xmlns="" val="939565178"/>
+        <p14:creationId xmlns="" xmlns:p14="http://schemas.microsoft.com/office/powerpoint/2010/main" val="939565178"/>
       </p:ext>
     </p:extLst>
   </p:cSld>
@@ -8570,7 +8570,7 @@
     </p:spTree>
     <p:extLst>
       <p:ext uri="{BB962C8B-B14F-4D97-AF65-F5344CB8AC3E}">
-        <p14:creationId xmlns="" xmlns:p14="http://schemas.microsoft.com/office/powerpoint/2010/main" val="2659555247"/>
+        <p14:creationId xmlns:p14="http://schemas.microsoft.com/office/powerpoint/2010/main" xmlns="" val="2659555247"/>
       </p:ext>
     </p:extLst>
   </p:cSld>
@@ -8655,7 +8655,7 @@
     </p:spTree>
     <p:extLst>
       <p:ext uri="{BB962C8B-B14F-4D97-AF65-F5344CB8AC3E}">
-        <p14:creationId xmlns="" xmlns:p14="http://schemas.microsoft.com/office/powerpoint/2010/main" val="2659555247"/>
+        <p14:creationId xmlns:p14="http://schemas.microsoft.com/office/powerpoint/2010/main" xmlns="" val="2659555247"/>
       </p:ext>
     </p:extLst>
   </p:cSld>
@@ -8740,7 +8740,7 @@
     </p:spTree>
     <p:extLst>
       <p:ext uri="{BB962C8B-B14F-4D97-AF65-F5344CB8AC3E}">
-        <p14:creationId xmlns="" xmlns:p14="http://schemas.microsoft.com/office/powerpoint/2010/main" val="2659555247"/>
+        <p14:creationId xmlns:p14="http://schemas.microsoft.com/office/powerpoint/2010/main" xmlns="" val="2659555247"/>
       </p:ext>
     </p:extLst>
   </p:cSld>
@@ -8825,7 +8825,7 @@
     </p:spTree>
     <p:extLst>
       <p:ext uri="{BB962C8B-B14F-4D97-AF65-F5344CB8AC3E}">
-        <p14:creationId xmlns="" xmlns:p14="http://schemas.microsoft.com/office/powerpoint/2010/main" val="2659555247"/>
+        <p14:creationId xmlns:p14="http://schemas.microsoft.com/office/powerpoint/2010/main" xmlns="" val="2659555247"/>
       </p:ext>
     </p:extLst>
   </p:cSld>
@@ -8910,7 +8910,7 @@
     </p:spTree>
     <p:extLst>
       <p:ext uri="{BB962C8B-B14F-4D97-AF65-F5344CB8AC3E}">
-        <p14:creationId xmlns="" xmlns:p14="http://schemas.microsoft.com/office/powerpoint/2010/main" val="2659555247"/>
+        <p14:creationId xmlns:p14="http://schemas.microsoft.com/office/powerpoint/2010/main" xmlns="" val="2659555247"/>
       </p:ext>
     </p:extLst>
   </p:cSld>
@@ -8995,7 +8995,7 @@
     </p:spTree>
     <p:extLst>
       <p:ext uri="{BB962C8B-B14F-4D97-AF65-F5344CB8AC3E}">
-        <p14:creationId xmlns="" xmlns:p14="http://schemas.microsoft.com/office/powerpoint/2010/main" val="2659555247"/>
+        <p14:creationId xmlns:p14="http://schemas.microsoft.com/office/powerpoint/2010/main" xmlns="" val="2659555247"/>
       </p:ext>
     </p:extLst>
   </p:cSld>
@@ -9080,7 +9080,7 @@
     </p:spTree>
     <p:extLst>
       <p:ext uri="{BB962C8B-B14F-4D97-AF65-F5344CB8AC3E}">
-        <p14:creationId xmlns="" xmlns:p14="http://schemas.microsoft.com/office/powerpoint/2010/main" val="2659555247"/>
+        <p14:creationId xmlns:p14="http://schemas.microsoft.com/office/powerpoint/2010/main" xmlns="" val="2659555247"/>
       </p:ext>
     </p:extLst>
   </p:cSld>
@@ -9165,7 +9165,7 @@
     </p:spTree>
     <p:extLst>
       <p:ext uri="{BB962C8B-B14F-4D97-AF65-F5344CB8AC3E}">
-        <p14:creationId xmlns:p14="http://schemas.microsoft.com/office/powerpoint/2010/main" xmlns="" val="939565178"/>
+        <p14:creationId xmlns="" xmlns:p14="http://schemas.microsoft.com/office/powerpoint/2010/main" val="939565178"/>
       </p:ext>
     </p:extLst>
   </p:cSld>
@@ -9250,7 +9250,7 @@
     </p:spTree>
     <p:extLst>
       <p:ext uri="{BB962C8B-B14F-4D97-AF65-F5344CB8AC3E}">
-        <p14:creationId xmlns="" xmlns:p14="http://schemas.microsoft.com/office/powerpoint/2010/main" val="2659555247"/>
+        <p14:creationId xmlns:p14="http://schemas.microsoft.com/office/powerpoint/2010/main" xmlns="" val="2659555247"/>
       </p:ext>
     </p:extLst>
   </p:cSld>
@@ -9335,7 +9335,7 @@
     </p:spTree>
     <p:extLst>
       <p:ext uri="{BB962C8B-B14F-4D97-AF65-F5344CB8AC3E}">
-        <p14:creationId xmlns="" xmlns:p14="http://schemas.microsoft.com/office/powerpoint/2010/main" val="2659555247"/>
+        <p14:creationId xmlns:p14="http://schemas.microsoft.com/office/powerpoint/2010/main" xmlns="" val="2659555247"/>
       </p:ext>
     </p:extLst>
   </p:cSld>
@@ -9420,7 +9420,7 @@
     </p:spTree>
     <p:extLst>
       <p:ext uri="{BB962C8B-B14F-4D97-AF65-F5344CB8AC3E}">
-        <p14:creationId xmlns="" xmlns:p14="http://schemas.microsoft.com/office/powerpoint/2010/main" val="2659555247"/>
+        <p14:creationId xmlns:p14="http://schemas.microsoft.com/office/powerpoint/2010/main" xmlns="" val="2659555247"/>
       </p:ext>
     </p:extLst>
   </p:cSld>
@@ -9505,7 +9505,7 @@
     </p:spTree>
     <p:extLst>
       <p:ext uri="{BB962C8B-B14F-4D97-AF65-F5344CB8AC3E}">
-        <p14:creationId xmlns="" xmlns:p14="http://schemas.microsoft.com/office/powerpoint/2010/main" val="2659555247"/>
+        <p14:creationId xmlns:p14="http://schemas.microsoft.com/office/powerpoint/2010/main" xmlns="" val="2659555247"/>
       </p:ext>
     </p:extLst>
   </p:cSld>
@@ -9590,7 +9590,7 @@
     </p:spTree>
     <p:extLst>
       <p:ext uri="{BB962C8B-B14F-4D97-AF65-F5344CB8AC3E}">
-        <p14:creationId xmlns="" xmlns:p14="http://schemas.microsoft.com/office/powerpoint/2010/main" val="2659555247"/>
+        <p14:creationId xmlns:p14="http://schemas.microsoft.com/office/powerpoint/2010/main" xmlns="" val="2659555247"/>
       </p:ext>
     </p:extLst>
   </p:cSld>
@@ -9675,7 +9675,7 @@
     </p:spTree>
     <p:extLst>
       <p:ext uri="{BB962C8B-B14F-4D97-AF65-F5344CB8AC3E}">
-        <p14:creationId xmlns="" xmlns:p14="http://schemas.microsoft.com/office/powerpoint/2010/main" val="2659555247"/>
+        <p14:creationId xmlns:p14="http://schemas.microsoft.com/office/powerpoint/2010/main" xmlns="" val="2659555247"/>
       </p:ext>
     </p:extLst>
   </p:cSld>
@@ -9760,7 +9760,7 @@
     </p:spTree>
     <p:extLst>
       <p:ext uri="{BB962C8B-B14F-4D97-AF65-F5344CB8AC3E}">
-        <p14:creationId xmlns="" xmlns:p14="http://schemas.microsoft.com/office/powerpoint/2010/main" val="2659555247"/>
+        <p14:creationId xmlns:p14="http://schemas.microsoft.com/office/powerpoint/2010/main" xmlns="" val="2659555247"/>
       </p:ext>
     </p:extLst>
   </p:cSld>
@@ -9845,7 +9845,7 @@
     </p:spTree>
     <p:extLst>
       <p:ext uri="{BB962C8B-B14F-4D97-AF65-F5344CB8AC3E}">
-        <p14:creationId xmlns="" xmlns:p14="http://schemas.microsoft.com/office/powerpoint/2010/main" val="2659555247"/>
+        <p14:creationId xmlns:p14="http://schemas.microsoft.com/office/powerpoint/2010/main" xmlns="" val="2659555247"/>
       </p:ext>
     </p:extLst>
   </p:cSld>
@@ -9930,7 +9930,7 @@
     </p:spTree>
     <p:extLst>
       <p:ext uri="{BB962C8B-B14F-4D97-AF65-F5344CB8AC3E}">
-        <p14:creationId xmlns="" xmlns:p14="http://schemas.microsoft.com/office/powerpoint/2010/main" val="2659555247"/>
+        <p14:creationId xmlns:p14="http://schemas.microsoft.com/office/powerpoint/2010/main" xmlns="" val="2659555247"/>
       </p:ext>
     </p:extLst>
   </p:cSld>
@@ -10015,7 +10015,7 @@
     </p:spTree>
     <p:extLst>
       <p:ext uri="{BB962C8B-B14F-4D97-AF65-F5344CB8AC3E}">
-        <p14:creationId xmlns="" xmlns:p14="http://schemas.microsoft.com/office/powerpoint/2010/main" val="2659555247"/>
+        <p14:creationId xmlns:p14="http://schemas.microsoft.com/office/powerpoint/2010/main" xmlns="" val="2659555247"/>
       </p:ext>
     </p:extLst>
   </p:cSld>
@@ -10100,7 +10100,7 @@
     </p:spTree>
     <p:extLst>
       <p:ext uri="{BB962C8B-B14F-4D97-AF65-F5344CB8AC3E}">
-        <p14:creationId xmlns="" xmlns:p14="http://schemas.microsoft.com/office/powerpoint/2010/main" val="2659555247"/>
+        <p14:creationId xmlns:p14="http://schemas.microsoft.com/office/powerpoint/2010/main" xmlns="" val="2659555247"/>
       </p:ext>
     </p:extLst>
   </p:cSld>
@@ -10185,7 +10185,7 @@
     </p:spTree>
     <p:extLst>
       <p:ext uri="{BB962C8B-B14F-4D97-AF65-F5344CB8AC3E}">
-        <p14:creationId xmlns="" xmlns:p14="http://schemas.microsoft.com/office/powerpoint/2010/main" val="2659555247"/>
+        <p14:creationId xmlns:p14="http://schemas.microsoft.com/office/powerpoint/2010/main" xmlns="" val="2659555247"/>
       </p:ext>
     </p:extLst>
   </p:cSld>
@@ -10270,7 +10270,7 @@
     </p:spTree>
     <p:extLst>
       <p:ext uri="{BB962C8B-B14F-4D97-AF65-F5344CB8AC3E}">
-        <p14:creationId xmlns="" xmlns:p14="http://schemas.microsoft.com/office/powerpoint/2010/main" val="2659555247"/>
+        <p14:creationId xmlns:p14="http://schemas.microsoft.com/office/powerpoint/2010/main" xmlns="" val="2659555247"/>
       </p:ext>
     </p:extLst>
   </p:cSld>
@@ -10355,7 +10355,7 @@
     </p:spTree>
     <p:extLst>
       <p:ext uri="{BB962C8B-B14F-4D97-AF65-F5344CB8AC3E}">
-        <p14:creationId xmlns="" xmlns:p14="http://schemas.microsoft.com/office/powerpoint/2010/main" val="2659555247"/>
+        <p14:creationId xmlns:p14="http://schemas.microsoft.com/office/powerpoint/2010/main" xmlns="" val="2659555247"/>
       </p:ext>
     </p:extLst>
   </p:cSld>
@@ -10440,7 +10440,7 @@
     </p:spTree>
     <p:extLst>
       <p:ext uri="{BB962C8B-B14F-4D97-AF65-F5344CB8AC3E}">
-        <p14:creationId xmlns="" xmlns:p14="http://schemas.microsoft.com/office/powerpoint/2010/main" val="2659555247"/>
+        <p14:creationId xmlns:p14="http://schemas.microsoft.com/office/powerpoint/2010/main" xmlns="" val="2659555247"/>
       </p:ext>
     </p:extLst>
   </p:cSld>
@@ -10525,7 +10525,7 @@
     </p:spTree>
     <p:extLst>
       <p:ext uri="{BB962C8B-B14F-4D97-AF65-F5344CB8AC3E}">
-        <p14:creationId xmlns="" xmlns:p14="http://schemas.microsoft.com/office/powerpoint/2010/main" val="2659555247"/>
+        <p14:creationId xmlns:p14="http://schemas.microsoft.com/office/powerpoint/2010/main" xmlns="" val="2659555247"/>
       </p:ext>
     </p:extLst>
   </p:cSld>
@@ -10610,7 +10610,7 @@
     </p:spTree>
     <p:extLst>
       <p:ext uri="{BB962C8B-B14F-4D97-AF65-F5344CB8AC3E}">
-        <p14:creationId xmlns="" xmlns:p14="http://schemas.microsoft.com/office/powerpoint/2010/main" val="2659555247"/>
+        <p14:creationId xmlns:p14="http://schemas.microsoft.com/office/powerpoint/2010/main" xmlns="" val="2659555247"/>
       </p:ext>
     </p:extLst>
   </p:cSld>
@@ -10695,7 +10695,7 @@
     </p:spTree>
     <p:extLst>
       <p:ext uri="{BB962C8B-B14F-4D97-AF65-F5344CB8AC3E}">
-        <p14:creationId xmlns="" xmlns:p14="http://schemas.microsoft.com/office/powerpoint/2010/main" val="2659555247"/>
+        <p14:creationId xmlns:p14="http://schemas.microsoft.com/office/powerpoint/2010/main" xmlns="" val="2659555247"/>
       </p:ext>
     </p:extLst>
   </p:cSld>
@@ -10780,7 +10780,7 @@
     </p:spTree>
     <p:extLst>
       <p:ext uri="{BB962C8B-B14F-4D97-AF65-F5344CB8AC3E}">
-        <p14:creationId xmlns="" xmlns:p14="http://schemas.microsoft.com/office/powerpoint/2010/main" val="2659555247"/>
+        <p14:creationId xmlns:p14="http://schemas.microsoft.com/office/powerpoint/2010/main" xmlns="" val="2659555247"/>
       </p:ext>
     </p:extLst>
   </p:cSld>
@@ -10865,7 +10865,7 @@
     </p:spTree>
     <p:extLst>
       <p:ext uri="{BB962C8B-B14F-4D97-AF65-F5344CB8AC3E}">
-        <p14:creationId xmlns="" xmlns:p14="http://schemas.microsoft.com/office/powerpoint/2010/main" val="2659555247"/>
+        <p14:creationId xmlns:p14="http://schemas.microsoft.com/office/powerpoint/2010/main" xmlns="" val="2659555247"/>
       </p:ext>
     </p:extLst>
   </p:cSld>
@@ -10950,7 +10950,7 @@
     </p:spTree>
     <p:extLst>
       <p:ext uri="{BB962C8B-B14F-4D97-AF65-F5344CB8AC3E}">
-        <p14:creationId xmlns="" xmlns:p14="http://schemas.microsoft.com/office/powerpoint/2010/main" val="2659555247"/>
+        <p14:creationId xmlns:p14="http://schemas.microsoft.com/office/powerpoint/2010/main" xmlns="" val="2659555247"/>
       </p:ext>
     </p:extLst>
   </p:cSld>
@@ -11035,7 +11035,7 @@
     </p:spTree>
     <p:extLst>
       <p:ext uri="{BB962C8B-B14F-4D97-AF65-F5344CB8AC3E}">
-        <p14:creationId xmlns="" xmlns:p14="http://schemas.microsoft.com/office/powerpoint/2010/main" val="2659555247"/>
+        <p14:creationId xmlns:p14="http://schemas.microsoft.com/office/powerpoint/2010/main" xmlns="" val="2659555247"/>
       </p:ext>
     </p:extLst>
   </p:cSld>
@@ -11120,7 +11120,7 @@
     </p:spTree>
     <p:extLst>
       <p:ext uri="{BB962C8B-B14F-4D97-AF65-F5344CB8AC3E}">
-        <p14:creationId xmlns="" xmlns:p14="http://schemas.microsoft.com/office/powerpoint/2010/main" val="2659555247"/>
+        <p14:creationId xmlns:p14="http://schemas.microsoft.com/office/powerpoint/2010/main" xmlns="" val="2659555247"/>
       </p:ext>
     </p:extLst>
   </p:cSld>
@@ -11205,7 +11205,7 @@
     </p:spTree>
     <p:extLst>
       <p:ext uri="{BB962C8B-B14F-4D97-AF65-F5344CB8AC3E}">
-        <p14:creationId xmlns="" xmlns:p14="http://schemas.microsoft.com/office/powerpoint/2010/main" val="2659555247"/>
+        <p14:creationId xmlns:p14="http://schemas.microsoft.com/office/powerpoint/2010/main" xmlns="" val="2659555247"/>
       </p:ext>
     </p:extLst>
   </p:cSld>
@@ -11290,7 +11290,7 @@
     </p:spTree>
     <p:extLst>
       <p:ext uri="{BB962C8B-B14F-4D97-AF65-F5344CB8AC3E}">
-        <p14:creationId xmlns="" xmlns:p14="http://schemas.microsoft.com/office/powerpoint/2010/main" val="2659555247"/>
+        <p14:creationId xmlns:p14="http://schemas.microsoft.com/office/powerpoint/2010/main" xmlns="" val="2659555247"/>
       </p:ext>
     </p:extLst>
   </p:cSld>
@@ -11375,7 +11375,7 @@
     </p:spTree>
     <p:extLst>
       <p:ext uri="{BB962C8B-B14F-4D97-AF65-F5344CB8AC3E}">
-        <p14:creationId xmlns="" xmlns:p14="http://schemas.microsoft.com/office/powerpoint/2010/main" val="2659555247"/>
+        <p14:creationId xmlns:p14="http://schemas.microsoft.com/office/powerpoint/2010/main" xmlns="" val="2659555247"/>
       </p:ext>
     </p:extLst>
   </p:cSld>
@@ -11460,7 +11460,7 @@
     </p:spTree>
     <p:extLst>
       <p:ext uri="{BB962C8B-B14F-4D97-AF65-F5344CB8AC3E}">
-        <p14:creationId xmlns="" xmlns:p14="http://schemas.microsoft.com/office/powerpoint/2010/main" val="2659555247"/>
+        <p14:creationId xmlns:p14="http://schemas.microsoft.com/office/powerpoint/2010/main" xmlns="" val="2659555247"/>
       </p:ext>
     </p:extLst>
   </p:cSld>
@@ -11545,7 +11545,7 @@
     </p:spTree>
     <p:extLst>
       <p:ext uri="{BB962C8B-B14F-4D97-AF65-F5344CB8AC3E}">
-        <p14:creationId xmlns="" xmlns:p14="http://schemas.microsoft.com/office/powerpoint/2010/main" val="2659555247"/>
+        <p14:creationId xmlns:p14="http://schemas.microsoft.com/office/powerpoint/2010/main" xmlns="" val="2659555247"/>
       </p:ext>
     </p:extLst>
   </p:cSld>
@@ -11630,7 +11630,7 @@
     </p:spTree>
     <p:extLst>
       <p:ext uri="{BB962C8B-B14F-4D97-AF65-F5344CB8AC3E}">
-        <p14:creationId xmlns="" xmlns:p14="http://schemas.microsoft.com/office/powerpoint/2010/main" val="2659555247"/>
+        <p14:creationId xmlns:p14="http://schemas.microsoft.com/office/powerpoint/2010/main" xmlns="" val="2659555247"/>
       </p:ext>
     </p:extLst>
   </p:cSld>
@@ -11715,7 +11715,7 @@
     </p:spTree>
     <p:extLst>
       <p:ext uri="{BB962C8B-B14F-4D97-AF65-F5344CB8AC3E}">
-        <p14:creationId xmlns="" xmlns:p14="http://schemas.microsoft.com/office/powerpoint/2010/main" val="2659555247"/>
+        <p14:creationId xmlns:p14="http://schemas.microsoft.com/office/powerpoint/2010/main" xmlns="" val="2659555247"/>
       </p:ext>
     </p:extLst>
   </p:cSld>
@@ -11800,7 +11800,7 @@
     </p:spTree>
     <p:extLst>
       <p:ext uri="{BB962C8B-B14F-4D97-AF65-F5344CB8AC3E}">
-        <p14:creationId xmlns="" xmlns:p14="http://schemas.microsoft.com/office/powerpoint/2010/main" val="2659555247"/>
+        <p14:creationId xmlns:p14="http://schemas.microsoft.com/office/powerpoint/2010/main" xmlns="" val="2659555247"/>
       </p:ext>
     </p:extLst>
   </p:cSld>
@@ -11885,7 +11885,7 @@
     </p:spTree>
     <p:extLst>
       <p:ext uri="{BB962C8B-B14F-4D97-AF65-F5344CB8AC3E}">
-        <p14:creationId xmlns="" xmlns:p14="http://schemas.microsoft.com/office/powerpoint/2010/main" val="2659555247"/>
+        <p14:creationId xmlns:p14="http://schemas.microsoft.com/office/powerpoint/2010/main" xmlns="" val="2659555247"/>
       </p:ext>
     </p:extLst>
   </p:cSld>
@@ -11970,7 +11970,7 @@
     </p:spTree>
     <p:extLst>
       <p:ext uri="{BB962C8B-B14F-4D97-AF65-F5344CB8AC3E}">
-        <p14:creationId xmlns="" xmlns:p14="http://schemas.microsoft.com/office/powerpoint/2010/main" val="2659555247"/>
+        <p14:creationId xmlns:p14="http://schemas.microsoft.com/office/powerpoint/2010/main" xmlns="" val="2659555247"/>
       </p:ext>
     </p:extLst>
   </p:cSld>
@@ -12055,7 +12055,7 @@
     </p:spTree>
     <p:extLst>
       <p:ext uri="{BB962C8B-B14F-4D97-AF65-F5344CB8AC3E}">
-        <p14:creationId xmlns="" xmlns:p14="http://schemas.microsoft.com/office/powerpoint/2010/main" val="2659555247"/>
+        <p14:creationId xmlns:p14="http://schemas.microsoft.com/office/powerpoint/2010/main" xmlns="" val="2659555247"/>
       </p:ext>
     </p:extLst>
   </p:cSld>
@@ -12140,7 +12140,7 @@
     </p:spTree>
     <p:extLst>
       <p:ext uri="{BB962C8B-B14F-4D97-AF65-F5344CB8AC3E}">
-        <p14:creationId xmlns:p14="http://schemas.microsoft.com/office/powerpoint/2010/main" xmlns="" val="939565178"/>
+        <p14:creationId xmlns="" xmlns:p14="http://schemas.microsoft.com/office/powerpoint/2010/main" val="939565178"/>
       </p:ext>
     </p:extLst>
   </p:cSld>
@@ -12225,7 +12225,7 @@
     </p:spTree>
     <p:extLst>
       <p:ext uri="{BB962C8B-B14F-4D97-AF65-F5344CB8AC3E}">
-        <p14:creationId xmlns="" xmlns:p14="http://schemas.microsoft.com/office/powerpoint/2010/main" val="2659555247"/>
+        <p14:creationId xmlns:p14="http://schemas.microsoft.com/office/powerpoint/2010/main" xmlns="" val="2659555247"/>
       </p:ext>
     </p:extLst>
   </p:cSld>
@@ -12310,7 +12310,7 @@
     </p:spTree>
     <p:extLst>
       <p:ext uri="{BB962C8B-B14F-4D97-AF65-F5344CB8AC3E}">
-        <p14:creationId xmlns="" xmlns:p14="http://schemas.microsoft.com/office/powerpoint/2010/main" val="2659555247"/>
+        <p14:creationId xmlns:p14="http://schemas.microsoft.com/office/powerpoint/2010/main" xmlns="" val="2659555247"/>
       </p:ext>
     </p:extLst>
   </p:cSld>
@@ -12399,7 +12399,7 @@
     </p:spTree>
     <p:extLst>
       <p:ext uri="{BB962C8B-B14F-4D97-AF65-F5344CB8AC3E}">
-        <p14:creationId xmlns="" xmlns:p14="http://schemas.microsoft.com/office/powerpoint/2010/main" val="2659555247"/>
+        <p14:creationId xmlns:p14="http://schemas.microsoft.com/office/powerpoint/2010/main" xmlns="" val="2659555247"/>
       </p:ext>
     </p:extLst>
   </p:cSld>
@@ -12484,7 +12484,7 @@
     </p:spTree>
     <p:extLst>
       <p:ext uri="{BB962C8B-B14F-4D97-AF65-F5344CB8AC3E}">
-        <p14:creationId xmlns="" xmlns:p14="http://schemas.microsoft.com/office/powerpoint/2010/main" val="2659555247"/>
+        <p14:creationId xmlns:p14="http://schemas.microsoft.com/office/powerpoint/2010/main" xmlns="" val="2659555247"/>
       </p:ext>
     </p:extLst>
   </p:cSld>
@@ -12569,7 +12569,7 @@
     </p:spTree>
     <p:extLst>
       <p:ext uri="{BB962C8B-B14F-4D97-AF65-F5344CB8AC3E}">
-        <p14:creationId xmlns="" xmlns:p14="http://schemas.microsoft.com/office/powerpoint/2010/main" val="2659555247"/>
+        <p14:creationId xmlns:p14="http://schemas.microsoft.com/office/powerpoint/2010/main" xmlns="" val="2659555247"/>
       </p:ext>
     </p:extLst>
   </p:cSld>
@@ -12654,7 +12654,7 @@
     </p:spTree>
     <p:extLst>
       <p:ext uri="{BB962C8B-B14F-4D97-AF65-F5344CB8AC3E}">
-        <p14:creationId xmlns="" xmlns:p14="http://schemas.microsoft.com/office/powerpoint/2010/main" val="2659555247"/>
+        <p14:creationId xmlns:p14="http://schemas.microsoft.com/office/powerpoint/2010/main" xmlns="" val="2659555247"/>
       </p:ext>
     </p:extLst>
   </p:cSld>
@@ -12972,7 +12972,7 @@
                 </a:solidFill>
               </a:rPr>
               <a:pPr/>
-              <a:t>9/25/2020</a:t>
+              <a:t>3/22/2021</a:t>
             </a:fld>
             <a:endParaRPr kumimoji="0" lang="en-US" dirty="0"/>
           </a:p>
@@ -13363,7 +13363,7 @@
                 </a:solidFill>
               </a:rPr>
               <a:pPr/>
-              <a:t>9/25/2020</a:t>
+              <a:t>3/22/2021</a:t>
             </a:fld>
             <a:endParaRPr kumimoji="0" lang="en-US" dirty="0"/>
           </a:p>
@@ -13698,7 +13698,7 @@
                 </a:solidFill>
               </a:rPr>
               <a:pPr/>
-              <a:t>9/25/2020</a:t>
+              <a:t>3/22/2021</a:t>
             </a:fld>
             <a:endParaRPr kumimoji="0" lang="en-US" dirty="0"/>
           </a:p>
@@ -14274,7 +14274,7 @@
                 </a:solidFill>
               </a:rPr>
               <a:pPr/>
-              <a:t>9/25/2020</a:t>
+              <a:t>3/22/2021</a:t>
             </a:fld>
             <a:endParaRPr kumimoji="0" lang="en-US" dirty="0"/>
           </a:p>
@@ -14838,7 +14838,7 @@
                 </a:solidFill>
               </a:rPr>
               <a:pPr/>
-              <a:t>9/25/2020</a:t>
+              <a:t>3/22/2021</a:t>
             </a:fld>
             <a:endParaRPr kumimoji="0" lang="en-US" dirty="0"/>
           </a:p>
@@ -15297,7 +15297,7 @@
                 </a:solidFill>
               </a:rPr>
               <a:pPr/>
-              <a:t>9/25/2020</a:t>
+              <a:t>3/22/2021</a:t>
             </a:fld>
             <a:endParaRPr kumimoji="0" lang="en-US" dirty="0"/>
           </a:p>
@@ -15721,7 +15721,7 @@
                 </a:solidFill>
               </a:rPr>
               <a:pPr/>
-              <a:t>9/25/2020</a:t>
+              <a:t>3/22/2021</a:t>
             </a:fld>
             <a:endParaRPr kumimoji="0" lang="en-US" dirty="0"/>
           </a:p>
@@ -16225,7 +16225,7 @@
                 </a:solidFill>
               </a:rPr>
               <a:pPr/>
-              <a:t>9/25/2020</a:t>
+              <a:t>3/22/2021</a:t>
             </a:fld>
             <a:endParaRPr kumimoji="0" lang="en-US" dirty="0"/>
           </a:p>
@@ -16729,7 +16729,7 @@
                 </a:solidFill>
               </a:rPr>
               <a:pPr/>
-              <a:t>9/25/2020</a:t>
+              <a:t>3/22/2021</a:t>
             </a:fld>
             <a:endParaRPr kumimoji="0" lang="en-US" dirty="0"/>
           </a:p>
@@ -16945,7 +16945,7 @@
                 </a:solidFill>
               </a:rPr>
               <a:pPr/>
-              <a:t>9/25/2020</a:t>
+              <a:t>3/22/2021</a:t>
             </a:fld>
             <a:endParaRPr kumimoji="0" lang="en-US" dirty="0"/>
           </a:p>
@@ -17273,7 +17273,7 @@
                 </a:solidFill>
               </a:rPr>
               <a:pPr/>
-              <a:t>9/25/2020</a:t>
+              <a:t>3/22/2021</a:t>
             </a:fld>
             <a:endParaRPr kumimoji="0" lang="en-US" dirty="0"/>
           </a:p>
@@ -17499,7 +17499,7 @@
                 </a:solidFill>
               </a:rPr>
               <a:pPr/>
-              <a:t>9/25/2020</a:t>
+              <a:t>3/22/2021</a:t>
             </a:fld>
             <a:endParaRPr kumimoji="0" lang="en-US" dirty="0"/>
           </a:p>
@@ -17718,7 +17718,7 @@
                 </a:solidFill>
               </a:rPr>
               <a:pPr/>
-              <a:t>9/25/2020</a:t>
+              <a:t>3/22/2021</a:t>
             </a:fld>
             <a:endParaRPr kumimoji="0" lang="en-US" dirty="0"/>
           </a:p>
@@ -17894,7 +17894,7 @@
             <a:fld id="{ACB2EC6F-6501-4E04-BD6C-A8A6CABB2C5B}" type="datetimeFigureOut">
               <a:rPr kumimoji="0" lang="en-US" smtClean="0"/>
               <a:pPr/>
-              <a:t>9/25/2020</a:t>
+              <a:t>3/22/2021</a:t>
             </a:fld>
             <a:endParaRPr kumimoji="0" lang="en-US" dirty="0"/>
           </a:p>
@@ -18139,7 +18139,7 @@
                 </a:solidFill>
               </a:rPr>
               <a:pPr/>
-              <a:t>9/25/2020</a:t>
+              <a:t>3/22/2021</a:t>
             </a:fld>
             <a:endParaRPr kumimoji="0" lang="en-US" dirty="0"/>
           </a:p>
@@ -18611,7 +18611,7 @@
                 </a:solidFill>
               </a:rPr>
               <a:pPr/>
-              <a:t>9/25/2020</a:t>
+              <a:t>3/22/2021</a:t>
             </a:fld>
             <a:endParaRPr kumimoji="0" lang="en-US" dirty="0"/>
           </a:p>
@@ -18963,7 +18963,7 @@
                 </a:solidFill>
               </a:rPr>
               <a:pPr/>
-              <a:t>9/25/2020</a:t>
+              <a:t>3/22/2021</a:t>
             </a:fld>
             <a:endParaRPr kumimoji="0" lang="en-US" dirty="0"/>
           </a:p>
@@ -19321,7 +19321,7 @@
                 </a:solidFill>
               </a:rPr>
               <a:pPr/>
-              <a:t>9/25/2020</a:t>
+              <a:t>3/22/2021</a:t>
             </a:fld>
             <a:endParaRPr kumimoji="0" lang="en-US" dirty="0"/>
           </a:p>
@@ -19626,7 +19626,7 @@
                 </a:solidFill>
               </a:rPr>
               <a:pPr/>
-              <a:t>9/25/2020</a:t>
+              <a:t>3/22/2021</a:t>
             </a:fld>
             <a:endParaRPr kumimoji="0" lang="en-US" dirty="0"/>
           </a:p>
@@ -20102,7 +20102,7 @@
                 </a:solidFill>
               </a:rPr>
               <a:pPr/>
-              <a:t>9/25/2020</a:t>
+              <a:t>3/22/2021</a:t>
             </a:fld>
             <a:endParaRPr kumimoji="0" lang="en-US" dirty="0"/>
           </a:p>
@@ -20339,7 +20339,7 @@
                 </a:solidFill>
               </a:rPr>
               <a:pPr/>
-              <a:t>9/25/2020</a:t>
+              <a:t>3/22/2021</a:t>
             </a:fld>
             <a:endParaRPr kumimoji="0" lang="en-US" sz="1200" dirty="0">
               <a:solidFill>
@@ -21259,7 +21259,7 @@
     </p:spTree>
     <p:extLst>
       <p:ext uri="{BB962C8B-B14F-4D97-AF65-F5344CB8AC3E}">
-        <p14:creationId xmlns="" xmlns:p14="http://schemas.microsoft.com/office/powerpoint/2010/main" val="522405798"/>
+        <p14:creationId xmlns:p14="http://schemas.microsoft.com/office/powerpoint/2010/main" xmlns="" val="522405798"/>
       </p:ext>
     </p:extLst>
   </p:cSld>
@@ -21458,7 +21458,7 @@
     </p:spTree>
     <p:extLst>
       <p:ext uri="{BB962C8B-B14F-4D97-AF65-F5344CB8AC3E}">
-        <p14:creationId xmlns="" xmlns:p14="http://schemas.microsoft.com/office/powerpoint/2010/main" val="522405798"/>
+        <p14:creationId xmlns:p14="http://schemas.microsoft.com/office/powerpoint/2010/main" xmlns="" val="522405798"/>
       </p:ext>
     </p:extLst>
   </p:cSld>
@@ -21640,7 +21640,7 @@
     </p:spTree>
     <p:extLst>
       <p:ext uri="{BB962C8B-B14F-4D97-AF65-F5344CB8AC3E}">
-        <p14:creationId xmlns="" xmlns:p14="http://schemas.microsoft.com/office/powerpoint/2010/main" val="522405798"/>
+        <p14:creationId xmlns:p14="http://schemas.microsoft.com/office/powerpoint/2010/main" xmlns="" val="522405798"/>
       </p:ext>
     </p:extLst>
   </p:cSld>
@@ -21772,7 +21772,7 @@
     </p:spTree>
     <p:extLst>
       <p:ext uri="{BB962C8B-B14F-4D97-AF65-F5344CB8AC3E}">
-        <p14:creationId xmlns="" xmlns:p14="http://schemas.microsoft.com/office/powerpoint/2010/main" val="522405798"/>
+        <p14:creationId xmlns:p14="http://schemas.microsoft.com/office/powerpoint/2010/main" xmlns="" val="522405798"/>
       </p:ext>
     </p:extLst>
   </p:cSld>
@@ -21936,7 +21936,7 @@
     </p:spTree>
     <p:extLst>
       <p:ext uri="{BB962C8B-B14F-4D97-AF65-F5344CB8AC3E}">
-        <p14:creationId xmlns="" xmlns:p14="http://schemas.microsoft.com/office/powerpoint/2010/main" val="522405798"/>
+        <p14:creationId xmlns:p14="http://schemas.microsoft.com/office/powerpoint/2010/main" xmlns="" val="522405798"/>
       </p:ext>
     </p:extLst>
   </p:cSld>
@@ -22100,7 +22100,7 @@
     </p:spTree>
     <p:extLst>
       <p:ext uri="{BB962C8B-B14F-4D97-AF65-F5344CB8AC3E}">
-        <p14:creationId xmlns="" xmlns:p14="http://schemas.microsoft.com/office/powerpoint/2010/main" val="522405798"/>
+        <p14:creationId xmlns:p14="http://schemas.microsoft.com/office/powerpoint/2010/main" xmlns="" val="522405798"/>
       </p:ext>
     </p:extLst>
   </p:cSld>
@@ -22264,7 +22264,7 @@
     </p:spTree>
     <p:extLst>
       <p:ext uri="{BB962C8B-B14F-4D97-AF65-F5344CB8AC3E}">
-        <p14:creationId xmlns="" xmlns:p14="http://schemas.microsoft.com/office/powerpoint/2010/main" val="522405798"/>
+        <p14:creationId xmlns:p14="http://schemas.microsoft.com/office/powerpoint/2010/main" xmlns="" val="522405798"/>
       </p:ext>
     </p:extLst>
   </p:cSld>
@@ -22428,7 +22428,7 @@
     </p:spTree>
     <p:extLst>
       <p:ext uri="{BB962C8B-B14F-4D97-AF65-F5344CB8AC3E}">
-        <p14:creationId xmlns="" xmlns:p14="http://schemas.microsoft.com/office/powerpoint/2010/main" val="522405798"/>
+        <p14:creationId xmlns:p14="http://schemas.microsoft.com/office/powerpoint/2010/main" xmlns="" val="522405798"/>
       </p:ext>
     </p:extLst>
   </p:cSld>
@@ -22592,7 +22592,7 @@
     </p:spTree>
     <p:extLst>
       <p:ext uri="{BB962C8B-B14F-4D97-AF65-F5344CB8AC3E}">
-        <p14:creationId xmlns="" xmlns:p14="http://schemas.microsoft.com/office/powerpoint/2010/main" val="522405798"/>
+        <p14:creationId xmlns:p14="http://schemas.microsoft.com/office/powerpoint/2010/main" xmlns="" val="522405798"/>
       </p:ext>
     </p:extLst>
   </p:cSld>
@@ -22756,7 +22756,7 @@
     </p:spTree>
     <p:extLst>
       <p:ext uri="{BB962C8B-B14F-4D97-AF65-F5344CB8AC3E}">
-        <p14:creationId xmlns="" xmlns:p14="http://schemas.microsoft.com/office/powerpoint/2010/main" val="522405798"/>
+        <p14:creationId xmlns:p14="http://schemas.microsoft.com/office/powerpoint/2010/main" xmlns="" val="522405798"/>
       </p:ext>
     </p:extLst>
   </p:cSld>
@@ -22920,7 +22920,7 @@
     </p:spTree>
     <p:extLst>
       <p:ext uri="{BB962C8B-B14F-4D97-AF65-F5344CB8AC3E}">
-        <p14:creationId xmlns="" xmlns:p14="http://schemas.microsoft.com/office/powerpoint/2010/main" val="522405798"/>
+        <p14:creationId xmlns:p14="http://schemas.microsoft.com/office/powerpoint/2010/main" xmlns="" val="522405798"/>
       </p:ext>
     </p:extLst>
   </p:cSld>
@@ -23084,7 +23084,7 @@
     </p:spTree>
     <p:extLst>
       <p:ext uri="{BB962C8B-B14F-4D97-AF65-F5344CB8AC3E}">
-        <p14:creationId xmlns="" xmlns:p14="http://schemas.microsoft.com/office/powerpoint/2010/main" val="522405798"/>
+        <p14:creationId xmlns:p14="http://schemas.microsoft.com/office/powerpoint/2010/main" xmlns="" val="522405798"/>
       </p:ext>
     </p:extLst>
   </p:cSld>
@@ -23266,7 +23266,7 @@
     </p:spTree>
     <p:extLst>
       <p:ext uri="{BB962C8B-B14F-4D97-AF65-F5344CB8AC3E}">
-        <p14:creationId xmlns="" xmlns:p14="http://schemas.microsoft.com/office/powerpoint/2010/main" val="522405798"/>
+        <p14:creationId xmlns:p14="http://schemas.microsoft.com/office/powerpoint/2010/main" xmlns="" val="522405798"/>
       </p:ext>
     </p:extLst>
   </p:cSld>
@@ -23430,7 +23430,7 @@
     </p:spTree>
     <p:extLst>
       <p:ext uri="{BB962C8B-B14F-4D97-AF65-F5344CB8AC3E}">
-        <p14:creationId xmlns="" xmlns:p14="http://schemas.microsoft.com/office/powerpoint/2010/main" val="522405798"/>
+        <p14:creationId xmlns:p14="http://schemas.microsoft.com/office/powerpoint/2010/main" xmlns="" val="522405798"/>
       </p:ext>
     </p:extLst>
   </p:cSld>
@@ -23594,7 +23594,7 @@
     </p:spTree>
     <p:extLst>
       <p:ext uri="{BB962C8B-B14F-4D97-AF65-F5344CB8AC3E}">
-        <p14:creationId xmlns="" xmlns:p14="http://schemas.microsoft.com/office/powerpoint/2010/main" val="522405798"/>
+        <p14:creationId xmlns:p14="http://schemas.microsoft.com/office/powerpoint/2010/main" xmlns="" val="522405798"/>
       </p:ext>
     </p:extLst>
   </p:cSld>
@@ -23758,7 +23758,7 @@
     </p:spTree>
     <p:extLst>
       <p:ext uri="{BB962C8B-B14F-4D97-AF65-F5344CB8AC3E}">
-        <p14:creationId xmlns="" xmlns:p14="http://schemas.microsoft.com/office/powerpoint/2010/main" val="522405798"/>
+        <p14:creationId xmlns:p14="http://schemas.microsoft.com/office/powerpoint/2010/main" xmlns="" val="522405798"/>
       </p:ext>
     </p:extLst>
   </p:cSld>
@@ -23922,7 +23922,7 @@
     </p:spTree>
     <p:extLst>
       <p:ext uri="{BB962C8B-B14F-4D97-AF65-F5344CB8AC3E}">
-        <p14:creationId xmlns="" xmlns:p14="http://schemas.microsoft.com/office/powerpoint/2010/main" val="522405798"/>
+        <p14:creationId xmlns:p14="http://schemas.microsoft.com/office/powerpoint/2010/main" xmlns="" val="522405798"/>
       </p:ext>
     </p:extLst>
   </p:cSld>
@@ -24054,7 +24054,7 @@
     </p:spTree>
     <p:extLst>
       <p:ext uri="{BB962C8B-B14F-4D97-AF65-F5344CB8AC3E}">
-        <p14:creationId xmlns="" xmlns:p14="http://schemas.microsoft.com/office/powerpoint/2010/main" val="522405798"/>
+        <p14:creationId xmlns:p14="http://schemas.microsoft.com/office/powerpoint/2010/main" xmlns="" val="522405798"/>
       </p:ext>
     </p:extLst>
   </p:cSld>
@@ -24297,7 +24297,7 @@
     </p:spTree>
     <p:extLst>
       <p:ext uri="{BB962C8B-B14F-4D97-AF65-F5344CB8AC3E}">
-        <p14:creationId xmlns="" xmlns:p14="http://schemas.microsoft.com/office/powerpoint/2010/main" val="522405798"/>
+        <p14:creationId xmlns:p14="http://schemas.microsoft.com/office/powerpoint/2010/main" xmlns="" val="522405798"/>
       </p:ext>
     </p:extLst>
   </p:cSld>
@@ -24429,7 +24429,7 @@
     </p:spTree>
     <p:extLst>
       <p:ext uri="{BB962C8B-B14F-4D97-AF65-F5344CB8AC3E}">
-        <p14:creationId xmlns="" xmlns:p14="http://schemas.microsoft.com/office/powerpoint/2010/main" val="522405798"/>
+        <p14:creationId xmlns:p14="http://schemas.microsoft.com/office/powerpoint/2010/main" xmlns="" val="522405798"/>
       </p:ext>
     </p:extLst>
   </p:cSld>
@@ -24745,7 +24745,7 @@
     </p:spTree>
     <p:extLst>
       <p:ext uri="{BB962C8B-B14F-4D97-AF65-F5344CB8AC3E}">
-        <p14:creationId xmlns="" xmlns:p14="http://schemas.microsoft.com/office/powerpoint/2010/main" val="522405798"/>
+        <p14:creationId xmlns:p14="http://schemas.microsoft.com/office/powerpoint/2010/main" xmlns="" val="522405798"/>
       </p:ext>
     </p:extLst>
   </p:cSld>
@@ -24970,7 +24970,7 @@
     </p:spTree>
     <p:extLst>
       <p:ext uri="{BB962C8B-B14F-4D97-AF65-F5344CB8AC3E}">
-        <p14:creationId xmlns="" xmlns:p14="http://schemas.microsoft.com/office/powerpoint/2010/main" val="522405798"/>
+        <p14:creationId xmlns:p14="http://schemas.microsoft.com/office/powerpoint/2010/main" xmlns="" val="522405798"/>
       </p:ext>
     </p:extLst>
   </p:cSld>
@@ -25362,7 +25362,7 @@
     </p:spTree>
     <p:extLst>
       <p:ext uri="{BB962C8B-B14F-4D97-AF65-F5344CB8AC3E}">
-        <p14:creationId xmlns="" xmlns:p14="http://schemas.microsoft.com/office/powerpoint/2010/main" val="522405798"/>
+        <p14:creationId xmlns:p14="http://schemas.microsoft.com/office/powerpoint/2010/main" xmlns="" val="522405798"/>
       </p:ext>
     </p:extLst>
   </p:cSld>
@@ -25512,7 +25512,7 @@
     </p:spTree>
     <p:extLst>
       <p:ext uri="{BB962C8B-B14F-4D97-AF65-F5344CB8AC3E}">
-        <p14:creationId xmlns="" xmlns:p14="http://schemas.microsoft.com/office/powerpoint/2010/main" val="522405798"/>
+        <p14:creationId xmlns:p14="http://schemas.microsoft.com/office/powerpoint/2010/main" xmlns="" val="522405798"/>
       </p:ext>
     </p:extLst>
   </p:cSld>
@@ -25644,7 +25644,7 @@
     </p:spTree>
     <p:extLst>
       <p:ext uri="{BB962C8B-B14F-4D97-AF65-F5344CB8AC3E}">
-        <p14:creationId xmlns="" xmlns:p14="http://schemas.microsoft.com/office/powerpoint/2010/main" val="522405798"/>
+        <p14:creationId xmlns:p14="http://schemas.microsoft.com/office/powerpoint/2010/main" xmlns="" val="522405798"/>
       </p:ext>
     </p:extLst>
   </p:cSld>
@@ -25832,7 +25832,7 @@
     </p:spTree>
     <p:extLst>
       <p:ext uri="{BB962C8B-B14F-4D97-AF65-F5344CB8AC3E}">
-        <p14:creationId xmlns="" xmlns:p14="http://schemas.microsoft.com/office/powerpoint/2010/main" val="522405798"/>
+        <p14:creationId xmlns:p14="http://schemas.microsoft.com/office/powerpoint/2010/main" xmlns="" val="522405798"/>
       </p:ext>
     </p:extLst>
   </p:cSld>
@@ -26054,7 +26054,7 @@
     </p:spTree>
     <p:extLst>
       <p:ext uri="{BB962C8B-B14F-4D97-AF65-F5344CB8AC3E}">
-        <p14:creationId xmlns="" xmlns:p14="http://schemas.microsoft.com/office/powerpoint/2010/main" val="522405798"/>
+        <p14:creationId xmlns:p14="http://schemas.microsoft.com/office/powerpoint/2010/main" xmlns="" val="522405798"/>
       </p:ext>
     </p:extLst>
   </p:cSld>
@@ -26221,7 +26221,7 @@
     </p:spTree>
     <p:extLst>
       <p:ext uri="{BB962C8B-B14F-4D97-AF65-F5344CB8AC3E}">
-        <p14:creationId xmlns="" xmlns:p14="http://schemas.microsoft.com/office/powerpoint/2010/main" val="522405798"/>
+        <p14:creationId xmlns:p14="http://schemas.microsoft.com/office/powerpoint/2010/main" xmlns="" val="522405798"/>
       </p:ext>
     </p:extLst>
   </p:cSld>
@@ -26402,7 +26402,7 @@
     </p:spTree>
     <p:extLst>
       <p:ext uri="{BB962C8B-B14F-4D97-AF65-F5344CB8AC3E}">
-        <p14:creationId xmlns="" xmlns:p14="http://schemas.microsoft.com/office/powerpoint/2010/main" val="522405798"/>
+        <p14:creationId xmlns:p14="http://schemas.microsoft.com/office/powerpoint/2010/main" xmlns="" val="522405798"/>
       </p:ext>
     </p:extLst>
   </p:cSld>
@@ -26624,7 +26624,7 @@
     </p:spTree>
     <p:extLst>
       <p:ext uri="{BB962C8B-B14F-4D97-AF65-F5344CB8AC3E}">
-        <p14:creationId xmlns="" xmlns:p14="http://schemas.microsoft.com/office/powerpoint/2010/main" val="522405798"/>
+        <p14:creationId xmlns:p14="http://schemas.microsoft.com/office/powerpoint/2010/main" xmlns="" val="522405798"/>
       </p:ext>
     </p:extLst>
   </p:cSld>
@@ -26843,7 +26843,7 @@
     </p:spTree>
     <p:extLst>
       <p:ext uri="{BB962C8B-B14F-4D97-AF65-F5344CB8AC3E}">
-        <p14:creationId xmlns="" xmlns:p14="http://schemas.microsoft.com/office/powerpoint/2010/main" val="522405798"/>
+        <p14:creationId xmlns:p14="http://schemas.microsoft.com/office/powerpoint/2010/main" xmlns="" val="522405798"/>
       </p:ext>
     </p:extLst>
   </p:cSld>
@@ -26938,7 +26938,7 @@
     </p:spTree>
     <p:extLst>
       <p:ext uri="{BB962C8B-B14F-4D97-AF65-F5344CB8AC3E}">
-        <p14:creationId xmlns:p14="http://schemas.microsoft.com/office/powerpoint/2010/main" xmlns="" val="3907764274"/>
+        <p14:creationId xmlns="" xmlns:p14="http://schemas.microsoft.com/office/powerpoint/2010/main" val="3907764274"/>
       </p:ext>
     </p:extLst>
   </p:cSld>
@@ -27128,7 +27128,7 @@
     </p:spTree>
     <p:extLst>
       <p:ext uri="{BB962C8B-B14F-4D97-AF65-F5344CB8AC3E}">
-        <p14:creationId xmlns="" xmlns:p14="http://schemas.microsoft.com/office/powerpoint/2010/main" val="522405798"/>
+        <p14:creationId xmlns:p14="http://schemas.microsoft.com/office/powerpoint/2010/main" xmlns="" val="522405798"/>
       </p:ext>
     </p:extLst>
   </p:cSld>
@@ -27376,7 +27376,7 @@
     </p:spTree>
     <p:extLst>
       <p:ext uri="{BB962C8B-B14F-4D97-AF65-F5344CB8AC3E}">
-        <p14:creationId xmlns="" xmlns:p14="http://schemas.microsoft.com/office/powerpoint/2010/main" val="522405798"/>
+        <p14:creationId xmlns:p14="http://schemas.microsoft.com/office/powerpoint/2010/main" xmlns="" val="522405798"/>
       </p:ext>
     </p:extLst>
   </p:cSld>
@@ -27717,7 +27717,7 @@
     </p:spTree>
     <p:extLst>
       <p:ext uri="{BB962C8B-B14F-4D97-AF65-F5344CB8AC3E}">
-        <p14:creationId xmlns="" xmlns:p14="http://schemas.microsoft.com/office/powerpoint/2010/main" val="522405798"/>
+        <p14:creationId xmlns:p14="http://schemas.microsoft.com/office/powerpoint/2010/main" xmlns="" val="522405798"/>
       </p:ext>
     </p:extLst>
   </p:cSld>
@@ -27911,7 +27911,7 @@
     </p:spTree>
     <p:extLst>
       <p:ext uri="{BB962C8B-B14F-4D97-AF65-F5344CB8AC3E}">
-        <p14:creationId xmlns="" xmlns:p14="http://schemas.microsoft.com/office/powerpoint/2010/main" val="522405798"/>
+        <p14:creationId xmlns:p14="http://schemas.microsoft.com/office/powerpoint/2010/main" xmlns="" val="522405798"/>
       </p:ext>
     </p:extLst>
   </p:cSld>
@@ -28152,7 +28152,7 @@
     </p:spTree>
     <p:extLst>
       <p:ext uri="{BB962C8B-B14F-4D97-AF65-F5344CB8AC3E}">
-        <p14:creationId xmlns="" xmlns:p14="http://schemas.microsoft.com/office/powerpoint/2010/main" val="522405798"/>
+        <p14:creationId xmlns:p14="http://schemas.microsoft.com/office/powerpoint/2010/main" xmlns="" val="522405798"/>
       </p:ext>
     </p:extLst>
   </p:cSld>
@@ -28370,7 +28370,7 @@
     </p:spTree>
     <p:extLst>
       <p:ext uri="{BB962C8B-B14F-4D97-AF65-F5344CB8AC3E}">
-        <p14:creationId xmlns="" xmlns:p14="http://schemas.microsoft.com/office/powerpoint/2010/main" val="522405798"/>
+        <p14:creationId xmlns:p14="http://schemas.microsoft.com/office/powerpoint/2010/main" xmlns="" val="522405798"/>
       </p:ext>
     </p:extLst>
   </p:cSld>
@@ -28588,7 +28588,7 @@
     </p:spTree>
     <p:extLst>
       <p:ext uri="{BB962C8B-B14F-4D97-AF65-F5344CB8AC3E}">
-        <p14:creationId xmlns="" xmlns:p14="http://schemas.microsoft.com/office/powerpoint/2010/main" val="522405798"/>
+        <p14:creationId xmlns:p14="http://schemas.microsoft.com/office/powerpoint/2010/main" xmlns="" val="522405798"/>
       </p:ext>
     </p:extLst>
   </p:cSld>
@@ -29032,7 +29032,7 @@
     </p:spTree>
     <p:extLst>
       <p:ext uri="{BB962C8B-B14F-4D97-AF65-F5344CB8AC3E}">
-        <p14:creationId xmlns="" xmlns:p14="http://schemas.microsoft.com/office/powerpoint/2010/main" val="522405798"/>
+        <p14:creationId xmlns:p14="http://schemas.microsoft.com/office/powerpoint/2010/main" xmlns="" val="522405798"/>
       </p:ext>
     </p:extLst>
   </p:cSld>
@@ -29384,7 +29384,7 @@
     </p:spTree>
     <p:extLst>
       <p:ext uri="{BB962C8B-B14F-4D97-AF65-F5344CB8AC3E}">
-        <p14:creationId xmlns="" xmlns:p14="http://schemas.microsoft.com/office/powerpoint/2010/main" val="522405798"/>
+        <p14:creationId xmlns:p14="http://schemas.microsoft.com/office/powerpoint/2010/main" xmlns="" val="522405798"/>
       </p:ext>
     </p:extLst>
   </p:cSld>
@@ -29660,7 +29660,7 @@
     </p:spTree>
     <p:extLst>
       <p:ext uri="{BB962C8B-B14F-4D97-AF65-F5344CB8AC3E}">
-        <p14:creationId xmlns="" xmlns:p14="http://schemas.microsoft.com/office/powerpoint/2010/main" val="522405798"/>
+        <p14:creationId xmlns:p14="http://schemas.microsoft.com/office/powerpoint/2010/main" xmlns="" val="522405798"/>
       </p:ext>
     </p:extLst>
   </p:cSld>
@@ -29908,7 +29908,7 @@
     </p:spTree>
     <p:extLst>
       <p:ext uri="{BB962C8B-B14F-4D97-AF65-F5344CB8AC3E}">
-        <p14:creationId xmlns="" xmlns:p14="http://schemas.microsoft.com/office/powerpoint/2010/main" val="522405798"/>
+        <p14:creationId xmlns:p14="http://schemas.microsoft.com/office/powerpoint/2010/main" xmlns="" val="522405798"/>
       </p:ext>
     </p:extLst>
   </p:cSld>
@@ -30066,7 +30066,7 @@
     </p:spTree>
     <p:extLst>
       <p:ext uri="{BB962C8B-B14F-4D97-AF65-F5344CB8AC3E}">
-        <p14:creationId xmlns="" xmlns:p14="http://schemas.microsoft.com/office/powerpoint/2010/main" val="522405798"/>
+        <p14:creationId xmlns:p14="http://schemas.microsoft.com/office/powerpoint/2010/main" xmlns="" val="522405798"/>
       </p:ext>
     </p:extLst>
   </p:cSld>
@@ -30224,7 +30224,7 @@
     </p:spTree>
     <p:extLst>
       <p:ext uri="{BB962C8B-B14F-4D97-AF65-F5344CB8AC3E}">
-        <p14:creationId xmlns="" xmlns:p14="http://schemas.microsoft.com/office/powerpoint/2010/main" val="522405798"/>
+        <p14:creationId xmlns:p14="http://schemas.microsoft.com/office/powerpoint/2010/main" xmlns="" val="522405798"/>
       </p:ext>
     </p:extLst>
   </p:cSld>
@@ -30515,7 +30515,7 @@
     </p:spTree>
     <p:extLst>
       <p:ext uri="{BB962C8B-B14F-4D97-AF65-F5344CB8AC3E}">
-        <p14:creationId xmlns="" xmlns:p14="http://schemas.microsoft.com/office/powerpoint/2010/main" val="522405798"/>
+        <p14:creationId xmlns:p14="http://schemas.microsoft.com/office/powerpoint/2010/main" xmlns="" val="522405798"/>
       </p:ext>
     </p:extLst>
   </p:cSld>
@@ -30744,7 +30744,7 @@
     </p:spTree>
     <p:extLst>
       <p:ext uri="{BB962C8B-B14F-4D97-AF65-F5344CB8AC3E}">
-        <p14:creationId xmlns="" xmlns:p14="http://schemas.microsoft.com/office/powerpoint/2010/main" val="522405798"/>
+        <p14:creationId xmlns:p14="http://schemas.microsoft.com/office/powerpoint/2010/main" xmlns="" val="522405798"/>
       </p:ext>
     </p:extLst>
   </p:cSld>
@@ -30894,7 +30894,7 @@
     </p:spTree>
     <p:extLst>
       <p:ext uri="{BB962C8B-B14F-4D97-AF65-F5344CB8AC3E}">
-        <p14:creationId xmlns="" xmlns:p14="http://schemas.microsoft.com/office/powerpoint/2010/main" val="522405798"/>
+        <p14:creationId xmlns:p14="http://schemas.microsoft.com/office/powerpoint/2010/main" xmlns="" val="522405798"/>
       </p:ext>
     </p:extLst>
   </p:cSld>
@@ -31110,7 +31110,7 @@
     </p:spTree>
     <p:extLst>
       <p:ext uri="{BB962C8B-B14F-4D97-AF65-F5344CB8AC3E}">
-        <p14:creationId xmlns="" xmlns:p14="http://schemas.microsoft.com/office/powerpoint/2010/main" val="522405798"/>
+        <p14:creationId xmlns:p14="http://schemas.microsoft.com/office/powerpoint/2010/main" xmlns="" val="522405798"/>
       </p:ext>
     </p:extLst>
   </p:cSld>
@@ -31324,7 +31324,7 @@
     </p:spTree>
     <p:extLst>
       <p:ext uri="{BB962C8B-B14F-4D97-AF65-F5344CB8AC3E}">
-        <p14:creationId xmlns="" xmlns:p14="http://schemas.microsoft.com/office/powerpoint/2010/main" val="522405798"/>
+        <p14:creationId xmlns:p14="http://schemas.microsoft.com/office/powerpoint/2010/main" xmlns="" val="522405798"/>
       </p:ext>
     </p:extLst>
   </p:cSld>
@@ -31557,7 +31557,7 @@
     </p:spTree>
     <p:extLst>
       <p:ext uri="{BB962C8B-B14F-4D97-AF65-F5344CB8AC3E}">
-        <p14:creationId xmlns="" xmlns:p14="http://schemas.microsoft.com/office/powerpoint/2010/main" val="522405798"/>
+        <p14:creationId xmlns:p14="http://schemas.microsoft.com/office/powerpoint/2010/main" xmlns="" val="522405798"/>
       </p:ext>
     </p:extLst>
   </p:cSld>
@@ -31606,7 +31606,7 @@
         </p:nvSpPr>
         <p:spPr>
           <a:xfrm>
-            <a:off x="1752600" y="2895600"/>
+            <a:off x="2133600" y="3048000"/>
             <a:ext cx="6096000" cy="990600"/>
           </a:xfrm>
         </p:spPr>
@@ -31652,7 +31652,7 @@
     </p:spTree>
     <p:extLst>
       <p:ext uri="{BB962C8B-B14F-4D97-AF65-F5344CB8AC3E}">
-        <p14:creationId xmlns:p14="http://schemas.microsoft.com/office/powerpoint/2010/main" xmlns="" val="3907764274"/>
+        <p14:creationId xmlns="" xmlns:p14="http://schemas.microsoft.com/office/powerpoint/2010/main" val="3907764274"/>
       </p:ext>
     </p:extLst>
   </p:cSld>
@@ -31895,7 +31895,7 @@
     </p:spTree>
     <p:extLst>
       <p:ext uri="{BB962C8B-B14F-4D97-AF65-F5344CB8AC3E}">
-        <p14:creationId xmlns="" xmlns:p14="http://schemas.microsoft.com/office/powerpoint/2010/main" val="522405798"/>
+        <p14:creationId xmlns:p14="http://schemas.microsoft.com/office/powerpoint/2010/main" xmlns="" val="522405798"/>
       </p:ext>
     </p:extLst>
   </p:cSld>
@@ -32205,7 +32205,7 @@
     </p:spTree>
     <p:extLst>
       <p:ext uri="{BB962C8B-B14F-4D97-AF65-F5344CB8AC3E}">
-        <p14:creationId xmlns="" xmlns:p14="http://schemas.microsoft.com/office/powerpoint/2010/main" val="522405798"/>
+        <p14:creationId xmlns:p14="http://schemas.microsoft.com/office/powerpoint/2010/main" xmlns="" val="522405798"/>
       </p:ext>
     </p:extLst>
   </p:cSld>
@@ -32373,7 +32373,7 @@
     </p:spTree>
     <p:extLst>
       <p:ext uri="{BB962C8B-B14F-4D97-AF65-F5344CB8AC3E}">
-        <p14:creationId xmlns="" xmlns:p14="http://schemas.microsoft.com/office/powerpoint/2010/main" val="522405798"/>
+        <p14:creationId xmlns:p14="http://schemas.microsoft.com/office/powerpoint/2010/main" xmlns="" val="522405798"/>
       </p:ext>
     </p:extLst>
   </p:cSld>
@@ -32541,7 +32541,7 @@
     </p:spTree>
     <p:extLst>
       <p:ext uri="{BB962C8B-B14F-4D97-AF65-F5344CB8AC3E}">
-        <p14:creationId xmlns="" xmlns:p14="http://schemas.microsoft.com/office/powerpoint/2010/main" val="522405798"/>
+        <p14:creationId xmlns:p14="http://schemas.microsoft.com/office/powerpoint/2010/main" xmlns="" val="522405798"/>
       </p:ext>
     </p:extLst>
   </p:cSld>
@@ -32736,7 +32736,7 @@
     </p:spTree>
     <p:extLst>
       <p:ext uri="{BB962C8B-B14F-4D97-AF65-F5344CB8AC3E}">
-        <p14:creationId xmlns="" xmlns:p14="http://schemas.microsoft.com/office/powerpoint/2010/main" val="522405798"/>
+        <p14:creationId xmlns:p14="http://schemas.microsoft.com/office/powerpoint/2010/main" xmlns="" val="522405798"/>
       </p:ext>
     </p:extLst>
   </p:cSld>
@@ -32904,7 +32904,7 @@
     </p:spTree>
     <p:extLst>
       <p:ext uri="{BB962C8B-B14F-4D97-AF65-F5344CB8AC3E}">
-        <p14:creationId xmlns="" xmlns:p14="http://schemas.microsoft.com/office/powerpoint/2010/main" val="522405798"/>
+        <p14:creationId xmlns:p14="http://schemas.microsoft.com/office/powerpoint/2010/main" xmlns="" val="522405798"/>
       </p:ext>
     </p:extLst>
   </p:cSld>
@@ -33072,7 +33072,7 @@
     </p:spTree>
     <p:extLst>
       <p:ext uri="{BB962C8B-B14F-4D97-AF65-F5344CB8AC3E}">
-        <p14:creationId xmlns="" xmlns:p14="http://schemas.microsoft.com/office/powerpoint/2010/main" val="522405798"/>
+        <p14:creationId xmlns:p14="http://schemas.microsoft.com/office/powerpoint/2010/main" xmlns="" val="522405798"/>
       </p:ext>
     </p:extLst>
   </p:cSld>
@@ -33222,7 +33222,7 @@
     </p:spTree>
     <p:extLst>
       <p:ext uri="{BB962C8B-B14F-4D97-AF65-F5344CB8AC3E}">
-        <p14:creationId xmlns="" xmlns:p14="http://schemas.microsoft.com/office/powerpoint/2010/main" val="522405798"/>
+        <p14:creationId xmlns:p14="http://schemas.microsoft.com/office/powerpoint/2010/main" xmlns="" val="522405798"/>
       </p:ext>
     </p:extLst>
   </p:cSld>
@@ -33379,7 +33379,7 @@
     </p:spTree>
     <p:extLst>
       <p:ext uri="{BB962C8B-B14F-4D97-AF65-F5344CB8AC3E}">
-        <p14:creationId xmlns="" xmlns:p14="http://schemas.microsoft.com/office/powerpoint/2010/main" val="522405798"/>
+        <p14:creationId xmlns:p14="http://schemas.microsoft.com/office/powerpoint/2010/main" xmlns="" val="522405798"/>
       </p:ext>
     </p:extLst>
   </p:cSld>
@@ -33773,7 +33773,7 @@
     </p:spTree>
     <p:extLst>
       <p:ext uri="{BB962C8B-B14F-4D97-AF65-F5344CB8AC3E}">
-        <p14:creationId xmlns="" xmlns:p14="http://schemas.microsoft.com/office/powerpoint/2010/main" val="522405798"/>
+        <p14:creationId xmlns:p14="http://schemas.microsoft.com/office/powerpoint/2010/main" xmlns="" val="522405798"/>
       </p:ext>
     </p:extLst>
   </p:cSld>
@@ -34057,7 +34057,7 @@
     </p:spTree>
     <p:extLst>
       <p:ext uri="{BB962C8B-B14F-4D97-AF65-F5344CB8AC3E}">
-        <p14:creationId xmlns="" xmlns:p14="http://schemas.microsoft.com/office/powerpoint/2010/main" val="522405798"/>
+        <p14:creationId xmlns:p14="http://schemas.microsoft.com/office/powerpoint/2010/main" xmlns="" val="522405798"/>
       </p:ext>
     </p:extLst>
   </p:cSld>
@@ -34169,7 +34169,7 @@
     </p:spTree>
     <p:extLst>
       <p:ext uri="{BB962C8B-B14F-4D97-AF65-F5344CB8AC3E}">
-        <p14:creationId xmlns:p14="http://schemas.microsoft.com/office/powerpoint/2010/main" xmlns="" val="3907764274"/>
+        <p14:creationId xmlns="" xmlns:p14="http://schemas.microsoft.com/office/powerpoint/2010/main" val="3907764274"/>
       </p:ext>
     </p:extLst>
   </p:cSld>
@@ -34414,7 +34414,7 @@
     </p:spTree>
     <p:extLst>
       <p:ext uri="{BB962C8B-B14F-4D97-AF65-F5344CB8AC3E}">
-        <p14:creationId xmlns="" xmlns:p14="http://schemas.microsoft.com/office/powerpoint/2010/main" val="522405798"/>
+        <p14:creationId xmlns:p14="http://schemas.microsoft.com/office/powerpoint/2010/main" xmlns="" val="522405798"/>
       </p:ext>
     </p:extLst>
   </p:cSld>
@@ -34631,7 +34631,7 @@
     </p:spTree>
     <p:extLst>
       <p:ext uri="{BB962C8B-B14F-4D97-AF65-F5344CB8AC3E}">
-        <p14:creationId xmlns="" xmlns:p14="http://schemas.microsoft.com/office/powerpoint/2010/main" val="522405798"/>
+        <p14:creationId xmlns:p14="http://schemas.microsoft.com/office/powerpoint/2010/main" xmlns="" val="522405798"/>
       </p:ext>
     </p:extLst>
   </p:cSld>
@@ -34763,7 +34763,7 @@
     </p:spTree>
     <p:extLst>
       <p:ext uri="{BB962C8B-B14F-4D97-AF65-F5344CB8AC3E}">
-        <p14:creationId xmlns="" xmlns:p14="http://schemas.microsoft.com/office/powerpoint/2010/main" val="522405798"/>
+        <p14:creationId xmlns:p14="http://schemas.microsoft.com/office/powerpoint/2010/main" xmlns="" val="522405798"/>
       </p:ext>
     </p:extLst>
   </p:cSld>
@@ -34880,7 +34880,7 @@
     </p:spTree>
     <p:extLst>
       <p:ext uri="{BB962C8B-B14F-4D97-AF65-F5344CB8AC3E}">
-        <p14:creationId xmlns="" xmlns:p14="http://schemas.microsoft.com/office/powerpoint/2010/main" val="522405798"/>
+        <p14:creationId xmlns:p14="http://schemas.microsoft.com/office/powerpoint/2010/main" xmlns="" val="522405798"/>
       </p:ext>
     </p:extLst>
   </p:cSld>
@@ -35029,7 +35029,7 @@
     </p:spTree>
     <p:extLst>
       <p:ext uri="{BB962C8B-B14F-4D97-AF65-F5344CB8AC3E}">
-        <p14:creationId xmlns="" xmlns:p14="http://schemas.microsoft.com/office/powerpoint/2010/main" val="522405798"/>
+        <p14:creationId xmlns:p14="http://schemas.microsoft.com/office/powerpoint/2010/main" xmlns="" val="522405798"/>
       </p:ext>
     </p:extLst>
   </p:cSld>
@@ -35146,7 +35146,7 @@
     </p:spTree>
     <p:extLst>
       <p:ext uri="{BB962C8B-B14F-4D97-AF65-F5344CB8AC3E}">
-        <p14:creationId xmlns="" xmlns:p14="http://schemas.microsoft.com/office/powerpoint/2010/main" val="522405798"/>
+        <p14:creationId xmlns:p14="http://schemas.microsoft.com/office/powerpoint/2010/main" xmlns="" val="522405798"/>
       </p:ext>
     </p:extLst>
   </p:cSld>
@@ -35295,7 +35295,7 @@
     </p:spTree>
     <p:extLst>
       <p:ext uri="{BB962C8B-B14F-4D97-AF65-F5344CB8AC3E}">
-        <p14:creationId xmlns="" xmlns:p14="http://schemas.microsoft.com/office/powerpoint/2010/main" val="522405798"/>
+        <p14:creationId xmlns:p14="http://schemas.microsoft.com/office/powerpoint/2010/main" xmlns="" val="522405798"/>
       </p:ext>
     </p:extLst>
   </p:cSld>
@@ -35412,7 +35412,7 @@
     </p:spTree>
     <p:extLst>
       <p:ext uri="{BB962C8B-B14F-4D97-AF65-F5344CB8AC3E}">
-        <p14:creationId xmlns="" xmlns:p14="http://schemas.microsoft.com/office/powerpoint/2010/main" val="522405798"/>
+        <p14:creationId xmlns:p14="http://schemas.microsoft.com/office/powerpoint/2010/main" xmlns="" val="522405798"/>
       </p:ext>
     </p:extLst>
   </p:cSld>
@@ -35561,7 +35561,7 @@
     </p:spTree>
     <p:extLst>
       <p:ext uri="{BB962C8B-B14F-4D97-AF65-F5344CB8AC3E}">
-        <p14:creationId xmlns="" xmlns:p14="http://schemas.microsoft.com/office/powerpoint/2010/main" val="522405798"/>
+        <p14:creationId xmlns:p14="http://schemas.microsoft.com/office/powerpoint/2010/main" xmlns="" val="522405798"/>
       </p:ext>
     </p:extLst>
   </p:cSld>
@@ -35724,7 +35724,14 @@
                 <a:latin typeface="微軟正黑體" pitchFamily="34" charset="-120"/>
                 <a:ea typeface="微軟正黑體" pitchFamily="34" charset="-120"/>
               </a:rPr>
-              <a:t>數位來描述顏色</a:t>
+              <a:t>數字來</a:t>
+            </a:r>
+            <a:r>
+              <a:rPr lang="zh-TW" altLang="en-US" sz="3600" dirty="0" smtClean="0">
+                <a:latin typeface="微軟正黑體" pitchFamily="34" charset="-120"/>
+                <a:ea typeface="微軟正黑體" pitchFamily="34" charset="-120"/>
+              </a:rPr>
+              <a:t>描述顏色</a:t>
             </a:r>
             <a:r>
               <a:rPr lang="en-US" altLang="zh-TW" sz="3600" dirty="0" smtClean="0">
@@ -35831,7 +35838,7 @@
     </p:spTree>
     <p:extLst>
       <p:ext uri="{BB962C8B-B14F-4D97-AF65-F5344CB8AC3E}">
-        <p14:creationId xmlns="" xmlns:p14="http://schemas.microsoft.com/office/powerpoint/2010/main" val="522405798"/>
+        <p14:creationId xmlns:p14="http://schemas.microsoft.com/office/powerpoint/2010/main" xmlns="" val="522405798"/>
       </p:ext>
     </p:extLst>
   </p:cSld>
@@ -35948,7 +35955,7 @@
     </p:spTree>
     <p:extLst>
       <p:ext uri="{BB962C8B-B14F-4D97-AF65-F5344CB8AC3E}">
-        <p14:creationId xmlns="" xmlns:p14="http://schemas.microsoft.com/office/powerpoint/2010/main" val="522405798"/>
+        <p14:creationId xmlns:p14="http://schemas.microsoft.com/office/powerpoint/2010/main" xmlns="" val="522405798"/>
       </p:ext>
     </p:extLst>
   </p:cSld>
@@ -36097,7 +36104,7 @@
     </p:spTree>
     <p:extLst>
       <p:ext uri="{BB962C8B-B14F-4D97-AF65-F5344CB8AC3E}">
-        <p14:creationId xmlns="" xmlns:p14="http://schemas.microsoft.com/office/powerpoint/2010/main" val="522405798"/>
+        <p14:creationId xmlns:p14="http://schemas.microsoft.com/office/powerpoint/2010/main" xmlns="" val="522405798"/>
       </p:ext>
     </p:extLst>
   </p:cSld>
@@ -36214,7 +36221,7 @@
     </p:spTree>
     <p:extLst>
       <p:ext uri="{BB962C8B-B14F-4D97-AF65-F5344CB8AC3E}">
-        <p14:creationId xmlns="" xmlns:p14="http://schemas.microsoft.com/office/powerpoint/2010/main" val="522405798"/>
+        <p14:creationId xmlns:p14="http://schemas.microsoft.com/office/powerpoint/2010/main" xmlns="" val="522405798"/>
       </p:ext>
     </p:extLst>
   </p:cSld>
@@ -36363,7 +36370,7 @@
     </p:spTree>
     <p:extLst>
       <p:ext uri="{BB962C8B-B14F-4D97-AF65-F5344CB8AC3E}">
-        <p14:creationId xmlns="" xmlns:p14="http://schemas.microsoft.com/office/powerpoint/2010/main" val="522405798"/>
+        <p14:creationId xmlns:p14="http://schemas.microsoft.com/office/powerpoint/2010/main" xmlns="" val="522405798"/>
       </p:ext>
     </p:extLst>
   </p:cSld>
@@ -36435,7 +36442,7 @@
     </p:spTree>
     <p:extLst>
       <p:ext uri="{BB962C8B-B14F-4D97-AF65-F5344CB8AC3E}">
-        <p14:creationId xmlns="" xmlns:p14="http://schemas.microsoft.com/office/powerpoint/2010/main" val="522405798"/>
+        <p14:creationId xmlns:p14="http://schemas.microsoft.com/office/powerpoint/2010/main" xmlns="" val="522405798"/>
       </p:ext>
     </p:extLst>
   </p:cSld>
@@ -36613,7 +36620,7 @@
     </p:spTree>
     <p:extLst>
       <p:ext uri="{BB962C8B-B14F-4D97-AF65-F5344CB8AC3E}">
-        <p14:creationId xmlns="" xmlns:p14="http://schemas.microsoft.com/office/powerpoint/2010/main" val="522405798"/>
+        <p14:creationId xmlns:p14="http://schemas.microsoft.com/office/powerpoint/2010/main" xmlns="" val="522405798"/>
       </p:ext>
     </p:extLst>
   </p:cSld>
@@ -36743,7 +36750,7 @@
     </p:spTree>
     <p:extLst>
       <p:ext uri="{BB962C8B-B14F-4D97-AF65-F5344CB8AC3E}">
-        <p14:creationId xmlns="" xmlns:p14="http://schemas.microsoft.com/office/powerpoint/2010/main" val="522405798"/>
+        <p14:creationId xmlns:p14="http://schemas.microsoft.com/office/powerpoint/2010/main" xmlns="" val="522405798"/>
       </p:ext>
     </p:extLst>
   </p:cSld>
@@ -36901,7 +36908,7 @@
     </p:spTree>
     <p:extLst>
       <p:ext uri="{BB962C8B-B14F-4D97-AF65-F5344CB8AC3E}">
-        <p14:creationId xmlns="" xmlns:p14="http://schemas.microsoft.com/office/powerpoint/2010/main" val="522405798"/>
+        <p14:creationId xmlns:p14="http://schemas.microsoft.com/office/powerpoint/2010/main" xmlns="" val="522405798"/>
       </p:ext>
     </p:extLst>
   </p:cSld>
@@ -37031,7 +37038,7 @@
     </p:spTree>
     <p:extLst>
       <p:ext uri="{BB962C8B-B14F-4D97-AF65-F5344CB8AC3E}">
-        <p14:creationId xmlns="" xmlns:p14="http://schemas.microsoft.com/office/powerpoint/2010/main" val="522405798"/>
+        <p14:creationId xmlns:p14="http://schemas.microsoft.com/office/powerpoint/2010/main" xmlns="" val="522405798"/>
       </p:ext>
     </p:extLst>
   </p:cSld>
@@ -37161,7 +37168,7 @@
     </p:spTree>
     <p:extLst>
       <p:ext uri="{BB962C8B-B14F-4D97-AF65-F5344CB8AC3E}">
-        <p14:creationId xmlns="" xmlns:p14="http://schemas.microsoft.com/office/powerpoint/2010/main" val="522405798"/>
+        <p14:creationId xmlns:p14="http://schemas.microsoft.com/office/powerpoint/2010/main" xmlns="" val="522405798"/>
       </p:ext>
     </p:extLst>
   </p:cSld>
@@ -37455,7 +37462,7 @@
     </p:spTree>
     <p:extLst>
       <p:ext uri="{BB962C8B-B14F-4D97-AF65-F5344CB8AC3E}">
-        <p14:creationId xmlns="" xmlns:p14="http://schemas.microsoft.com/office/powerpoint/2010/main" val="522405798"/>
+        <p14:creationId xmlns:p14="http://schemas.microsoft.com/office/powerpoint/2010/main" xmlns="" val="522405798"/>
       </p:ext>
     </p:extLst>
   </p:cSld>
@@ -37665,7 +37672,7 @@
     </p:spTree>
     <p:extLst>
       <p:ext uri="{BB962C8B-B14F-4D97-AF65-F5344CB8AC3E}">
-        <p14:creationId xmlns="" xmlns:p14="http://schemas.microsoft.com/office/powerpoint/2010/main" val="522405798"/>
+        <p14:creationId xmlns:p14="http://schemas.microsoft.com/office/powerpoint/2010/main" xmlns="" val="522405798"/>
       </p:ext>
     </p:extLst>
   </p:cSld>
@@ -37859,7 +37866,7 @@
     </p:spTree>
     <p:extLst>
       <p:ext uri="{BB962C8B-B14F-4D97-AF65-F5344CB8AC3E}">
-        <p14:creationId xmlns="" xmlns:p14="http://schemas.microsoft.com/office/powerpoint/2010/main" val="522405798"/>
+        <p14:creationId xmlns:p14="http://schemas.microsoft.com/office/powerpoint/2010/main" xmlns="" val="522405798"/>
       </p:ext>
     </p:extLst>
   </p:cSld>
@@ -37989,7 +37996,7 @@
     </p:spTree>
     <p:extLst>
       <p:ext uri="{BB962C8B-B14F-4D97-AF65-F5344CB8AC3E}">
-        <p14:creationId xmlns="" xmlns:p14="http://schemas.microsoft.com/office/powerpoint/2010/main" val="522405798"/>
+        <p14:creationId xmlns:p14="http://schemas.microsoft.com/office/powerpoint/2010/main" xmlns="" val="522405798"/>
       </p:ext>
     </p:extLst>
   </p:cSld>
@@ -38119,7 +38126,7 @@
     </p:spTree>
     <p:extLst>
       <p:ext uri="{BB962C8B-B14F-4D97-AF65-F5344CB8AC3E}">
-        <p14:creationId xmlns="" xmlns:p14="http://schemas.microsoft.com/office/powerpoint/2010/main" val="522405798"/>
+        <p14:creationId xmlns:p14="http://schemas.microsoft.com/office/powerpoint/2010/main" xmlns="" val="522405798"/>
       </p:ext>
     </p:extLst>
   </p:cSld>
@@ -38214,7 +38221,7 @@
     </p:spTree>
     <p:extLst>
       <p:ext uri="{BB962C8B-B14F-4D97-AF65-F5344CB8AC3E}">
-        <p14:creationId xmlns:p14="http://schemas.microsoft.com/office/powerpoint/2010/main" xmlns="" val="3907764274"/>
+        <p14:creationId xmlns="" xmlns:p14="http://schemas.microsoft.com/office/powerpoint/2010/main" val="3907764274"/>
       </p:ext>
     </p:extLst>
   </p:cSld>
@@ -38440,7 +38447,7 @@
     </p:spTree>
     <p:extLst>
       <p:ext uri="{BB962C8B-B14F-4D97-AF65-F5344CB8AC3E}">
-        <p14:creationId xmlns="" xmlns:p14="http://schemas.microsoft.com/office/powerpoint/2010/main" val="522405798"/>
+        <p14:creationId xmlns:p14="http://schemas.microsoft.com/office/powerpoint/2010/main" xmlns="" val="522405798"/>
       </p:ext>
     </p:extLst>
   </p:cSld>
@@ -38824,7 +38831,7 @@
     </p:spTree>
     <p:extLst>
       <p:ext uri="{BB962C8B-B14F-4D97-AF65-F5344CB8AC3E}">
-        <p14:creationId xmlns="" xmlns:p14="http://schemas.microsoft.com/office/powerpoint/2010/main" val="522405798"/>
+        <p14:creationId xmlns:p14="http://schemas.microsoft.com/office/powerpoint/2010/main" xmlns="" val="522405798"/>
       </p:ext>
     </p:extLst>
   </p:cSld>
@@ -39096,7 +39103,7 @@
     </p:spTree>
     <p:extLst>
       <p:ext uri="{BB962C8B-B14F-4D97-AF65-F5344CB8AC3E}">
-        <p14:creationId xmlns="" xmlns:p14="http://schemas.microsoft.com/office/powerpoint/2010/main" val="522405798"/>
+        <p14:creationId xmlns:p14="http://schemas.microsoft.com/office/powerpoint/2010/main" xmlns="" val="522405798"/>
       </p:ext>
     </p:extLst>
   </p:cSld>
@@ -39260,7 +39267,7 @@
     </p:spTree>
     <p:extLst>
       <p:ext uri="{BB962C8B-B14F-4D97-AF65-F5344CB8AC3E}">
-        <p14:creationId xmlns="" xmlns:p14="http://schemas.microsoft.com/office/powerpoint/2010/main" val="522405798"/>
+        <p14:creationId xmlns:p14="http://schemas.microsoft.com/office/powerpoint/2010/main" xmlns="" val="522405798"/>
       </p:ext>
     </p:extLst>
   </p:cSld>
@@ -39477,7 +39484,7 @@
     </p:spTree>
     <p:extLst>
       <p:ext uri="{BB962C8B-B14F-4D97-AF65-F5344CB8AC3E}">
-        <p14:creationId xmlns="" xmlns:p14="http://schemas.microsoft.com/office/powerpoint/2010/main" val="522405798"/>
+        <p14:creationId xmlns:p14="http://schemas.microsoft.com/office/powerpoint/2010/main" xmlns="" val="522405798"/>
       </p:ext>
     </p:extLst>
   </p:cSld>
@@ -39816,7 +39823,7 @@
     </p:spTree>
     <p:extLst>
       <p:ext uri="{BB962C8B-B14F-4D97-AF65-F5344CB8AC3E}">
-        <p14:creationId xmlns="" xmlns:p14="http://schemas.microsoft.com/office/powerpoint/2010/main" val="522405798"/>
+        <p14:creationId xmlns:p14="http://schemas.microsoft.com/office/powerpoint/2010/main" xmlns="" val="522405798"/>
       </p:ext>
     </p:extLst>
   </p:cSld>
@@ -40041,7 +40048,7 @@
     </p:spTree>
     <p:extLst>
       <p:ext uri="{BB962C8B-B14F-4D97-AF65-F5344CB8AC3E}">
-        <p14:creationId xmlns="" xmlns:p14="http://schemas.microsoft.com/office/powerpoint/2010/main" val="522405798"/>
+        <p14:creationId xmlns:p14="http://schemas.microsoft.com/office/powerpoint/2010/main" xmlns="" val="522405798"/>
       </p:ext>
     </p:extLst>
   </p:cSld>
@@ -40156,7 +40163,7 @@
     </p:spTree>
     <p:extLst>
       <p:ext uri="{BB962C8B-B14F-4D97-AF65-F5344CB8AC3E}">
-        <p14:creationId xmlns:p14="http://schemas.microsoft.com/office/powerpoint/2010/main" xmlns="" val="3907764274"/>
+        <p14:creationId xmlns="" xmlns:p14="http://schemas.microsoft.com/office/powerpoint/2010/main" val="3907764274"/>
       </p:ext>
     </p:extLst>
   </p:cSld>
@@ -40398,7 +40405,7 @@
     </p:spTree>
     <p:extLst>
       <p:ext uri="{BB962C8B-B14F-4D97-AF65-F5344CB8AC3E}">
-        <p14:creationId xmlns="" xmlns:p14="http://schemas.microsoft.com/office/powerpoint/2010/main" val="522405798"/>
+        <p14:creationId xmlns:p14="http://schemas.microsoft.com/office/powerpoint/2010/main" xmlns="" val="522405798"/>
       </p:ext>
     </p:extLst>
   </p:cSld>
@@ -40579,7 +40586,7 @@
     </p:spTree>
     <p:extLst>
       <p:ext uri="{BB962C8B-B14F-4D97-AF65-F5344CB8AC3E}">
-        <p14:creationId xmlns="" xmlns:p14="http://schemas.microsoft.com/office/powerpoint/2010/main" val="522405798"/>
+        <p14:creationId xmlns:p14="http://schemas.microsoft.com/office/powerpoint/2010/main" xmlns="" val="522405798"/>
       </p:ext>
     </p:extLst>
   </p:cSld>
@@ -40834,7 +40841,7 @@
     </p:spTree>
     <p:extLst>
       <p:ext uri="{BB962C8B-B14F-4D97-AF65-F5344CB8AC3E}">
-        <p14:creationId xmlns="" xmlns:p14="http://schemas.microsoft.com/office/powerpoint/2010/main" val="522405798"/>
+        <p14:creationId xmlns:p14="http://schemas.microsoft.com/office/powerpoint/2010/main" xmlns="" val="522405798"/>
       </p:ext>
     </p:extLst>
   </p:cSld>
@@ -41035,7 +41042,7 @@
     </p:spTree>
     <p:extLst>
       <p:ext uri="{BB962C8B-B14F-4D97-AF65-F5344CB8AC3E}">
-        <p14:creationId xmlns="" xmlns:p14="http://schemas.microsoft.com/office/powerpoint/2010/main" val="522405798"/>
+        <p14:creationId xmlns:p14="http://schemas.microsoft.com/office/powerpoint/2010/main" xmlns="" val="522405798"/>
       </p:ext>
     </p:extLst>
   </p:cSld>
@@ -41256,7 +41263,7 @@
     </p:spTree>
     <p:extLst>
       <p:ext uri="{BB962C8B-B14F-4D97-AF65-F5344CB8AC3E}">
-        <p14:creationId xmlns="" xmlns:p14="http://schemas.microsoft.com/office/powerpoint/2010/main" val="522405798"/>
+        <p14:creationId xmlns:p14="http://schemas.microsoft.com/office/powerpoint/2010/main" xmlns="" val="522405798"/>
       </p:ext>
     </p:extLst>
   </p:cSld>
@@ -41420,7 +41427,7 @@
     </p:spTree>
     <p:extLst>
       <p:ext uri="{BB962C8B-B14F-4D97-AF65-F5344CB8AC3E}">
-        <p14:creationId xmlns="" xmlns:p14="http://schemas.microsoft.com/office/powerpoint/2010/main" val="522405798"/>
+        <p14:creationId xmlns:p14="http://schemas.microsoft.com/office/powerpoint/2010/main" xmlns="" val="522405798"/>
       </p:ext>
     </p:extLst>
   </p:cSld>
@@ -41669,7 +41676,7 @@
     </p:spTree>
     <p:extLst>
       <p:ext uri="{BB962C8B-B14F-4D97-AF65-F5344CB8AC3E}">
-        <p14:creationId xmlns="" xmlns:p14="http://schemas.microsoft.com/office/powerpoint/2010/main" val="522405798"/>
+        <p14:creationId xmlns:p14="http://schemas.microsoft.com/office/powerpoint/2010/main" xmlns="" val="522405798"/>
       </p:ext>
     </p:extLst>
   </p:cSld>
@@ -41881,7 +41888,7 @@
     </p:spTree>
     <p:extLst>
       <p:ext uri="{BB962C8B-B14F-4D97-AF65-F5344CB8AC3E}">
-        <p14:creationId xmlns="" xmlns:p14="http://schemas.microsoft.com/office/powerpoint/2010/main" val="522405798"/>
+        <p14:creationId xmlns:p14="http://schemas.microsoft.com/office/powerpoint/2010/main" xmlns="" val="522405798"/>
       </p:ext>
     </p:extLst>
   </p:cSld>
@@ -42283,7 +42290,7 @@
     </p:spTree>
     <p:extLst>
       <p:ext uri="{BB962C8B-B14F-4D97-AF65-F5344CB8AC3E}">
-        <p14:creationId xmlns="" xmlns:p14="http://schemas.microsoft.com/office/powerpoint/2010/main" val="522405798"/>
+        <p14:creationId xmlns:p14="http://schemas.microsoft.com/office/powerpoint/2010/main" xmlns="" val="522405798"/>
       </p:ext>
     </p:extLst>
   </p:cSld>
@@ -42415,7 +42422,7 @@
     </p:spTree>
     <p:extLst>
       <p:ext uri="{BB962C8B-B14F-4D97-AF65-F5344CB8AC3E}">
-        <p14:creationId xmlns="" xmlns:p14="http://schemas.microsoft.com/office/powerpoint/2010/main" val="522405798"/>
+        <p14:creationId xmlns:p14="http://schemas.microsoft.com/office/powerpoint/2010/main" xmlns="" val="522405798"/>
       </p:ext>
     </p:extLst>
   </p:cSld>
@@ -42547,7 +42554,7 @@
     </p:spTree>
     <p:extLst>
       <p:ext uri="{BB962C8B-B14F-4D97-AF65-F5344CB8AC3E}">
-        <p14:creationId xmlns="" xmlns:p14="http://schemas.microsoft.com/office/powerpoint/2010/main" val="522405798"/>
+        <p14:creationId xmlns:p14="http://schemas.microsoft.com/office/powerpoint/2010/main" xmlns="" val="522405798"/>
       </p:ext>
     </p:extLst>
   </p:cSld>
@@ -42679,7 +42686,7 @@
     </p:spTree>
     <p:extLst>
       <p:ext uri="{BB962C8B-B14F-4D97-AF65-F5344CB8AC3E}">
-        <p14:creationId xmlns="" xmlns:p14="http://schemas.microsoft.com/office/powerpoint/2010/main" val="522405798"/>
+        <p14:creationId xmlns:p14="http://schemas.microsoft.com/office/powerpoint/2010/main" xmlns="" val="522405798"/>
       </p:ext>
     </p:extLst>
   </p:cSld>
@@ -42814,7 +42821,7 @@
     </p:spTree>
     <p:extLst>
       <p:ext uri="{BB962C8B-B14F-4D97-AF65-F5344CB8AC3E}">
-        <p14:creationId xmlns="" xmlns:p14="http://schemas.microsoft.com/office/powerpoint/2010/main" val="522405798"/>
+        <p14:creationId xmlns:p14="http://schemas.microsoft.com/office/powerpoint/2010/main" xmlns="" val="522405798"/>
       </p:ext>
     </p:extLst>
   </p:cSld>
@@ -42978,7 +42985,7 @@
     </p:spTree>
     <p:extLst>
       <p:ext uri="{BB962C8B-B14F-4D97-AF65-F5344CB8AC3E}">
-        <p14:creationId xmlns="" xmlns:p14="http://schemas.microsoft.com/office/powerpoint/2010/main" val="522405798"/>
+        <p14:creationId xmlns:p14="http://schemas.microsoft.com/office/powerpoint/2010/main" xmlns="" val="522405798"/>
       </p:ext>
     </p:extLst>
   </p:cSld>
@@ -43142,7 +43149,7 @@
     </p:spTree>
     <p:extLst>
       <p:ext uri="{BB962C8B-B14F-4D97-AF65-F5344CB8AC3E}">
-        <p14:creationId xmlns="" xmlns:p14="http://schemas.microsoft.com/office/powerpoint/2010/main" val="522405798"/>
+        <p14:creationId xmlns:p14="http://schemas.microsoft.com/office/powerpoint/2010/main" xmlns="" val="522405798"/>
       </p:ext>
     </p:extLst>
   </p:cSld>
@@ -43441,7 +43448,7 @@
     </p:spTree>
     <p:extLst>
       <p:ext uri="{BB962C8B-B14F-4D97-AF65-F5344CB8AC3E}">
-        <p14:creationId xmlns="" xmlns:p14="http://schemas.microsoft.com/office/powerpoint/2010/main" val="522405798"/>
+        <p14:creationId xmlns:p14="http://schemas.microsoft.com/office/powerpoint/2010/main" xmlns="" val="522405798"/>
       </p:ext>
     </p:extLst>
   </p:cSld>
@@ -43662,7 +43669,7 @@
     </p:spTree>
     <p:extLst>
       <p:ext uri="{BB962C8B-B14F-4D97-AF65-F5344CB8AC3E}">
-        <p14:creationId xmlns="" xmlns:p14="http://schemas.microsoft.com/office/powerpoint/2010/main" val="522405798"/>
+        <p14:creationId xmlns:p14="http://schemas.microsoft.com/office/powerpoint/2010/main" xmlns="" val="522405798"/>
       </p:ext>
     </p:extLst>
   </p:cSld>
@@ -44027,7 +44034,7 @@
     </p:spTree>
     <p:extLst>
       <p:ext uri="{BB962C8B-B14F-4D97-AF65-F5344CB8AC3E}">
-        <p14:creationId xmlns="" xmlns:p14="http://schemas.microsoft.com/office/powerpoint/2010/main" val="522405798"/>
+        <p14:creationId xmlns:p14="http://schemas.microsoft.com/office/powerpoint/2010/main" xmlns="" val="522405798"/>
       </p:ext>
     </p:extLst>
   </p:cSld>
@@ -44159,7 +44166,7 @@
     </p:spTree>
     <p:extLst>
       <p:ext uri="{BB962C8B-B14F-4D97-AF65-F5344CB8AC3E}">
-        <p14:creationId xmlns="" xmlns:p14="http://schemas.microsoft.com/office/powerpoint/2010/main" val="522405798"/>
+        <p14:creationId xmlns:p14="http://schemas.microsoft.com/office/powerpoint/2010/main" xmlns="" val="522405798"/>
       </p:ext>
     </p:extLst>
   </p:cSld>
@@ -44405,7 +44412,7 @@
     </p:spTree>
     <p:extLst>
       <p:ext uri="{BB962C8B-B14F-4D97-AF65-F5344CB8AC3E}">
-        <p14:creationId xmlns="" xmlns:p14="http://schemas.microsoft.com/office/powerpoint/2010/main" val="522405798"/>
+        <p14:creationId xmlns:p14="http://schemas.microsoft.com/office/powerpoint/2010/main" xmlns="" val="522405798"/>
       </p:ext>
     </p:extLst>
   </p:cSld>
@@ -44596,7 +44603,7 @@
     </p:spTree>
     <p:extLst>
       <p:ext uri="{BB962C8B-B14F-4D97-AF65-F5344CB8AC3E}">
-        <p14:creationId xmlns="" xmlns:p14="http://schemas.microsoft.com/office/powerpoint/2010/main" val="522405798"/>
+        <p14:creationId xmlns:p14="http://schemas.microsoft.com/office/powerpoint/2010/main" xmlns="" val="522405798"/>
       </p:ext>
     </p:extLst>
   </p:cSld>
@@ -44792,7 +44799,7 @@
     </p:spTree>
     <p:extLst>
       <p:ext uri="{BB962C8B-B14F-4D97-AF65-F5344CB8AC3E}">
-        <p14:creationId xmlns="" xmlns:p14="http://schemas.microsoft.com/office/powerpoint/2010/main" val="522405798"/>
+        <p14:creationId xmlns:p14="http://schemas.microsoft.com/office/powerpoint/2010/main" xmlns="" val="522405798"/>
       </p:ext>
     </p:extLst>
   </p:cSld>
@@ -44924,7 +44931,7 @@
     </p:spTree>
     <p:extLst>
       <p:ext uri="{BB962C8B-B14F-4D97-AF65-F5344CB8AC3E}">
-        <p14:creationId xmlns="" xmlns:p14="http://schemas.microsoft.com/office/powerpoint/2010/main" val="522405798"/>
+        <p14:creationId xmlns:p14="http://schemas.microsoft.com/office/powerpoint/2010/main" xmlns="" val="522405798"/>
       </p:ext>
     </p:extLst>
   </p:cSld>
@@ -45325,7 +45332,7 @@
     </p:spTree>
     <p:extLst>
       <p:ext uri="{BB962C8B-B14F-4D97-AF65-F5344CB8AC3E}">
-        <p14:creationId xmlns="" xmlns:p14="http://schemas.microsoft.com/office/powerpoint/2010/main" val="522405798"/>
+        <p14:creationId xmlns:p14="http://schemas.microsoft.com/office/powerpoint/2010/main" xmlns="" val="522405798"/>
       </p:ext>
     </p:extLst>
   </p:cSld>
@@ -45513,7 +45520,7 @@
     </p:spTree>
     <p:extLst>
       <p:ext uri="{BB962C8B-B14F-4D97-AF65-F5344CB8AC3E}">
-        <p14:creationId xmlns="" xmlns:p14="http://schemas.microsoft.com/office/powerpoint/2010/main" val="522405798"/>
+        <p14:creationId xmlns:p14="http://schemas.microsoft.com/office/powerpoint/2010/main" xmlns="" val="522405798"/>
       </p:ext>
     </p:extLst>
   </p:cSld>
@@ -45677,7 +45684,7 @@
     </p:spTree>
     <p:extLst>
       <p:ext uri="{BB962C8B-B14F-4D97-AF65-F5344CB8AC3E}">
-        <p14:creationId xmlns="" xmlns:p14="http://schemas.microsoft.com/office/powerpoint/2010/main" val="522405798"/>
+        <p14:creationId xmlns:p14="http://schemas.microsoft.com/office/powerpoint/2010/main" xmlns="" val="522405798"/>
       </p:ext>
     </p:extLst>
   </p:cSld>
@@ -45809,7 +45816,7 @@
     </p:spTree>
     <p:extLst>
       <p:ext uri="{BB962C8B-B14F-4D97-AF65-F5344CB8AC3E}">
-        <p14:creationId xmlns="" xmlns:p14="http://schemas.microsoft.com/office/powerpoint/2010/main" val="522405798"/>
+        <p14:creationId xmlns:p14="http://schemas.microsoft.com/office/powerpoint/2010/main" xmlns="" val="522405798"/>
       </p:ext>
     </p:extLst>
   </p:cSld>
@@ -46068,7 +46075,7 @@
     </p:spTree>
     <p:extLst>
       <p:ext uri="{BB962C8B-B14F-4D97-AF65-F5344CB8AC3E}">
-        <p14:creationId xmlns="" xmlns:p14="http://schemas.microsoft.com/office/powerpoint/2010/main" val="522405798"/>
+        <p14:creationId xmlns:p14="http://schemas.microsoft.com/office/powerpoint/2010/main" xmlns="" val="522405798"/>
       </p:ext>
     </p:extLst>
   </p:cSld>
@@ -46310,7 +46317,7 @@
     </p:spTree>
     <p:extLst>
       <p:ext uri="{BB962C8B-B14F-4D97-AF65-F5344CB8AC3E}">
-        <p14:creationId xmlns="" xmlns:p14="http://schemas.microsoft.com/office/powerpoint/2010/main" val="522405798"/>
+        <p14:creationId xmlns:p14="http://schemas.microsoft.com/office/powerpoint/2010/main" xmlns="" val="522405798"/>
       </p:ext>
     </p:extLst>
   </p:cSld>
@@ -46474,7 +46481,7 @@
     </p:spTree>
     <p:extLst>
       <p:ext uri="{BB962C8B-B14F-4D97-AF65-F5344CB8AC3E}">
-        <p14:creationId xmlns="" xmlns:p14="http://schemas.microsoft.com/office/powerpoint/2010/main" val="522405798"/>
+        <p14:creationId xmlns:p14="http://schemas.microsoft.com/office/powerpoint/2010/main" xmlns="" val="522405798"/>
       </p:ext>
     </p:extLst>
   </p:cSld>
@@ -46791,7 +46798,7 @@
     </p:spTree>
     <p:extLst>
       <p:ext uri="{BB962C8B-B14F-4D97-AF65-F5344CB8AC3E}">
-        <p14:creationId xmlns="" xmlns:p14="http://schemas.microsoft.com/office/powerpoint/2010/main" val="522405798"/>
+        <p14:creationId xmlns:p14="http://schemas.microsoft.com/office/powerpoint/2010/main" xmlns="" val="522405798"/>
       </p:ext>
     </p:extLst>
   </p:cSld>
@@ -47150,7 +47157,7 @@
     </p:spTree>
     <p:extLst>
       <p:ext uri="{BB962C8B-B14F-4D97-AF65-F5344CB8AC3E}">
-        <p14:creationId xmlns="" xmlns:p14="http://schemas.microsoft.com/office/powerpoint/2010/main" val="522405798"/>
+        <p14:creationId xmlns:p14="http://schemas.microsoft.com/office/powerpoint/2010/main" xmlns="" val="522405798"/>
       </p:ext>
     </p:extLst>
   </p:cSld>
@@ -47358,7 +47365,7 @@
     </p:spTree>
     <p:extLst>
       <p:ext uri="{BB962C8B-B14F-4D97-AF65-F5344CB8AC3E}">
-        <p14:creationId xmlns="" xmlns:p14="http://schemas.microsoft.com/office/powerpoint/2010/main" val="522405798"/>
+        <p14:creationId xmlns:p14="http://schemas.microsoft.com/office/powerpoint/2010/main" xmlns="" val="522405798"/>
       </p:ext>
     </p:extLst>
   </p:cSld>
@@ -47722,7 +47729,7 @@
     </p:spTree>
     <p:extLst>
       <p:ext uri="{BB962C8B-B14F-4D97-AF65-F5344CB8AC3E}">
-        <p14:creationId xmlns="" xmlns:p14="http://schemas.microsoft.com/office/powerpoint/2010/main" val="522405798"/>
+        <p14:creationId xmlns:p14="http://schemas.microsoft.com/office/powerpoint/2010/main" xmlns="" val="522405798"/>
       </p:ext>
     </p:extLst>
   </p:cSld>
@@ -47817,7 +47824,7 @@
     </p:spTree>
     <p:extLst>
       <p:ext uri="{BB962C8B-B14F-4D97-AF65-F5344CB8AC3E}">
-        <p14:creationId xmlns:p14="http://schemas.microsoft.com/office/powerpoint/2010/main" xmlns="" val="3907764274"/>
+        <p14:creationId xmlns="" xmlns:p14="http://schemas.microsoft.com/office/powerpoint/2010/main" val="3907764274"/>
       </p:ext>
     </p:extLst>
   </p:cSld>
@@ -48029,7 +48036,7 @@
     </p:spTree>
     <p:extLst>
       <p:ext uri="{BB962C8B-B14F-4D97-AF65-F5344CB8AC3E}">
-        <p14:creationId xmlns="" xmlns:p14="http://schemas.microsoft.com/office/powerpoint/2010/main" val="522405798"/>
+        <p14:creationId xmlns:p14="http://schemas.microsoft.com/office/powerpoint/2010/main" xmlns="" val="522405798"/>
       </p:ext>
     </p:extLst>
   </p:cSld>
@@ -48271,7 +48278,7 @@
     </p:spTree>
     <p:extLst>
       <p:ext uri="{BB962C8B-B14F-4D97-AF65-F5344CB8AC3E}">
-        <p14:creationId xmlns="" xmlns:p14="http://schemas.microsoft.com/office/powerpoint/2010/main" val="522405798"/>
+        <p14:creationId xmlns:p14="http://schemas.microsoft.com/office/powerpoint/2010/main" xmlns="" val="522405798"/>
       </p:ext>
     </p:extLst>
   </p:cSld>
@@ -48510,7 +48517,7 @@
     </p:spTree>
     <p:extLst>
       <p:ext uri="{BB962C8B-B14F-4D97-AF65-F5344CB8AC3E}">
-        <p14:creationId xmlns="" xmlns:p14="http://schemas.microsoft.com/office/powerpoint/2010/main" val="522405798"/>
+        <p14:creationId xmlns:p14="http://schemas.microsoft.com/office/powerpoint/2010/main" xmlns="" val="522405798"/>
       </p:ext>
     </p:extLst>
   </p:cSld>
@@ -48718,7 +48725,7 @@
     </p:spTree>
     <p:extLst>
       <p:ext uri="{BB962C8B-B14F-4D97-AF65-F5344CB8AC3E}">
-        <p14:creationId xmlns="" xmlns:p14="http://schemas.microsoft.com/office/powerpoint/2010/main" val="522405798"/>
+        <p14:creationId xmlns:p14="http://schemas.microsoft.com/office/powerpoint/2010/main" xmlns="" val="522405798"/>
       </p:ext>
     </p:extLst>
   </p:cSld>
@@ -48850,7 +48857,7 @@
     </p:spTree>
     <p:extLst>
       <p:ext uri="{BB962C8B-B14F-4D97-AF65-F5344CB8AC3E}">
-        <p14:creationId xmlns="" xmlns:p14="http://schemas.microsoft.com/office/powerpoint/2010/main" val="522405798"/>
+        <p14:creationId xmlns:p14="http://schemas.microsoft.com/office/powerpoint/2010/main" xmlns="" val="522405798"/>
       </p:ext>
     </p:extLst>
   </p:cSld>
@@ -49043,7 +49050,7 @@
     </p:spTree>
     <p:extLst>
       <p:ext uri="{BB962C8B-B14F-4D97-AF65-F5344CB8AC3E}">
-        <p14:creationId xmlns="" xmlns:p14="http://schemas.microsoft.com/office/powerpoint/2010/main" val="522405798"/>
+        <p14:creationId xmlns:p14="http://schemas.microsoft.com/office/powerpoint/2010/main" xmlns="" val="522405798"/>
       </p:ext>
     </p:extLst>
   </p:cSld>

--- a/Slides/04. OpenCV影像處理.pptx
+++ b/Slides/04. OpenCV影像處理.pptx
@@ -5,10 +5,10 @@
     <p:sldMasterId id="2147483648" r:id="rId1"/>
   </p:sldMasterIdLst>
   <p:notesMasterIdLst>
-    <p:notesMasterId r:id="rId154"/>
+    <p:notesMasterId r:id="rId155"/>
   </p:notesMasterIdLst>
   <p:handoutMasterIdLst>
-    <p:handoutMasterId r:id="rId155"/>
+    <p:handoutMasterId r:id="rId156"/>
   </p:handoutMasterIdLst>
   <p:sldIdLst>
     <p:sldId id="833" r:id="rId2"/>
@@ -138,31 +138,32 @@
     <p:sldId id="927" r:id="rId126"/>
     <p:sldId id="928" r:id="rId127"/>
     <p:sldId id="929" r:id="rId128"/>
-    <p:sldId id="930" r:id="rId129"/>
-    <p:sldId id="931" r:id="rId130"/>
-    <p:sldId id="932" r:id="rId131"/>
-    <p:sldId id="933" r:id="rId132"/>
-    <p:sldId id="934" r:id="rId133"/>
-    <p:sldId id="936" r:id="rId134"/>
-    <p:sldId id="937" r:id="rId135"/>
-    <p:sldId id="938" r:id="rId136"/>
-    <p:sldId id="940" r:id="rId137"/>
-    <p:sldId id="941" r:id="rId138"/>
-    <p:sldId id="942" r:id="rId139"/>
-    <p:sldId id="994" r:id="rId140"/>
-    <p:sldId id="975" r:id="rId141"/>
-    <p:sldId id="943" r:id="rId142"/>
-    <p:sldId id="944" r:id="rId143"/>
-    <p:sldId id="945" r:id="rId144"/>
-    <p:sldId id="946" r:id="rId145"/>
-    <p:sldId id="949" r:id="rId146"/>
-    <p:sldId id="950" r:id="rId147"/>
-    <p:sldId id="951" r:id="rId148"/>
-    <p:sldId id="952" r:id="rId149"/>
-    <p:sldId id="953" r:id="rId150"/>
-    <p:sldId id="954" r:id="rId151"/>
-    <p:sldId id="955" r:id="rId152"/>
-    <p:sldId id="956" r:id="rId153"/>
+    <p:sldId id="995" r:id="rId129"/>
+    <p:sldId id="930" r:id="rId130"/>
+    <p:sldId id="931" r:id="rId131"/>
+    <p:sldId id="932" r:id="rId132"/>
+    <p:sldId id="933" r:id="rId133"/>
+    <p:sldId id="934" r:id="rId134"/>
+    <p:sldId id="936" r:id="rId135"/>
+    <p:sldId id="937" r:id="rId136"/>
+    <p:sldId id="938" r:id="rId137"/>
+    <p:sldId id="940" r:id="rId138"/>
+    <p:sldId id="941" r:id="rId139"/>
+    <p:sldId id="942" r:id="rId140"/>
+    <p:sldId id="994" r:id="rId141"/>
+    <p:sldId id="975" r:id="rId142"/>
+    <p:sldId id="943" r:id="rId143"/>
+    <p:sldId id="944" r:id="rId144"/>
+    <p:sldId id="945" r:id="rId145"/>
+    <p:sldId id="946" r:id="rId146"/>
+    <p:sldId id="949" r:id="rId147"/>
+    <p:sldId id="950" r:id="rId148"/>
+    <p:sldId id="951" r:id="rId149"/>
+    <p:sldId id="952" r:id="rId150"/>
+    <p:sldId id="953" r:id="rId151"/>
+    <p:sldId id="954" r:id="rId152"/>
+    <p:sldId id="955" r:id="rId153"/>
+    <p:sldId id="956" r:id="rId154"/>
   </p:sldIdLst>
   <p:sldSz cx="9144000" cy="6858000" type="screen4x3"/>
   <p:notesSz cx="6858000" cy="9144000"/>
@@ -261,7 +262,7 @@
   </p:defaultTextStyle>
   <p:extLst>
     <p:ext uri="{EFAFB233-063F-42B5-8137-9DF3F51BA10A}">
-      <p15:sldGuideLst xmlns:p15="http://schemas.microsoft.com/office/powerpoint/2012/main" xmlns="">
+      <p15:sldGuideLst xmlns="" xmlns:p15="http://schemas.microsoft.com/office/powerpoint/2012/main">
         <p15:guide id="1" orient="horz" pos="2160">
           <p15:clr>
             <a:srgbClr val="A4A3A4"/>
@@ -275,7 +276,7 @@
       </p15:sldGuideLst>
     </p:ext>
     <p:ext uri="{2D200454-40CA-4A62-9FC3-DE9A4176ACB9}">
-      <p15:notesGuideLst xmlns:p15="http://schemas.microsoft.com/office/powerpoint/2012/main" xmlns=""/>
+      <p15:notesGuideLst xmlns="" xmlns:p15="http://schemas.microsoft.com/office/powerpoint/2012/main"/>
     </p:ext>
   </p:extLst>
 </p:presentation>
@@ -366,7 +367,7 @@
             <a:fld id="{68F88C59-319B-4332-9A1D-2A62CFCB00D8}" type="datetimeFigureOut">
               <a:rPr lang="en-US" smtClean="0"/>
               <a:pPr/>
-              <a:t>4/11/2021</a:t>
+              <a:t>4/25/2021</a:t>
             </a:fld>
             <a:endParaRPr lang="en-US" dirty="0"/>
           </a:p>
@@ -444,7 +445,7 @@
     </p:spTree>
     <p:extLst>
       <p:ext uri="{BB962C8B-B14F-4D97-AF65-F5344CB8AC3E}">
-        <p14:creationId xmlns:p14="http://schemas.microsoft.com/office/powerpoint/2010/main" xmlns="" val="2345123278"/>
+        <p14:creationId xmlns="" xmlns:p14="http://schemas.microsoft.com/office/powerpoint/2010/main" val="2345123278"/>
       </p:ext>
     </p:extLst>
   </p:cSld>
@@ -537,7 +538,7 @@
             <a:fld id="{968B300D-05F0-4B43-940D-46DED5A791AD}" type="datetimeFigureOut">
               <a:rPr lang="en-US" smtClean="0"/>
               <a:pPr/>
-              <a:t>4/11/2021</a:t>
+              <a:t>4/25/2021</a:t>
             </a:fld>
             <a:endParaRPr lang="en-US" dirty="0"/>
           </a:p>
@@ -709,7 +710,7 @@
     </p:spTree>
     <p:extLst>
       <p:ext uri="{BB962C8B-B14F-4D97-AF65-F5344CB8AC3E}">
-        <p14:creationId xmlns:p14="http://schemas.microsoft.com/office/powerpoint/2010/main" xmlns="" val="623787478"/>
+        <p14:creationId xmlns="" xmlns:p14="http://schemas.microsoft.com/office/powerpoint/2010/main" val="623787478"/>
       </p:ext>
     </p:extLst>
   </p:cSld>
@@ -885,7 +886,7 @@
     </p:spTree>
     <p:extLst>
       <p:ext uri="{BB962C8B-B14F-4D97-AF65-F5344CB8AC3E}">
-        <p14:creationId xmlns:p14="http://schemas.microsoft.com/office/powerpoint/2010/main" xmlns="" val="2659555247"/>
+        <p14:creationId xmlns="" xmlns:p14="http://schemas.microsoft.com/office/powerpoint/2010/main" val="2659555247"/>
       </p:ext>
     </p:extLst>
   </p:cSld>
@@ -970,7 +971,7 @@
     </p:spTree>
     <p:extLst>
       <p:ext uri="{BB962C8B-B14F-4D97-AF65-F5344CB8AC3E}">
-        <p14:creationId xmlns:p14="http://schemas.microsoft.com/office/powerpoint/2010/main" xmlns="" val="2659555247"/>
+        <p14:creationId xmlns="" xmlns:p14="http://schemas.microsoft.com/office/powerpoint/2010/main" val="2659555247"/>
       </p:ext>
     </p:extLst>
   </p:cSld>
@@ -1055,7 +1056,7 @@
     </p:spTree>
     <p:extLst>
       <p:ext uri="{BB962C8B-B14F-4D97-AF65-F5344CB8AC3E}">
-        <p14:creationId xmlns:p14="http://schemas.microsoft.com/office/powerpoint/2010/main" xmlns="" val="2659555247"/>
+        <p14:creationId xmlns="" xmlns:p14="http://schemas.microsoft.com/office/powerpoint/2010/main" val="2659555247"/>
       </p:ext>
     </p:extLst>
   </p:cSld>
@@ -1140,7 +1141,7 @@
     </p:spTree>
     <p:extLst>
       <p:ext uri="{BB962C8B-B14F-4D97-AF65-F5344CB8AC3E}">
-        <p14:creationId xmlns:p14="http://schemas.microsoft.com/office/powerpoint/2010/main" xmlns="" val="2659555247"/>
+        <p14:creationId xmlns="" xmlns:p14="http://schemas.microsoft.com/office/powerpoint/2010/main" val="2659555247"/>
       </p:ext>
     </p:extLst>
   </p:cSld>
@@ -1225,7 +1226,7 @@
     </p:spTree>
     <p:extLst>
       <p:ext uri="{BB962C8B-B14F-4D97-AF65-F5344CB8AC3E}">
-        <p14:creationId xmlns:p14="http://schemas.microsoft.com/office/powerpoint/2010/main" xmlns="" val="2659555247"/>
+        <p14:creationId xmlns="" xmlns:p14="http://schemas.microsoft.com/office/powerpoint/2010/main" val="2659555247"/>
       </p:ext>
     </p:extLst>
   </p:cSld>
@@ -1310,7 +1311,7 @@
     </p:spTree>
     <p:extLst>
       <p:ext uri="{BB962C8B-B14F-4D97-AF65-F5344CB8AC3E}">
-        <p14:creationId xmlns:p14="http://schemas.microsoft.com/office/powerpoint/2010/main" xmlns="" val="2659555247"/>
+        <p14:creationId xmlns="" xmlns:p14="http://schemas.microsoft.com/office/powerpoint/2010/main" val="2659555247"/>
       </p:ext>
     </p:extLst>
   </p:cSld>
@@ -1395,7 +1396,7 @@
     </p:spTree>
     <p:extLst>
       <p:ext uri="{BB962C8B-B14F-4D97-AF65-F5344CB8AC3E}">
-        <p14:creationId xmlns:p14="http://schemas.microsoft.com/office/powerpoint/2010/main" xmlns="" val="2659555247"/>
+        <p14:creationId xmlns="" xmlns:p14="http://schemas.microsoft.com/office/powerpoint/2010/main" val="2659555247"/>
       </p:ext>
     </p:extLst>
   </p:cSld>
@@ -1480,7 +1481,7 @@
     </p:spTree>
     <p:extLst>
       <p:ext uri="{BB962C8B-B14F-4D97-AF65-F5344CB8AC3E}">
-        <p14:creationId xmlns="" xmlns:p14="http://schemas.microsoft.com/office/powerpoint/2010/main" val="939565178"/>
+        <p14:creationId xmlns:p14="http://schemas.microsoft.com/office/powerpoint/2010/main" xmlns="" val="939565178"/>
       </p:ext>
     </p:extLst>
   </p:cSld>
@@ -1565,7 +1566,7 @@
     </p:spTree>
     <p:extLst>
       <p:ext uri="{BB962C8B-B14F-4D97-AF65-F5344CB8AC3E}">
-        <p14:creationId xmlns:p14="http://schemas.microsoft.com/office/powerpoint/2010/main" xmlns="" val="2659555247"/>
+        <p14:creationId xmlns="" xmlns:p14="http://schemas.microsoft.com/office/powerpoint/2010/main" val="2659555247"/>
       </p:ext>
     </p:extLst>
   </p:cSld>
@@ -1650,7 +1651,7 @@
     </p:spTree>
     <p:extLst>
       <p:ext uri="{BB962C8B-B14F-4D97-AF65-F5344CB8AC3E}">
-        <p14:creationId xmlns:p14="http://schemas.microsoft.com/office/powerpoint/2010/main" xmlns="" val="2659555247"/>
+        <p14:creationId xmlns="" xmlns:p14="http://schemas.microsoft.com/office/powerpoint/2010/main" val="2659555247"/>
       </p:ext>
     </p:extLst>
   </p:cSld>
@@ -1739,7 +1740,7 @@
     </p:spTree>
     <p:extLst>
       <p:ext uri="{BB962C8B-B14F-4D97-AF65-F5344CB8AC3E}">
-        <p14:creationId xmlns:p14="http://schemas.microsoft.com/office/powerpoint/2010/main" xmlns="" val="2659555247"/>
+        <p14:creationId xmlns="" xmlns:p14="http://schemas.microsoft.com/office/powerpoint/2010/main" val="2659555247"/>
       </p:ext>
     </p:extLst>
   </p:cSld>
@@ -1824,7 +1825,7 @@
     </p:spTree>
     <p:extLst>
       <p:ext uri="{BB962C8B-B14F-4D97-AF65-F5344CB8AC3E}">
-        <p14:creationId xmlns:p14="http://schemas.microsoft.com/office/powerpoint/2010/main" xmlns="" val="2659555247"/>
+        <p14:creationId xmlns="" xmlns:p14="http://schemas.microsoft.com/office/powerpoint/2010/main" val="2659555247"/>
       </p:ext>
     </p:extLst>
   </p:cSld>
@@ -1909,7 +1910,7 @@
     </p:spTree>
     <p:extLst>
       <p:ext uri="{BB962C8B-B14F-4D97-AF65-F5344CB8AC3E}">
-        <p14:creationId xmlns:p14="http://schemas.microsoft.com/office/powerpoint/2010/main" xmlns="" val="2659555247"/>
+        <p14:creationId xmlns="" xmlns:p14="http://schemas.microsoft.com/office/powerpoint/2010/main" val="2659555247"/>
       </p:ext>
     </p:extLst>
   </p:cSld>
@@ -1994,7 +1995,7 @@
     </p:spTree>
     <p:extLst>
       <p:ext uri="{BB962C8B-B14F-4D97-AF65-F5344CB8AC3E}">
-        <p14:creationId xmlns:p14="http://schemas.microsoft.com/office/powerpoint/2010/main" xmlns="" val="2659555247"/>
+        <p14:creationId xmlns="" xmlns:p14="http://schemas.microsoft.com/office/powerpoint/2010/main" val="2659555247"/>
       </p:ext>
     </p:extLst>
   </p:cSld>
@@ -2079,7 +2080,7 @@
     </p:spTree>
     <p:extLst>
       <p:ext uri="{BB962C8B-B14F-4D97-AF65-F5344CB8AC3E}">
-        <p14:creationId xmlns:p14="http://schemas.microsoft.com/office/powerpoint/2010/main" xmlns="" val="2659555247"/>
+        <p14:creationId xmlns="" xmlns:p14="http://schemas.microsoft.com/office/powerpoint/2010/main" val="2659555247"/>
       </p:ext>
     </p:extLst>
   </p:cSld>
@@ -2164,7 +2165,7 @@
     </p:spTree>
     <p:extLst>
       <p:ext uri="{BB962C8B-B14F-4D97-AF65-F5344CB8AC3E}">
-        <p14:creationId xmlns:p14="http://schemas.microsoft.com/office/powerpoint/2010/main" xmlns="" val="2659555247"/>
+        <p14:creationId xmlns="" xmlns:p14="http://schemas.microsoft.com/office/powerpoint/2010/main" val="2659555247"/>
       </p:ext>
     </p:extLst>
   </p:cSld>
@@ -2249,7 +2250,7 @@
     </p:spTree>
     <p:extLst>
       <p:ext uri="{BB962C8B-B14F-4D97-AF65-F5344CB8AC3E}">
-        <p14:creationId xmlns:p14="http://schemas.microsoft.com/office/powerpoint/2010/main" xmlns="" val="2659555247"/>
+        <p14:creationId xmlns="" xmlns:p14="http://schemas.microsoft.com/office/powerpoint/2010/main" val="2659555247"/>
       </p:ext>
     </p:extLst>
   </p:cSld>
@@ -2334,7 +2335,7 @@
     </p:spTree>
     <p:extLst>
       <p:ext uri="{BB962C8B-B14F-4D97-AF65-F5344CB8AC3E}">
-        <p14:creationId xmlns:p14="http://schemas.microsoft.com/office/powerpoint/2010/main" xmlns="" val="2659555247"/>
+        <p14:creationId xmlns="" xmlns:p14="http://schemas.microsoft.com/office/powerpoint/2010/main" val="2659555247"/>
       </p:ext>
     </p:extLst>
   </p:cSld>
@@ -2419,7 +2420,7 @@
     </p:spTree>
     <p:extLst>
       <p:ext uri="{BB962C8B-B14F-4D97-AF65-F5344CB8AC3E}">
-        <p14:creationId xmlns:p14="http://schemas.microsoft.com/office/powerpoint/2010/main" xmlns="" val="2659555247"/>
+        <p14:creationId xmlns="" xmlns:p14="http://schemas.microsoft.com/office/powerpoint/2010/main" val="2659555247"/>
       </p:ext>
     </p:extLst>
   </p:cSld>
@@ -2504,7 +2505,7 @@
     </p:spTree>
     <p:extLst>
       <p:ext uri="{BB962C8B-B14F-4D97-AF65-F5344CB8AC3E}">
-        <p14:creationId xmlns:p14="http://schemas.microsoft.com/office/powerpoint/2010/main" xmlns="" val="2659555247"/>
+        <p14:creationId xmlns="" xmlns:p14="http://schemas.microsoft.com/office/powerpoint/2010/main" val="2659555247"/>
       </p:ext>
     </p:extLst>
   </p:cSld>
@@ -2589,7 +2590,7 @@
     </p:spTree>
     <p:extLst>
       <p:ext uri="{BB962C8B-B14F-4D97-AF65-F5344CB8AC3E}">
-        <p14:creationId xmlns:p14="http://schemas.microsoft.com/office/powerpoint/2010/main" xmlns="" val="2659555247"/>
+        <p14:creationId xmlns="" xmlns:p14="http://schemas.microsoft.com/office/powerpoint/2010/main" val="2659555247"/>
       </p:ext>
     </p:extLst>
   </p:cSld>
@@ -2674,7 +2675,7 @@
     </p:spTree>
     <p:extLst>
       <p:ext uri="{BB962C8B-B14F-4D97-AF65-F5344CB8AC3E}">
-        <p14:creationId xmlns:p14="http://schemas.microsoft.com/office/powerpoint/2010/main" xmlns="" val="2659555247"/>
+        <p14:creationId xmlns="" xmlns:p14="http://schemas.microsoft.com/office/powerpoint/2010/main" val="2659555247"/>
       </p:ext>
     </p:extLst>
   </p:cSld>
@@ -2759,7 +2760,7 @@
     </p:spTree>
     <p:extLst>
       <p:ext uri="{BB962C8B-B14F-4D97-AF65-F5344CB8AC3E}">
-        <p14:creationId xmlns:p14="http://schemas.microsoft.com/office/powerpoint/2010/main" xmlns="" val="2659555247"/>
+        <p14:creationId xmlns="" xmlns:p14="http://schemas.microsoft.com/office/powerpoint/2010/main" val="2659555247"/>
       </p:ext>
     </p:extLst>
   </p:cSld>
@@ -2844,7 +2845,7 @@
     </p:spTree>
     <p:extLst>
       <p:ext uri="{BB962C8B-B14F-4D97-AF65-F5344CB8AC3E}">
-        <p14:creationId xmlns:p14="http://schemas.microsoft.com/office/powerpoint/2010/main" xmlns="" val="2659555247"/>
+        <p14:creationId xmlns="" xmlns:p14="http://schemas.microsoft.com/office/powerpoint/2010/main" val="2659555247"/>
       </p:ext>
     </p:extLst>
   </p:cSld>
@@ -2929,7 +2930,7 @@
     </p:spTree>
     <p:extLst>
       <p:ext uri="{BB962C8B-B14F-4D97-AF65-F5344CB8AC3E}">
-        <p14:creationId xmlns:p14="http://schemas.microsoft.com/office/powerpoint/2010/main" xmlns="" val="2659555247"/>
+        <p14:creationId xmlns="" xmlns:p14="http://schemas.microsoft.com/office/powerpoint/2010/main" val="2659555247"/>
       </p:ext>
     </p:extLst>
   </p:cSld>
@@ -3014,7 +3015,7 @@
     </p:spTree>
     <p:extLst>
       <p:ext uri="{BB962C8B-B14F-4D97-AF65-F5344CB8AC3E}">
-        <p14:creationId xmlns:p14="http://schemas.microsoft.com/office/powerpoint/2010/main" xmlns="" val="2659555247"/>
+        <p14:creationId xmlns="" xmlns:p14="http://schemas.microsoft.com/office/powerpoint/2010/main" val="2659555247"/>
       </p:ext>
     </p:extLst>
   </p:cSld>
@@ -3099,7 +3100,7 @@
     </p:spTree>
     <p:extLst>
       <p:ext uri="{BB962C8B-B14F-4D97-AF65-F5344CB8AC3E}">
-        <p14:creationId xmlns:p14="http://schemas.microsoft.com/office/powerpoint/2010/main" xmlns="" val="2659555247"/>
+        <p14:creationId xmlns="" xmlns:p14="http://schemas.microsoft.com/office/powerpoint/2010/main" val="2659555247"/>
       </p:ext>
     </p:extLst>
   </p:cSld>
@@ -3184,7 +3185,7 @@
     </p:spTree>
     <p:extLst>
       <p:ext uri="{BB962C8B-B14F-4D97-AF65-F5344CB8AC3E}">
-        <p14:creationId xmlns:p14="http://schemas.microsoft.com/office/powerpoint/2010/main" xmlns="" val="2659555247"/>
+        <p14:creationId xmlns="" xmlns:p14="http://schemas.microsoft.com/office/powerpoint/2010/main" val="2659555247"/>
       </p:ext>
     </p:extLst>
   </p:cSld>
@@ -3269,7 +3270,7 @@
     </p:spTree>
     <p:extLst>
       <p:ext uri="{BB962C8B-B14F-4D97-AF65-F5344CB8AC3E}">
-        <p14:creationId xmlns:p14="http://schemas.microsoft.com/office/powerpoint/2010/main" xmlns="" val="2659555247"/>
+        <p14:creationId xmlns="" xmlns:p14="http://schemas.microsoft.com/office/powerpoint/2010/main" val="2659555247"/>
       </p:ext>
     </p:extLst>
   </p:cSld>
@@ -3354,7 +3355,7 @@
     </p:spTree>
     <p:extLst>
       <p:ext uri="{BB962C8B-B14F-4D97-AF65-F5344CB8AC3E}">
-        <p14:creationId xmlns:p14="http://schemas.microsoft.com/office/powerpoint/2010/main" xmlns="" val="2659555247"/>
+        <p14:creationId xmlns="" xmlns:p14="http://schemas.microsoft.com/office/powerpoint/2010/main" val="2659555247"/>
       </p:ext>
     </p:extLst>
   </p:cSld>
@@ -3439,7 +3440,7 @@
     </p:spTree>
     <p:extLst>
       <p:ext uri="{BB962C8B-B14F-4D97-AF65-F5344CB8AC3E}">
-        <p14:creationId xmlns:p14="http://schemas.microsoft.com/office/powerpoint/2010/main" xmlns="" val="2659555247"/>
+        <p14:creationId xmlns="" xmlns:p14="http://schemas.microsoft.com/office/powerpoint/2010/main" val="2659555247"/>
       </p:ext>
     </p:extLst>
   </p:cSld>
@@ -3524,7 +3525,7 @@
     </p:spTree>
     <p:extLst>
       <p:ext uri="{BB962C8B-B14F-4D97-AF65-F5344CB8AC3E}">
-        <p14:creationId xmlns:p14="http://schemas.microsoft.com/office/powerpoint/2010/main" xmlns="" val="2659555247"/>
+        <p14:creationId xmlns="" xmlns:p14="http://schemas.microsoft.com/office/powerpoint/2010/main" val="2659555247"/>
       </p:ext>
     </p:extLst>
   </p:cSld>
@@ -3609,7 +3610,7 @@
     </p:spTree>
     <p:extLst>
       <p:ext uri="{BB962C8B-B14F-4D97-AF65-F5344CB8AC3E}">
-        <p14:creationId xmlns:p14="http://schemas.microsoft.com/office/powerpoint/2010/main" xmlns="" val="2659555247"/>
+        <p14:creationId xmlns="" xmlns:p14="http://schemas.microsoft.com/office/powerpoint/2010/main" val="2659555247"/>
       </p:ext>
     </p:extLst>
   </p:cSld>
@@ -3694,7 +3695,7 @@
     </p:spTree>
     <p:extLst>
       <p:ext uri="{BB962C8B-B14F-4D97-AF65-F5344CB8AC3E}">
-        <p14:creationId xmlns:p14="http://schemas.microsoft.com/office/powerpoint/2010/main" xmlns="" val="2659555247"/>
+        <p14:creationId xmlns="" xmlns:p14="http://schemas.microsoft.com/office/powerpoint/2010/main" val="2659555247"/>
       </p:ext>
     </p:extLst>
   </p:cSld>
@@ -3779,7 +3780,7 @@
     </p:spTree>
     <p:extLst>
       <p:ext uri="{BB962C8B-B14F-4D97-AF65-F5344CB8AC3E}">
-        <p14:creationId xmlns:p14="http://schemas.microsoft.com/office/powerpoint/2010/main" xmlns="" val="2659555247"/>
+        <p14:creationId xmlns="" xmlns:p14="http://schemas.microsoft.com/office/powerpoint/2010/main" val="2659555247"/>
       </p:ext>
     </p:extLst>
   </p:cSld>
@@ -3864,7 +3865,7 @@
     </p:spTree>
     <p:extLst>
       <p:ext uri="{BB962C8B-B14F-4D97-AF65-F5344CB8AC3E}">
-        <p14:creationId xmlns:p14="http://schemas.microsoft.com/office/powerpoint/2010/main" xmlns="" val="2659555247"/>
+        <p14:creationId xmlns="" xmlns:p14="http://schemas.microsoft.com/office/powerpoint/2010/main" val="2659555247"/>
       </p:ext>
     </p:extLst>
   </p:cSld>
@@ -3949,7 +3950,7 @@
     </p:spTree>
     <p:extLst>
       <p:ext uri="{BB962C8B-B14F-4D97-AF65-F5344CB8AC3E}">
-        <p14:creationId xmlns:p14="http://schemas.microsoft.com/office/powerpoint/2010/main" xmlns="" val="2659555247"/>
+        <p14:creationId xmlns="" xmlns:p14="http://schemas.microsoft.com/office/powerpoint/2010/main" val="2659555247"/>
       </p:ext>
     </p:extLst>
   </p:cSld>
@@ -4034,7 +4035,7 @@
     </p:spTree>
     <p:extLst>
       <p:ext uri="{BB962C8B-B14F-4D97-AF65-F5344CB8AC3E}">
-        <p14:creationId xmlns:p14="http://schemas.microsoft.com/office/powerpoint/2010/main" xmlns="" val="2659555247"/>
+        <p14:creationId xmlns="" xmlns:p14="http://schemas.microsoft.com/office/powerpoint/2010/main" val="2659555247"/>
       </p:ext>
     </p:extLst>
   </p:cSld>
@@ -4119,7 +4120,7 @@
     </p:spTree>
     <p:extLst>
       <p:ext uri="{BB962C8B-B14F-4D97-AF65-F5344CB8AC3E}">
-        <p14:creationId xmlns:p14="http://schemas.microsoft.com/office/powerpoint/2010/main" xmlns="" val="2659555247"/>
+        <p14:creationId xmlns="" xmlns:p14="http://schemas.microsoft.com/office/powerpoint/2010/main" val="2659555247"/>
       </p:ext>
     </p:extLst>
   </p:cSld>
@@ -4204,7 +4205,7 @@
     </p:spTree>
     <p:extLst>
       <p:ext uri="{BB962C8B-B14F-4D97-AF65-F5344CB8AC3E}">
-        <p14:creationId xmlns:p14="http://schemas.microsoft.com/office/powerpoint/2010/main" xmlns="" val="2659555247"/>
+        <p14:creationId xmlns="" xmlns:p14="http://schemas.microsoft.com/office/powerpoint/2010/main" val="2659555247"/>
       </p:ext>
     </p:extLst>
   </p:cSld>
@@ -4289,7 +4290,7 @@
     </p:spTree>
     <p:extLst>
       <p:ext uri="{BB962C8B-B14F-4D97-AF65-F5344CB8AC3E}">
-        <p14:creationId xmlns:p14="http://schemas.microsoft.com/office/powerpoint/2010/main" xmlns="" val="2659555247"/>
+        <p14:creationId xmlns="" xmlns:p14="http://schemas.microsoft.com/office/powerpoint/2010/main" val="2659555247"/>
       </p:ext>
     </p:extLst>
   </p:cSld>
@@ -4374,7 +4375,7 @@
     </p:spTree>
     <p:extLst>
       <p:ext uri="{BB962C8B-B14F-4D97-AF65-F5344CB8AC3E}">
-        <p14:creationId xmlns:p14="http://schemas.microsoft.com/office/powerpoint/2010/main" xmlns="" val="2659555247"/>
+        <p14:creationId xmlns="" xmlns:p14="http://schemas.microsoft.com/office/powerpoint/2010/main" val="2659555247"/>
       </p:ext>
     </p:extLst>
   </p:cSld>
@@ -4459,7 +4460,7 @@
     </p:spTree>
     <p:extLst>
       <p:ext uri="{BB962C8B-B14F-4D97-AF65-F5344CB8AC3E}">
-        <p14:creationId xmlns:p14="http://schemas.microsoft.com/office/powerpoint/2010/main" xmlns="" val="2659555247"/>
+        <p14:creationId xmlns="" xmlns:p14="http://schemas.microsoft.com/office/powerpoint/2010/main" val="2659555247"/>
       </p:ext>
     </p:extLst>
   </p:cSld>
@@ -4544,7 +4545,7 @@
     </p:spTree>
     <p:extLst>
       <p:ext uri="{BB962C8B-B14F-4D97-AF65-F5344CB8AC3E}">
-        <p14:creationId xmlns:p14="http://schemas.microsoft.com/office/powerpoint/2010/main" xmlns="" val="2659555247"/>
+        <p14:creationId xmlns="" xmlns:p14="http://schemas.microsoft.com/office/powerpoint/2010/main" val="2659555247"/>
       </p:ext>
     </p:extLst>
   </p:cSld>
@@ -4629,7 +4630,7 @@
     </p:spTree>
     <p:extLst>
       <p:ext uri="{BB962C8B-B14F-4D97-AF65-F5344CB8AC3E}">
-        <p14:creationId xmlns="" xmlns:p14="http://schemas.microsoft.com/office/powerpoint/2010/main" val="939565178"/>
+        <p14:creationId xmlns="" xmlns:p14="http://schemas.microsoft.com/office/powerpoint/2010/main" val="2659555247"/>
       </p:ext>
     </p:extLst>
   </p:cSld>
@@ -4714,7 +4715,7 @@
     </p:spTree>
     <p:extLst>
       <p:ext uri="{BB962C8B-B14F-4D97-AF65-F5344CB8AC3E}">
-        <p14:creationId xmlns:p14="http://schemas.microsoft.com/office/powerpoint/2010/main" xmlns="" val="2659555247"/>
+        <p14:creationId xmlns="" xmlns:p14="http://schemas.microsoft.com/office/powerpoint/2010/main" val="2659555247"/>
       </p:ext>
     </p:extLst>
   </p:cSld>
@@ -4768,10 +4769,6 @@
           <a:bodyPr/>
           <a:lstStyle/>
           <a:p>
-            <a:r>
-              <a:rPr lang="en-US" altLang="zh-TW" dirty="0" smtClean="0"/>
-              <a:t>https://docs.opencv.org/master/index.html</a:t>
-            </a:r>
             <a:endParaRPr lang="zh-TW" altLang="en-US" dirty="0"/>
           </a:p>
         </p:txBody>
@@ -4803,7 +4800,7 @@
     </p:spTree>
     <p:extLst>
       <p:ext uri="{BB962C8B-B14F-4D97-AF65-F5344CB8AC3E}">
-        <p14:creationId xmlns:p14="http://schemas.microsoft.com/office/powerpoint/2010/main" xmlns="" val="2659555247"/>
+        <p14:creationId xmlns:p14="http://schemas.microsoft.com/office/powerpoint/2010/main" xmlns="" val="939565178"/>
       </p:ext>
     </p:extLst>
   </p:cSld>
@@ -4892,7 +4889,7 @@
     </p:spTree>
     <p:extLst>
       <p:ext uri="{BB962C8B-B14F-4D97-AF65-F5344CB8AC3E}">
-        <p14:creationId xmlns:p14="http://schemas.microsoft.com/office/powerpoint/2010/main" xmlns="" val="2659555247"/>
+        <p14:creationId xmlns="" xmlns:p14="http://schemas.microsoft.com/office/powerpoint/2010/main" val="2659555247"/>
       </p:ext>
     </p:extLst>
   </p:cSld>
@@ -4981,7 +4978,7 @@
     </p:spTree>
     <p:extLst>
       <p:ext uri="{BB962C8B-B14F-4D97-AF65-F5344CB8AC3E}">
-        <p14:creationId xmlns:p14="http://schemas.microsoft.com/office/powerpoint/2010/main" xmlns="" val="2659555247"/>
+        <p14:creationId xmlns="" xmlns:p14="http://schemas.microsoft.com/office/powerpoint/2010/main" val="2659555247"/>
       </p:ext>
     </p:extLst>
   </p:cSld>
@@ -5070,7 +5067,7 @@
     </p:spTree>
     <p:extLst>
       <p:ext uri="{BB962C8B-B14F-4D97-AF65-F5344CB8AC3E}">
-        <p14:creationId xmlns:p14="http://schemas.microsoft.com/office/powerpoint/2010/main" xmlns="" val="2659555247"/>
+        <p14:creationId xmlns="" xmlns:p14="http://schemas.microsoft.com/office/powerpoint/2010/main" val="2659555247"/>
       </p:ext>
     </p:extLst>
   </p:cSld>
@@ -5159,7 +5156,7 @@
     </p:spTree>
     <p:extLst>
       <p:ext uri="{BB962C8B-B14F-4D97-AF65-F5344CB8AC3E}">
-        <p14:creationId xmlns:p14="http://schemas.microsoft.com/office/powerpoint/2010/main" xmlns="" val="2659555247"/>
+        <p14:creationId xmlns="" xmlns:p14="http://schemas.microsoft.com/office/powerpoint/2010/main" val="2659555247"/>
       </p:ext>
     </p:extLst>
   </p:cSld>
@@ -5248,7 +5245,7 @@
     </p:spTree>
     <p:extLst>
       <p:ext uri="{BB962C8B-B14F-4D97-AF65-F5344CB8AC3E}">
-        <p14:creationId xmlns:p14="http://schemas.microsoft.com/office/powerpoint/2010/main" xmlns="" val="2659555247"/>
+        <p14:creationId xmlns="" xmlns:p14="http://schemas.microsoft.com/office/powerpoint/2010/main" val="2659555247"/>
       </p:ext>
     </p:extLst>
   </p:cSld>
@@ -5337,7 +5334,7 @@
     </p:spTree>
     <p:extLst>
       <p:ext uri="{BB962C8B-B14F-4D97-AF65-F5344CB8AC3E}">
-        <p14:creationId xmlns:p14="http://schemas.microsoft.com/office/powerpoint/2010/main" xmlns="" val="2659555247"/>
+        <p14:creationId xmlns="" xmlns:p14="http://schemas.microsoft.com/office/powerpoint/2010/main" val="2659555247"/>
       </p:ext>
     </p:extLst>
   </p:cSld>
@@ -5426,7 +5423,7 @@
     </p:spTree>
     <p:extLst>
       <p:ext uri="{BB962C8B-B14F-4D97-AF65-F5344CB8AC3E}">
-        <p14:creationId xmlns:p14="http://schemas.microsoft.com/office/powerpoint/2010/main" xmlns="" val="2659555247"/>
+        <p14:creationId xmlns="" xmlns:p14="http://schemas.microsoft.com/office/powerpoint/2010/main" val="2659555247"/>
       </p:ext>
     </p:extLst>
   </p:cSld>
@@ -5515,7 +5512,7 @@
     </p:spTree>
     <p:extLst>
       <p:ext uri="{BB962C8B-B14F-4D97-AF65-F5344CB8AC3E}">
-        <p14:creationId xmlns:p14="http://schemas.microsoft.com/office/powerpoint/2010/main" xmlns="" val="2659555247"/>
+        <p14:creationId xmlns="" xmlns:p14="http://schemas.microsoft.com/office/powerpoint/2010/main" val="2659555247"/>
       </p:ext>
     </p:extLst>
   </p:cSld>
@@ -5604,7 +5601,7 @@
     </p:spTree>
     <p:extLst>
       <p:ext uri="{BB962C8B-B14F-4D97-AF65-F5344CB8AC3E}">
-        <p14:creationId xmlns:p14="http://schemas.microsoft.com/office/powerpoint/2010/main" xmlns="" val="2659555247"/>
+        <p14:creationId xmlns="" xmlns:p14="http://schemas.microsoft.com/office/powerpoint/2010/main" val="2659555247"/>
       </p:ext>
     </p:extLst>
   </p:cSld>
@@ -5689,7 +5686,7 @@
     </p:spTree>
     <p:extLst>
       <p:ext uri="{BB962C8B-B14F-4D97-AF65-F5344CB8AC3E}">
-        <p14:creationId xmlns:p14="http://schemas.microsoft.com/office/powerpoint/2010/main" xmlns="" val="2659555247"/>
+        <p14:creationId xmlns="" xmlns:p14="http://schemas.microsoft.com/office/powerpoint/2010/main" val="2659555247"/>
       </p:ext>
     </p:extLst>
   </p:cSld>
@@ -5778,7 +5775,7 @@
     </p:spTree>
     <p:extLst>
       <p:ext uri="{BB962C8B-B14F-4D97-AF65-F5344CB8AC3E}">
-        <p14:creationId xmlns:p14="http://schemas.microsoft.com/office/powerpoint/2010/main" xmlns="" val="2659555247"/>
+        <p14:creationId xmlns="" xmlns:p14="http://schemas.microsoft.com/office/powerpoint/2010/main" val="2659555247"/>
       </p:ext>
     </p:extLst>
   </p:cSld>
@@ -5867,7 +5864,96 @@
     </p:spTree>
     <p:extLst>
       <p:ext uri="{BB962C8B-B14F-4D97-AF65-F5344CB8AC3E}">
-        <p14:creationId xmlns:p14="http://schemas.microsoft.com/office/powerpoint/2010/main" xmlns="" val="2659555247"/>
+        <p14:creationId xmlns="" xmlns:p14="http://schemas.microsoft.com/office/powerpoint/2010/main" val="2659555247"/>
+      </p:ext>
+    </p:extLst>
+  </p:cSld>
+  <p:clrMapOvr>
+    <a:masterClrMapping/>
+  </p:clrMapOvr>
+</p:notes>
+</file>
+
+<file path=ppt/notesSlides/notesSlide152.xml><?xml version="1.0" encoding="utf-8"?>
+<p:notes xmlns:a="http://schemas.openxmlformats.org/drawingml/2006/main" xmlns:r="http://schemas.openxmlformats.org/officeDocument/2006/relationships" xmlns:p="http://schemas.openxmlformats.org/presentationml/2006/main">
+  <p:cSld>
+    <p:spTree>
+      <p:nvGrpSpPr>
+        <p:cNvPr id="1" name=""/>
+        <p:cNvGrpSpPr/>
+        <p:nvPr/>
+      </p:nvGrpSpPr>
+      <p:grpSpPr>
+        <a:xfrm>
+          <a:off x="0" y="0"/>
+          <a:ext cx="0" cy="0"/>
+          <a:chOff x="0" y="0"/>
+          <a:chExt cx="0" cy="0"/>
+        </a:xfrm>
+      </p:grpSpPr>
+      <p:sp>
+        <p:nvSpPr>
+          <p:cNvPr id="2" name="投影片圖像版面配置區 1"/>
+          <p:cNvSpPr>
+            <a:spLocks noGrp="1" noRot="1" noChangeAspect="1"/>
+          </p:cNvSpPr>
+          <p:nvPr>
+            <p:ph type="sldImg"/>
+          </p:nvPr>
+        </p:nvSpPr>
+        <p:spPr/>
+      </p:sp>
+      <p:sp>
+        <p:nvSpPr>
+          <p:cNvPr id="3" name="備忘稿版面配置區 2"/>
+          <p:cNvSpPr>
+            <a:spLocks noGrp="1"/>
+          </p:cNvSpPr>
+          <p:nvPr>
+            <p:ph type="body" idx="1"/>
+          </p:nvPr>
+        </p:nvSpPr>
+        <p:spPr/>
+        <p:txBody>
+          <a:bodyPr/>
+          <a:lstStyle/>
+          <a:p>
+            <a:r>
+              <a:rPr lang="en-US" altLang="zh-TW" dirty="0" smtClean="0"/>
+              <a:t>https://docs.opencv.org/master/index.html</a:t>
+            </a:r>
+            <a:endParaRPr lang="zh-TW" altLang="en-US" dirty="0"/>
+          </a:p>
+        </p:txBody>
+      </p:sp>
+      <p:sp>
+        <p:nvSpPr>
+          <p:cNvPr id="4" name="投影片編號版面配置區 3"/>
+          <p:cNvSpPr>
+            <a:spLocks noGrp="1"/>
+          </p:cNvSpPr>
+          <p:nvPr>
+            <p:ph type="sldNum" sz="quarter" idx="10"/>
+          </p:nvPr>
+        </p:nvSpPr>
+        <p:spPr/>
+        <p:txBody>
+          <a:bodyPr/>
+          <a:lstStyle/>
+          <a:p>
+            <a:fld id="{9B26CD33-4337-4529-948A-94F6960B2374}" type="slidenum">
+              <a:rPr lang="en-US" smtClean="0"/>
+              <a:pPr/>
+              <a:t>153</a:t>
+            </a:fld>
+            <a:endParaRPr lang="en-US" dirty="0"/>
+          </a:p>
+        </p:txBody>
+      </p:sp>
+    </p:spTree>
+    <p:extLst>
+      <p:ext uri="{BB962C8B-B14F-4D97-AF65-F5344CB8AC3E}">
+        <p14:creationId xmlns="" xmlns:p14="http://schemas.microsoft.com/office/powerpoint/2010/main" val="2659555247"/>
       </p:ext>
     </p:extLst>
   </p:cSld>
@@ -5952,7 +6038,7 @@
     </p:spTree>
     <p:extLst>
       <p:ext uri="{BB962C8B-B14F-4D97-AF65-F5344CB8AC3E}">
-        <p14:creationId xmlns:p14="http://schemas.microsoft.com/office/powerpoint/2010/main" xmlns="" val="2659555247"/>
+        <p14:creationId xmlns="" xmlns:p14="http://schemas.microsoft.com/office/powerpoint/2010/main" val="2659555247"/>
       </p:ext>
     </p:extLst>
   </p:cSld>
@@ -6037,7 +6123,7 @@
     </p:spTree>
     <p:extLst>
       <p:ext uri="{BB962C8B-B14F-4D97-AF65-F5344CB8AC3E}">
-        <p14:creationId xmlns:p14="http://schemas.microsoft.com/office/powerpoint/2010/main" xmlns="" val="2659555247"/>
+        <p14:creationId xmlns="" xmlns:p14="http://schemas.microsoft.com/office/powerpoint/2010/main" val="2659555247"/>
       </p:ext>
     </p:extLst>
   </p:cSld>
@@ -6122,7 +6208,7 @@
     </p:spTree>
     <p:extLst>
       <p:ext uri="{BB962C8B-B14F-4D97-AF65-F5344CB8AC3E}">
-        <p14:creationId xmlns:p14="http://schemas.microsoft.com/office/powerpoint/2010/main" xmlns="" val="2659555247"/>
+        <p14:creationId xmlns="" xmlns:p14="http://schemas.microsoft.com/office/powerpoint/2010/main" val="2659555247"/>
       </p:ext>
     </p:extLst>
   </p:cSld>
@@ -6207,7 +6293,7 @@
     </p:spTree>
     <p:extLst>
       <p:ext uri="{BB962C8B-B14F-4D97-AF65-F5344CB8AC3E}">
-        <p14:creationId xmlns:p14="http://schemas.microsoft.com/office/powerpoint/2010/main" xmlns="" val="2659555247"/>
+        <p14:creationId xmlns="" xmlns:p14="http://schemas.microsoft.com/office/powerpoint/2010/main" val="2659555247"/>
       </p:ext>
     </p:extLst>
   </p:cSld>
@@ -6292,7 +6378,7 @@
     </p:spTree>
     <p:extLst>
       <p:ext uri="{BB962C8B-B14F-4D97-AF65-F5344CB8AC3E}">
-        <p14:creationId xmlns="" xmlns:p14="http://schemas.microsoft.com/office/powerpoint/2010/main" val="939565178"/>
+        <p14:creationId xmlns:p14="http://schemas.microsoft.com/office/powerpoint/2010/main" xmlns="" val="939565178"/>
       </p:ext>
     </p:extLst>
   </p:cSld>
@@ -6377,7 +6463,7 @@
     </p:spTree>
     <p:extLst>
       <p:ext uri="{BB962C8B-B14F-4D97-AF65-F5344CB8AC3E}">
-        <p14:creationId xmlns:p14="http://schemas.microsoft.com/office/powerpoint/2010/main" xmlns="" val="2659555247"/>
+        <p14:creationId xmlns="" xmlns:p14="http://schemas.microsoft.com/office/powerpoint/2010/main" val="2659555247"/>
       </p:ext>
     </p:extLst>
   </p:cSld>
@@ -6462,7 +6548,7 @@
     </p:spTree>
     <p:extLst>
       <p:ext uri="{BB962C8B-B14F-4D97-AF65-F5344CB8AC3E}">
-        <p14:creationId xmlns:p14="http://schemas.microsoft.com/office/powerpoint/2010/main" xmlns="" val="2659555247"/>
+        <p14:creationId xmlns="" xmlns:p14="http://schemas.microsoft.com/office/powerpoint/2010/main" val="2659555247"/>
       </p:ext>
     </p:extLst>
   </p:cSld>
@@ -6547,7 +6633,7 @@
     </p:spTree>
     <p:extLst>
       <p:ext uri="{BB962C8B-B14F-4D97-AF65-F5344CB8AC3E}">
-        <p14:creationId xmlns:p14="http://schemas.microsoft.com/office/powerpoint/2010/main" xmlns="" val="2659555247"/>
+        <p14:creationId xmlns="" xmlns:p14="http://schemas.microsoft.com/office/powerpoint/2010/main" val="2659555247"/>
       </p:ext>
     </p:extLst>
   </p:cSld>
@@ -6632,7 +6718,7 @@
     </p:spTree>
     <p:extLst>
       <p:ext uri="{BB962C8B-B14F-4D97-AF65-F5344CB8AC3E}">
-        <p14:creationId xmlns:p14="http://schemas.microsoft.com/office/powerpoint/2010/main" xmlns="" val="2659555247"/>
+        <p14:creationId xmlns="" xmlns:p14="http://schemas.microsoft.com/office/powerpoint/2010/main" val="2659555247"/>
       </p:ext>
     </p:extLst>
   </p:cSld>
@@ -6717,7 +6803,7 @@
     </p:spTree>
     <p:extLst>
       <p:ext uri="{BB962C8B-B14F-4D97-AF65-F5344CB8AC3E}">
-        <p14:creationId xmlns:p14="http://schemas.microsoft.com/office/powerpoint/2010/main" xmlns="" val="2659555247"/>
+        <p14:creationId xmlns="" xmlns:p14="http://schemas.microsoft.com/office/powerpoint/2010/main" val="2659555247"/>
       </p:ext>
     </p:extLst>
   </p:cSld>
@@ -6802,7 +6888,7 @@
     </p:spTree>
     <p:extLst>
       <p:ext uri="{BB962C8B-B14F-4D97-AF65-F5344CB8AC3E}">
-        <p14:creationId xmlns:p14="http://schemas.microsoft.com/office/powerpoint/2010/main" xmlns="" val="2659555247"/>
+        <p14:creationId xmlns="" xmlns:p14="http://schemas.microsoft.com/office/powerpoint/2010/main" val="2659555247"/>
       </p:ext>
     </p:extLst>
   </p:cSld>
@@ -6887,7 +6973,7 @@
     </p:spTree>
     <p:extLst>
       <p:ext uri="{BB962C8B-B14F-4D97-AF65-F5344CB8AC3E}">
-        <p14:creationId xmlns:p14="http://schemas.microsoft.com/office/powerpoint/2010/main" xmlns="" val="2659555247"/>
+        <p14:creationId xmlns="" xmlns:p14="http://schemas.microsoft.com/office/powerpoint/2010/main" val="2659555247"/>
       </p:ext>
     </p:extLst>
   </p:cSld>
@@ -6972,7 +7058,7 @@
     </p:spTree>
     <p:extLst>
       <p:ext uri="{BB962C8B-B14F-4D97-AF65-F5344CB8AC3E}">
-        <p14:creationId xmlns:p14="http://schemas.microsoft.com/office/powerpoint/2010/main" xmlns="" val="2659555247"/>
+        <p14:creationId xmlns="" xmlns:p14="http://schemas.microsoft.com/office/powerpoint/2010/main" val="2659555247"/>
       </p:ext>
     </p:extLst>
   </p:cSld>
@@ -7057,7 +7143,7 @@
     </p:spTree>
     <p:extLst>
       <p:ext uri="{BB962C8B-B14F-4D97-AF65-F5344CB8AC3E}">
-        <p14:creationId xmlns:p14="http://schemas.microsoft.com/office/powerpoint/2010/main" xmlns="" val="2659555247"/>
+        <p14:creationId xmlns="" xmlns:p14="http://schemas.microsoft.com/office/powerpoint/2010/main" val="2659555247"/>
       </p:ext>
     </p:extLst>
   </p:cSld>
@@ -7142,7 +7228,7 @@
     </p:spTree>
     <p:extLst>
       <p:ext uri="{BB962C8B-B14F-4D97-AF65-F5344CB8AC3E}">
-        <p14:creationId xmlns:p14="http://schemas.microsoft.com/office/powerpoint/2010/main" xmlns="" val="2659555247"/>
+        <p14:creationId xmlns="" xmlns:p14="http://schemas.microsoft.com/office/powerpoint/2010/main" val="2659555247"/>
       </p:ext>
     </p:extLst>
   </p:cSld>
@@ -7227,7 +7313,7 @@
     </p:spTree>
     <p:extLst>
       <p:ext uri="{BB962C8B-B14F-4D97-AF65-F5344CB8AC3E}">
-        <p14:creationId xmlns:p14="http://schemas.microsoft.com/office/powerpoint/2010/main" xmlns="" val="2659555247"/>
+        <p14:creationId xmlns="" xmlns:p14="http://schemas.microsoft.com/office/powerpoint/2010/main" val="2659555247"/>
       </p:ext>
     </p:extLst>
   </p:cSld>
@@ -7312,7 +7398,7 @@
     </p:spTree>
     <p:extLst>
       <p:ext uri="{BB962C8B-B14F-4D97-AF65-F5344CB8AC3E}">
-        <p14:creationId xmlns:p14="http://schemas.microsoft.com/office/powerpoint/2010/main" xmlns="" val="2659555247"/>
+        <p14:creationId xmlns="" xmlns:p14="http://schemas.microsoft.com/office/powerpoint/2010/main" val="2659555247"/>
       </p:ext>
     </p:extLst>
   </p:cSld>
@@ -7397,7 +7483,7 @@
     </p:spTree>
     <p:extLst>
       <p:ext uri="{BB962C8B-B14F-4D97-AF65-F5344CB8AC3E}">
-        <p14:creationId xmlns="" xmlns:p14="http://schemas.microsoft.com/office/powerpoint/2010/main" val="939565178"/>
+        <p14:creationId xmlns:p14="http://schemas.microsoft.com/office/powerpoint/2010/main" xmlns="" val="939565178"/>
       </p:ext>
     </p:extLst>
   </p:cSld>
@@ -7482,7 +7568,7 @@
     </p:spTree>
     <p:extLst>
       <p:ext uri="{BB962C8B-B14F-4D97-AF65-F5344CB8AC3E}">
-        <p14:creationId xmlns:p14="http://schemas.microsoft.com/office/powerpoint/2010/main" xmlns="" val="2659555247"/>
+        <p14:creationId xmlns="" xmlns:p14="http://schemas.microsoft.com/office/powerpoint/2010/main" val="2659555247"/>
       </p:ext>
     </p:extLst>
   </p:cSld>
@@ -7567,7 +7653,7 @@
     </p:spTree>
     <p:extLst>
       <p:ext uri="{BB962C8B-B14F-4D97-AF65-F5344CB8AC3E}">
-        <p14:creationId xmlns:p14="http://schemas.microsoft.com/office/powerpoint/2010/main" xmlns="" val="2659555247"/>
+        <p14:creationId xmlns="" xmlns:p14="http://schemas.microsoft.com/office/powerpoint/2010/main" val="2659555247"/>
       </p:ext>
     </p:extLst>
   </p:cSld>
@@ -7652,7 +7738,7 @@
     </p:spTree>
     <p:extLst>
       <p:ext uri="{BB962C8B-B14F-4D97-AF65-F5344CB8AC3E}">
-        <p14:creationId xmlns:p14="http://schemas.microsoft.com/office/powerpoint/2010/main" xmlns="" val="2659555247"/>
+        <p14:creationId xmlns="" xmlns:p14="http://schemas.microsoft.com/office/powerpoint/2010/main" val="2659555247"/>
       </p:ext>
     </p:extLst>
   </p:cSld>
@@ -7737,7 +7823,7 @@
     </p:spTree>
     <p:extLst>
       <p:ext uri="{BB962C8B-B14F-4D97-AF65-F5344CB8AC3E}">
-        <p14:creationId xmlns:p14="http://schemas.microsoft.com/office/powerpoint/2010/main" xmlns="" val="2659555247"/>
+        <p14:creationId xmlns="" xmlns:p14="http://schemas.microsoft.com/office/powerpoint/2010/main" val="2659555247"/>
       </p:ext>
     </p:extLst>
   </p:cSld>
@@ -7822,7 +7908,7 @@
     </p:spTree>
     <p:extLst>
       <p:ext uri="{BB962C8B-B14F-4D97-AF65-F5344CB8AC3E}">
-        <p14:creationId xmlns:p14="http://schemas.microsoft.com/office/powerpoint/2010/main" xmlns="" val="2659555247"/>
+        <p14:creationId xmlns="" xmlns:p14="http://schemas.microsoft.com/office/powerpoint/2010/main" val="2659555247"/>
       </p:ext>
     </p:extLst>
   </p:cSld>
@@ -7907,7 +7993,7 @@
     </p:spTree>
     <p:extLst>
       <p:ext uri="{BB962C8B-B14F-4D97-AF65-F5344CB8AC3E}">
-        <p14:creationId xmlns:p14="http://schemas.microsoft.com/office/powerpoint/2010/main" xmlns="" val="2659555247"/>
+        <p14:creationId xmlns="" xmlns:p14="http://schemas.microsoft.com/office/powerpoint/2010/main" val="2659555247"/>
       </p:ext>
     </p:extLst>
   </p:cSld>
@@ -7992,7 +8078,7 @@
     </p:spTree>
     <p:extLst>
       <p:ext uri="{BB962C8B-B14F-4D97-AF65-F5344CB8AC3E}">
-        <p14:creationId xmlns:p14="http://schemas.microsoft.com/office/powerpoint/2010/main" xmlns="" val="2659555247"/>
+        <p14:creationId xmlns="" xmlns:p14="http://schemas.microsoft.com/office/powerpoint/2010/main" val="2659555247"/>
       </p:ext>
     </p:extLst>
   </p:cSld>
@@ -8077,7 +8163,7 @@
     </p:spTree>
     <p:extLst>
       <p:ext uri="{BB962C8B-B14F-4D97-AF65-F5344CB8AC3E}">
-        <p14:creationId xmlns:p14="http://schemas.microsoft.com/office/powerpoint/2010/main" xmlns="" val="2659555247"/>
+        <p14:creationId xmlns="" xmlns:p14="http://schemas.microsoft.com/office/powerpoint/2010/main" val="2659555247"/>
       </p:ext>
     </p:extLst>
   </p:cSld>
@@ -8162,7 +8248,7 @@
     </p:spTree>
     <p:extLst>
       <p:ext uri="{BB962C8B-B14F-4D97-AF65-F5344CB8AC3E}">
-        <p14:creationId xmlns:p14="http://schemas.microsoft.com/office/powerpoint/2010/main" xmlns="" val="2659555247"/>
+        <p14:creationId xmlns="" xmlns:p14="http://schemas.microsoft.com/office/powerpoint/2010/main" val="2659555247"/>
       </p:ext>
     </p:extLst>
   </p:cSld>
@@ -8247,7 +8333,7 @@
     </p:spTree>
     <p:extLst>
       <p:ext uri="{BB962C8B-B14F-4D97-AF65-F5344CB8AC3E}">
-        <p14:creationId xmlns:p14="http://schemas.microsoft.com/office/powerpoint/2010/main" xmlns="" val="2659555247"/>
+        <p14:creationId xmlns="" xmlns:p14="http://schemas.microsoft.com/office/powerpoint/2010/main" val="2659555247"/>
       </p:ext>
     </p:extLst>
   </p:cSld>
@@ -8332,7 +8418,7 @@
     </p:spTree>
     <p:extLst>
       <p:ext uri="{BB962C8B-B14F-4D97-AF65-F5344CB8AC3E}">
-        <p14:creationId xmlns:p14="http://schemas.microsoft.com/office/powerpoint/2010/main" xmlns="" val="2659555247"/>
+        <p14:creationId xmlns="" xmlns:p14="http://schemas.microsoft.com/office/powerpoint/2010/main" val="2659555247"/>
       </p:ext>
     </p:extLst>
   </p:cSld>
@@ -8417,7 +8503,7 @@
     </p:spTree>
     <p:extLst>
       <p:ext uri="{BB962C8B-B14F-4D97-AF65-F5344CB8AC3E}">
-        <p14:creationId xmlns:p14="http://schemas.microsoft.com/office/powerpoint/2010/main" xmlns="" val="2659555247"/>
+        <p14:creationId xmlns="" xmlns:p14="http://schemas.microsoft.com/office/powerpoint/2010/main" val="2659555247"/>
       </p:ext>
     </p:extLst>
   </p:cSld>
@@ -8502,7 +8588,7 @@
     </p:spTree>
     <p:extLst>
       <p:ext uri="{BB962C8B-B14F-4D97-AF65-F5344CB8AC3E}">
-        <p14:creationId xmlns:p14="http://schemas.microsoft.com/office/powerpoint/2010/main" xmlns="" val="2659555247"/>
+        <p14:creationId xmlns="" xmlns:p14="http://schemas.microsoft.com/office/powerpoint/2010/main" val="2659555247"/>
       </p:ext>
     </p:extLst>
   </p:cSld>
@@ -8587,7 +8673,7 @@
     </p:spTree>
     <p:extLst>
       <p:ext uri="{BB962C8B-B14F-4D97-AF65-F5344CB8AC3E}">
-        <p14:creationId xmlns:p14="http://schemas.microsoft.com/office/powerpoint/2010/main" xmlns="" val="2659555247"/>
+        <p14:creationId xmlns="" xmlns:p14="http://schemas.microsoft.com/office/powerpoint/2010/main" val="2659555247"/>
       </p:ext>
     </p:extLst>
   </p:cSld>
@@ -8672,7 +8758,7 @@
     </p:spTree>
     <p:extLst>
       <p:ext uri="{BB962C8B-B14F-4D97-AF65-F5344CB8AC3E}">
-        <p14:creationId xmlns:p14="http://schemas.microsoft.com/office/powerpoint/2010/main" xmlns="" val="2659555247"/>
+        <p14:creationId xmlns="" xmlns:p14="http://schemas.microsoft.com/office/powerpoint/2010/main" val="2659555247"/>
       </p:ext>
     </p:extLst>
   </p:cSld>
@@ -8757,7 +8843,7 @@
     </p:spTree>
     <p:extLst>
       <p:ext uri="{BB962C8B-B14F-4D97-AF65-F5344CB8AC3E}">
-        <p14:creationId xmlns:p14="http://schemas.microsoft.com/office/powerpoint/2010/main" xmlns="" val="2659555247"/>
+        <p14:creationId xmlns="" xmlns:p14="http://schemas.microsoft.com/office/powerpoint/2010/main" val="2659555247"/>
       </p:ext>
     </p:extLst>
   </p:cSld>
@@ -8842,7 +8928,7 @@
     </p:spTree>
     <p:extLst>
       <p:ext uri="{BB962C8B-B14F-4D97-AF65-F5344CB8AC3E}">
-        <p14:creationId xmlns:p14="http://schemas.microsoft.com/office/powerpoint/2010/main" xmlns="" val="2659555247"/>
+        <p14:creationId xmlns="" xmlns:p14="http://schemas.microsoft.com/office/powerpoint/2010/main" val="2659555247"/>
       </p:ext>
     </p:extLst>
   </p:cSld>
@@ -8927,7 +9013,7 @@
     </p:spTree>
     <p:extLst>
       <p:ext uri="{BB962C8B-B14F-4D97-AF65-F5344CB8AC3E}">
-        <p14:creationId xmlns:p14="http://schemas.microsoft.com/office/powerpoint/2010/main" xmlns="" val="2659555247"/>
+        <p14:creationId xmlns="" xmlns:p14="http://schemas.microsoft.com/office/powerpoint/2010/main" val="2659555247"/>
       </p:ext>
     </p:extLst>
   </p:cSld>
@@ -9012,7 +9098,7 @@
     </p:spTree>
     <p:extLst>
       <p:ext uri="{BB962C8B-B14F-4D97-AF65-F5344CB8AC3E}">
-        <p14:creationId xmlns:p14="http://schemas.microsoft.com/office/powerpoint/2010/main" xmlns="" val="2659555247"/>
+        <p14:creationId xmlns="" xmlns:p14="http://schemas.microsoft.com/office/powerpoint/2010/main" val="2659555247"/>
       </p:ext>
     </p:extLst>
   </p:cSld>
@@ -9097,7 +9183,7 @@
     </p:spTree>
     <p:extLst>
       <p:ext uri="{BB962C8B-B14F-4D97-AF65-F5344CB8AC3E}">
-        <p14:creationId xmlns:p14="http://schemas.microsoft.com/office/powerpoint/2010/main" xmlns="" val="2659555247"/>
+        <p14:creationId xmlns="" xmlns:p14="http://schemas.microsoft.com/office/powerpoint/2010/main" val="2659555247"/>
       </p:ext>
     </p:extLst>
   </p:cSld>
@@ -9182,7 +9268,7 @@
     </p:spTree>
     <p:extLst>
       <p:ext uri="{BB962C8B-B14F-4D97-AF65-F5344CB8AC3E}">
-        <p14:creationId xmlns:p14="http://schemas.microsoft.com/office/powerpoint/2010/main" xmlns="" val="2659555247"/>
+        <p14:creationId xmlns="" xmlns:p14="http://schemas.microsoft.com/office/powerpoint/2010/main" val="2659555247"/>
       </p:ext>
     </p:extLst>
   </p:cSld>
@@ -9267,7 +9353,7 @@
     </p:spTree>
     <p:extLst>
       <p:ext uri="{BB962C8B-B14F-4D97-AF65-F5344CB8AC3E}">
-        <p14:creationId xmlns:p14="http://schemas.microsoft.com/office/powerpoint/2010/main" xmlns="" val="2659555247"/>
+        <p14:creationId xmlns="" xmlns:p14="http://schemas.microsoft.com/office/powerpoint/2010/main" val="2659555247"/>
       </p:ext>
     </p:extLst>
   </p:cSld>
@@ -9352,7 +9438,7 @@
     </p:spTree>
     <p:extLst>
       <p:ext uri="{BB962C8B-B14F-4D97-AF65-F5344CB8AC3E}">
-        <p14:creationId xmlns:p14="http://schemas.microsoft.com/office/powerpoint/2010/main" xmlns="" val="2659555247"/>
+        <p14:creationId xmlns="" xmlns:p14="http://schemas.microsoft.com/office/powerpoint/2010/main" val="2659555247"/>
       </p:ext>
     </p:extLst>
   </p:cSld>
@@ -9437,7 +9523,7 @@
     </p:spTree>
     <p:extLst>
       <p:ext uri="{BB962C8B-B14F-4D97-AF65-F5344CB8AC3E}">
-        <p14:creationId xmlns:p14="http://schemas.microsoft.com/office/powerpoint/2010/main" xmlns="" val="2659555247"/>
+        <p14:creationId xmlns="" xmlns:p14="http://schemas.microsoft.com/office/powerpoint/2010/main" val="2659555247"/>
       </p:ext>
     </p:extLst>
   </p:cSld>
@@ -9522,7 +9608,7 @@
     </p:spTree>
     <p:extLst>
       <p:ext uri="{BB962C8B-B14F-4D97-AF65-F5344CB8AC3E}">
-        <p14:creationId xmlns:p14="http://schemas.microsoft.com/office/powerpoint/2010/main" xmlns="" val="2659555247"/>
+        <p14:creationId xmlns="" xmlns:p14="http://schemas.microsoft.com/office/powerpoint/2010/main" val="2659555247"/>
       </p:ext>
     </p:extLst>
   </p:cSld>
@@ -9607,7 +9693,7 @@
     </p:spTree>
     <p:extLst>
       <p:ext uri="{BB962C8B-B14F-4D97-AF65-F5344CB8AC3E}">
-        <p14:creationId xmlns:p14="http://schemas.microsoft.com/office/powerpoint/2010/main" xmlns="" val="2659555247"/>
+        <p14:creationId xmlns="" xmlns:p14="http://schemas.microsoft.com/office/powerpoint/2010/main" val="2659555247"/>
       </p:ext>
     </p:extLst>
   </p:cSld>
@@ -9692,7 +9778,7 @@
     </p:spTree>
     <p:extLst>
       <p:ext uri="{BB962C8B-B14F-4D97-AF65-F5344CB8AC3E}">
-        <p14:creationId xmlns:p14="http://schemas.microsoft.com/office/powerpoint/2010/main" xmlns="" val="2659555247"/>
+        <p14:creationId xmlns="" xmlns:p14="http://schemas.microsoft.com/office/powerpoint/2010/main" val="2659555247"/>
       </p:ext>
     </p:extLst>
   </p:cSld>
@@ -9777,7 +9863,7 @@
     </p:spTree>
     <p:extLst>
       <p:ext uri="{BB962C8B-B14F-4D97-AF65-F5344CB8AC3E}">
-        <p14:creationId xmlns:p14="http://schemas.microsoft.com/office/powerpoint/2010/main" xmlns="" val="2659555247"/>
+        <p14:creationId xmlns="" xmlns:p14="http://schemas.microsoft.com/office/powerpoint/2010/main" val="2659555247"/>
       </p:ext>
     </p:extLst>
   </p:cSld>
@@ -9862,7 +9948,7 @@
     </p:spTree>
     <p:extLst>
       <p:ext uri="{BB962C8B-B14F-4D97-AF65-F5344CB8AC3E}">
-        <p14:creationId xmlns:p14="http://schemas.microsoft.com/office/powerpoint/2010/main" xmlns="" val="2659555247"/>
+        <p14:creationId xmlns="" xmlns:p14="http://schemas.microsoft.com/office/powerpoint/2010/main" val="2659555247"/>
       </p:ext>
     </p:extLst>
   </p:cSld>
@@ -9947,7 +10033,7 @@
     </p:spTree>
     <p:extLst>
       <p:ext uri="{BB962C8B-B14F-4D97-AF65-F5344CB8AC3E}">
-        <p14:creationId xmlns="" xmlns:p14="http://schemas.microsoft.com/office/powerpoint/2010/main" val="939565178"/>
+        <p14:creationId xmlns:p14="http://schemas.microsoft.com/office/powerpoint/2010/main" xmlns="" val="939565178"/>
       </p:ext>
     </p:extLst>
   </p:cSld>
@@ -10032,7 +10118,7 @@
     </p:spTree>
     <p:extLst>
       <p:ext uri="{BB962C8B-B14F-4D97-AF65-F5344CB8AC3E}">
-        <p14:creationId xmlns:p14="http://schemas.microsoft.com/office/powerpoint/2010/main" xmlns="" val="2659555247"/>
+        <p14:creationId xmlns="" xmlns:p14="http://schemas.microsoft.com/office/powerpoint/2010/main" val="2659555247"/>
       </p:ext>
     </p:extLst>
   </p:cSld>
@@ -10117,7 +10203,7 @@
     </p:spTree>
     <p:extLst>
       <p:ext uri="{BB962C8B-B14F-4D97-AF65-F5344CB8AC3E}">
-        <p14:creationId xmlns:p14="http://schemas.microsoft.com/office/powerpoint/2010/main" xmlns="" val="2659555247"/>
+        <p14:creationId xmlns="" xmlns:p14="http://schemas.microsoft.com/office/powerpoint/2010/main" val="2659555247"/>
       </p:ext>
     </p:extLst>
   </p:cSld>
@@ -10202,7 +10288,7 @@
     </p:spTree>
     <p:extLst>
       <p:ext uri="{BB962C8B-B14F-4D97-AF65-F5344CB8AC3E}">
-        <p14:creationId xmlns:p14="http://schemas.microsoft.com/office/powerpoint/2010/main" xmlns="" val="2659555247"/>
+        <p14:creationId xmlns="" xmlns:p14="http://schemas.microsoft.com/office/powerpoint/2010/main" val="2659555247"/>
       </p:ext>
     </p:extLst>
   </p:cSld>
@@ -10287,7 +10373,7 @@
     </p:spTree>
     <p:extLst>
       <p:ext uri="{BB962C8B-B14F-4D97-AF65-F5344CB8AC3E}">
-        <p14:creationId xmlns:p14="http://schemas.microsoft.com/office/powerpoint/2010/main" xmlns="" val="2659555247"/>
+        <p14:creationId xmlns="" xmlns:p14="http://schemas.microsoft.com/office/powerpoint/2010/main" val="2659555247"/>
       </p:ext>
     </p:extLst>
   </p:cSld>
@@ -10372,7 +10458,7 @@
     </p:spTree>
     <p:extLst>
       <p:ext uri="{BB962C8B-B14F-4D97-AF65-F5344CB8AC3E}">
-        <p14:creationId xmlns:p14="http://schemas.microsoft.com/office/powerpoint/2010/main" xmlns="" val="2659555247"/>
+        <p14:creationId xmlns="" xmlns:p14="http://schemas.microsoft.com/office/powerpoint/2010/main" val="2659555247"/>
       </p:ext>
     </p:extLst>
   </p:cSld>
@@ -10457,7 +10543,7 @@
     </p:spTree>
     <p:extLst>
       <p:ext uri="{BB962C8B-B14F-4D97-AF65-F5344CB8AC3E}">
-        <p14:creationId xmlns:p14="http://schemas.microsoft.com/office/powerpoint/2010/main" xmlns="" val="2659555247"/>
+        <p14:creationId xmlns="" xmlns:p14="http://schemas.microsoft.com/office/powerpoint/2010/main" val="2659555247"/>
       </p:ext>
     </p:extLst>
   </p:cSld>
@@ -10542,7 +10628,7 @@
     </p:spTree>
     <p:extLst>
       <p:ext uri="{BB962C8B-B14F-4D97-AF65-F5344CB8AC3E}">
-        <p14:creationId xmlns:p14="http://schemas.microsoft.com/office/powerpoint/2010/main" xmlns="" val="2659555247"/>
+        <p14:creationId xmlns="" xmlns:p14="http://schemas.microsoft.com/office/powerpoint/2010/main" val="2659555247"/>
       </p:ext>
     </p:extLst>
   </p:cSld>
@@ -10627,7 +10713,7 @@
     </p:spTree>
     <p:extLst>
       <p:ext uri="{BB962C8B-B14F-4D97-AF65-F5344CB8AC3E}">
-        <p14:creationId xmlns:p14="http://schemas.microsoft.com/office/powerpoint/2010/main" xmlns="" val="2659555247"/>
+        <p14:creationId xmlns="" xmlns:p14="http://schemas.microsoft.com/office/powerpoint/2010/main" val="2659555247"/>
       </p:ext>
     </p:extLst>
   </p:cSld>
@@ -10712,7 +10798,7 @@
     </p:spTree>
     <p:extLst>
       <p:ext uri="{BB962C8B-B14F-4D97-AF65-F5344CB8AC3E}">
-        <p14:creationId xmlns:p14="http://schemas.microsoft.com/office/powerpoint/2010/main" xmlns="" val="2659555247"/>
+        <p14:creationId xmlns="" xmlns:p14="http://schemas.microsoft.com/office/powerpoint/2010/main" val="2659555247"/>
       </p:ext>
     </p:extLst>
   </p:cSld>
@@ -10797,7 +10883,7 @@
     </p:spTree>
     <p:extLst>
       <p:ext uri="{BB962C8B-B14F-4D97-AF65-F5344CB8AC3E}">
-        <p14:creationId xmlns:p14="http://schemas.microsoft.com/office/powerpoint/2010/main" xmlns="" val="2659555247"/>
+        <p14:creationId xmlns="" xmlns:p14="http://schemas.microsoft.com/office/powerpoint/2010/main" val="2659555247"/>
       </p:ext>
     </p:extLst>
   </p:cSld>
@@ -10882,7 +10968,7 @@
     </p:spTree>
     <p:extLst>
       <p:ext uri="{BB962C8B-B14F-4D97-AF65-F5344CB8AC3E}">
-        <p14:creationId xmlns:p14="http://schemas.microsoft.com/office/powerpoint/2010/main" xmlns="" val="2659555247"/>
+        <p14:creationId xmlns="" xmlns:p14="http://schemas.microsoft.com/office/powerpoint/2010/main" val="2659555247"/>
       </p:ext>
     </p:extLst>
   </p:cSld>
@@ -10967,7 +11053,7 @@
     </p:spTree>
     <p:extLst>
       <p:ext uri="{BB962C8B-B14F-4D97-AF65-F5344CB8AC3E}">
-        <p14:creationId xmlns:p14="http://schemas.microsoft.com/office/powerpoint/2010/main" xmlns="" val="2659555247"/>
+        <p14:creationId xmlns="" xmlns:p14="http://schemas.microsoft.com/office/powerpoint/2010/main" val="2659555247"/>
       </p:ext>
     </p:extLst>
   </p:cSld>
@@ -11052,7 +11138,7 @@
     </p:spTree>
     <p:extLst>
       <p:ext uri="{BB962C8B-B14F-4D97-AF65-F5344CB8AC3E}">
-        <p14:creationId xmlns:p14="http://schemas.microsoft.com/office/powerpoint/2010/main" xmlns="" val="2659555247"/>
+        <p14:creationId xmlns="" xmlns:p14="http://schemas.microsoft.com/office/powerpoint/2010/main" val="2659555247"/>
       </p:ext>
     </p:extLst>
   </p:cSld>
@@ -11137,7 +11223,7 @@
     </p:spTree>
     <p:extLst>
       <p:ext uri="{BB962C8B-B14F-4D97-AF65-F5344CB8AC3E}">
-        <p14:creationId xmlns:p14="http://schemas.microsoft.com/office/powerpoint/2010/main" xmlns="" val="2659555247"/>
+        <p14:creationId xmlns="" xmlns:p14="http://schemas.microsoft.com/office/powerpoint/2010/main" val="2659555247"/>
       </p:ext>
     </p:extLst>
   </p:cSld>
@@ -11222,7 +11308,7 @@
     </p:spTree>
     <p:extLst>
       <p:ext uri="{BB962C8B-B14F-4D97-AF65-F5344CB8AC3E}">
-        <p14:creationId xmlns:p14="http://schemas.microsoft.com/office/powerpoint/2010/main" xmlns="" val="2659555247"/>
+        <p14:creationId xmlns="" xmlns:p14="http://schemas.microsoft.com/office/powerpoint/2010/main" val="2659555247"/>
       </p:ext>
     </p:extLst>
   </p:cSld>
@@ -11307,7 +11393,7 @@
     </p:spTree>
     <p:extLst>
       <p:ext uri="{BB962C8B-B14F-4D97-AF65-F5344CB8AC3E}">
-        <p14:creationId xmlns="" xmlns:p14="http://schemas.microsoft.com/office/powerpoint/2010/main" val="939565178"/>
+        <p14:creationId xmlns:p14="http://schemas.microsoft.com/office/powerpoint/2010/main" xmlns="" val="939565178"/>
       </p:ext>
     </p:extLst>
   </p:cSld>
@@ -11392,7 +11478,7 @@
     </p:spTree>
     <p:extLst>
       <p:ext uri="{BB962C8B-B14F-4D97-AF65-F5344CB8AC3E}">
-        <p14:creationId xmlns:p14="http://schemas.microsoft.com/office/powerpoint/2010/main" xmlns="" val="2659555247"/>
+        <p14:creationId xmlns="" xmlns:p14="http://schemas.microsoft.com/office/powerpoint/2010/main" val="2659555247"/>
       </p:ext>
     </p:extLst>
   </p:cSld>
@@ -11477,7 +11563,7 @@
     </p:spTree>
     <p:extLst>
       <p:ext uri="{BB962C8B-B14F-4D97-AF65-F5344CB8AC3E}">
-        <p14:creationId xmlns:p14="http://schemas.microsoft.com/office/powerpoint/2010/main" xmlns="" val="2659555247"/>
+        <p14:creationId xmlns="" xmlns:p14="http://schemas.microsoft.com/office/powerpoint/2010/main" val="2659555247"/>
       </p:ext>
     </p:extLst>
   </p:cSld>
@@ -11562,7 +11648,7 @@
     </p:spTree>
     <p:extLst>
       <p:ext uri="{BB962C8B-B14F-4D97-AF65-F5344CB8AC3E}">
-        <p14:creationId xmlns:p14="http://schemas.microsoft.com/office/powerpoint/2010/main" xmlns="" val="2659555247"/>
+        <p14:creationId xmlns="" xmlns:p14="http://schemas.microsoft.com/office/powerpoint/2010/main" val="2659555247"/>
       </p:ext>
     </p:extLst>
   </p:cSld>
@@ -11647,7 +11733,7 @@
     </p:spTree>
     <p:extLst>
       <p:ext uri="{BB962C8B-B14F-4D97-AF65-F5344CB8AC3E}">
-        <p14:creationId xmlns:p14="http://schemas.microsoft.com/office/powerpoint/2010/main" xmlns="" val="2659555247"/>
+        <p14:creationId xmlns="" xmlns:p14="http://schemas.microsoft.com/office/powerpoint/2010/main" val="2659555247"/>
       </p:ext>
     </p:extLst>
   </p:cSld>
@@ -11732,7 +11818,7 @@
     </p:spTree>
     <p:extLst>
       <p:ext uri="{BB962C8B-B14F-4D97-AF65-F5344CB8AC3E}">
-        <p14:creationId xmlns:p14="http://schemas.microsoft.com/office/powerpoint/2010/main" xmlns="" val="2659555247"/>
+        <p14:creationId xmlns="" xmlns:p14="http://schemas.microsoft.com/office/powerpoint/2010/main" val="2659555247"/>
       </p:ext>
     </p:extLst>
   </p:cSld>
@@ -11817,7 +11903,7 @@
     </p:spTree>
     <p:extLst>
       <p:ext uri="{BB962C8B-B14F-4D97-AF65-F5344CB8AC3E}">
-        <p14:creationId xmlns:p14="http://schemas.microsoft.com/office/powerpoint/2010/main" xmlns="" val="2659555247"/>
+        <p14:creationId xmlns="" xmlns:p14="http://schemas.microsoft.com/office/powerpoint/2010/main" val="2659555247"/>
       </p:ext>
     </p:extLst>
   </p:cSld>
@@ -11902,7 +11988,7 @@
     </p:spTree>
     <p:extLst>
       <p:ext uri="{BB962C8B-B14F-4D97-AF65-F5344CB8AC3E}">
-        <p14:creationId xmlns:p14="http://schemas.microsoft.com/office/powerpoint/2010/main" xmlns="" val="2659555247"/>
+        <p14:creationId xmlns="" xmlns:p14="http://schemas.microsoft.com/office/powerpoint/2010/main" val="2659555247"/>
       </p:ext>
     </p:extLst>
   </p:cSld>
@@ -11987,7 +12073,7 @@
     </p:spTree>
     <p:extLst>
       <p:ext uri="{BB962C8B-B14F-4D97-AF65-F5344CB8AC3E}">
-        <p14:creationId xmlns:p14="http://schemas.microsoft.com/office/powerpoint/2010/main" xmlns="" val="2659555247"/>
+        <p14:creationId xmlns="" xmlns:p14="http://schemas.microsoft.com/office/powerpoint/2010/main" val="2659555247"/>
       </p:ext>
     </p:extLst>
   </p:cSld>
@@ -12072,7 +12158,7 @@
     </p:spTree>
     <p:extLst>
       <p:ext uri="{BB962C8B-B14F-4D97-AF65-F5344CB8AC3E}">
-        <p14:creationId xmlns:p14="http://schemas.microsoft.com/office/powerpoint/2010/main" xmlns="" val="2659555247"/>
+        <p14:creationId xmlns="" xmlns:p14="http://schemas.microsoft.com/office/powerpoint/2010/main" val="2659555247"/>
       </p:ext>
     </p:extLst>
   </p:cSld>
@@ -12157,7 +12243,7 @@
     </p:spTree>
     <p:extLst>
       <p:ext uri="{BB962C8B-B14F-4D97-AF65-F5344CB8AC3E}">
-        <p14:creationId xmlns:p14="http://schemas.microsoft.com/office/powerpoint/2010/main" xmlns="" val="2659555247"/>
+        <p14:creationId xmlns="" xmlns:p14="http://schemas.microsoft.com/office/powerpoint/2010/main" val="2659555247"/>
       </p:ext>
     </p:extLst>
   </p:cSld>
@@ -12242,7 +12328,7 @@
     </p:spTree>
     <p:extLst>
       <p:ext uri="{BB962C8B-B14F-4D97-AF65-F5344CB8AC3E}">
-        <p14:creationId xmlns:p14="http://schemas.microsoft.com/office/powerpoint/2010/main" xmlns="" val="2659555247"/>
+        <p14:creationId xmlns="" xmlns:p14="http://schemas.microsoft.com/office/powerpoint/2010/main" val="2659555247"/>
       </p:ext>
     </p:extLst>
   </p:cSld>
@@ -12327,7 +12413,7 @@
     </p:spTree>
     <p:extLst>
       <p:ext uri="{BB962C8B-B14F-4D97-AF65-F5344CB8AC3E}">
-        <p14:creationId xmlns:p14="http://schemas.microsoft.com/office/powerpoint/2010/main" xmlns="" val="2659555247"/>
+        <p14:creationId xmlns="" xmlns:p14="http://schemas.microsoft.com/office/powerpoint/2010/main" val="2659555247"/>
       </p:ext>
     </p:extLst>
   </p:cSld>
@@ -12412,7 +12498,7 @@
     </p:spTree>
     <p:extLst>
       <p:ext uri="{BB962C8B-B14F-4D97-AF65-F5344CB8AC3E}">
-        <p14:creationId xmlns:p14="http://schemas.microsoft.com/office/powerpoint/2010/main" xmlns="" val="2659555247"/>
+        <p14:creationId xmlns="" xmlns:p14="http://schemas.microsoft.com/office/powerpoint/2010/main" val="2659555247"/>
       </p:ext>
     </p:extLst>
   </p:cSld>
@@ -12497,7 +12583,7 @@
     </p:spTree>
     <p:extLst>
       <p:ext uri="{BB962C8B-B14F-4D97-AF65-F5344CB8AC3E}">
-        <p14:creationId xmlns:p14="http://schemas.microsoft.com/office/powerpoint/2010/main" xmlns="" val="2659555247"/>
+        <p14:creationId xmlns="" xmlns:p14="http://schemas.microsoft.com/office/powerpoint/2010/main" val="2659555247"/>
       </p:ext>
     </p:extLst>
   </p:cSld>
@@ -12582,7 +12668,7 @@
     </p:spTree>
     <p:extLst>
       <p:ext uri="{BB962C8B-B14F-4D97-AF65-F5344CB8AC3E}">
-        <p14:creationId xmlns:p14="http://schemas.microsoft.com/office/powerpoint/2010/main" xmlns="" val="2659555247"/>
+        <p14:creationId xmlns="" xmlns:p14="http://schemas.microsoft.com/office/powerpoint/2010/main" val="2659555247"/>
       </p:ext>
     </p:extLst>
   </p:cSld>
@@ -12667,7 +12753,7 @@
     </p:spTree>
     <p:extLst>
       <p:ext uri="{BB962C8B-B14F-4D97-AF65-F5344CB8AC3E}">
-        <p14:creationId xmlns:p14="http://schemas.microsoft.com/office/powerpoint/2010/main" xmlns="" val="2659555247"/>
+        <p14:creationId xmlns="" xmlns:p14="http://schemas.microsoft.com/office/powerpoint/2010/main" val="2659555247"/>
       </p:ext>
     </p:extLst>
   </p:cSld>
@@ -12752,7 +12838,7 @@
     </p:spTree>
     <p:extLst>
       <p:ext uri="{BB962C8B-B14F-4D97-AF65-F5344CB8AC3E}">
-        <p14:creationId xmlns:p14="http://schemas.microsoft.com/office/powerpoint/2010/main" xmlns="" val="2659555247"/>
+        <p14:creationId xmlns="" xmlns:p14="http://schemas.microsoft.com/office/powerpoint/2010/main" val="2659555247"/>
       </p:ext>
     </p:extLst>
   </p:cSld>
@@ -12837,7 +12923,7 @@
     </p:spTree>
     <p:extLst>
       <p:ext uri="{BB962C8B-B14F-4D97-AF65-F5344CB8AC3E}">
-        <p14:creationId xmlns:p14="http://schemas.microsoft.com/office/powerpoint/2010/main" xmlns="" val="2659555247"/>
+        <p14:creationId xmlns="" xmlns:p14="http://schemas.microsoft.com/office/powerpoint/2010/main" val="2659555247"/>
       </p:ext>
     </p:extLst>
   </p:cSld>
@@ -12922,7 +13008,7 @@
     </p:spTree>
     <p:extLst>
       <p:ext uri="{BB962C8B-B14F-4D97-AF65-F5344CB8AC3E}">
-        <p14:creationId xmlns:p14="http://schemas.microsoft.com/office/powerpoint/2010/main" xmlns="" val="2659555247"/>
+        <p14:creationId xmlns="" xmlns:p14="http://schemas.microsoft.com/office/powerpoint/2010/main" val="2659555247"/>
       </p:ext>
     </p:extLst>
   </p:cSld>
@@ -13007,7 +13093,7 @@
     </p:spTree>
     <p:extLst>
       <p:ext uri="{BB962C8B-B14F-4D97-AF65-F5344CB8AC3E}">
-        <p14:creationId xmlns:p14="http://schemas.microsoft.com/office/powerpoint/2010/main" xmlns="" val="2659555247"/>
+        <p14:creationId xmlns="" xmlns:p14="http://schemas.microsoft.com/office/powerpoint/2010/main" val="2659555247"/>
       </p:ext>
     </p:extLst>
   </p:cSld>
@@ -13092,7 +13178,7 @@
     </p:spTree>
     <p:extLst>
       <p:ext uri="{BB962C8B-B14F-4D97-AF65-F5344CB8AC3E}">
-        <p14:creationId xmlns:p14="http://schemas.microsoft.com/office/powerpoint/2010/main" xmlns="" val="2659555247"/>
+        <p14:creationId xmlns="" xmlns:p14="http://schemas.microsoft.com/office/powerpoint/2010/main" val="2659555247"/>
       </p:ext>
     </p:extLst>
   </p:cSld>
@@ -13177,7 +13263,7 @@
     </p:spTree>
     <p:extLst>
       <p:ext uri="{BB962C8B-B14F-4D97-AF65-F5344CB8AC3E}">
-        <p14:creationId xmlns:p14="http://schemas.microsoft.com/office/powerpoint/2010/main" xmlns="" val="2659555247"/>
+        <p14:creationId xmlns="" xmlns:p14="http://schemas.microsoft.com/office/powerpoint/2010/main" val="2659555247"/>
       </p:ext>
     </p:extLst>
   </p:cSld>
@@ -13262,7 +13348,7 @@
     </p:spTree>
     <p:extLst>
       <p:ext uri="{BB962C8B-B14F-4D97-AF65-F5344CB8AC3E}">
-        <p14:creationId xmlns:p14="http://schemas.microsoft.com/office/powerpoint/2010/main" xmlns="" val="2659555247"/>
+        <p14:creationId xmlns="" xmlns:p14="http://schemas.microsoft.com/office/powerpoint/2010/main" val="2659555247"/>
       </p:ext>
     </p:extLst>
   </p:cSld>
@@ -13347,7 +13433,7 @@
     </p:spTree>
     <p:extLst>
       <p:ext uri="{BB962C8B-B14F-4D97-AF65-F5344CB8AC3E}">
-        <p14:creationId xmlns:p14="http://schemas.microsoft.com/office/powerpoint/2010/main" xmlns="" val="2659555247"/>
+        <p14:creationId xmlns="" xmlns:p14="http://schemas.microsoft.com/office/powerpoint/2010/main" val="2659555247"/>
       </p:ext>
     </p:extLst>
   </p:cSld>
@@ -13432,7 +13518,7 @@
     </p:spTree>
     <p:extLst>
       <p:ext uri="{BB962C8B-B14F-4D97-AF65-F5344CB8AC3E}">
-        <p14:creationId xmlns:p14="http://schemas.microsoft.com/office/powerpoint/2010/main" xmlns="" val="2659555247"/>
+        <p14:creationId xmlns="" xmlns:p14="http://schemas.microsoft.com/office/powerpoint/2010/main" val="2659555247"/>
       </p:ext>
     </p:extLst>
   </p:cSld>
@@ -13517,7 +13603,7 @@
     </p:spTree>
     <p:extLst>
       <p:ext uri="{BB962C8B-B14F-4D97-AF65-F5344CB8AC3E}">
-        <p14:creationId xmlns:p14="http://schemas.microsoft.com/office/powerpoint/2010/main" xmlns="" val="2659555247"/>
+        <p14:creationId xmlns="" xmlns:p14="http://schemas.microsoft.com/office/powerpoint/2010/main" val="2659555247"/>
       </p:ext>
     </p:extLst>
   </p:cSld>
@@ -13602,7 +13688,7 @@
     </p:spTree>
     <p:extLst>
       <p:ext uri="{BB962C8B-B14F-4D97-AF65-F5344CB8AC3E}">
-        <p14:creationId xmlns:p14="http://schemas.microsoft.com/office/powerpoint/2010/main" xmlns="" val="2659555247"/>
+        <p14:creationId xmlns="" xmlns:p14="http://schemas.microsoft.com/office/powerpoint/2010/main" val="2659555247"/>
       </p:ext>
     </p:extLst>
   </p:cSld>
@@ -13687,7 +13773,7 @@
     </p:spTree>
     <p:extLst>
       <p:ext uri="{BB962C8B-B14F-4D97-AF65-F5344CB8AC3E}">
-        <p14:creationId xmlns:p14="http://schemas.microsoft.com/office/powerpoint/2010/main" xmlns="" val="2659555247"/>
+        <p14:creationId xmlns="" xmlns:p14="http://schemas.microsoft.com/office/powerpoint/2010/main" val="2659555247"/>
       </p:ext>
     </p:extLst>
   </p:cSld>
@@ -14005,7 +14091,7 @@
                 </a:solidFill>
               </a:rPr>
               <a:pPr/>
-              <a:t>4/11/2021</a:t>
+              <a:t>4/25/2021</a:t>
             </a:fld>
             <a:endParaRPr kumimoji="0" lang="en-US" dirty="0"/>
           </a:p>
@@ -14396,7 +14482,7 @@
                 </a:solidFill>
               </a:rPr>
               <a:pPr/>
-              <a:t>4/11/2021</a:t>
+              <a:t>4/25/2021</a:t>
             </a:fld>
             <a:endParaRPr kumimoji="0" lang="en-US" dirty="0"/>
           </a:p>
@@ -14731,7 +14817,7 @@
                 </a:solidFill>
               </a:rPr>
               <a:pPr/>
-              <a:t>4/11/2021</a:t>
+              <a:t>4/25/2021</a:t>
             </a:fld>
             <a:endParaRPr kumimoji="0" lang="en-US" dirty="0"/>
           </a:p>
@@ -15307,7 +15393,7 @@
                 </a:solidFill>
               </a:rPr>
               <a:pPr/>
-              <a:t>4/11/2021</a:t>
+              <a:t>4/25/2021</a:t>
             </a:fld>
             <a:endParaRPr kumimoji="0" lang="en-US" dirty="0"/>
           </a:p>
@@ -15871,7 +15957,7 @@
                 </a:solidFill>
               </a:rPr>
               <a:pPr/>
-              <a:t>4/11/2021</a:t>
+              <a:t>4/25/2021</a:t>
             </a:fld>
             <a:endParaRPr kumimoji="0" lang="en-US" dirty="0"/>
           </a:p>
@@ -16330,7 +16416,7 @@
                 </a:solidFill>
               </a:rPr>
               <a:pPr/>
-              <a:t>4/11/2021</a:t>
+              <a:t>4/25/2021</a:t>
             </a:fld>
             <a:endParaRPr kumimoji="0" lang="en-US" dirty="0"/>
           </a:p>
@@ -16754,7 +16840,7 @@
                 </a:solidFill>
               </a:rPr>
               <a:pPr/>
-              <a:t>4/11/2021</a:t>
+              <a:t>4/25/2021</a:t>
             </a:fld>
             <a:endParaRPr kumimoji="0" lang="en-US" dirty="0"/>
           </a:p>
@@ -17258,7 +17344,7 @@
                 </a:solidFill>
               </a:rPr>
               <a:pPr/>
-              <a:t>4/11/2021</a:t>
+              <a:t>4/25/2021</a:t>
             </a:fld>
             <a:endParaRPr kumimoji="0" lang="en-US" dirty="0"/>
           </a:p>
@@ -17762,7 +17848,7 @@
                 </a:solidFill>
               </a:rPr>
               <a:pPr/>
-              <a:t>4/11/2021</a:t>
+              <a:t>4/25/2021</a:t>
             </a:fld>
             <a:endParaRPr kumimoji="0" lang="en-US" dirty="0"/>
           </a:p>
@@ -17978,7 +18064,7 @@
                 </a:solidFill>
               </a:rPr>
               <a:pPr/>
-              <a:t>4/11/2021</a:t>
+              <a:t>4/25/2021</a:t>
             </a:fld>
             <a:endParaRPr kumimoji="0" lang="en-US" dirty="0"/>
           </a:p>
@@ -18306,7 +18392,7 @@
                 </a:solidFill>
               </a:rPr>
               <a:pPr/>
-              <a:t>4/11/2021</a:t>
+              <a:t>4/25/2021</a:t>
             </a:fld>
             <a:endParaRPr kumimoji="0" lang="en-US" dirty="0"/>
           </a:p>
@@ -18532,7 +18618,7 @@
                 </a:solidFill>
               </a:rPr>
               <a:pPr/>
-              <a:t>4/11/2021</a:t>
+              <a:t>4/25/2021</a:t>
             </a:fld>
             <a:endParaRPr kumimoji="0" lang="en-US" dirty="0"/>
           </a:p>
@@ -18751,7 +18837,7 @@
                 </a:solidFill>
               </a:rPr>
               <a:pPr/>
-              <a:t>4/11/2021</a:t>
+              <a:t>4/25/2021</a:t>
             </a:fld>
             <a:endParaRPr kumimoji="0" lang="en-US" dirty="0"/>
           </a:p>
@@ -18927,7 +19013,7 @@
             <a:fld id="{ACB2EC6F-6501-4E04-BD6C-A8A6CABB2C5B}" type="datetimeFigureOut">
               <a:rPr kumimoji="0" lang="en-US" smtClean="0"/>
               <a:pPr/>
-              <a:t>4/11/2021</a:t>
+              <a:t>4/25/2021</a:t>
             </a:fld>
             <a:endParaRPr kumimoji="0" lang="en-US" dirty="0"/>
           </a:p>
@@ -19172,7 +19258,7 @@
                 </a:solidFill>
               </a:rPr>
               <a:pPr/>
-              <a:t>4/11/2021</a:t>
+              <a:t>4/25/2021</a:t>
             </a:fld>
             <a:endParaRPr kumimoji="0" lang="en-US" dirty="0"/>
           </a:p>
@@ -19644,7 +19730,7 @@
                 </a:solidFill>
               </a:rPr>
               <a:pPr/>
-              <a:t>4/11/2021</a:t>
+              <a:t>4/25/2021</a:t>
             </a:fld>
             <a:endParaRPr kumimoji="0" lang="en-US" dirty="0"/>
           </a:p>
@@ -19996,7 +20082,7 @@
                 </a:solidFill>
               </a:rPr>
               <a:pPr/>
-              <a:t>4/11/2021</a:t>
+              <a:t>4/25/2021</a:t>
             </a:fld>
             <a:endParaRPr kumimoji="0" lang="en-US" dirty="0"/>
           </a:p>
@@ -20354,7 +20440,7 @@
                 </a:solidFill>
               </a:rPr>
               <a:pPr/>
-              <a:t>4/11/2021</a:t>
+              <a:t>4/25/2021</a:t>
             </a:fld>
             <a:endParaRPr kumimoji="0" lang="en-US" dirty="0"/>
           </a:p>
@@ -20659,7 +20745,7 @@
                 </a:solidFill>
               </a:rPr>
               <a:pPr/>
-              <a:t>4/11/2021</a:t>
+              <a:t>4/25/2021</a:t>
             </a:fld>
             <a:endParaRPr kumimoji="0" lang="en-US" dirty="0"/>
           </a:p>
@@ -21135,7 +21221,7 @@
                 </a:solidFill>
               </a:rPr>
               <a:pPr/>
-              <a:t>4/11/2021</a:t>
+              <a:t>4/25/2021</a:t>
             </a:fld>
             <a:endParaRPr kumimoji="0" lang="en-US" dirty="0"/>
           </a:p>
@@ -21372,7 +21458,7 @@
                 </a:solidFill>
               </a:rPr>
               <a:pPr/>
-              <a:t>4/11/2021</a:t>
+              <a:t>4/25/2021</a:t>
             </a:fld>
             <a:endParaRPr kumimoji="0" lang="en-US" sz="1200" dirty="0">
               <a:solidFill>
@@ -22292,7 +22378,7 @@
     </p:spTree>
     <p:extLst>
       <p:ext uri="{BB962C8B-B14F-4D97-AF65-F5344CB8AC3E}">
-        <p14:creationId xmlns:p14="http://schemas.microsoft.com/office/powerpoint/2010/main" xmlns="" val="522405798"/>
+        <p14:creationId xmlns="" xmlns:p14="http://schemas.microsoft.com/office/powerpoint/2010/main" val="522405798"/>
       </p:ext>
     </p:extLst>
   </p:cSld>
@@ -22609,7 +22695,7 @@
     </p:spTree>
     <p:extLst>
       <p:ext uri="{BB962C8B-B14F-4D97-AF65-F5344CB8AC3E}">
-        <p14:creationId xmlns:p14="http://schemas.microsoft.com/office/powerpoint/2010/main" xmlns="" val="522405798"/>
+        <p14:creationId xmlns="" xmlns:p14="http://schemas.microsoft.com/office/powerpoint/2010/main" val="522405798"/>
       </p:ext>
     </p:extLst>
   </p:cSld>
@@ -22868,7 +22954,7 @@
     </p:spTree>
     <p:extLst>
       <p:ext uri="{BB962C8B-B14F-4D97-AF65-F5344CB8AC3E}">
-        <p14:creationId xmlns:p14="http://schemas.microsoft.com/office/powerpoint/2010/main" xmlns="" val="522405798"/>
+        <p14:creationId xmlns="" xmlns:p14="http://schemas.microsoft.com/office/powerpoint/2010/main" val="522405798"/>
       </p:ext>
     </p:extLst>
   </p:cSld>
@@ -22996,7 +23082,41 @@
                 <a:latin typeface="微軟正黑體" pitchFamily="34" charset="-120"/>
                 <a:ea typeface="微軟正黑體" pitchFamily="34" charset="-120"/>
               </a:rPr>
-              <a:t>綜合考慮空間資訊和色彩資訊</a:t>
+              <a:t>綜合考慮</a:t>
+            </a:r>
+            <a:r>
+              <a:rPr lang="zh-TW" altLang="zh-TW" sz="3200" dirty="0" smtClean="0">
+                <a:solidFill>
+                  <a:srgbClr val="FF0000"/>
+                </a:solidFill>
+                <a:latin typeface="微軟正黑體" pitchFamily="34" charset="-120"/>
+                <a:ea typeface="微軟正黑體" pitchFamily="34" charset="-120"/>
+              </a:rPr>
+              <a:t>空間</a:t>
+            </a:r>
+            <a:r>
+              <a:rPr lang="zh-TW" altLang="zh-TW" sz="3200" dirty="0" smtClean="0">
+                <a:latin typeface="微軟正黑體" pitchFamily="34" charset="-120"/>
+                <a:ea typeface="微軟正黑體" pitchFamily="34" charset="-120"/>
+              </a:rPr>
+              <a:t>資訊和</a:t>
+            </a:r>
+            <a:r>
+              <a:rPr lang="zh-TW" altLang="zh-TW" sz="3200" dirty="0" smtClean="0">
+                <a:solidFill>
+                  <a:srgbClr val="FF0000"/>
+                </a:solidFill>
+                <a:latin typeface="微軟正黑體" pitchFamily="34" charset="-120"/>
+                <a:ea typeface="微軟正黑體" pitchFamily="34" charset="-120"/>
+              </a:rPr>
+              <a:t>色彩</a:t>
+            </a:r>
+            <a:r>
+              <a:rPr lang="zh-TW" altLang="zh-TW" sz="3200" dirty="0" smtClean="0">
+                <a:latin typeface="微軟正黑體" pitchFamily="34" charset="-120"/>
+                <a:ea typeface="微軟正黑體" pitchFamily="34" charset="-120"/>
+              </a:rPr>
+              <a:t>資訊</a:t>
             </a:r>
             <a:endParaRPr lang="en-US" altLang="zh-TW" sz="3200" dirty="0" smtClean="0">
               <a:latin typeface="微軟正黑體" pitchFamily="34" charset="-120"/>
@@ -23110,7 +23230,7 @@
     </p:spTree>
     <p:extLst>
       <p:ext uri="{BB962C8B-B14F-4D97-AF65-F5344CB8AC3E}">
-        <p14:creationId xmlns:p14="http://schemas.microsoft.com/office/powerpoint/2010/main" xmlns="" val="522405798"/>
+        <p14:creationId xmlns="" xmlns:p14="http://schemas.microsoft.com/office/powerpoint/2010/main" val="522405798"/>
       </p:ext>
     </p:extLst>
   </p:cSld>
@@ -23274,7 +23394,7 @@
     </p:spTree>
     <p:extLst>
       <p:ext uri="{BB962C8B-B14F-4D97-AF65-F5344CB8AC3E}">
-        <p14:creationId xmlns:p14="http://schemas.microsoft.com/office/powerpoint/2010/main" xmlns="" val="522405798"/>
+        <p14:creationId xmlns="" xmlns:p14="http://schemas.microsoft.com/office/powerpoint/2010/main" val="522405798"/>
       </p:ext>
     </p:extLst>
   </p:cSld>
@@ -23633,7 +23753,7 @@
     </p:spTree>
     <p:extLst>
       <p:ext uri="{BB962C8B-B14F-4D97-AF65-F5344CB8AC3E}">
-        <p14:creationId xmlns:p14="http://schemas.microsoft.com/office/powerpoint/2010/main" xmlns="" val="522405798"/>
+        <p14:creationId xmlns="" xmlns:p14="http://schemas.microsoft.com/office/powerpoint/2010/main" val="522405798"/>
       </p:ext>
     </p:extLst>
   </p:cSld>
@@ -23775,7 +23895,7 @@
         <p:spPr>
           <a:xfrm>
             <a:off x="228600" y="1600200"/>
-            <a:ext cx="8534400" cy="1077218"/>
+            <a:ext cx="8534400" cy="584775"/>
           </a:xfrm>
           <a:prstGeom prst="rect">
             <a:avLst/>
@@ -23797,7 +23917,70 @@
                 <a:latin typeface="微軟正黑體" pitchFamily="34" charset="-120"/>
                 <a:ea typeface="微軟正黑體" pitchFamily="34" charset="-120"/>
               </a:rPr>
-              <a:t>我們有時希望使用特定的旋積確定現旋積操作</a:t>
+              <a:t>有時</a:t>
+            </a:r>
+            <a:r>
+              <a:rPr lang="zh-TW" altLang="zh-TW" sz="3200" dirty="0" smtClean="0">
+                <a:latin typeface="微軟正黑體" pitchFamily="34" charset="-120"/>
+                <a:ea typeface="微軟正黑體" pitchFamily="34" charset="-120"/>
+              </a:rPr>
+              <a:t>希望使用特定</a:t>
+            </a:r>
+            <a:r>
+              <a:rPr lang="zh-TW" altLang="zh-TW" sz="3200" dirty="0" smtClean="0">
+                <a:latin typeface="微軟正黑體" pitchFamily="34" charset="-120"/>
+                <a:ea typeface="微軟正黑體" pitchFamily="34" charset="-120"/>
+              </a:rPr>
+              <a:t>的</a:t>
+            </a:r>
+            <a:r>
+              <a:rPr lang="zh-TW" altLang="en-US" sz="3200" dirty="0" smtClean="0">
+                <a:latin typeface="微軟正黑體" pitchFamily="34" charset="-120"/>
+                <a:ea typeface="微軟正黑體" pitchFamily="34" charset="-120"/>
+              </a:rPr>
+              <a:t>卷</a:t>
+            </a:r>
+            <a:r>
+              <a:rPr lang="zh-TW" altLang="zh-TW" sz="3200" dirty="0" smtClean="0">
+                <a:latin typeface="微軟正黑體" pitchFamily="34" charset="-120"/>
+                <a:ea typeface="微軟正黑體" pitchFamily="34" charset="-120"/>
+              </a:rPr>
+              <a:t>積</a:t>
+            </a:r>
+            <a:r>
+              <a:rPr lang="zh-TW" altLang="zh-TW" sz="3200" dirty="0" smtClean="0">
+                <a:latin typeface="微軟正黑體" pitchFamily="34" charset="-120"/>
+                <a:ea typeface="微軟正黑體" pitchFamily="34" charset="-120"/>
+              </a:rPr>
+              <a:t>確定</a:t>
+            </a:r>
+            <a:r>
+              <a:rPr lang="zh-TW" altLang="zh-TW" sz="3200" dirty="0" smtClean="0">
+                <a:latin typeface="微軟正黑體" pitchFamily="34" charset="-120"/>
+                <a:ea typeface="微軟正黑體" pitchFamily="34" charset="-120"/>
+              </a:rPr>
+              <a:t>現</a:t>
+            </a:r>
+            <a:r>
+              <a:rPr lang="zh-TW" altLang="en-US" sz="3200" dirty="0" smtClean="0">
+                <a:latin typeface="微軟正黑體" pitchFamily="34" charset="-120"/>
+                <a:ea typeface="微軟正黑體" pitchFamily="34" charset="-120"/>
+              </a:rPr>
+              <a:t>卷</a:t>
+            </a:r>
+            <a:r>
+              <a:rPr lang="zh-TW" altLang="zh-TW" sz="3200" dirty="0" smtClean="0">
+                <a:latin typeface="微軟正黑體" pitchFamily="34" charset="-120"/>
+                <a:ea typeface="微軟正黑體" pitchFamily="34" charset="-120"/>
+              </a:rPr>
+              <a:t>積</a:t>
+            </a:r>
+            <a:r>
+              <a:rPr lang="zh-TW" altLang="zh-TW" sz="3200" dirty="0" smtClean="0">
+                <a:latin typeface="微軟正黑體" pitchFamily="34" charset="-120"/>
+                <a:ea typeface="微軟正黑體" pitchFamily="34" charset="-120"/>
+              </a:rPr>
+              <a:t>操作</a:t>
             </a:r>
             <a:endParaRPr lang="zh-TW" altLang="zh-TW" sz="3200" dirty="0">
               <a:latin typeface="微軟正黑體" pitchFamily="34" charset="-120"/>
@@ -23841,7 +24024,7 @@
     </p:spTree>
     <p:extLst>
       <p:ext uri="{BB962C8B-B14F-4D97-AF65-F5344CB8AC3E}">
-        <p14:creationId xmlns:p14="http://schemas.microsoft.com/office/powerpoint/2010/main" xmlns="" val="522405798"/>
+        <p14:creationId xmlns="" xmlns:p14="http://schemas.microsoft.com/office/powerpoint/2010/main" val="522405798"/>
       </p:ext>
     </p:extLst>
   </p:cSld>
@@ -24205,7 +24388,7 @@
     </p:spTree>
     <p:extLst>
       <p:ext uri="{BB962C8B-B14F-4D97-AF65-F5344CB8AC3E}">
-        <p14:creationId xmlns:p14="http://schemas.microsoft.com/office/powerpoint/2010/main" xmlns="" val="522405798"/>
+        <p14:creationId xmlns="" xmlns:p14="http://schemas.microsoft.com/office/powerpoint/2010/main" val="522405798"/>
       </p:ext>
     </p:extLst>
   </p:cSld>
@@ -24300,7 +24483,7 @@
     </p:spTree>
     <p:extLst>
       <p:ext uri="{BB962C8B-B14F-4D97-AF65-F5344CB8AC3E}">
-        <p14:creationId xmlns="" xmlns:p14="http://schemas.microsoft.com/office/powerpoint/2010/main" val="3907764274"/>
+        <p14:creationId xmlns:p14="http://schemas.microsoft.com/office/powerpoint/2010/main" xmlns="" val="3907764274"/>
       </p:ext>
     </p:extLst>
   </p:cSld>
@@ -24399,7 +24582,7 @@
         <p:spPr>
           <a:xfrm>
             <a:off x="457200" y="1447800"/>
-            <a:ext cx="8534400" cy="3539430"/>
+            <a:ext cx="8534400" cy="4524315"/>
           </a:xfrm>
           <a:prstGeom prst="rect">
             <a:avLst/>
@@ -24417,27 +24600,41 @@
               <a:buChar char="•"/>
             </a:pPr>
             <a:r>
-              <a:rPr lang="zh-TW" altLang="zh-TW" sz="2800" dirty="0" smtClean="0">
+              <a:rPr lang="zh-TW" altLang="zh-TW" sz="3200" dirty="0" smtClean="0">
                 <a:latin typeface="微軟正黑體" pitchFamily="34" charset="-120"/>
                 <a:ea typeface="微軟正黑體" pitchFamily="34" charset="-120"/>
               </a:rPr>
               <a:t>形態學，即數學形態學（</a:t>
             </a:r>
             <a:r>
-              <a:rPr lang="en-US" altLang="zh-TW" sz="2800" dirty="0" smtClean="0">
-                <a:latin typeface="微軟正黑體" pitchFamily="34" charset="-120"/>
-                <a:ea typeface="微軟正黑體" pitchFamily="34" charset="-120"/>
-              </a:rPr>
-              <a:t>Mathematical Morphology</a:t>
-            </a:r>
-            <a:r>
-              <a:rPr lang="zh-TW" altLang="zh-TW" sz="2800" dirty="0" smtClean="0">
-                <a:latin typeface="微軟正黑體" pitchFamily="34" charset="-120"/>
-                <a:ea typeface="微軟正黑體" pitchFamily="34" charset="-120"/>
-              </a:rPr>
-              <a:t>）</a:t>
-            </a:r>
-            <a:endParaRPr lang="en-US" altLang="zh-TW" sz="2800" dirty="0" smtClean="0">
+              <a:rPr lang="en-US" altLang="zh-TW" sz="3200" dirty="0" smtClean="0">
+                <a:latin typeface="微軟正黑體" pitchFamily="34" charset="-120"/>
+                <a:ea typeface="微軟正黑體" pitchFamily="34" charset="-120"/>
+              </a:rPr>
+              <a:t>Mathematical </a:t>
+            </a:r>
+            <a:r>
+              <a:rPr lang="en-US" altLang="zh-TW" sz="3200" dirty="0" smtClean="0">
+                <a:latin typeface="微軟正黑體" pitchFamily="34" charset="-120"/>
+                <a:ea typeface="微軟正黑體" pitchFamily="34" charset="-120"/>
+              </a:rPr>
+              <a:t>Morphology</a:t>
+            </a:r>
+            <a:r>
+              <a:rPr lang="en-US" altLang="zh-TW" sz="3200" dirty="0" smtClean="0">
+                <a:latin typeface="微軟正黑體" pitchFamily="34" charset="-120"/>
+                <a:ea typeface="微軟正黑體" pitchFamily="34" charset="-120"/>
+              </a:rPr>
+              <a:t>)</a:t>
+            </a:r>
+            <a:r>
+              <a:rPr lang="zh-TW" altLang="en-US" sz="3200" dirty="0" smtClean="0">
+                <a:latin typeface="微軟正黑體" pitchFamily="34" charset="-120"/>
+                <a:ea typeface="微軟正黑體" pitchFamily="34" charset="-120"/>
+              </a:rPr>
+              <a:t>，主要針影像的骨骼、外型</a:t>
+            </a:r>
+            <a:endParaRPr lang="en-US" altLang="zh-TW" sz="3200" dirty="0" smtClean="0">
               <a:latin typeface="微軟正黑體" pitchFamily="34" charset="-120"/>
               <a:ea typeface="微軟正黑體" pitchFamily="34" charset="-120"/>
             </a:endParaRPr>
@@ -24448,27 +24645,27 @@
               <a:buChar char="•"/>
             </a:pPr>
             <a:r>
-              <a:rPr lang="zh-TW" altLang="zh-TW" sz="2800" dirty="0" smtClean="0">
+              <a:rPr lang="zh-TW" altLang="zh-TW" sz="3200" dirty="0" smtClean="0">
                 <a:latin typeface="微軟正黑體" pitchFamily="34" charset="-120"/>
                 <a:ea typeface="微軟正黑體" pitchFamily="34" charset="-120"/>
               </a:rPr>
               <a:t>影像內分析分量資訊</a:t>
             </a:r>
             <a:r>
-              <a:rPr lang="zh-TW" altLang="en-US" sz="2800" dirty="0" smtClean="0">
+              <a:rPr lang="zh-TW" altLang="en-US" sz="3200" dirty="0" smtClean="0">
                 <a:latin typeface="微軟正黑體" pitchFamily="34" charset="-120"/>
                 <a:ea typeface="微軟正黑體" pitchFamily="34" charset="-120"/>
               </a:rPr>
               <a:t>，</a:t>
             </a:r>
             <a:r>
-              <a:rPr lang="zh-TW" altLang="zh-TW" sz="2800" dirty="0" smtClean="0">
+              <a:rPr lang="zh-TW" altLang="zh-TW" sz="3200" dirty="0" smtClean="0">
                 <a:latin typeface="微軟正黑體" pitchFamily="34" charset="-120"/>
                 <a:ea typeface="微軟正黑體" pitchFamily="34" charset="-120"/>
               </a:rPr>
               <a:t>對於表達和描繪影像的形狀具有重要意義</a:t>
             </a:r>
-            <a:endParaRPr lang="en-US" altLang="zh-TW" sz="2800" dirty="0" smtClean="0">
+            <a:endParaRPr lang="en-US" altLang="zh-TW" sz="3200" dirty="0" smtClean="0">
               <a:latin typeface="微軟正黑體" pitchFamily="34" charset="-120"/>
               <a:ea typeface="微軟正黑體" pitchFamily="34" charset="-120"/>
             </a:endParaRPr>
@@ -24479,13 +24676,13 @@
               <a:buChar char="•"/>
             </a:pPr>
             <a:r>
-              <a:rPr lang="zh-TW" altLang="zh-TW" sz="2800" dirty="0" smtClean="0">
+              <a:rPr lang="zh-TW" altLang="zh-TW" sz="3200" dirty="0" smtClean="0">
                 <a:latin typeface="微軟正黑體" pitchFamily="34" charset="-120"/>
                 <a:ea typeface="微軟正黑體" pitchFamily="34" charset="-120"/>
               </a:rPr>
               <a:t>識別手寫數字時，能夠透過形態學運算獲得其骨架資訊，在實際識別時，僅針對其骨架進行運算即可</a:t>
             </a:r>
-            <a:endParaRPr lang="en-US" altLang="zh-TW" sz="2800" dirty="0" smtClean="0">
+            <a:endParaRPr lang="en-US" altLang="zh-TW" sz="3200" dirty="0" smtClean="0">
               <a:latin typeface="微軟正黑體" pitchFamily="34" charset="-120"/>
               <a:ea typeface="微軟正黑體" pitchFamily="34" charset="-120"/>
             </a:endParaRPr>
@@ -24496,13 +24693,13 @@
               <a:buChar char="•"/>
             </a:pPr>
             <a:r>
-              <a:rPr lang="zh-TW" altLang="zh-TW" sz="2800" dirty="0" smtClean="0">
+              <a:rPr lang="zh-TW" altLang="zh-TW" sz="3200" dirty="0" smtClean="0">
                 <a:latin typeface="微軟正黑體" pitchFamily="34" charset="-120"/>
                 <a:ea typeface="微軟正黑體" pitchFamily="34" charset="-120"/>
               </a:rPr>
               <a:t>視覺檢測、文字識別、醫學影像處理、影像壓縮編碼</a:t>
             </a:r>
-            <a:endParaRPr lang="en-US" altLang="zh-TW" sz="2800" dirty="0" smtClean="0">
+            <a:endParaRPr lang="en-US" altLang="zh-TW" sz="3200" dirty="0" smtClean="0">
               <a:latin typeface="微軟正黑體" pitchFamily="34" charset="-120"/>
               <a:ea typeface="微軟正黑體" pitchFamily="34" charset="-120"/>
             </a:endParaRPr>
@@ -24512,7 +24709,7 @@
     </p:spTree>
     <p:extLst>
       <p:ext uri="{BB962C8B-B14F-4D97-AF65-F5344CB8AC3E}">
-        <p14:creationId xmlns:p14="http://schemas.microsoft.com/office/powerpoint/2010/main" xmlns="" val="522405798"/>
+        <p14:creationId xmlns="" xmlns:p14="http://schemas.microsoft.com/office/powerpoint/2010/main" val="522405798"/>
       </p:ext>
     </p:extLst>
   </p:cSld>
@@ -24754,7 +24951,7 @@
     </p:spTree>
     <p:extLst>
       <p:ext uri="{BB962C8B-B14F-4D97-AF65-F5344CB8AC3E}">
-        <p14:creationId xmlns:p14="http://schemas.microsoft.com/office/powerpoint/2010/main" xmlns="" val="522405798"/>
+        <p14:creationId xmlns="" xmlns:p14="http://schemas.microsoft.com/office/powerpoint/2010/main" val="522405798"/>
       </p:ext>
     </p:extLst>
   </p:cSld>
@@ -24993,7 +25190,7 @@
     </p:spTree>
     <p:extLst>
       <p:ext uri="{BB962C8B-B14F-4D97-AF65-F5344CB8AC3E}">
-        <p14:creationId xmlns:p14="http://schemas.microsoft.com/office/powerpoint/2010/main" xmlns="" val="522405798"/>
+        <p14:creationId xmlns="" xmlns:p14="http://schemas.microsoft.com/office/powerpoint/2010/main" val="522405798"/>
       </p:ext>
     </p:extLst>
   </p:cSld>
@@ -25192,7 +25389,7 @@
     </p:spTree>
     <p:extLst>
       <p:ext uri="{BB962C8B-B14F-4D97-AF65-F5344CB8AC3E}">
-        <p14:creationId xmlns:p14="http://schemas.microsoft.com/office/powerpoint/2010/main" xmlns="" val="522405798"/>
+        <p14:creationId xmlns="" xmlns:p14="http://schemas.microsoft.com/office/powerpoint/2010/main" val="522405798"/>
       </p:ext>
     </p:extLst>
   </p:cSld>
@@ -25400,7 +25597,7 @@
     </p:spTree>
     <p:extLst>
       <p:ext uri="{BB962C8B-B14F-4D97-AF65-F5344CB8AC3E}">
-        <p14:creationId xmlns:p14="http://schemas.microsoft.com/office/powerpoint/2010/main" xmlns="" val="522405798"/>
+        <p14:creationId xmlns="" xmlns:p14="http://schemas.microsoft.com/office/powerpoint/2010/main" val="522405798"/>
       </p:ext>
     </p:extLst>
   </p:cSld>
@@ -25532,7 +25729,7 @@
     </p:spTree>
     <p:extLst>
       <p:ext uri="{BB962C8B-B14F-4D97-AF65-F5344CB8AC3E}">
-        <p14:creationId xmlns:p14="http://schemas.microsoft.com/office/powerpoint/2010/main" xmlns="" val="522405798"/>
+        <p14:creationId xmlns="" xmlns:p14="http://schemas.microsoft.com/office/powerpoint/2010/main" val="522405798"/>
       </p:ext>
     </p:extLst>
   </p:cSld>
@@ -25725,7 +25922,7 @@
     </p:spTree>
     <p:extLst>
       <p:ext uri="{BB962C8B-B14F-4D97-AF65-F5344CB8AC3E}">
-        <p14:creationId xmlns:p14="http://schemas.microsoft.com/office/powerpoint/2010/main" xmlns="" val="522405798"/>
+        <p14:creationId xmlns="" xmlns:p14="http://schemas.microsoft.com/office/powerpoint/2010/main" val="522405798"/>
       </p:ext>
     </p:extLst>
   </p:cSld>
@@ -25907,7 +26104,7 @@
     </p:spTree>
     <p:extLst>
       <p:ext uri="{BB962C8B-B14F-4D97-AF65-F5344CB8AC3E}">
-        <p14:creationId xmlns:p14="http://schemas.microsoft.com/office/powerpoint/2010/main" xmlns="" val="522405798"/>
+        <p14:creationId xmlns="" xmlns:p14="http://schemas.microsoft.com/office/powerpoint/2010/main" val="522405798"/>
       </p:ext>
     </p:extLst>
   </p:cSld>
@@ -26039,7 +26236,7 @@
     </p:spTree>
     <p:extLst>
       <p:ext uri="{BB962C8B-B14F-4D97-AF65-F5344CB8AC3E}">
-        <p14:creationId xmlns:p14="http://schemas.microsoft.com/office/powerpoint/2010/main" xmlns="" val="522405798"/>
+        <p14:creationId xmlns="" xmlns:p14="http://schemas.microsoft.com/office/powerpoint/2010/main" val="522405798"/>
       </p:ext>
     </p:extLst>
   </p:cSld>
@@ -26203,7 +26400,7 @@
     </p:spTree>
     <p:extLst>
       <p:ext uri="{BB962C8B-B14F-4D97-AF65-F5344CB8AC3E}">
-        <p14:creationId xmlns:p14="http://schemas.microsoft.com/office/powerpoint/2010/main" xmlns="" val="522405798"/>
+        <p14:creationId xmlns="" xmlns:p14="http://schemas.microsoft.com/office/powerpoint/2010/main" val="522405798"/>
       </p:ext>
     </p:extLst>
   </p:cSld>
@@ -26367,7 +26564,7 @@
     </p:spTree>
     <p:extLst>
       <p:ext uri="{BB962C8B-B14F-4D97-AF65-F5344CB8AC3E}">
-        <p14:creationId xmlns:p14="http://schemas.microsoft.com/office/powerpoint/2010/main" xmlns="" val="522405798"/>
+        <p14:creationId xmlns="" xmlns:p14="http://schemas.microsoft.com/office/powerpoint/2010/main" val="522405798"/>
       </p:ext>
     </p:extLst>
   </p:cSld>
@@ -26531,7 +26728,7 @@
     </p:spTree>
     <p:extLst>
       <p:ext uri="{BB962C8B-B14F-4D97-AF65-F5344CB8AC3E}">
-        <p14:creationId xmlns:p14="http://schemas.microsoft.com/office/powerpoint/2010/main" xmlns="" val="522405798"/>
+        <p14:creationId xmlns="" xmlns:p14="http://schemas.microsoft.com/office/powerpoint/2010/main" val="522405798"/>
       </p:ext>
     </p:extLst>
   </p:cSld>
@@ -26695,7 +26892,7 @@
     </p:spTree>
     <p:extLst>
       <p:ext uri="{BB962C8B-B14F-4D97-AF65-F5344CB8AC3E}">
-        <p14:creationId xmlns:p14="http://schemas.microsoft.com/office/powerpoint/2010/main" xmlns="" val="522405798"/>
+        <p14:creationId xmlns="" xmlns:p14="http://schemas.microsoft.com/office/powerpoint/2010/main" val="522405798"/>
       </p:ext>
     </p:extLst>
   </p:cSld>
@@ -26859,7 +27056,7 @@
     </p:spTree>
     <p:extLst>
       <p:ext uri="{BB962C8B-B14F-4D97-AF65-F5344CB8AC3E}">
-        <p14:creationId xmlns:p14="http://schemas.microsoft.com/office/powerpoint/2010/main" xmlns="" val="522405798"/>
+        <p14:creationId xmlns="" xmlns:p14="http://schemas.microsoft.com/office/powerpoint/2010/main" val="522405798"/>
       </p:ext>
     </p:extLst>
   </p:cSld>
@@ -27041,7 +27238,7 @@
     </p:spTree>
     <p:extLst>
       <p:ext uri="{BB962C8B-B14F-4D97-AF65-F5344CB8AC3E}">
-        <p14:creationId xmlns:p14="http://schemas.microsoft.com/office/powerpoint/2010/main" xmlns="" val="522405798"/>
+        <p14:creationId xmlns="" xmlns:p14="http://schemas.microsoft.com/office/powerpoint/2010/main" val="522405798"/>
       </p:ext>
     </p:extLst>
   </p:cSld>
@@ -27205,7 +27402,7 @@
     </p:spTree>
     <p:extLst>
       <p:ext uri="{BB962C8B-B14F-4D97-AF65-F5344CB8AC3E}">
-        <p14:creationId xmlns:p14="http://schemas.microsoft.com/office/powerpoint/2010/main" xmlns="" val="522405798"/>
+        <p14:creationId xmlns="" xmlns:p14="http://schemas.microsoft.com/office/powerpoint/2010/main" val="522405798"/>
       </p:ext>
     </p:extLst>
   </p:cSld>
@@ -27369,7 +27566,7 @@
     </p:spTree>
     <p:extLst>
       <p:ext uri="{BB962C8B-B14F-4D97-AF65-F5344CB8AC3E}">
-        <p14:creationId xmlns:p14="http://schemas.microsoft.com/office/powerpoint/2010/main" xmlns="" val="522405798"/>
+        <p14:creationId xmlns="" xmlns:p14="http://schemas.microsoft.com/office/powerpoint/2010/main" val="522405798"/>
       </p:ext>
     </p:extLst>
   </p:cSld>
@@ -27533,7 +27730,7 @@
     </p:spTree>
     <p:extLst>
       <p:ext uri="{BB962C8B-B14F-4D97-AF65-F5344CB8AC3E}">
-        <p14:creationId xmlns:p14="http://schemas.microsoft.com/office/powerpoint/2010/main" xmlns="" val="522405798"/>
+        <p14:creationId xmlns="" xmlns:p14="http://schemas.microsoft.com/office/powerpoint/2010/main" val="522405798"/>
       </p:ext>
     </p:extLst>
   </p:cSld>
@@ -27697,7 +27894,7 @@
     </p:spTree>
     <p:extLst>
       <p:ext uri="{BB962C8B-B14F-4D97-AF65-F5344CB8AC3E}">
-        <p14:creationId xmlns:p14="http://schemas.microsoft.com/office/powerpoint/2010/main" xmlns="" val="522405798"/>
+        <p14:creationId xmlns="" xmlns:p14="http://schemas.microsoft.com/office/powerpoint/2010/main" val="522405798"/>
       </p:ext>
     </p:extLst>
   </p:cSld>
@@ -27861,7 +28058,7 @@
     </p:spTree>
     <p:extLst>
       <p:ext uri="{BB962C8B-B14F-4D97-AF65-F5344CB8AC3E}">
-        <p14:creationId xmlns:p14="http://schemas.microsoft.com/office/powerpoint/2010/main" xmlns="" val="522405798"/>
+        <p14:creationId xmlns="" xmlns:p14="http://schemas.microsoft.com/office/powerpoint/2010/main" val="522405798"/>
       </p:ext>
     </p:extLst>
   </p:cSld>
@@ -28025,7 +28222,7 @@
     </p:spTree>
     <p:extLst>
       <p:ext uri="{BB962C8B-B14F-4D97-AF65-F5344CB8AC3E}">
-        <p14:creationId xmlns:p14="http://schemas.microsoft.com/office/powerpoint/2010/main" xmlns="" val="522405798"/>
+        <p14:creationId xmlns="" xmlns:p14="http://schemas.microsoft.com/office/powerpoint/2010/main" val="522405798"/>
       </p:ext>
     </p:extLst>
   </p:cSld>
@@ -28189,7 +28386,7 @@
     </p:spTree>
     <p:extLst>
       <p:ext uri="{BB962C8B-B14F-4D97-AF65-F5344CB8AC3E}">
-        <p14:creationId xmlns:p14="http://schemas.microsoft.com/office/powerpoint/2010/main" xmlns="" val="522405798"/>
+        <p14:creationId xmlns="" xmlns:p14="http://schemas.microsoft.com/office/powerpoint/2010/main" val="522405798"/>
       </p:ext>
     </p:extLst>
   </p:cSld>
@@ -28321,7 +28518,7 @@
     </p:spTree>
     <p:extLst>
       <p:ext uri="{BB962C8B-B14F-4D97-AF65-F5344CB8AC3E}">
-        <p14:creationId xmlns:p14="http://schemas.microsoft.com/office/powerpoint/2010/main" xmlns="" val="522405798"/>
+        <p14:creationId xmlns="" xmlns:p14="http://schemas.microsoft.com/office/powerpoint/2010/main" val="522405798"/>
       </p:ext>
     </p:extLst>
   </p:cSld>
@@ -28398,7 +28595,25 @@
                 <a:ea typeface="微軟正黑體" pitchFamily="34" charset="-120"/>
                 <a:cs typeface="Heiti TC Light"/>
               </a:rPr>
-              <a:t>形態學之膨脹</a:t>
+              <a:t>形態學</a:t>
+            </a:r>
+            <a:r>
+              <a:rPr kumimoji="1" lang="zh-TW" altLang="en-US" sz="4800" b="1" dirty="0" smtClean="0">
+                <a:solidFill>
+                  <a:srgbClr val="FFFF00"/>
+                </a:solidFill>
+                <a:effectLst>
+                  <a:outerShdw blurRad="38100" dist="38100" dir="2700000" algn="tl">
+                    <a:srgbClr val="000000">
+                      <a:alpha val="43137"/>
+                    </a:srgbClr>
+                  </a:outerShdw>
+                </a:effectLst>
+                <a:latin typeface="微軟正黑體" pitchFamily="34" charset="-120"/>
+                <a:ea typeface="微軟正黑體" pitchFamily="34" charset="-120"/>
+                <a:cs typeface="Heiti TC Light"/>
+              </a:rPr>
+              <a:t>之腐蝕</a:t>
             </a:r>
             <a:endParaRPr kumimoji="1" lang="en-US" altLang="zh-TW" sz="4800" b="1" dirty="0" smtClean="0">
               <a:solidFill>
@@ -28427,7 +28642,7 @@
         <p:spPr>
           <a:xfrm>
             <a:off x="457200" y="1447800"/>
-            <a:ext cx="8534400" cy="4524315"/>
+            <a:ext cx="8534400" cy="5016758"/>
           </a:xfrm>
           <a:prstGeom prst="rect">
             <a:avLst/>
@@ -28440,131 +28655,274 @@
           </a:bodyPr>
           <a:lstStyle/>
           <a:p>
-            <a:pPr marL="446088" indent="-446088">
+            <a:r>
+              <a:rPr lang="en-US" altLang="zh-TW" sz="3200" dirty="0" err="1" smtClean="0">
+                <a:latin typeface="微軟正黑體" pitchFamily="34" charset="-120"/>
+                <a:ea typeface="微軟正黑體" pitchFamily="34" charset="-120"/>
+              </a:rPr>
+              <a:t>dst</a:t>
+            </a:r>
+            <a:r>
+              <a:rPr lang="en-US" altLang="zh-TW" sz="3200" dirty="0" smtClean="0">
+                <a:latin typeface="微軟正黑體" pitchFamily="34" charset="-120"/>
+                <a:ea typeface="微軟正黑體" pitchFamily="34" charset="-120"/>
+              </a:rPr>
+              <a:t> = </a:t>
+            </a:r>
+            <a:r>
+              <a:rPr lang="en-US" altLang="zh-TW" sz="3200" dirty="0" smtClean="0">
+                <a:latin typeface="微軟正黑體" pitchFamily="34" charset="-120"/>
+                <a:ea typeface="微軟正黑體" pitchFamily="34" charset="-120"/>
+              </a:rPr>
+              <a:t>cv2.erode( </a:t>
+            </a:r>
+            <a:r>
+              <a:rPr lang="en-US" altLang="zh-TW" sz="3200" dirty="0" err="1" smtClean="0">
+                <a:latin typeface="微軟正黑體" pitchFamily="34" charset="-120"/>
+                <a:ea typeface="微軟正黑體" pitchFamily="34" charset="-120"/>
+              </a:rPr>
+              <a:t>src</a:t>
+            </a:r>
+            <a:r>
+              <a:rPr lang="en-US" altLang="zh-TW" sz="3200" dirty="0" smtClean="0">
+                <a:latin typeface="微軟正黑體" pitchFamily="34" charset="-120"/>
+                <a:ea typeface="微軟正黑體" pitchFamily="34" charset="-120"/>
+              </a:rPr>
+              <a:t>, kernel[, anchor[, iterations[, </a:t>
+            </a:r>
+            <a:r>
+              <a:rPr lang="en-US" altLang="zh-TW" sz="3200" dirty="0" err="1" smtClean="0">
+                <a:latin typeface="微軟正黑體" pitchFamily="34" charset="-120"/>
+                <a:ea typeface="微軟正黑體" pitchFamily="34" charset="-120"/>
+              </a:rPr>
+              <a:t>borderType</a:t>
+            </a:r>
+            <a:r>
+              <a:rPr lang="en-US" altLang="zh-TW" sz="3200" dirty="0" smtClean="0">
+                <a:latin typeface="微軟正黑體" pitchFamily="34" charset="-120"/>
+                <a:ea typeface="微軟正黑體" pitchFamily="34" charset="-120"/>
+              </a:rPr>
+              <a:t>[, </a:t>
+            </a:r>
+            <a:r>
+              <a:rPr lang="en-US" altLang="zh-TW" sz="3200" dirty="0" err="1" smtClean="0">
+                <a:latin typeface="微軟正黑體" pitchFamily="34" charset="-120"/>
+                <a:ea typeface="微軟正黑體" pitchFamily="34" charset="-120"/>
+              </a:rPr>
+              <a:t>borderValue</a:t>
+            </a:r>
+            <a:r>
+              <a:rPr lang="en-US" altLang="zh-TW" sz="3200" dirty="0" smtClean="0">
+                <a:latin typeface="微軟正黑體" pitchFamily="34" charset="-120"/>
+                <a:ea typeface="微軟正黑體" pitchFamily="34" charset="-120"/>
+              </a:rPr>
+              <a:t>]]]])</a:t>
+            </a:r>
+          </a:p>
+          <a:p>
+            <a:endParaRPr lang="en-US" altLang="zh-TW" sz="3200" dirty="0" smtClean="0">
+              <a:latin typeface="微軟正黑體" pitchFamily="34" charset="-120"/>
+              <a:ea typeface="微軟正黑體" pitchFamily="34" charset="-120"/>
+            </a:endParaRPr>
+          </a:p>
+          <a:p>
+            <a:pPr marL="271463" indent="-271463">
               <a:buFont typeface="Arial" pitchFamily="34" charset="0"/>
               <a:buChar char="•"/>
             </a:pPr>
             <a:r>
-              <a:rPr lang="zh-TW" altLang="zh-TW" sz="3600" dirty="0" smtClean="0">
-                <a:latin typeface="微軟正黑體" pitchFamily="34" charset="-120"/>
-                <a:ea typeface="微軟正黑體" pitchFamily="34" charset="-120"/>
-              </a:rPr>
-              <a:t>能夠將影像的邊界點</a:t>
-            </a:r>
-            <a:r>
-              <a:rPr lang="zh-TW" altLang="en-US" sz="3600" dirty="0" smtClean="0">
-                <a:latin typeface="微軟正黑體" pitchFamily="34" charset="-120"/>
-                <a:ea typeface="微軟正黑體" pitchFamily="34" charset="-120"/>
-              </a:rPr>
-              <a:t>放大</a:t>
-            </a:r>
-            <a:r>
-              <a:rPr lang="zh-TW" altLang="zh-TW" sz="3600" dirty="0" smtClean="0">
-                <a:latin typeface="微軟正黑體" pitchFamily="34" charset="-120"/>
-                <a:ea typeface="微軟正黑體" pitchFamily="34" charset="-120"/>
-              </a:rPr>
-              <a:t>，使影像沿著邊界向內</a:t>
-            </a:r>
-            <a:r>
-              <a:rPr lang="zh-TW" altLang="en-US" sz="3600" dirty="0" smtClean="0">
-                <a:latin typeface="微軟正黑體" pitchFamily="34" charset="-120"/>
-                <a:ea typeface="微軟正黑體" pitchFamily="34" charset="-120"/>
-              </a:rPr>
-              <a:t>放大</a:t>
-            </a:r>
-            <a:endParaRPr lang="en-US" altLang="zh-TW" sz="3600" dirty="0" smtClean="0">
+              <a:rPr lang="en-US" altLang="zh-TW" sz="3200" dirty="0" err="1" smtClean="0">
+                <a:latin typeface="微軟正黑體" pitchFamily="34" charset="-120"/>
+                <a:ea typeface="微軟正黑體" pitchFamily="34" charset="-120"/>
+              </a:rPr>
+              <a:t>dst</a:t>
+            </a:r>
+            <a:r>
+              <a:rPr lang="zh-TW" altLang="en-US" sz="3200" dirty="0" smtClean="0">
+                <a:latin typeface="微軟正黑體" pitchFamily="34" charset="-120"/>
+                <a:ea typeface="微軟正黑體" pitchFamily="34" charset="-120"/>
+              </a:rPr>
+              <a:t>腐蝕</a:t>
+            </a:r>
+            <a:r>
+              <a:rPr lang="zh-TW" altLang="zh-TW" sz="3200" dirty="0" smtClean="0">
+                <a:latin typeface="微軟正黑體" pitchFamily="34" charset="-120"/>
+                <a:ea typeface="微軟正黑體" pitchFamily="34" charset="-120"/>
+              </a:rPr>
+              <a:t>後</a:t>
+            </a:r>
+            <a:r>
+              <a:rPr lang="zh-TW" altLang="zh-TW" sz="3200" dirty="0" smtClean="0">
+                <a:latin typeface="微軟正黑體" pitchFamily="34" charset="-120"/>
+                <a:ea typeface="微軟正黑體" pitchFamily="34" charset="-120"/>
+              </a:rPr>
+              <a:t>輸出目標圖，</a:t>
+            </a:r>
+            <a:r>
+              <a:rPr lang="zh-TW" altLang="en-US" sz="3200" dirty="0" smtClean="0">
+                <a:latin typeface="微軟正黑體" pitchFamily="34" charset="-120"/>
+                <a:ea typeface="微軟正黑體" pitchFamily="34" charset="-120"/>
+              </a:rPr>
+              <a:t>和</a:t>
+            </a:r>
+            <a:r>
+              <a:rPr lang="zh-TW" altLang="zh-TW" sz="3200" dirty="0" smtClean="0">
+                <a:latin typeface="微軟正黑體" pitchFamily="34" charset="-120"/>
+                <a:ea typeface="微軟正黑體" pitchFamily="34" charset="-120"/>
+              </a:rPr>
+              <a:t>原始</a:t>
+            </a:r>
+            <a:r>
+              <a:rPr lang="zh-TW" altLang="en-US" sz="3200" dirty="0" smtClean="0">
+                <a:latin typeface="微軟正黑體" pitchFamily="34" charset="-120"/>
+                <a:ea typeface="微軟正黑體" pitchFamily="34" charset="-120"/>
+              </a:rPr>
+              <a:t>圖</a:t>
+            </a:r>
+            <a:r>
+              <a:rPr lang="zh-TW" altLang="zh-TW" sz="3200" dirty="0" smtClean="0">
+                <a:latin typeface="微軟正黑體" pitchFamily="34" charset="-120"/>
+                <a:ea typeface="微軟正黑體" pitchFamily="34" charset="-120"/>
+              </a:rPr>
+              <a:t>具同樣的類型和大小</a:t>
+            </a:r>
+          </a:p>
+          <a:p>
+            <a:pPr marL="271463" indent="-271463">
+              <a:buFont typeface="Arial" pitchFamily="34" charset="0"/>
+              <a:buChar char="•"/>
+            </a:pPr>
+            <a:r>
+              <a:rPr lang="en-US" altLang="zh-TW" sz="3200" dirty="0" err="1" smtClean="0">
+                <a:latin typeface="微軟正黑體" pitchFamily="34" charset="-120"/>
+                <a:ea typeface="微軟正黑體" pitchFamily="34" charset="-120"/>
+              </a:rPr>
+              <a:t>src</a:t>
+            </a:r>
+            <a:r>
+              <a:rPr lang="zh-TW" altLang="zh-TW" sz="3200" dirty="0" smtClean="0">
+                <a:latin typeface="微軟正黑體" pitchFamily="34" charset="-120"/>
+                <a:ea typeface="微軟正黑體" pitchFamily="34" charset="-120"/>
+              </a:rPr>
+              <a:t>代表需要</a:t>
+            </a:r>
+            <a:r>
+              <a:rPr lang="zh-TW" altLang="zh-TW" sz="3200" dirty="0" smtClean="0">
+                <a:latin typeface="微軟正黑體" pitchFamily="34" charset="-120"/>
+                <a:ea typeface="微軟正黑體" pitchFamily="34" charset="-120"/>
+              </a:rPr>
+              <a:t>進行</a:t>
+            </a:r>
+            <a:r>
+              <a:rPr lang="zh-TW" altLang="en-US" sz="3200" dirty="0" smtClean="0">
+                <a:latin typeface="微軟正黑體" pitchFamily="34" charset="-120"/>
+                <a:ea typeface="微軟正黑體" pitchFamily="34" charset="-120"/>
+              </a:rPr>
+              <a:t>腐蝕</a:t>
+            </a:r>
+            <a:r>
+              <a:rPr lang="zh-TW" altLang="zh-TW" sz="3200" dirty="0" smtClean="0">
+                <a:latin typeface="微軟正黑體" pitchFamily="34" charset="-120"/>
+                <a:ea typeface="微軟正黑體" pitchFamily="34" charset="-120"/>
+              </a:rPr>
+              <a:t>操作</a:t>
+            </a:r>
+            <a:r>
+              <a:rPr lang="zh-TW" altLang="zh-TW" sz="3200" dirty="0" smtClean="0">
+                <a:latin typeface="微軟正黑體" pitchFamily="34" charset="-120"/>
+                <a:ea typeface="微軟正黑體" pitchFamily="34" charset="-120"/>
+              </a:rPr>
+              <a:t>的原始影像</a:t>
+            </a:r>
+          </a:p>
+          <a:p>
+            <a:pPr marL="271463" indent="-271463">
+              <a:buFont typeface="Arial" pitchFamily="34" charset="0"/>
+              <a:buChar char="•"/>
+            </a:pPr>
+            <a:r>
+              <a:rPr lang="en-US" altLang="zh-TW" sz="3200" dirty="0" smtClean="0">
+                <a:latin typeface="微軟正黑體" pitchFamily="34" charset="-120"/>
+                <a:ea typeface="微軟正黑體" pitchFamily="34" charset="-120"/>
+              </a:rPr>
+              <a:t>element </a:t>
+            </a:r>
+            <a:r>
+              <a:rPr lang="zh-TW" altLang="zh-TW" sz="3200" dirty="0" smtClean="0">
+                <a:latin typeface="微軟正黑體" pitchFamily="34" charset="-120"/>
+                <a:ea typeface="微軟正黑體" pitchFamily="34" charset="-120"/>
+              </a:rPr>
+              <a:t>代表</a:t>
+            </a:r>
+            <a:r>
+              <a:rPr lang="zh-TW" altLang="en-US" sz="3200" dirty="0" smtClean="0">
+                <a:latin typeface="微軟正黑體" pitchFamily="34" charset="-120"/>
+                <a:ea typeface="微軟正黑體" pitchFamily="34" charset="-120"/>
+              </a:rPr>
+              <a:t>腐蝕</a:t>
+            </a:r>
+            <a:r>
+              <a:rPr lang="zh-TW" altLang="zh-TW" sz="3200" dirty="0" smtClean="0">
+                <a:latin typeface="微軟正黑體" pitchFamily="34" charset="-120"/>
+                <a:ea typeface="微軟正黑體" pitchFamily="34" charset="-120"/>
+              </a:rPr>
+              <a:t>操作</a:t>
+            </a:r>
+            <a:r>
+              <a:rPr lang="zh-TW" altLang="zh-TW" sz="3200" dirty="0" smtClean="0">
+                <a:latin typeface="微軟正黑體" pitchFamily="34" charset="-120"/>
+                <a:ea typeface="微軟正黑體" pitchFamily="34" charset="-120"/>
+              </a:rPr>
+              <a:t>所採用的結構類型</a:t>
+            </a:r>
+            <a:endParaRPr lang="en-US" altLang="zh-TW" sz="3200" dirty="0" smtClean="0">
               <a:latin typeface="微軟正黑體" pitchFamily="34" charset="-120"/>
               <a:ea typeface="微軟正黑體" pitchFamily="34" charset="-120"/>
             </a:endParaRPr>
           </a:p>
           <a:p>
-            <a:pPr marL="446088" indent="-446088">
+            <a:pPr marL="271463" indent="-271463">
               <a:buFont typeface="Arial" pitchFamily="34" charset="0"/>
               <a:buChar char="•"/>
             </a:pPr>
             <a:r>
-              <a:rPr lang="zh-TW" altLang="zh-TW" sz="3600" dirty="0" smtClean="0">
-                <a:latin typeface="微軟正黑體" pitchFamily="34" charset="-120"/>
-                <a:ea typeface="微軟正黑體" pitchFamily="34" charset="-120"/>
-              </a:rPr>
-              <a:t>使用一個結構元來一個一個像素地掃描要被</a:t>
-            </a:r>
-            <a:r>
-              <a:rPr lang="zh-TW" altLang="en-US" sz="3600" dirty="0" smtClean="0">
-                <a:latin typeface="微軟正黑體" pitchFamily="34" charset="-120"/>
-                <a:ea typeface="微軟正黑體" pitchFamily="34" charset="-120"/>
-              </a:rPr>
-              <a:t>膨脹</a:t>
-            </a:r>
-            <a:r>
-              <a:rPr lang="zh-TW" altLang="zh-TW" sz="3600" dirty="0" smtClean="0">
-                <a:latin typeface="微軟正黑體" pitchFamily="34" charset="-120"/>
-                <a:ea typeface="微軟正黑體" pitchFamily="34" charset="-120"/>
-              </a:rPr>
-              <a:t>的影像</a:t>
-            </a:r>
-            <a:endParaRPr lang="en-US" altLang="zh-TW" sz="3600" dirty="0" smtClean="0">
+              <a:rPr lang="zh-TW" altLang="zh-TW" sz="3200" dirty="0" smtClean="0">
+                <a:latin typeface="微軟正黑體" pitchFamily="34" charset="-120"/>
+                <a:ea typeface="微軟正黑體" pitchFamily="34" charset="-120"/>
+              </a:rPr>
+              <a:t>它可以自訂產生，也可以透過函數</a:t>
+            </a:r>
+            <a:r>
+              <a:rPr lang="en-US" altLang="zh-TW" sz="3200" dirty="0" smtClean="0">
+                <a:latin typeface="微軟正黑體" pitchFamily="34" charset="-120"/>
+                <a:ea typeface="微軟正黑體" pitchFamily="34" charset="-120"/>
+              </a:rPr>
+              <a:t>cv2.getStructuringElement()</a:t>
+            </a:r>
+            <a:r>
+              <a:rPr lang="zh-TW" altLang="zh-TW" sz="3200" dirty="0" smtClean="0">
+                <a:latin typeface="微軟正黑體" pitchFamily="34" charset="-120"/>
+                <a:ea typeface="微軟正黑體" pitchFamily="34" charset="-120"/>
+              </a:rPr>
+              <a:t>產生</a:t>
+            </a:r>
+            <a:endParaRPr lang="en-US" altLang="zh-TW" sz="3200" dirty="0" smtClean="0">
               <a:latin typeface="微軟正黑體" pitchFamily="34" charset="-120"/>
               <a:ea typeface="微軟正黑體" pitchFamily="34" charset="-120"/>
             </a:endParaRPr>
           </a:p>
           <a:p>
-            <a:pPr marL="446088" indent="-446088">
-              <a:buFont typeface="Arial" pitchFamily="34" charset="0"/>
-              <a:buChar char="•"/>
-            </a:pPr>
-            <a:r>
-              <a:rPr lang="zh-TW" altLang="en-US" sz="3600" dirty="0" smtClean="0">
-                <a:latin typeface="微軟正黑體" pitchFamily="34" charset="-120"/>
-                <a:ea typeface="微軟正黑體" pitchFamily="34" charset="-120"/>
-              </a:rPr>
-              <a:t>結構元有沒有「擊中」某個像素點，</a:t>
-            </a:r>
-            <a:endParaRPr lang="en-US" altLang="zh-TW" sz="3600" dirty="0" smtClean="0">
+            <a:endParaRPr lang="zh-TW" altLang="zh-TW" sz="3200" dirty="0">
               <a:latin typeface="微軟正黑體" pitchFamily="34" charset="-120"/>
               <a:ea typeface="微軟正黑體" pitchFamily="34" charset="-120"/>
             </a:endParaRPr>
           </a:p>
-          <a:p>
-            <a:pPr marL="446088" indent="-446088">
-              <a:buFont typeface="Arial" pitchFamily="34" charset="0"/>
-              <a:buChar char="•"/>
-            </a:pPr>
-            <a:r>
-              <a:rPr lang="zh-TW" altLang="en-US" sz="3600" dirty="0" smtClean="0">
-                <a:latin typeface="微軟正黑體" pitchFamily="34" charset="-120"/>
-                <a:ea typeface="微軟正黑體" pitchFamily="34" charset="-120"/>
-              </a:rPr>
-              <a:t>擊中的意思，就是被覆蓋的影像區域有沒有和結構元一樣的值</a:t>
-            </a:r>
-            <a:endParaRPr lang="en-US" altLang="zh-TW" sz="3600" dirty="0" smtClean="0">
-              <a:latin typeface="微軟正黑體" pitchFamily="34" charset="-120"/>
-              <a:ea typeface="微軟正黑體" pitchFamily="34" charset="-120"/>
-            </a:endParaRPr>
-          </a:p>
-          <a:p>
-            <a:pPr marL="446088" indent="-446088">
-              <a:buFont typeface="Arial" pitchFamily="34" charset="0"/>
-              <a:buChar char="•"/>
-            </a:pPr>
-            <a:r>
-              <a:rPr lang="zh-TW" altLang="en-US" sz="3600" dirty="0" smtClean="0">
-                <a:latin typeface="微軟正黑體" pitchFamily="34" charset="-120"/>
-                <a:ea typeface="微軟正黑體" pitchFamily="34" charset="-120"/>
-              </a:rPr>
-              <a:t>也可用在灰階彩色</a:t>
-            </a:r>
-            <a:endParaRPr lang="en-US" altLang="zh-TW" sz="3600" dirty="0" smtClean="0">
-              <a:latin typeface="微軟正黑體" pitchFamily="34" charset="-120"/>
-              <a:ea typeface="微軟正黑體" pitchFamily="34" charset="-120"/>
-            </a:endParaRPr>
-          </a:p>
         </p:txBody>
       </p:sp>
     </p:spTree>
     <p:extLst>
       <p:ext uri="{BB962C8B-B14F-4D97-AF65-F5344CB8AC3E}">
-        <p14:creationId xmlns:p14="http://schemas.microsoft.com/office/powerpoint/2010/main" xmlns="" val="522405798"/>
+        <p14:creationId xmlns="" xmlns:p14="http://schemas.microsoft.com/office/powerpoint/2010/main" val="522405798"/>
       </p:ext>
     </p:extLst>
   </p:cSld>
@@ -28661,42 +29019,153 @@
           </a:p>
         </p:txBody>
       </p:sp>
-      <p:pic>
-        <p:nvPicPr>
-          <p:cNvPr id="172034" name="Picture 2"/>
-          <p:cNvPicPr>
-            <a:picLocks noChangeAspect="1" noChangeArrowheads="1"/>
-          </p:cNvPicPr>
+      <p:sp>
+        <p:nvSpPr>
+          <p:cNvPr id="5" name="文字方塊 4"/>
+          <p:cNvSpPr txBox="1"/>
           <p:nvPr/>
-        </p:nvPicPr>
-        <p:blipFill>
-          <a:blip r:embed="rId3" cstate="print"/>
-          <a:srcRect/>
-          <a:stretch>
-            <a:fillRect/>
-          </a:stretch>
-        </p:blipFill>
-        <p:spPr bwMode="auto">
+        </p:nvSpPr>
+        <p:spPr>
           <a:xfrm>
-            <a:off x="457200" y="2133600"/>
-            <a:ext cx="8329054" cy="2514600"/>
+            <a:off x="457200" y="1447800"/>
+            <a:ext cx="8534400" cy="4524315"/>
           </a:xfrm>
           <a:prstGeom prst="rect">
             <a:avLst/>
           </a:prstGeom>
           <a:noFill/>
-          <a:ln w="9525">
-            <a:noFill/>
-            <a:miter lim="800000"/>
-            <a:headEnd/>
-            <a:tailEnd/>
-          </a:ln>
         </p:spPr>
-      </p:pic>
+        <p:txBody>
+          <a:bodyPr wrap="square" rtlCol="0">
+            <a:spAutoFit/>
+          </a:bodyPr>
+          <a:lstStyle/>
+          <a:p>
+            <a:pPr marL="446088" indent="-446088">
+              <a:buFont typeface="Arial" pitchFamily="34" charset="0"/>
+              <a:buChar char="•"/>
+            </a:pPr>
+            <a:r>
+              <a:rPr lang="zh-TW" altLang="zh-TW" sz="3600" dirty="0" smtClean="0">
+                <a:latin typeface="微軟正黑體" pitchFamily="34" charset="-120"/>
+                <a:ea typeface="微軟正黑體" pitchFamily="34" charset="-120"/>
+              </a:rPr>
+              <a:t>能夠將影像的邊界點</a:t>
+            </a:r>
+            <a:r>
+              <a:rPr lang="zh-TW" altLang="en-US" sz="3600" dirty="0" smtClean="0">
+                <a:latin typeface="微軟正黑體" pitchFamily="34" charset="-120"/>
+                <a:ea typeface="微軟正黑體" pitchFamily="34" charset="-120"/>
+              </a:rPr>
+              <a:t>放大</a:t>
+            </a:r>
+            <a:r>
+              <a:rPr lang="zh-TW" altLang="zh-TW" sz="3600" dirty="0" smtClean="0">
+                <a:latin typeface="微軟正黑體" pitchFamily="34" charset="-120"/>
+                <a:ea typeface="微軟正黑體" pitchFamily="34" charset="-120"/>
+              </a:rPr>
+              <a:t>，使影像沿著邊界向內</a:t>
+            </a:r>
+            <a:r>
+              <a:rPr lang="zh-TW" altLang="en-US" sz="3600" dirty="0" smtClean="0">
+                <a:latin typeface="微軟正黑體" pitchFamily="34" charset="-120"/>
+                <a:ea typeface="微軟正黑體" pitchFamily="34" charset="-120"/>
+              </a:rPr>
+              <a:t>放大</a:t>
+            </a:r>
+            <a:endParaRPr lang="en-US" altLang="zh-TW" sz="3600" dirty="0" smtClean="0">
+              <a:latin typeface="微軟正黑體" pitchFamily="34" charset="-120"/>
+              <a:ea typeface="微軟正黑體" pitchFamily="34" charset="-120"/>
+            </a:endParaRPr>
+          </a:p>
+          <a:p>
+            <a:pPr marL="446088" indent="-446088">
+              <a:buFont typeface="Arial" pitchFamily="34" charset="0"/>
+              <a:buChar char="•"/>
+            </a:pPr>
+            <a:r>
+              <a:rPr lang="zh-TW" altLang="zh-TW" sz="3600" dirty="0" smtClean="0">
+                <a:latin typeface="微軟正黑體" pitchFamily="34" charset="-120"/>
+                <a:ea typeface="微軟正黑體" pitchFamily="34" charset="-120"/>
+              </a:rPr>
+              <a:t>使用一個結構元來一個一個像素地掃描要被</a:t>
+            </a:r>
+            <a:r>
+              <a:rPr lang="zh-TW" altLang="en-US" sz="3600" dirty="0" smtClean="0">
+                <a:latin typeface="微軟正黑體" pitchFamily="34" charset="-120"/>
+                <a:ea typeface="微軟正黑體" pitchFamily="34" charset="-120"/>
+              </a:rPr>
+              <a:t>膨脹</a:t>
+            </a:r>
+            <a:r>
+              <a:rPr lang="zh-TW" altLang="zh-TW" sz="3600" dirty="0" smtClean="0">
+                <a:latin typeface="微軟正黑體" pitchFamily="34" charset="-120"/>
+                <a:ea typeface="微軟正黑體" pitchFamily="34" charset="-120"/>
+              </a:rPr>
+              <a:t>的影像</a:t>
+            </a:r>
+            <a:endParaRPr lang="en-US" altLang="zh-TW" sz="3600" dirty="0" smtClean="0">
+              <a:latin typeface="微軟正黑體" pitchFamily="34" charset="-120"/>
+              <a:ea typeface="微軟正黑體" pitchFamily="34" charset="-120"/>
+            </a:endParaRPr>
+          </a:p>
+          <a:p>
+            <a:pPr marL="446088" indent="-446088">
+              <a:buFont typeface="Arial" pitchFamily="34" charset="0"/>
+              <a:buChar char="•"/>
+            </a:pPr>
+            <a:r>
+              <a:rPr lang="zh-TW" altLang="en-US" sz="3600" dirty="0" smtClean="0">
+                <a:latin typeface="微軟正黑體" pitchFamily="34" charset="-120"/>
+                <a:ea typeface="微軟正黑體" pitchFamily="34" charset="-120"/>
+              </a:rPr>
+              <a:t>結構元有沒有「擊中」某個像素點，</a:t>
+            </a:r>
+            <a:endParaRPr lang="en-US" altLang="zh-TW" sz="3600" dirty="0" smtClean="0">
+              <a:latin typeface="微軟正黑體" pitchFamily="34" charset="-120"/>
+              <a:ea typeface="微軟正黑體" pitchFamily="34" charset="-120"/>
+            </a:endParaRPr>
+          </a:p>
+          <a:p>
+            <a:pPr marL="446088" indent="-446088">
+              <a:buFont typeface="Arial" pitchFamily="34" charset="0"/>
+              <a:buChar char="•"/>
+            </a:pPr>
+            <a:r>
+              <a:rPr lang="zh-TW" altLang="en-US" sz="3600" dirty="0" smtClean="0">
+                <a:latin typeface="微軟正黑體" pitchFamily="34" charset="-120"/>
+                <a:ea typeface="微軟正黑體" pitchFamily="34" charset="-120"/>
+              </a:rPr>
+              <a:t>擊中的意思，就是被覆蓋的影像區域有沒有和結構元一樣的值</a:t>
+            </a:r>
+            <a:endParaRPr lang="en-US" altLang="zh-TW" sz="3600" dirty="0" smtClean="0">
+              <a:latin typeface="微軟正黑體" pitchFamily="34" charset="-120"/>
+              <a:ea typeface="微軟正黑體" pitchFamily="34" charset="-120"/>
+            </a:endParaRPr>
+          </a:p>
+          <a:p>
+            <a:pPr marL="446088" indent="-446088">
+              <a:buFont typeface="Arial" pitchFamily="34" charset="0"/>
+              <a:buChar char="•"/>
+            </a:pPr>
+            <a:r>
+              <a:rPr lang="zh-TW" altLang="en-US" sz="3600" dirty="0" smtClean="0">
+                <a:latin typeface="微軟正黑體" pitchFamily="34" charset="-120"/>
+                <a:ea typeface="微軟正黑體" pitchFamily="34" charset="-120"/>
+              </a:rPr>
+              <a:t>也可用在灰階彩色</a:t>
+            </a:r>
+            <a:endParaRPr lang="en-US" altLang="zh-TW" sz="3600" dirty="0" smtClean="0">
+              <a:latin typeface="微軟正黑體" pitchFamily="34" charset="-120"/>
+              <a:ea typeface="微軟正黑體" pitchFamily="34" charset="-120"/>
+            </a:endParaRPr>
+          </a:p>
+        </p:txBody>
+      </p:sp>
     </p:spTree>
     <p:extLst>
       <p:ext uri="{BB962C8B-B14F-4D97-AF65-F5344CB8AC3E}">
-        <p14:creationId xmlns:p14="http://schemas.microsoft.com/office/powerpoint/2010/main" xmlns="" val="522405798"/>
+        <p14:creationId xmlns="" xmlns:p14="http://schemas.microsoft.com/office/powerpoint/2010/main" val="522405798"/>
       </p:ext>
     </p:extLst>
   </p:cSld>
@@ -28846,7 +29315,7 @@
     </p:spTree>
     <p:extLst>
       <p:ext uri="{BB962C8B-B14F-4D97-AF65-F5344CB8AC3E}">
-        <p14:creationId xmlns:p14="http://schemas.microsoft.com/office/powerpoint/2010/main" xmlns="" val="522405798"/>
+        <p14:creationId xmlns="" xmlns:p14="http://schemas.microsoft.com/office/powerpoint/2010/main" val="522405798"/>
       </p:ext>
     </p:extLst>
   </p:cSld>
@@ -28943,226 +29412,42 @@
           </a:p>
         </p:txBody>
       </p:sp>
-      <p:sp>
-        <p:nvSpPr>
-          <p:cNvPr id="5" name="文字方塊 4"/>
-          <p:cNvSpPr txBox="1"/>
+      <p:pic>
+        <p:nvPicPr>
+          <p:cNvPr id="172034" name="Picture 2"/>
+          <p:cNvPicPr>
+            <a:picLocks noChangeAspect="1" noChangeArrowheads="1"/>
+          </p:cNvPicPr>
           <p:nvPr/>
-        </p:nvSpPr>
-        <p:spPr>
+        </p:nvPicPr>
+        <p:blipFill>
+          <a:blip r:embed="rId3" cstate="print"/>
+          <a:srcRect/>
+          <a:stretch>
+            <a:fillRect/>
+          </a:stretch>
+        </p:blipFill>
+        <p:spPr bwMode="auto">
           <a:xfrm>
-            <a:off x="457200" y="1447800"/>
-            <a:ext cx="8534400" cy="5016758"/>
+            <a:off x="457200" y="2133600"/>
+            <a:ext cx="8329054" cy="2514600"/>
           </a:xfrm>
           <a:prstGeom prst="rect">
             <a:avLst/>
           </a:prstGeom>
           <a:noFill/>
+          <a:ln w="9525">
+            <a:noFill/>
+            <a:miter lim="800000"/>
+            <a:headEnd/>
+            <a:tailEnd/>
+          </a:ln>
         </p:spPr>
-        <p:txBody>
-          <a:bodyPr wrap="square" rtlCol="0">
-            <a:spAutoFit/>
-          </a:bodyPr>
-          <a:lstStyle/>
-          <a:p>
-            <a:r>
-              <a:rPr lang="en-US" altLang="zh-TW" sz="3200" dirty="0" err="1" smtClean="0">
-                <a:latin typeface="微軟正黑體" pitchFamily="34" charset="-120"/>
-                <a:ea typeface="微軟正黑體" pitchFamily="34" charset="-120"/>
-              </a:rPr>
-              <a:t>dst</a:t>
-            </a:r>
-            <a:r>
-              <a:rPr lang="en-US" altLang="zh-TW" sz="3200" dirty="0" smtClean="0">
-                <a:latin typeface="微軟正黑體" pitchFamily="34" charset="-120"/>
-                <a:ea typeface="微軟正黑體" pitchFamily="34" charset="-120"/>
-              </a:rPr>
-              <a:t> = cv2.dilate( </a:t>
-            </a:r>
-            <a:r>
-              <a:rPr lang="en-US" altLang="zh-TW" sz="3200" dirty="0" err="1" smtClean="0">
-                <a:latin typeface="微軟正黑體" pitchFamily="34" charset="-120"/>
-                <a:ea typeface="微軟正黑體" pitchFamily="34" charset="-120"/>
-              </a:rPr>
-              <a:t>src</a:t>
-            </a:r>
-            <a:r>
-              <a:rPr lang="en-US" altLang="zh-TW" sz="3200" dirty="0" smtClean="0">
-                <a:latin typeface="微軟正黑體" pitchFamily="34" charset="-120"/>
-                <a:ea typeface="微軟正黑體" pitchFamily="34" charset="-120"/>
-              </a:rPr>
-              <a:t>, kernel[, anchor[, iterations[, </a:t>
-            </a:r>
-            <a:r>
-              <a:rPr lang="en-US" altLang="zh-TW" sz="3200" dirty="0" err="1" smtClean="0">
-                <a:latin typeface="微軟正黑體" pitchFamily="34" charset="-120"/>
-                <a:ea typeface="微軟正黑體" pitchFamily="34" charset="-120"/>
-              </a:rPr>
-              <a:t>borderType</a:t>
-            </a:r>
-            <a:r>
-              <a:rPr lang="en-US" altLang="zh-TW" sz="3200" dirty="0" smtClean="0">
-                <a:latin typeface="微軟正黑體" pitchFamily="34" charset="-120"/>
-                <a:ea typeface="微軟正黑體" pitchFamily="34" charset="-120"/>
-              </a:rPr>
-              <a:t>[, </a:t>
-            </a:r>
-            <a:r>
-              <a:rPr lang="en-US" altLang="zh-TW" sz="3200" dirty="0" err="1" smtClean="0">
-                <a:latin typeface="微軟正黑體" pitchFamily="34" charset="-120"/>
-                <a:ea typeface="微軟正黑體" pitchFamily="34" charset="-120"/>
-              </a:rPr>
-              <a:t>borderValue</a:t>
-            </a:r>
-            <a:r>
-              <a:rPr lang="en-US" altLang="zh-TW" sz="3200" dirty="0" smtClean="0">
-                <a:latin typeface="微軟正黑體" pitchFamily="34" charset="-120"/>
-                <a:ea typeface="微軟正黑體" pitchFamily="34" charset="-120"/>
-              </a:rPr>
-              <a:t>]]]])</a:t>
-            </a:r>
-          </a:p>
-          <a:p>
-            <a:endParaRPr lang="en-US" altLang="zh-TW" sz="3200" dirty="0" smtClean="0">
-              <a:latin typeface="微軟正黑體" pitchFamily="34" charset="-120"/>
-              <a:ea typeface="微軟正黑體" pitchFamily="34" charset="-120"/>
-            </a:endParaRPr>
-          </a:p>
-          <a:p>
-            <a:pPr marL="271463" indent="-271463">
-              <a:buFont typeface="Arial" pitchFamily="34" charset="0"/>
-              <a:buChar char="•"/>
-            </a:pPr>
-            <a:r>
-              <a:rPr lang="en-US" altLang="zh-TW" sz="3200" dirty="0" err="1" smtClean="0">
-                <a:latin typeface="微軟正黑體" pitchFamily="34" charset="-120"/>
-                <a:ea typeface="微軟正黑體" pitchFamily="34" charset="-120"/>
-              </a:rPr>
-              <a:t>dst</a:t>
-            </a:r>
-            <a:r>
-              <a:rPr lang="zh-TW" altLang="zh-TW" sz="3200" dirty="0" smtClean="0">
-                <a:latin typeface="微軟正黑體" pitchFamily="34" charset="-120"/>
-                <a:ea typeface="微軟正黑體" pitchFamily="34" charset="-120"/>
-              </a:rPr>
-              <a:t>膨脹後輸出目標圖，</a:t>
-            </a:r>
-            <a:r>
-              <a:rPr lang="zh-TW" altLang="en-US" sz="3200" dirty="0" smtClean="0">
-                <a:latin typeface="微軟正黑體" pitchFamily="34" charset="-120"/>
-                <a:ea typeface="微軟正黑體" pitchFamily="34" charset="-120"/>
-              </a:rPr>
-              <a:t>和</a:t>
-            </a:r>
-            <a:r>
-              <a:rPr lang="zh-TW" altLang="zh-TW" sz="3200" dirty="0" smtClean="0">
-                <a:latin typeface="微軟正黑體" pitchFamily="34" charset="-120"/>
-                <a:ea typeface="微軟正黑體" pitchFamily="34" charset="-120"/>
-              </a:rPr>
-              <a:t>原始</a:t>
-            </a:r>
-            <a:r>
-              <a:rPr lang="zh-TW" altLang="en-US" sz="3200" dirty="0" smtClean="0">
-                <a:latin typeface="微軟正黑體" pitchFamily="34" charset="-120"/>
-                <a:ea typeface="微軟正黑體" pitchFamily="34" charset="-120"/>
-              </a:rPr>
-              <a:t>圖</a:t>
-            </a:r>
-            <a:r>
-              <a:rPr lang="zh-TW" altLang="zh-TW" sz="3200" dirty="0" smtClean="0">
-                <a:latin typeface="微軟正黑體" pitchFamily="34" charset="-120"/>
-                <a:ea typeface="微軟正黑體" pitchFamily="34" charset="-120"/>
-              </a:rPr>
-              <a:t>具同樣的類型和大小</a:t>
-            </a:r>
-          </a:p>
-          <a:p>
-            <a:pPr marL="271463" indent="-271463">
-              <a:buFont typeface="Arial" pitchFamily="34" charset="0"/>
-              <a:buChar char="•"/>
-            </a:pPr>
-            <a:r>
-              <a:rPr lang="en-US" altLang="zh-TW" sz="3200" dirty="0" err="1" smtClean="0">
-                <a:latin typeface="微軟正黑體" pitchFamily="34" charset="-120"/>
-                <a:ea typeface="微軟正黑體" pitchFamily="34" charset="-120"/>
-              </a:rPr>
-              <a:t>src</a:t>
-            </a:r>
-            <a:r>
-              <a:rPr lang="zh-TW" altLang="zh-TW" sz="3200" dirty="0" smtClean="0">
-                <a:latin typeface="微軟正黑體" pitchFamily="34" charset="-120"/>
-                <a:ea typeface="微軟正黑體" pitchFamily="34" charset="-120"/>
-              </a:rPr>
-              <a:t>代表需要進行膨脹操作的原始影像</a:t>
-            </a:r>
-          </a:p>
-          <a:p>
-            <a:pPr marL="271463" indent="-271463">
-              <a:buFont typeface="Arial" pitchFamily="34" charset="0"/>
-              <a:buChar char="•"/>
-            </a:pPr>
-            <a:r>
-              <a:rPr lang="en-US" altLang="zh-TW" sz="3200" dirty="0" smtClean="0">
-                <a:latin typeface="微軟正黑體" pitchFamily="34" charset="-120"/>
-                <a:ea typeface="微軟正黑體" pitchFamily="34" charset="-120"/>
-              </a:rPr>
-              <a:t>element </a:t>
-            </a:r>
-            <a:r>
-              <a:rPr lang="zh-TW" altLang="zh-TW" sz="3200" dirty="0" smtClean="0">
-                <a:latin typeface="微軟正黑體" pitchFamily="34" charset="-120"/>
-                <a:ea typeface="微軟正黑體" pitchFamily="34" charset="-120"/>
-              </a:rPr>
-              <a:t>代表膨脹操作所採用的結構類型</a:t>
-            </a:r>
-            <a:endParaRPr lang="en-US" altLang="zh-TW" sz="3200" dirty="0" smtClean="0">
-              <a:latin typeface="微軟正黑體" pitchFamily="34" charset="-120"/>
-              <a:ea typeface="微軟正黑體" pitchFamily="34" charset="-120"/>
-            </a:endParaRPr>
-          </a:p>
-          <a:p>
-            <a:pPr marL="271463" indent="-271463">
-              <a:buFont typeface="Arial" pitchFamily="34" charset="0"/>
-              <a:buChar char="•"/>
-            </a:pPr>
-            <a:r>
-              <a:rPr lang="zh-TW" altLang="zh-TW" sz="3200" dirty="0" smtClean="0">
-                <a:latin typeface="微軟正黑體" pitchFamily="34" charset="-120"/>
-                <a:ea typeface="微軟正黑體" pitchFamily="34" charset="-120"/>
-              </a:rPr>
-              <a:t>它可以自訂產生，也可以透過函數</a:t>
-            </a:r>
-            <a:r>
-              <a:rPr lang="en-US" altLang="zh-TW" sz="3200" dirty="0" smtClean="0">
-                <a:latin typeface="微軟正黑體" pitchFamily="34" charset="-120"/>
-                <a:ea typeface="微軟正黑體" pitchFamily="34" charset="-120"/>
-              </a:rPr>
-              <a:t>cv2.getStructuringElement()</a:t>
-            </a:r>
-            <a:r>
-              <a:rPr lang="zh-TW" altLang="zh-TW" sz="3200" dirty="0" smtClean="0">
-                <a:latin typeface="微軟正黑體" pitchFamily="34" charset="-120"/>
-                <a:ea typeface="微軟正黑體" pitchFamily="34" charset="-120"/>
-              </a:rPr>
-              <a:t>產生</a:t>
-            </a:r>
-            <a:endParaRPr lang="en-US" altLang="zh-TW" sz="3200" dirty="0" smtClean="0">
-              <a:latin typeface="微軟正黑體" pitchFamily="34" charset="-120"/>
-              <a:ea typeface="微軟正黑體" pitchFamily="34" charset="-120"/>
-            </a:endParaRPr>
-          </a:p>
-          <a:p>
-            <a:endParaRPr lang="zh-TW" altLang="zh-TW" sz="3200" dirty="0">
-              <a:latin typeface="微軟正黑體" pitchFamily="34" charset="-120"/>
-              <a:ea typeface="微軟正黑體" pitchFamily="34" charset="-120"/>
-            </a:endParaRPr>
-          </a:p>
-        </p:txBody>
-      </p:sp>
+      </p:pic>
     </p:spTree>
     <p:extLst>
       <p:ext uri="{BB962C8B-B14F-4D97-AF65-F5344CB8AC3E}">
-        <p14:creationId xmlns:p14="http://schemas.microsoft.com/office/powerpoint/2010/main" xmlns="" val="522405798"/>
+        <p14:creationId xmlns="" xmlns:p14="http://schemas.microsoft.com/office/powerpoint/2010/main" val="522405798"/>
       </p:ext>
     </p:extLst>
   </p:cSld>
@@ -29209,7 +29494,7 @@
         </p:nvSpPr>
         <p:spPr>
           <a:xfrm>
-            <a:off x="2971800" y="304800"/>
+            <a:off x="2667000" y="304800"/>
             <a:ext cx="5334000" cy="990600"/>
           </a:xfrm>
           <a:prstGeom prst="rect">
@@ -29239,7 +29524,7 @@
                 <a:ea typeface="微軟正黑體" pitchFamily="34" charset="-120"/>
                 <a:cs typeface="Heiti TC Light"/>
               </a:rPr>
-              <a:t>通用形態學</a:t>
+              <a:t>形態學之膨脹</a:t>
             </a:r>
             <a:endParaRPr kumimoji="1" lang="en-US" altLang="zh-TW" sz="4800" b="1" dirty="0" smtClean="0">
               <a:solidFill>
@@ -29267,8 +29552,8 @@
         </p:nvSpPr>
         <p:spPr>
           <a:xfrm>
-            <a:off x="457200" y="1677412"/>
-            <a:ext cx="8534400" cy="3416320"/>
+            <a:off x="457200" y="1447800"/>
+            <a:ext cx="8534400" cy="5016758"/>
           </a:xfrm>
           <a:prstGeom prst="rect">
             <a:avLst/>
@@ -29281,113 +29566,204 @@
           </a:bodyPr>
           <a:lstStyle/>
           <a:p>
-            <a:pPr marL="358775" indent="-358775">
+            <a:r>
+              <a:rPr lang="en-US" altLang="zh-TW" sz="3200" dirty="0" err="1" smtClean="0">
+                <a:latin typeface="微軟正黑體" pitchFamily="34" charset="-120"/>
+                <a:ea typeface="微軟正黑體" pitchFamily="34" charset="-120"/>
+              </a:rPr>
+              <a:t>dst</a:t>
+            </a:r>
+            <a:r>
+              <a:rPr lang="en-US" altLang="zh-TW" sz="3200" dirty="0" smtClean="0">
+                <a:latin typeface="微軟正黑體" pitchFamily="34" charset="-120"/>
+                <a:ea typeface="微軟正黑體" pitchFamily="34" charset="-120"/>
+              </a:rPr>
+              <a:t> = cv2.dilate( </a:t>
+            </a:r>
+            <a:r>
+              <a:rPr lang="en-US" altLang="zh-TW" sz="3200" dirty="0" err="1" smtClean="0">
+                <a:latin typeface="微軟正黑體" pitchFamily="34" charset="-120"/>
+                <a:ea typeface="微軟正黑體" pitchFamily="34" charset="-120"/>
+              </a:rPr>
+              <a:t>src</a:t>
+            </a:r>
+            <a:r>
+              <a:rPr lang="en-US" altLang="zh-TW" sz="3200" dirty="0" smtClean="0">
+                <a:latin typeface="微軟正黑體" pitchFamily="34" charset="-120"/>
+                <a:ea typeface="微軟正黑體" pitchFamily="34" charset="-120"/>
+              </a:rPr>
+              <a:t>, kernel[, anchor[, iterations[, </a:t>
+            </a:r>
+            <a:r>
+              <a:rPr lang="en-US" altLang="zh-TW" sz="3200" dirty="0" err="1" smtClean="0">
+                <a:latin typeface="微軟正黑體" pitchFamily="34" charset="-120"/>
+                <a:ea typeface="微軟正黑體" pitchFamily="34" charset="-120"/>
+              </a:rPr>
+              <a:t>borderType</a:t>
+            </a:r>
+            <a:r>
+              <a:rPr lang="en-US" altLang="zh-TW" sz="3200" dirty="0" smtClean="0">
+                <a:latin typeface="微軟正黑體" pitchFamily="34" charset="-120"/>
+                <a:ea typeface="微軟正黑體" pitchFamily="34" charset="-120"/>
+              </a:rPr>
+              <a:t>[, </a:t>
+            </a:r>
+            <a:r>
+              <a:rPr lang="en-US" altLang="zh-TW" sz="3200" dirty="0" err="1" smtClean="0">
+                <a:latin typeface="微軟正黑體" pitchFamily="34" charset="-120"/>
+                <a:ea typeface="微軟正黑體" pitchFamily="34" charset="-120"/>
+              </a:rPr>
+              <a:t>borderValue</a:t>
+            </a:r>
+            <a:r>
+              <a:rPr lang="en-US" altLang="zh-TW" sz="3200" dirty="0" smtClean="0">
+                <a:latin typeface="微軟正黑體" pitchFamily="34" charset="-120"/>
+                <a:ea typeface="微軟正黑體" pitchFamily="34" charset="-120"/>
+              </a:rPr>
+              <a:t>]]]])</a:t>
+            </a:r>
+          </a:p>
+          <a:p>
+            <a:endParaRPr lang="en-US" altLang="zh-TW" sz="3200" dirty="0" smtClean="0">
+              <a:latin typeface="微軟正黑體" pitchFamily="34" charset="-120"/>
+              <a:ea typeface="微軟正黑體" pitchFamily="34" charset="-120"/>
+            </a:endParaRPr>
+          </a:p>
+          <a:p>
+            <a:pPr marL="271463" indent="-271463">
               <a:buFont typeface="Arial" pitchFamily="34" charset="0"/>
               <a:buChar char="•"/>
             </a:pPr>
             <a:r>
-              <a:rPr lang="zh-TW" altLang="zh-TW" sz="3600" dirty="0" smtClean="0">
-                <a:latin typeface="微軟正黑體" pitchFamily="34" charset="-120"/>
-                <a:ea typeface="微軟正黑體" pitchFamily="34" charset="-120"/>
-              </a:rPr>
-              <a:t>開運算</a:t>
-            </a:r>
-            <a:endParaRPr lang="en-US" altLang="zh-TW" sz="3600" dirty="0" smtClean="0">
+              <a:rPr lang="en-US" altLang="zh-TW" sz="3200" dirty="0" err="1" smtClean="0">
+                <a:latin typeface="微軟正黑體" pitchFamily="34" charset="-120"/>
+                <a:ea typeface="微軟正黑體" pitchFamily="34" charset="-120"/>
+              </a:rPr>
+              <a:t>dst</a:t>
+            </a:r>
+            <a:r>
+              <a:rPr lang="zh-TW" altLang="zh-TW" sz="3200" dirty="0" smtClean="0">
+                <a:latin typeface="微軟正黑體" pitchFamily="34" charset="-120"/>
+                <a:ea typeface="微軟正黑體" pitchFamily="34" charset="-120"/>
+              </a:rPr>
+              <a:t>膨脹後輸出目標圖，</a:t>
+            </a:r>
+            <a:r>
+              <a:rPr lang="zh-TW" altLang="en-US" sz="3200" dirty="0" smtClean="0">
+                <a:latin typeface="微軟正黑體" pitchFamily="34" charset="-120"/>
+                <a:ea typeface="微軟正黑體" pitchFamily="34" charset="-120"/>
+              </a:rPr>
+              <a:t>和</a:t>
+            </a:r>
+            <a:r>
+              <a:rPr lang="zh-TW" altLang="zh-TW" sz="3200" dirty="0" smtClean="0">
+                <a:latin typeface="微軟正黑體" pitchFamily="34" charset="-120"/>
+                <a:ea typeface="微軟正黑體" pitchFamily="34" charset="-120"/>
+              </a:rPr>
+              <a:t>原始</a:t>
+            </a:r>
+            <a:r>
+              <a:rPr lang="zh-TW" altLang="en-US" sz="3200" dirty="0" smtClean="0">
+                <a:latin typeface="微軟正黑體" pitchFamily="34" charset="-120"/>
+                <a:ea typeface="微軟正黑體" pitchFamily="34" charset="-120"/>
+              </a:rPr>
+              <a:t>圖</a:t>
+            </a:r>
+            <a:r>
+              <a:rPr lang="zh-TW" altLang="zh-TW" sz="3200" dirty="0" smtClean="0">
+                <a:latin typeface="微軟正黑體" pitchFamily="34" charset="-120"/>
+                <a:ea typeface="微軟正黑體" pitchFamily="34" charset="-120"/>
+              </a:rPr>
+              <a:t>具同樣的類型和大小</a:t>
+            </a:r>
+          </a:p>
+          <a:p>
+            <a:pPr marL="271463" indent="-271463">
+              <a:buFont typeface="Arial" pitchFamily="34" charset="0"/>
+              <a:buChar char="•"/>
+            </a:pPr>
+            <a:r>
+              <a:rPr lang="en-US" altLang="zh-TW" sz="3200" dirty="0" err="1" smtClean="0">
+                <a:latin typeface="微軟正黑體" pitchFamily="34" charset="-120"/>
+                <a:ea typeface="微軟正黑體" pitchFamily="34" charset="-120"/>
+              </a:rPr>
+              <a:t>src</a:t>
+            </a:r>
+            <a:r>
+              <a:rPr lang="zh-TW" altLang="zh-TW" sz="3200" dirty="0" smtClean="0">
+                <a:latin typeface="微軟正黑體" pitchFamily="34" charset="-120"/>
+                <a:ea typeface="微軟正黑體" pitchFamily="34" charset="-120"/>
+              </a:rPr>
+              <a:t>代表需要進行膨脹操作的原始影像</a:t>
+            </a:r>
+          </a:p>
+          <a:p>
+            <a:pPr marL="271463" indent="-271463">
+              <a:buFont typeface="Arial" pitchFamily="34" charset="0"/>
+              <a:buChar char="•"/>
+            </a:pPr>
+            <a:r>
+              <a:rPr lang="en-US" altLang="zh-TW" sz="3200" dirty="0" smtClean="0">
+                <a:latin typeface="微軟正黑體" pitchFamily="34" charset="-120"/>
+                <a:ea typeface="微軟正黑體" pitchFamily="34" charset="-120"/>
+              </a:rPr>
+              <a:t>element </a:t>
+            </a:r>
+            <a:r>
+              <a:rPr lang="zh-TW" altLang="zh-TW" sz="3200" dirty="0" smtClean="0">
+                <a:latin typeface="微軟正黑體" pitchFamily="34" charset="-120"/>
+                <a:ea typeface="微軟正黑體" pitchFamily="34" charset="-120"/>
+              </a:rPr>
+              <a:t>代表膨脹操作所採用的結構類型</a:t>
+            </a:r>
+            <a:endParaRPr lang="en-US" altLang="zh-TW" sz="3200" dirty="0" smtClean="0">
               <a:latin typeface="微軟正黑體" pitchFamily="34" charset="-120"/>
               <a:ea typeface="微軟正黑體" pitchFamily="34" charset="-120"/>
             </a:endParaRPr>
           </a:p>
           <a:p>
-            <a:pPr marL="358775" indent="-358775">
+            <a:pPr marL="271463" indent="-271463">
               <a:buFont typeface="Arial" pitchFamily="34" charset="0"/>
               <a:buChar char="•"/>
             </a:pPr>
             <a:r>
-              <a:rPr lang="zh-TW" altLang="zh-TW" sz="3600" dirty="0" smtClean="0">
-                <a:latin typeface="微軟正黑體" pitchFamily="34" charset="-120"/>
-                <a:ea typeface="微軟正黑體" pitchFamily="34" charset="-120"/>
-              </a:rPr>
-              <a:t>閉運算（關運算）</a:t>
-            </a:r>
-            <a:endParaRPr lang="en-US" altLang="zh-TW" sz="3600" dirty="0" smtClean="0">
+              <a:rPr lang="zh-TW" altLang="zh-TW" sz="3200" dirty="0" smtClean="0">
+                <a:latin typeface="微軟正黑體" pitchFamily="34" charset="-120"/>
+                <a:ea typeface="微軟正黑體" pitchFamily="34" charset="-120"/>
+              </a:rPr>
+              <a:t>它可以自訂產生，也可以透過函數</a:t>
+            </a:r>
+            <a:r>
+              <a:rPr lang="en-US" altLang="zh-TW" sz="3200" dirty="0" smtClean="0">
+                <a:latin typeface="微軟正黑體" pitchFamily="34" charset="-120"/>
+                <a:ea typeface="微軟正黑體" pitchFamily="34" charset="-120"/>
+              </a:rPr>
+              <a:t>cv2.getStructuringElement()</a:t>
+            </a:r>
+            <a:r>
+              <a:rPr lang="zh-TW" altLang="zh-TW" sz="3200" dirty="0" smtClean="0">
+                <a:latin typeface="微軟正黑體" pitchFamily="34" charset="-120"/>
+                <a:ea typeface="微軟正黑體" pitchFamily="34" charset="-120"/>
+              </a:rPr>
+              <a:t>產生</a:t>
+            </a:r>
+            <a:endParaRPr lang="en-US" altLang="zh-TW" sz="3200" dirty="0" smtClean="0">
               <a:latin typeface="微軟正黑體" pitchFamily="34" charset="-120"/>
               <a:ea typeface="微軟正黑體" pitchFamily="34" charset="-120"/>
             </a:endParaRPr>
           </a:p>
           <a:p>
-            <a:pPr marL="358775" indent="-358775">
-              <a:buFont typeface="Arial" pitchFamily="34" charset="0"/>
-              <a:buChar char="•"/>
-            </a:pPr>
-            <a:r>
-              <a:rPr lang="zh-TW" altLang="zh-TW" sz="3600" dirty="0" smtClean="0">
-                <a:latin typeface="微軟正黑體" pitchFamily="34" charset="-120"/>
-                <a:ea typeface="微軟正黑體" pitchFamily="34" charset="-120"/>
-              </a:rPr>
-              <a:t>形態學梯度運算</a:t>
-            </a:r>
-            <a:endParaRPr lang="en-US" altLang="zh-TW" sz="3600" dirty="0" smtClean="0">
+            <a:endParaRPr lang="zh-TW" altLang="zh-TW" sz="3200" dirty="0">
               <a:latin typeface="微軟正黑體" pitchFamily="34" charset="-120"/>
               <a:ea typeface="微軟正黑體" pitchFamily="34" charset="-120"/>
             </a:endParaRPr>
           </a:p>
-          <a:p>
-            <a:pPr marL="358775" indent="-358775">
-              <a:buFont typeface="Arial" pitchFamily="34" charset="0"/>
-              <a:buChar char="•"/>
-            </a:pPr>
-            <a:r>
-              <a:rPr lang="zh-TW" altLang="zh-TW" sz="3600" dirty="0" smtClean="0">
-                <a:latin typeface="微軟正黑體" pitchFamily="34" charset="-120"/>
-                <a:ea typeface="微軟正黑體" pitchFamily="34" charset="-120"/>
-              </a:rPr>
-              <a:t>禮帽運算（頂帽運算）</a:t>
-            </a:r>
-            <a:endParaRPr lang="en-US" altLang="zh-TW" sz="3600" dirty="0" smtClean="0">
-              <a:latin typeface="微軟正黑體" pitchFamily="34" charset="-120"/>
-              <a:ea typeface="微軟正黑體" pitchFamily="34" charset="-120"/>
-            </a:endParaRPr>
-          </a:p>
-          <a:p>
-            <a:pPr marL="358775" indent="-358775">
-              <a:buFont typeface="Arial" pitchFamily="34" charset="0"/>
-              <a:buChar char="•"/>
-            </a:pPr>
-            <a:r>
-              <a:rPr lang="zh-TW" altLang="zh-TW" sz="3600" dirty="0" smtClean="0">
-                <a:latin typeface="微軟正黑體" pitchFamily="34" charset="-120"/>
-                <a:ea typeface="微軟正黑體" pitchFamily="34" charset="-120"/>
-              </a:rPr>
-              <a:t>黑帽運算</a:t>
-            </a:r>
-            <a:endParaRPr lang="en-US" altLang="zh-TW" sz="3600" dirty="0" smtClean="0">
-              <a:latin typeface="微軟正黑體" pitchFamily="34" charset="-120"/>
-              <a:ea typeface="微軟正黑體" pitchFamily="34" charset="-120"/>
-            </a:endParaRPr>
-          </a:p>
-          <a:p>
-            <a:pPr marL="358775" indent="-358775">
-              <a:buFont typeface="Arial" pitchFamily="34" charset="0"/>
-              <a:buChar char="•"/>
-            </a:pPr>
-            <a:r>
-              <a:rPr lang="zh-TW" altLang="zh-TW" sz="3600" dirty="0" smtClean="0">
-                <a:latin typeface="微軟正黑體" pitchFamily="34" charset="-120"/>
-                <a:ea typeface="微軟正黑體" pitchFamily="34" charset="-120"/>
-              </a:rPr>
-              <a:t>擊中擊不中</a:t>
-            </a:r>
-            <a:endParaRPr lang="zh-TW" altLang="zh-TW" sz="3600" dirty="0">
-              <a:latin typeface="微軟正黑體" pitchFamily="34" charset="-120"/>
-              <a:ea typeface="微軟正黑體" pitchFamily="34" charset="-120"/>
-            </a:endParaRPr>
-          </a:p>
         </p:txBody>
       </p:sp>
     </p:spTree>
     <p:extLst>
       <p:ext uri="{BB962C8B-B14F-4D97-AF65-F5344CB8AC3E}">
-        <p14:creationId xmlns:p14="http://schemas.microsoft.com/office/powerpoint/2010/main" xmlns="" val="522405798"/>
+        <p14:creationId xmlns="" xmlns:p14="http://schemas.microsoft.com/office/powerpoint/2010/main" val="522405798"/>
       </p:ext>
     </p:extLst>
   </p:cSld>
@@ -29434,7 +29810,7 @@
         </p:nvSpPr>
         <p:spPr>
           <a:xfrm>
-            <a:off x="2667000" y="304800"/>
+            <a:off x="2971800" y="304800"/>
             <a:ext cx="5334000" cy="990600"/>
           </a:xfrm>
           <a:prstGeom prst="rect">
@@ -29492,8 +29868,8 @@
         </p:nvSpPr>
         <p:spPr>
           <a:xfrm>
-            <a:off x="457200" y="1447800"/>
-            <a:ext cx="8534400" cy="5509200"/>
+            <a:off x="457200" y="1677412"/>
+            <a:ext cx="8534400" cy="3416320"/>
           </a:xfrm>
           <a:prstGeom prst="rect">
             <a:avLst/>
@@ -29506,280 +29882,113 @@
           </a:bodyPr>
           <a:lstStyle/>
           <a:p>
-            <a:r>
-              <a:rPr lang="en-US" altLang="zh-TW" sz="3200" dirty="0" err="1" smtClean="0">
-                <a:latin typeface="微軟正黑體" pitchFamily="34" charset="-120"/>
-                <a:ea typeface="微軟正黑體" pitchFamily="34" charset="-120"/>
-              </a:rPr>
-              <a:t>dst</a:t>
-            </a:r>
-            <a:r>
-              <a:rPr lang="en-US" altLang="zh-TW" sz="3200" dirty="0" smtClean="0">
-                <a:latin typeface="微軟正黑體" pitchFamily="34" charset="-120"/>
-                <a:ea typeface="微軟正黑體" pitchFamily="34" charset="-120"/>
-              </a:rPr>
-              <a:t> = cv2.morphologyEx( </a:t>
-            </a:r>
-            <a:r>
-              <a:rPr lang="en-US" altLang="zh-TW" sz="3200" dirty="0" err="1" smtClean="0">
-                <a:latin typeface="微軟正黑體" pitchFamily="34" charset="-120"/>
-                <a:ea typeface="微軟正黑體" pitchFamily="34" charset="-120"/>
-              </a:rPr>
-              <a:t>src</a:t>
-            </a:r>
-            <a:r>
-              <a:rPr lang="en-US" altLang="zh-TW" sz="3200" dirty="0" smtClean="0">
-                <a:latin typeface="微軟正黑體" pitchFamily="34" charset="-120"/>
-                <a:ea typeface="微軟正黑體" pitchFamily="34" charset="-120"/>
-              </a:rPr>
-              <a:t>, op, kernel[, anchor[, iterations[, </a:t>
-            </a:r>
-            <a:r>
-              <a:rPr lang="en-US" altLang="zh-TW" sz="3200" dirty="0" err="1" smtClean="0">
-                <a:latin typeface="微軟正黑體" pitchFamily="34" charset="-120"/>
-                <a:ea typeface="微軟正黑體" pitchFamily="34" charset="-120"/>
-              </a:rPr>
-              <a:t>borderType</a:t>
-            </a:r>
-            <a:r>
-              <a:rPr lang="en-US" altLang="zh-TW" sz="3200" dirty="0" smtClean="0">
-                <a:latin typeface="微軟正黑體" pitchFamily="34" charset="-120"/>
-                <a:ea typeface="微軟正黑體" pitchFamily="34" charset="-120"/>
-              </a:rPr>
-              <a:t>[, </a:t>
-            </a:r>
-            <a:r>
-              <a:rPr lang="en-US" altLang="zh-TW" sz="3200" dirty="0" err="1" smtClean="0">
-                <a:latin typeface="微軟正黑體" pitchFamily="34" charset="-120"/>
-                <a:ea typeface="微軟正黑體" pitchFamily="34" charset="-120"/>
-              </a:rPr>
-              <a:t>borderValue</a:t>
-            </a:r>
-            <a:r>
-              <a:rPr lang="en-US" altLang="zh-TW" sz="3200" dirty="0" smtClean="0">
-                <a:latin typeface="微軟正黑體" pitchFamily="34" charset="-120"/>
-                <a:ea typeface="微軟正黑體" pitchFamily="34" charset="-120"/>
-              </a:rPr>
-              <a:t>]]]]] )</a:t>
-            </a:r>
-            <a:endParaRPr lang="zh-TW" altLang="zh-TW" sz="3200" dirty="0" smtClean="0">
-              <a:latin typeface="微軟正黑體" pitchFamily="34" charset="-120"/>
-              <a:ea typeface="微軟正黑體" pitchFamily="34" charset="-120"/>
-            </a:endParaRPr>
-          </a:p>
-          <a:p>
             <a:pPr marL="358775" indent="-358775">
               <a:buFont typeface="Arial" pitchFamily="34" charset="0"/>
               <a:buChar char="•"/>
             </a:pPr>
-            <a:endParaRPr lang="en-US" altLang="zh-TW" sz="3200" dirty="0" smtClean="0">
+            <a:r>
+              <a:rPr lang="zh-TW" altLang="zh-TW" sz="3600" dirty="0" smtClean="0">
+                <a:latin typeface="微軟正黑體" pitchFamily="34" charset="-120"/>
+                <a:ea typeface="微軟正黑體" pitchFamily="34" charset="-120"/>
+              </a:rPr>
+              <a:t>開運算</a:t>
+            </a:r>
+            <a:endParaRPr lang="en-US" altLang="zh-TW" sz="3600" dirty="0" smtClean="0">
               <a:latin typeface="微軟正黑體" pitchFamily="34" charset="-120"/>
               <a:ea typeface="微軟正黑體" pitchFamily="34" charset="-120"/>
             </a:endParaRPr>
           </a:p>
           <a:p>
-            <a:pPr marL="271463" indent="-271463">
+            <a:pPr marL="358775" indent="-358775">
               <a:buFont typeface="Arial" pitchFamily="34" charset="0"/>
               <a:buChar char="•"/>
             </a:pPr>
             <a:r>
-              <a:rPr lang="en-US" altLang="zh-TW" sz="3200" dirty="0" err="1" smtClean="0">
-                <a:latin typeface="微軟正黑體" pitchFamily="34" charset="-120"/>
-                <a:ea typeface="微軟正黑體" pitchFamily="34" charset="-120"/>
-              </a:rPr>
-              <a:t>dst</a:t>
-            </a:r>
-            <a:r>
-              <a:rPr lang="zh-TW" altLang="zh-TW" sz="3200" dirty="0" smtClean="0">
-                <a:latin typeface="微軟正黑體" pitchFamily="34" charset="-120"/>
-                <a:ea typeface="微軟正黑體" pitchFamily="34" charset="-120"/>
-              </a:rPr>
-              <a:t>膨脹後輸出目標圖，</a:t>
-            </a:r>
-            <a:r>
-              <a:rPr lang="zh-TW" altLang="en-US" sz="3200" dirty="0" smtClean="0">
-                <a:latin typeface="微軟正黑體" pitchFamily="34" charset="-120"/>
-                <a:ea typeface="微軟正黑體" pitchFamily="34" charset="-120"/>
-              </a:rPr>
-              <a:t>和</a:t>
-            </a:r>
-            <a:r>
-              <a:rPr lang="zh-TW" altLang="zh-TW" sz="3200" dirty="0" smtClean="0">
-                <a:latin typeface="微軟正黑體" pitchFamily="34" charset="-120"/>
-                <a:ea typeface="微軟正黑體" pitchFamily="34" charset="-120"/>
-              </a:rPr>
-              <a:t>原始</a:t>
-            </a:r>
-            <a:r>
-              <a:rPr lang="zh-TW" altLang="en-US" sz="3200" dirty="0" smtClean="0">
-                <a:latin typeface="微軟正黑體" pitchFamily="34" charset="-120"/>
-                <a:ea typeface="微軟正黑體" pitchFamily="34" charset="-120"/>
-              </a:rPr>
-              <a:t>圖</a:t>
-            </a:r>
-            <a:r>
-              <a:rPr lang="zh-TW" altLang="zh-TW" sz="3200" dirty="0" smtClean="0">
-                <a:latin typeface="微軟正黑體" pitchFamily="34" charset="-120"/>
-                <a:ea typeface="微軟正黑體" pitchFamily="34" charset="-120"/>
-              </a:rPr>
-              <a:t>具同樣的類型和大小</a:t>
-            </a:r>
-            <a:endParaRPr lang="en-US" altLang="zh-TW" sz="3200" dirty="0" smtClean="0">
+              <a:rPr lang="zh-TW" altLang="zh-TW" sz="3600" dirty="0" smtClean="0">
+                <a:latin typeface="微軟正黑體" pitchFamily="34" charset="-120"/>
+                <a:ea typeface="微軟正黑體" pitchFamily="34" charset="-120"/>
+              </a:rPr>
+              <a:t>閉運算（關運算）</a:t>
+            </a:r>
+            <a:endParaRPr lang="en-US" altLang="zh-TW" sz="3600" dirty="0" smtClean="0">
               <a:latin typeface="微軟正黑體" pitchFamily="34" charset="-120"/>
               <a:ea typeface="微軟正黑體" pitchFamily="34" charset="-120"/>
             </a:endParaRPr>
           </a:p>
           <a:p>
-            <a:pPr marL="271463" indent="-271463">
+            <a:pPr marL="358775" indent="-358775">
               <a:buFont typeface="Arial" pitchFamily="34" charset="0"/>
               <a:buChar char="•"/>
             </a:pPr>
             <a:r>
-              <a:rPr lang="en-US" altLang="zh-TW" sz="3200" dirty="0" err="1" smtClean="0">
-                <a:latin typeface="微軟正黑體" pitchFamily="34" charset="-120"/>
-                <a:ea typeface="微軟正黑體" pitchFamily="34" charset="-120"/>
-              </a:rPr>
-              <a:t>src</a:t>
-            </a:r>
-            <a:r>
-              <a:rPr lang="en-US" altLang="zh-TW" sz="3200" dirty="0" smtClean="0">
-                <a:latin typeface="微軟正黑體" pitchFamily="34" charset="-120"/>
-                <a:ea typeface="微軟正黑體" pitchFamily="34" charset="-120"/>
-              </a:rPr>
-              <a:t> </a:t>
-            </a:r>
-            <a:r>
-              <a:rPr lang="zh-TW" altLang="zh-TW" sz="3200" dirty="0" smtClean="0">
-                <a:latin typeface="微軟正黑體" pitchFamily="34" charset="-120"/>
-                <a:ea typeface="微軟正黑體" pitchFamily="34" charset="-120"/>
-              </a:rPr>
-              <a:t>代表需要進行形態學操作的原始影像</a:t>
-            </a:r>
-          </a:p>
-          <a:p>
-            <a:pPr marL="271463" indent="-271463">
+              <a:rPr lang="zh-TW" altLang="zh-TW" sz="3600" dirty="0" smtClean="0">
+                <a:latin typeface="微軟正黑體" pitchFamily="34" charset="-120"/>
+                <a:ea typeface="微軟正黑體" pitchFamily="34" charset="-120"/>
+              </a:rPr>
+              <a:t>形態學梯度運算</a:t>
+            </a:r>
+            <a:endParaRPr lang="en-US" altLang="zh-TW" sz="3600" dirty="0" smtClean="0">
+              <a:latin typeface="微軟正黑體" pitchFamily="34" charset="-120"/>
+              <a:ea typeface="微軟正黑體" pitchFamily="34" charset="-120"/>
+            </a:endParaRPr>
+          </a:p>
+          <a:p>
+            <a:pPr marL="358775" indent="-358775">
               <a:buFont typeface="Arial" pitchFamily="34" charset="0"/>
               <a:buChar char="•"/>
             </a:pPr>
             <a:r>
-              <a:rPr lang="en-US" altLang="zh-TW" sz="3200" dirty="0" smtClean="0">
-                <a:latin typeface="微軟正黑體" pitchFamily="34" charset="-120"/>
-                <a:ea typeface="微軟正黑體" pitchFamily="34" charset="-120"/>
-              </a:rPr>
-              <a:t>op </a:t>
-            </a:r>
-            <a:r>
-              <a:rPr lang="zh-TW" altLang="zh-TW" sz="3200" dirty="0" smtClean="0">
-                <a:latin typeface="微軟正黑體" pitchFamily="34" charset="-120"/>
-                <a:ea typeface="微軟正黑體" pitchFamily="34" charset="-120"/>
-              </a:rPr>
-              <a:t>代表操作類型</a:t>
-            </a:r>
-            <a:endParaRPr lang="en-US" altLang="zh-TW" sz="3200" dirty="0" smtClean="0">
+              <a:rPr lang="zh-TW" altLang="zh-TW" sz="3600" dirty="0" smtClean="0">
+                <a:latin typeface="微軟正黑體" pitchFamily="34" charset="-120"/>
+                <a:ea typeface="微軟正黑體" pitchFamily="34" charset="-120"/>
+              </a:rPr>
+              <a:t>禮帽運算（頂帽運算）</a:t>
+            </a:r>
+            <a:endParaRPr lang="en-US" altLang="zh-TW" sz="3600" dirty="0" smtClean="0">
               <a:latin typeface="微軟正黑體" pitchFamily="34" charset="-120"/>
               <a:ea typeface="微軟正黑體" pitchFamily="34" charset="-120"/>
             </a:endParaRPr>
           </a:p>
           <a:p>
-            <a:pPr marL="271463" indent="-271463">
+            <a:pPr marL="358775" indent="-358775">
               <a:buFont typeface="Arial" pitchFamily="34" charset="0"/>
               <a:buChar char="•"/>
             </a:pPr>
             <a:r>
-              <a:rPr lang="en-US" altLang="zh-TW" sz="3200" dirty="0" smtClean="0">
-                <a:latin typeface="微軟正黑體" pitchFamily="34" charset="-120"/>
-                <a:ea typeface="微軟正黑體" pitchFamily="34" charset="-120"/>
-              </a:rPr>
-              <a:t>kernel</a:t>
-            </a:r>
-            <a:r>
-              <a:rPr lang="zh-TW" altLang="zh-TW" sz="3200" dirty="0" smtClean="0">
-                <a:latin typeface="微軟正黑體" pitchFamily="34" charset="-120"/>
-                <a:ea typeface="微軟正黑體" pitchFamily="34" charset="-120"/>
-              </a:rPr>
-              <a:t>、</a:t>
-            </a:r>
-            <a:r>
-              <a:rPr lang="en-US" altLang="zh-TW" sz="3200" dirty="0" smtClean="0">
-                <a:latin typeface="微軟正黑體" pitchFamily="34" charset="-120"/>
-                <a:ea typeface="微軟正黑體" pitchFamily="34" charset="-120"/>
-              </a:rPr>
-              <a:t>anchor</a:t>
-            </a:r>
-            <a:r>
-              <a:rPr lang="zh-TW" altLang="zh-TW" sz="3200" dirty="0" smtClean="0">
-                <a:latin typeface="微軟正黑體" pitchFamily="34" charset="-120"/>
-                <a:ea typeface="微軟正黑體" pitchFamily="34" charset="-120"/>
-              </a:rPr>
-              <a:t>、</a:t>
-            </a:r>
-            <a:r>
-              <a:rPr lang="en-US" altLang="zh-TW" sz="3200" dirty="0" smtClean="0">
-                <a:latin typeface="微軟正黑體" pitchFamily="34" charset="-120"/>
-                <a:ea typeface="微軟正黑體" pitchFamily="34" charset="-120"/>
-              </a:rPr>
-              <a:t>iterations</a:t>
-            </a:r>
-            <a:r>
-              <a:rPr lang="zh-TW" altLang="zh-TW" sz="3200" dirty="0" smtClean="0">
-                <a:latin typeface="微軟正黑體" pitchFamily="34" charset="-120"/>
-                <a:ea typeface="微軟正黑體" pitchFamily="34" charset="-120"/>
-              </a:rPr>
-              <a:t>、</a:t>
-            </a:r>
-            <a:r>
-              <a:rPr lang="en-US" altLang="zh-TW" sz="3200" dirty="0" err="1" smtClean="0">
-                <a:latin typeface="微軟正黑體" pitchFamily="34" charset="-120"/>
-                <a:ea typeface="微軟正黑體" pitchFamily="34" charset="-120"/>
-              </a:rPr>
-              <a:t>borderType</a:t>
-            </a:r>
-            <a:r>
-              <a:rPr lang="zh-TW" altLang="zh-TW" sz="3200" dirty="0" smtClean="0">
-                <a:latin typeface="微軟正黑體" pitchFamily="34" charset="-120"/>
-                <a:ea typeface="微軟正黑體" pitchFamily="34" charset="-120"/>
-              </a:rPr>
-              <a:t>、</a:t>
-            </a:r>
-            <a:r>
-              <a:rPr lang="en-US" altLang="zh-TW" sz="3200" dirty="0" err="1" smtClean="0">
-                <a:latin typeface="微軟正黑體" pitchFamily="34" charset="-120"/>
-                <a:ea typeface="微軟正黑體" pitchFamily="34" charset="-120"/>
-              </a:rPr>
-              <a:t>borderValue</a:t>
-            </a:r>
-            <a:r>
-              <a:rPr lang="zh-TW" altLang="zh-TW" sz="3200" dirty="0" smtClean="0">
-                <a:latin typeface="微軟正黑體" pitchFamily="34" charset="-120"/>
-                <a:ea typeface="微軟正黑體" pitchFamily="34" charset="-120"/>
-              </a:rPr>
-              <a:t>與函數</a:t>
-            </a:r>
-            <a:r>
-              <a:rPr lang="en-US" altLang="zh-TW" sz="3200" dirty="0" smtClean="0">
-                <a:latin typeface="微軟正黑體" pitchFamily="34" charset="-120"/>
-                <a:ea typeface="微軟正黑體" pitchFamily="34" charset="-120"/>
-              </a:rPr>
-              <a:t>cv2.erode()</a:t>
-            </a:r>
-            <a:r>
-              <a:rPr lang="zh-TW" altLang="zh-TW" sz="3200" dirty="0" smtClean="0">
-                <a:latin typeface="微軟正黑體" pitchFamily="34" charset="-120"/>
-                <a:ea typeface="微軟正黑體" pitchFamily="34" charset="-120"/>
-              </a:rPr>
-              <a:t>內對應參數的含義一致</a:t>
-            </a:r>
-            <a:endParaRPr lang="zh-TW" altLang="zh-TW" sz="3200" dirty="0">
+              <a:rPr lang="zh-TW" altLang="zh-TW" sz="3600" dirty="0" smtClean="0">
+                <a:latin typeface="微軟正黑體" pitchFamily="34" charset="-120"/>
+                <a:ea typeface="微軟正黑體" pitchFamily="34" charset="-120"/>
+              </a:rPr>
+              <a:t>黑帽運算</a:t>
+            </a:r>
+            <a:endParaRPr lang="en-US" altLang="zh-TW" sz="3600" dirty="0" smtClean="0">
               <a:latin typeface="微軟正黑體" pitchFamily="34" charset="-120"/>
               <a:ea typeface="微軟正黑體" pitchFamily="34" charset="-120"/>
             </a:endParaRPr>
           </a:p>
+          <a:p>
+            <a:pPr marL="358775" indent="-358775">
+              <a:buFont typeface="Arial" pitchFamily="34" charset="0"/>
+              <a:buChar char="•"/>
+            </a:pPr>
+            <a:r>
+              <a:rPr lang="zh-TW" altLang="zh-TW" sz="3600" dirty="0" smtClean="0">
+                <a:latin typeface="微軟正黑體" pitchFamily="34" charset="-120"/>
+                <a:ea typeface="微軟正黑體" pitchFamily="34" charset="-120"/>
+              </a:rPr>
+              <a:t>擊中擊不中</a:t>
+            </a:r>
+            <a:endParaRPr lang="zh-TW" altLang="zh-TW" sz="3600" dirty="0">
+              <a:latin typeface="微軟正黑體" pitchFamily="34" charset="-120"/>
+              <a:ea typeface="微軟正黑體" pitchFamily="34" charset="-120"/>
+            </a:endParaRPr>
+          </a:p>
         </p:txBody>
       </p:sp>
     </p:spTree>
     <p:extLst>
       <p:ext uri="{BB962C8B-B14F-4D97-AF65-F5344CB8AC3E}">
-        <p14:creationId xmlns:p14="http://schemas.microsoft.com/office/powerpoint/2010/main" xmlns="" val="522405798"/>
+        <p14:creationId xmlns="" xmlns:p14="http://schemas.microsoft.com/office/powerpoint/2010/main" val="522405798"/>
       </p:ext>
     </p:extLst>
   </p:cSld>
@@ -29856,7 +30065,7 @@
                 <a:ea typeface="微軟正黑體" pitchFamily="34" charset="-120"/>
                 <a:cs typeface="Heiti TC Light"/>
               </a:rPr>
-              <a:t>形態學之開運算</a:t>
+              <a:t>通用形態學</a:t>
             </a:r>
             <a:endParaRPr kumimoji="1" lang="en-US" altLang="zh-TW" sz="4800" b="1" dirty="0" smtClean="0">
               <a:solidFill>
@@ -29876,69 +30085,152 @@
           </a:p>
         </p:txBody>
       </p:sp>
-      <p:pic>
-        <p:nvPicPr>
-          <p:cNvPr id="174082" name="Picture 2"/>
-          <p:cNvPicPr>
-            <a:picLocks noChangeAspect="1" noChangeArrowheads="1"/>
-          </p:cNvPicPr>
+      <p:sp>
+        <p:nvSpPr>
+          <p:cNvPr id="5" name="文字方塊 4"/>
+          <p:cNvSpPr txBox="1"/>
           <p:nvPr/>
-        </p:nvPicPr>
-        <p:blipFill>
-          <a:blip r:embed="rId3" cstate="print"/>
-          <a:srcRect/>
-          <a:stretch>
-            <a:fillRect/>
-          </a:stretch>
-        </p:blipFill>
-        <p:spPr bwMode="auto">
+        </p:nvSpPr>
+        <p:spPr>
           <a:xfrm>
-            <a:off x="533400" y="3200400"/>
-            <a:ext cx="8208921" cy="2209800"/>
+            <a:off x="457200" y="1447800"/>
+            <a:ext cx="8534400" cy="5509200"/>
           </a:xfrm>
           <a:prstGeom prst="rect">
             <a:avLst/>
           </a:prstGeom>
           <a:noFill/>
-          <a:ln w="9525">
-            <a:noFill/>
-            <a:miter lim="800000"/>
-            <a:headEnd/>
-            <a:tailEnd/>
-          </a:ln>
         </p:spPr>
-      </p:pic>
-      <p:sp>
-        <p:nvSpPr>
-          <p:cNvPr id="5" name="矩形 4"/>
-          <p:cNvSpPr/>
-          <p:nvPr/>
-        </p:nvSpPr>
-        <p:spPr>
-          <a:xfrm>
-            <a:off x="649367" y="1371600"/>
-            <a:ext cx="7845738" cy="1077218"/>
-          </a:xfrm>
-          <a:prstGeom prst="rect">
-            <a:avLst/>
-          </a:prstGeom>
-        </p:spPr>
-        <p:txBody>
-          <a:bodyPr wrap="none">
+        <p:txBody>
+          <a:bodyPr wrap="square" rtlCol="0">
             <a:spAutoFit/>
           </a:bodyPr>
           <a:lstStyle/>
+          <a:p>
+            <a:r>
+              <a:rPr lang="en-US" altLang="zh-TW" sz="3200" dirty="0" err="1" smtClean="0">
+                <a:latin typeface="微軟正黑體" pitchFamily="34" charset="-120"/>
+                <a:ea typeface="微軟正黑體" pitchFamily="34" charset="-120"/>
+              </a:rPr>
+              <a:t>dst</a:t>
+            </a:r>
+            <a:r>
+              <a:rPr lang="en-US" altLang="zh-TW" sz="3200" dirty="0" smtClean="0">
+                <a:latin typeface="微軟正黑體" pitchFamily="34" charset="-120"/>
+                <a:ea typeface="微軟正黑體" pitchFamily="34" charset="-120"/>
+              </a:rPr>
+              <a:t> = cv2.morphologyEx( </a:t>
+            </a:r>
+            <a:r>
+              <a:rPr lang="en-US" altLang="zh-TW" sz="3200" dirty="0" err="1" smtClean="0">
+                <a:latin typeface="微軟正黑體" pitchFamily="34" charset="-120"/>
+                <a:ea typeface="微軟正黑體" pitchFamily="34" charset="-120"/>
+              </a:rPr>
+              <a:t>src</a:t>
+            </a:r>
+            <a:r>
+              <a:rPr lang="en-US" altLang="zh-TW" sz="3200" dirty="0" smtClean="0">
+                <a:latin typeface="微軟正黑體" pitchFamily="34" charset="-120"/>
+                <a:ea typeface="微軟正黑體" pitchFamily="34" charset="-120"/>
+              </a:rPr>
+              <a:t>, op, kernel[, anchor[, iterations[, </a:t>
+            </a:r>
+            <a:r>
+              <a:rPr lang="en-US" altLang="zh-TW" sz="3200" dirty="0" err="1" smtClean="0">
+                <a:latin typeface="微軟正黑體" pitchFamily="34" charset="-120"/>
+                <a:ea typeface="微軟正黑體" pitchFamily="34" charset="-120"/>
+              </a:rPr>
+              <a:t>borderType</a:t>
+            </a:r>
+            <a:r>
+              <a:rPr lang="en-US" altLang="zh-TW" sz="3200" dirty="0" smtClean="0">
+                <a:latin typeface="微軟正黑體" pitchFamily="34" charset="-120"/>
+                <a:ea typeface="微軟正黑體" pitchFamily="34" charset="-120"/>
+              </a:rPr>
+              <a:t>[, </a:t>
+            </a:r>
+            <a:r>
+              <a:rPr lang="en-US" altLang="zh-TW" sz="3200" dirty="0" err="1" smtClean="0">
+                <a:latin typeface="微軟正黑體" pitchFamily="34" charset="-120"/>
+                <a:ea typeface="微軟正黑體" pitchFamily="34" charset="-120"/>
+              </a:rPr>
+              <a:t>borderValue</a:t>
+            </a:r>
+            <a:r>
+              <a:rPr lang="en-US" altLang="zh-TW" sz="3200" dirty="0" smtClean="0">
+                <a:latin typeface="微軟正黑體" pitchFamily="34" charset="-120"/>
+                <a:ea typeface="微軟正黑體" pitchFamily="34" charset="-120"/>
+              </a:rPr>
+              <a:t>]]]]] )</a:t>
+            </a:r>
+            <a:endParaRPr lang="zh-TW" altLang="zh-TW" sz="3200" dirty="0" smtClean="0">
+              <a:latin typeface="微軟正黑體" pitchFamily="34" charset="-120"/>
+              <a:ea typeface="微軟正黑體" pitchFamily="34" charset="-120"/>
+            </a:endParaRPr>
+          </a:p>
+          <a:p>
+            <a:pPr marL="358775" indent="-358775">
+              <a:buFont typeface="Arial" pitchFamily="34" charset="0"/>
+              <a:buChar char="•"/>
+            </a:pPr>
+            <a:endParaRPr lang="en-US" altLang="zh-TW" sz="3200" dirty="0" smtClean="0">
+              <a:latin typeface="微軟正黑體" pitchFamily="34" charset="-120"/>
+              <a:ea typeface="微軟正黑體" pitchFamily="34" charset="-120"/>
+            </a:endParaRPr>
+          </a:p>
           <a:p>
             <a:pPr marL="271463" indent="-271463">
               <a:buFont typeface="Arial" pitchFamily="34" charset="0"/>
               <a:buChar char="•"/>
             </a:pPr>
             <a:r>
+              <a:rPr lang="en-US" altLang="zh-TW" sz="3200" dirty="0" err="1" smtClean="0">
+                <a:latin typeface="微軟正黑體" pitchFamily="34" charset="-120"/>
+                <a:ea typeface="微軟正黑體" pitchFamily="34" charset="-120"/>
+              </a:rPr>
+              <a:t>dst</a:t>
+            </a:r>
+            <a:r>
               <a:rPr lang="zh-TW" altLang="zh-TW" sz="3200" dirty="0" smtClean="0">
                 <a:latin typeface="微軟正黑體" pitchFamily="34" charset="-120"/>
                 <a:ea typeface="微軟正黑體" pitchFamily="34" charset="-120"/>
               </a:rPr>
-              <a:t>先將影像腐蝕，再對腐蝕的結果進行膨脹</a:t>
+              <a:t>輸出</a:t>
+            </a:r>
+            <a:r>
+              <a:rPr lang="zh-TW" altLang="zh-TW" sz="3200" dirty="0" smtClean="0">
+                <a:latin typeface="微軟正黑體" pitchFamily="34" charset="-120"/>
+                <a:ea typeface="微軟正黑體" pitchFamily="34" charset="-120"/>
+              </a:rPr>
+              <a:t>目標圖，</a:t>
+            </a:r>
+            <a:r>
+              <a:rPr lang="zh-TW" altLang="en-US" sz="3200" dirty="0" smtClean="0">
+                <a:latin typeface="微軟正黑體" pitchFamily="34" charset="-120"/>
+                <a:ea typeface="微軟正黑體" pitchFamily="34" charset="-120"/>
+              </a:rPr>
+              <a:t>和</a:t>
+            </a:r>
+            <a:r>
+              <a:rPr lang="zh-TW" altLang="zh-TW" sz="3200" dirty="0" smtClean="0">
+                <a:latin typeface="微軟正黑體" pitchFamily="34" charset="-120"/>
+                <a:ea typeface="微軟正黑體" pitchFamily="34" charset="-120"/>
+              </a:rPr>
+              <a:t>原始</a:t>
+            </a:r>
+            <a:r>
+              <a:rPr lang="zh-TW" altLang="en-US" sz="3200" dirty="0" smtClean="0">
+                <a:latin typeface="微軟正黑體" pitchFamily="34" charset="-120"/>
+                <a:ea typeface="微軟正黑體" pitchFamily="34" charset="-120"/>
+              </a:rPr>
+              <a:t>圖</a:t>
+            </a:r>
+            <a:r>
+              <a:rPr lang="zh-TW" altLang="zh-TW" sz="3200" dirty="0" smtClean="0">
+                <a:latin typeface="微軟正黑體" pitchFamily="34" charset="-120"/>
+                <a:ea typeface="微軟正黑體" pitchFamily="34" charset="-120"/>
+              </a:rPr>
+              <a:t>具同樣的類型和大小</a:t>
             </a:r>
             <a:endParaRPr lang="en-US" altLang="zh-TW" sz="3200" dirty="0" smtClean="0">
               <a:latin typeface="微軟正黑體" pitchFamily="34" charset="-120"/>
@@ -29951,23 +30243,151 @@
               <a:buChar char="•"/>
             </a:pPr>
             <a:r>
+              <a:rPr lang="en-US" altLang="zh-TW" sz="3200" dirty="0" err="1" smtClean="0">
+                <a:latin typeface="微軟正黑體" pitchFamily="34" charset="-120"/>
+                <a:ea typeface="微軟正黑體" pitchFamily="34" charset="-120"/>
+              </a:rPr>
+              <a:t>src</a:t>
+            </a:r>
+            <a:r>
+              <a:rPr lang="en-US" altLang="zh-TW" sz="3200" dirty="0" smtClean="0">
+                <a:latin typeface="微軟正黑體" pitchFamily="34" charset="-120"/>
+                <a:ea typeface="微軟正黑體" pitchFamily="34" charset="-120"/>
+              </a:rPr>
+              <a:t> </a:t>
+            </a:r>
+            <a:r>
               <a:rPr lang="zh-TW" altLang="zh-TW" sz="3200" dirty="0" smtClean="0">
                 <a:latin typeface="微軟正黑體" pitchFamily="34" charset="-120"/>
                 <a:ea typeface="微軟正黑體" pitchFamily="34" charset="-120"/>
               </a:rPr>
-              <a:t>用於去噪、計數等</a:t>
-            </a:r>
-            <a:endParaRPr lang="zh-TW" altLang="en-US" sz="3200" dirty="0">
+              <a:t>代表需要進行形態學操作的原始影像</a:t>
+            </a:r>
+          </a:p>
+          <a:p>
+            <a:pPr marL="271463" indent="-271463">
+              <a:buFont typeface="Arial" pitchFamily="34" charset="0"/>
+              <a:buChar char="•"/>
+            </a:pPr>
+            <a:r>
+              <a:rPr lang="en-US" altLang="zh-TW" sz="3200" dirty="0" smtClean="0">
+                <a:latin typeface="微軟正黑體" pitchFamily="34" charset="-120"/>
+                <a:ea typeface="微軟正黑體" pitchFamily="34" charset="-120"/>
+              </a:rPr>
+              <a:t>op </a:t>
+            </a:r>
+            <a:r>
+              <a:rPr lang="zh-TW" altLang="zh-TW" sz="3200" dirty="0" smtClean="0">
+                <a:latin typeface="微軟正黑體" pitchFamily="34" charset="-120"/>
+                <a:ea typeface="微軟正黑體" pitchFamily="34" charset="-120"/>
+              </a:rPr>
+              <a:t>代表操作類型</a:t>
+            </a:r>
+            <a:endParaRPr lang="en-US" altLang="zh-TW" sz="3200" dirty="0" smtClean="0">
               <a:latin typeface="微軟正黑體" pitchFamily="34" charset="-120"/>
               <a:ea typeface="微軟正黑體" pitchFamily="34" charset="-120"/>
             </a:endParaRPr>
           </a:p>
+          <a:p>
+            <a:pPr marL="271463" indent="-271463">
+              <a:buFont typeface="Arial" pitchFamily="34" charset="0"/>
+              <a:buChar char="•"/>
+            </a:pPr>
+            <a:r>
+              <a:rPr lang="en-US" altLang="zh-TW" sz="3200" dirty="0" smtClean="0">
+                <a:latin typeface="微軟正黑體" pitchFamily="34" charset="-120"/>
+                <a:ea typeface="微軟正黑體" pitchFamily="34" charset="-120"/>
+              </a:rPr>
+              <a:t>kernel</a:t>
+            </a:r>
+            <a:r>
+              <a:rPr lang="zh-TW" altLang="zh-TW" sz="3200" dirty="0" smtClean="0">
+                <a:latin typeface="微軟正黑體" pitchFamily="34" charset="-120"/>
+                <a:ea typeface="微軟正黑體" pitchFamily="34" charset="-120"/>
+              </a:rPr>
+              <a:t>、</a:t>
+            </a:r>
+            <a:r>
+              <a:rPr lang="en-US" altLang="zh-TW" sz="3200" dirty="0" smtClean="0">
+                <a:latin typeface="微軟正黑體" pitchFamily="34" charset="-120"/>
+                <a:ea typeface="微軟正黑體" pitchFamily="34" charset="-120"/>
+              </a:rPr>
+              <a:t>anchor</a:t>
+            </a:r>
+            <a:r>
+              <a:rPr lang="zh-TW" altLang="zh-TW" sz="3200" dirty="0" smtClean="0">
+                <a:latin typeface="微軟正黑體" pitchFamily="34" charset="-120"/>
+                <a:ea typeface="微軟正黑體" pitchFamily="34" charset="-120"/>
+              </a:rPr>
+              <a:t>、</a:t>
+            </a:r>
+            <a:r>
+              <a:rPr lang="en-US" altLang="zh-TW" sz="3200" dirty="0" smtClean="0">
+                <a:latin typeface="微軟正黑體" pitchFamily="34" charset="-120"/>
+                <a:ea typeface="微軟正黑體" pitchFamily="34" charset="-120"/>
+              </a:rPr>
+              <a:t>iterations</a:t>
+            </a:r>
+            <a:r>
+              <a:rPr lang="zh-TW" altLang="zh-TW" sz="3200" dirty="0" smtClean="0">
+                <a:latin typeface="微軟正黑體" pitchFamily="34" charset="-120"/>
+                <a:ea typeface="微軟正黑體" pitchFamily="34" charset="-120"/>
+              </a:rPr>
+              <a:t>、</a:t>
+            </a:r>
+            <a:r>
+              <a:rPr lang="en-US" altLang="zh-TW" sz="3200" dirty="0" err="1" smtClean="0">
+                <a:latin typeface="微軟正黑體" pitchFamily="34" charset="-120"/>
+                <a:ea typeface="微軟正黑體" pitchFamily="34" charset="-120"/>
+              </a:rPr>
+              <a:t>borderType</a:t>
+            </a:r>
+            <a:r>
+              <a:rPr lang="zh-TW" altLang="zh-TW" sz="3200" dirty="0" smtClean="0">
+                <a:latin typeface="微軟正黑體" pitchFamily="34" charset="-120"/>
+                <a:ea typeface="微軟正黑體" pitchFamily="34" charset="-120"/>
+              </a:rPr>
+              <a:t>、</a:t>
+            </a:r>
+            <a:r>
+              <a:rPr lang="en-US" altLang="zh-TW" sz="3200" dirty="0" err="1" smtClean="0">
+                <a:latin typeface="微軟正黑體" pitchFamily="34" charset="-120"/>
+                <a:ea typeface="微軟正黑體" pitchFamily="34" charset="-120"/>
+              </a:rPr>
+              <a:t>borderValue</a:t>
+            </a:r>
+            <a:r>
+              <a:rPr lang="zh-TW" altLang="zh-TW" sz="3200" dirty="0" smtClean="0">
+                <a:latin typeface="微軟正黑體" pitchFamily="34" charset="-120"/>
+                <a:ea typeface="微軟正黑體" pitchFamily="34" charset="-120"/>
+              </a:rPr>
+              <a:t>與函數</a:t>
+            </a:r>
+            <a:r>
+              <a:rPr lang="en-US" altLang="zh-TW" sz="3200" dirty="0" smtClean="0">
+                <a:latin typeface="微軟正黑體" pitchFamily="34" charset="-120"/>
+                <a:ea typeface="微軟正黑體" pitchFamily="34" charset="-120"/>
+              </a:rPr>
+              <a:t>cv2.erode()</a:t>
+            </a:r>
+            <a:r>
+              <a:rPr lang="zh-TW" altLang="zh-TW" sz="3200" dirty="0" smtClean="0">
+                <a:latin typeface="微軟正黑體" pitchFamily="34" charset="-120"/>
+                <a:ea typeface="微軟正黑體" pitchFamily="34" charset="-120"/>
+              </a:rPr>
+              <a:t>內對應參數的含義一致</a:t>
+            </a:r>
+            <a:endParaRPr lang="zh-TW" altLang="zh-TW" sz="3200" dirty="0">
+              <a:latin typeface="微軟正黑體" pitchFamily="34" charset="-120"/>
+              <a:ea typeface="微軟正黑體" pitchFamily="34" charset="-120"/>
+            </a:endParaRPr>
+          </a:p>
         </p:txBody>
       </p:sp>
     </p:spTree>
     <p:extLst>
       <p:ext uri="{BB962C8B-B14F-4D97-AF65-F5344CB8AC3E}">
-        <p14:creationId xmlns:p14="http://schemas.microsoft.com/office/powerpoint/2010/main" xmlns="" val="522405798"/>
+        <p14:creationId xmlns="" xmlns:p14="http://schemas.microsoft.com/office/powerpoint/2010/main" val="522405798"/>
       </p:ext>
     </p:extLst>
   </p:cSld>
@@ -30044,7 +30464,7 @@
                 <a:ea typeface="微軟正黑體" pitchFamily="34" charset="-120"/>
                 <a:cs typeface="Heiti TC Light"/>
               </a:rPr>
-              <a:t>形態學之閉運算</a:t>
+              <a:t>形態學之開運算</a:t>
             </a:r>
             <a:endParaRPr kumimoji="1" lang="en-US" altLang="zh-TW" sz="4800" b="1" dirty="0" smtClean="0">
               <a:solidFill>
@@ -30066,7 +30486,7 @@
       </p:sp>
       <p:pic>
         <p:nvPicPr>
-          <p:cNvPr id="175106" name="Picture 2"/>
+          <p:cNvPr id="174082" name="Picture 2"/>
           <p:cNvPicPr>
             <a:picLocks noChangeAspect="1" noChangeArrowheads="1"/>
           </p:cNvPicPr>
@@ -30081,8 +30501,8 @@
         </p:blipFill>
         <p:spPr bwMode="auto">
           <a:xfrm>
-            <a:off x="381000" y="3733800"/>
-            <a:ext cx="8515284" cy="2286000"/>
+            <a:off x="533400" y="3200400"/>
+            <a:ext cx="8208921" cy="2209800"/>
           </a:xfrm>
           <a:prstGeom prst="rect">
             <a:avLst/>
@@ -30104,15 +30524,15 @@
         </p:nvSpPr>
         <p:spPr>
           <a:xfrm>
-            <a:off x="381000" y="1295400"/>
-            <a:ext cx="8305800" cy="2062103"/>
+            <a:off x="649367" y="1371600"/>
+            <a:ext cx="7845738" cy="1077218"/>
           </a:xfrm>
           <a:prstGeom prst="rect">
             <a:avLst/>
           </a:prstGeom>
         </p:spPr>
         <p:txBody>
-          <a:bodyPr wrap="square">
+          <a:bodyPr wrap="none">
             <a:spAutoFit/>
           </a:bodyPr>
           <a:lstStyle/>
@@ -30126,7 +30546,7 @@
                 <a:latin typeface="微軟正黑體" pitchFamily="34" charset="-120"/>
                 <a:ea typeface="微軟正黑體" pitchFamily="34" charset="-120"/>
               </a:rPr>
-              <a:t>先膨脹、後腐蝕的運算</a:t>
+              <a:t>先將影像腐蝕，再對腐蝕的結果進行膨脹</a:t>
             </a:r>
             <a:endParaRPr lang="en-US" altLang="zh-TW" sz="3200" dirty="0" smtClean="0">
               <a:latin typeface="微軟正黑體" pitchFamily="34" charset="-120"/>
@@ -30143,41 +30563,7 @@
                 <a:latin typeface="微軟正黑體" pitchFamily="34" charset="-120"/>
                 <a:ea typeface="微軟正黑體" pitchFamily="34" charset="-120"/>
               </a:rPr>
-              <a:t>它有助關閉前景物體內部的小孔</a:t>
-            </a:r>
-            <a:endParaRPr lang="en-US" altLang="zh-TW" sz="3200" dirty="0" smtClean="0">
-              <a:latin typeface="微軟正黑體" pitchFamily="34" charset="-120"/>
-              <a:ea typeface="微軟正黑體" pitchFamily="34" charset="-120"/>
-            </a:endParaRPr>
-          </a:p>
-          <a:p>
-            <a:pPr marL="271463" indent="-271463">
-              <a:buFont typeface="Arial" pitchFamily="34" charset="0"/>
-              <a:buChar char="•"/>
-            </a:pPr>
-            <a:r>
-              <a:rPr lang="zh-TW" altLang="zh-TW" sz="3200" dirty="0" smtClean="0">
-                <a:latin typeface="微軟正黑體" pitchFamily="34" charset="-120"/>
-                <a:ea typeface="微軟正黑體" pitchFamily="34" charset="-120"/>
-              </a:rPr>
-              <a:t>或去除物體上的小黑點，</a:t>
-            </a:r>
-            <a:endParaRPr lang="en-US" altLang="zh-TW" sz="3200" dirty="0" smtClean="0">
-              <a:latin typeface="微軟正黑體" pitchFamily="34" charset="-120"/>
-              <a:ea typeface="微軟正黑體" pitchFamily="34" charset="-120"/>
-            </a:endParaRPr>
-          </a:p>
-          <a:p>
-            <a:pPr marL="271463" indent="-271463">
-              <a:buFont typeface="Arial" pitchFamily="34" charset="0"/>
-              <a:buChar char="•"/>
-            </a:pPr>
-            <a:r>
-              <a:rPr lang="zh-TW" altLang="zh-TW" sz="3200" dirty="0" smtClean="0">
-                <a:latin typeface="微軟正黑體" pitchFamily="34" charset="-120"/>
-                <a:ea typeface="微軟正黑體" pitchFamily="34" charset="-120"/>
-              </a:rPr>
-              <a:t>將不同的前景影像進行連接</a:t>
+              <a:t>用於去噪、計數等</a:t>
             </a:r>
             <a:endParaRPr lang="zh-TW" altLang="en-US" sz="3200" dirty="0">
               <a:latin typeface="微軟正黑體" pitchFamily="34" charset="-120"/>
@@ -30189,7 +30575,7 @@
     </p:spTree>
     <p:extLst>
       <p:ext uri="{BB962C8B-B14F-4D97-AF65-F5344CB8AC3E}">
-        <p14:creationId xmlns:p14="http://schemas.microsoft.com/office/powerpoint/2010/main" xmlns="" val="522405798"/>
+        <p14:creationId xmlns="" xmlns:p14="http://schemas.microsoft.com/office/powerpoint/2010/main" val="522405798"/>
       </p:ext>
     </p:extLst>
   </p:cSld>
@@ -30236,7 +30622,7 @@
         </p:nvSpPr>
         <p:spPr>
           <a:xfrm>
-            <a:off x="2362200" y="304800"/>
+            <a:off x="2667000" y="304800"/>
             <a:ext cx="5334000" cy="990600"/>
           </a:xfrm>
           <a:prstGeom prst="rect">
@@ -30266,7 +30652,7 @@
                 <a:ea typeface="微軟正黑體" pitchFamily="34" charset="-120"/>
                 <a:cs typeface="Heiti TC Light"/>
               </a:rPr>
-              <a:t>形態學之梯度運算</a:t>
+              <a:t>形態學之閉運算</a:t>
             </a:r>
             <a:endParaRPr kumimoji="1" lang="en-US" altLang="zh-TW" sz="4800" b="1" dirty="0" smtClean="0">
               <a:solidFill>
@@ -30288,7 +30674,7 @@
       </p:sp>
       <p:pic>
         <p:nvPicPr>
-          <p:cNvPr id="176130" name="Picture 2"/>
+          <p:cNvPr id="175106" name="Picture 2"/>
           <p:cNvPicPr>
             <a:picLocks noChangeAspect="1" noChangeArrowheads="1"/>
           </p:cNvPicPr>
@@ -30303,8 +30689,8 @@
         </p:blipFill>
         <p:spPr bwMode="auto">
           <a:xfrm>
-            <a:off x="609600" y="2667000"/>
-            <a:ext cx="8080330" cy="4038600"/>
+            <a:off x="381000" y="3733800"/>
+            <a:ext cx="8515284" cy="2286000"/>
           </a:xfrm>
           <a:prstGeom prst="rect">
             <a:avLst/>
@@ -30326,8 +30712,8 @@
         </p:nvSpPr>
         <p:spPr>
           <a:xfrm>
-            <a:off x="762000" y="1524000"/>
-            <a:ext cx="7620000" cy="1077218"/>
+            <a:off x="381000" y="1295400"/>
+            <a:ext cx="8305800" cy="2062103"/>
           </a:xfrm>
           <a:prstGeom prst="rect">
             <a:avLst/>
@@ -30339,12 +30725,67 @@
           </a:bodyPr>
           <a:lstStyle/>
           <a:p>
+            <a:pPr marL="271463" indent="-271463">
+              <a:buFont typeface="Arial" pitchFamily="34" charset="0"/>
+              <a:buChar char="•"/>
+            </a:pPr>
             <a:r>
               <a:rPr lang="zh-TW" altLang="zh-TW" sz="3200" dirty="0" smtClean="0">
                 <a:latin typeface="微軟正黑體" pitchFamily="34" charset="-120"/>
                 <a:ea typeface="微軟正黑體" pitchFamily="34" charset="-120"/>
               </a:rPr>
-              <a:t>用影像的膨脹影像減腐蝕影像的操作，該操作可以取得原始影像中前景影像的邊緣</a:t>
+              <a:t>先膨脹、後腐蝕的運算</a:t>
+            </a:r>
+            <a:endParaRPr lang="en-US" altLang="zh-TW" sz="3200" dirty="0" smtClean="0">
+              <a:latin typeface="微軟正黑體" pitchFamily="34" charset="-120"/>
+              <a:ea typeface="微軟正黑體" pitchFamily="34" charset="-120"/>
+            </a:endParaRPr>
+          </a:p>
+          <a:p>
+            <a:pPr marL="271463" indent="-271463">
+              <a:buFont typeface="Arial" pitchFamily="34" charset="0"/>
+              <a:buChar char="•"/>
+            </a:pPr>
+            <a:r>
+              <a:rPr lang="zh-TW" altLang="zh-TW" sz="3200" dirty="0" smtClean="0">
+                <a:latin typeface="微軟正黑體" pitchFamily="34" charset="-120"/>
+                <a:ea typeface="微軟正黑體" pitchFamily="34" charset="-120"/>
+              </a:rPr>
+              <a:t>它有助關閉前景物體內部的小孔</a:t>
+            </a:r>
+            <a:endParaRPr lang="en-US" altLang="zh-TW" sz="3200" dirty="0" smtClean="0">
+              <a:latin typeface="微軟正黑體" pitchFamily="34" charset="-120"/>
+              <a:ea typeface="微軟正黑體" pitchFamily="34" charset="-120"/>
+            </a:endParaRPr>
+          </a:p>
+          <a:p>
+            <a:pPr marL="271463" indent="-271463">
+              <a:buFont typeface="Arial" pitchFamily="34" charset="0"/>
+              <a:buChar char="•"/>
+            </a:pPr>
+            <a:r>
+              <a:rPr lang="zh-TW" altLang="zh-TW" sz="3200" dirty="0" smtClean="0">
+                <a:latin typeface="微軟正黑體" pitchFamily="34" charset="-120"/>
+                <a:ea typeface="微軟正黑體" pitchFamily="34" charset="-120"/>
+              </a:rPr>
+              <a:t>或去除物體上的小黑點，</a:t>
+            </a:r>
+            <a:endParaRPr lang="en-US" altLang="zh-TW" sz="3200" dirty="0" smtClean="0">
+              <a:latin typeface="微軟正黑體" pitchFamily="34" charset="-120"/>
+              <a:ea typeface="微軟正黑體" pitchFamily="34" charset="-120"/>
+            </a:endParaRPr>
+          </a:p>
+          <a:p>
+            <a:pPr marL="271463" indent="-271463">
+              <a:buFont typeface="Arial" pitchFamily="34" charset="0"/>
+              <a:buChar char="•"/>
+            </a:pPr>
+            <a:r>
+              <a:rPr lang="zh-TW" altLang="zh-TW" sz="3200" dirty="0" smtClean="0">
+                <a:latin typeface="微軟正黑體" pitchFamily="34" charset="-120"/>
+                <a:ea typeface="微軟正黑體" pitchFamily="34" charset="-120"/>
+              </a:rPr>
+              <a:t>將不同的前景影像進行連接</a:t>
             </a:r>
             <a:endParaRPr lang="zh-TW" altLang="en-US" sz="3200" dirty="0">
               <a:latin typeface="微軟正黑體" pitchFamily="34" charset="-120"/>
@@ -30356,7 +30797,7 @@
     </p:spTree>
     <p:extLst>
       <p:ext uri="{BB962C8B-B14F-4D97-AF65-F5344CB8AC3E}">
-        <p14:creationId xmlns:p14="http://schemas.microsoft.com/office/powerpoint/2010/main" xmlns="" val="522405798"/>
+        <p14:creationId xmlns="" xmlns:p14="http://schemas.microsoft.com/office/powerpoint/2010/main" val="522405798"/>
       </p:ext>
     </p:extLst>
   </p:cSld>
@@ -30403,7 +30844,7 @@
         </p:nvSpPr>
         <p:spPr>
           <a:xfrm>
-            <a:off x="2133600" y="304800"/>
+            <a:off x="2362200" y="304800"/>
             <a:ext cx="5334000" cy="990600"/>
           </a:xfrm>
           <a:prstGeom prst="rect">
@@ -30433,7 +30874,7 @@
                 <a:ea typeface="微軟正黑體" pitchFamily="34" charset="-120"/>
                 <a:cs typeface="Heiti TC Light"/>
               </a:rPr>
-              <a:t>形態學之禮帽運算</a:t>
+              <a:t>形態學之梯度運算</a:t>
             </a:r>
             <a:endParaRPr kumimoji="1" lang="en-US" altLang="zh-TW" sz="4800" b="1" dirty="0" smtClean="0">
               <a:solidFill>
@@ -30453,58 +30894,9 @@
           </a:p>
         </p:txBody>
       </p:sp>
-      <p:sp>
-        <p:nvSpPr>
-          <p:cNvPr id="5" name="矩形 4"/>
-          <p:cNvSpPr/>
-          <p:nvPr/>
-        </p:nvSpPr>
-        <p:spPr>
-          <a:xfrm>
-            <a:off x="762000" y="1371600"/>
-            <a:ext cx="7620000" cy="1384995"/>
-          </a:xfrm>
-          <a:prstGeom prst="rect">
-            <a:avLst/>
-          </a:prstGeom>
-        </p:spPr>
-        <p:txBody>
-          <a:bodyPr wrap="square">
-            <a:spAutoFit/>
-          </a:bodyPr>
-          <a:lstStyle/>
-          <a:p>
-            <a:r>
-              <a:rPr lang="zh-TW" altLang="zh-TW" sz="2800" dirty="0" smtClean="0">
-                <a:latin typeface="微軟正黑體" pitchFamily="34" charset="-120"/>
-                <a:ea typeface="微軟正黑體" pitchFamily="34" charset="-120"/>
-              </a:rPr>
-              <a:t>原始影像減去其開運算影像的操作</a:t>
-            </a:r>
-            <a:r>
-              <a:rPr lang="zh-TW" altLang="en-US" sz="2800" dirty="0" smtClean="0">
-                <a:latin typeface="微軟正黑體" pitchFamily="34" charset="-120"/>
-                <a:ea typeface="微軟正黑體" pitchFamily="34" charset="-120"/>
-              </a:rPr>
-              <a:t>，</a:t>
-            </a:r>
-            <a:r>
-              <a:rPr lang="zh-TW" altLang="zh-TW" sz="2800" dirty="0" smtClean="0">
-                <a:latin typeface="微軟正黑體" pitchFamily="34" charset="-120"/>
-                <a:ea typeface="微軟正黑體" pitchFamily="34" charset="-120"/>
-              </a:rPr>
-              <a:t>能夠取得影像的雜訊資訊，或獲得比原始影像的邊緣更亮的邊緣資訊</a:t>
-            </a:r>
-            <a:endParaRPr lang="zh-TW" altLang="en-US" sz="2800" dirty="0">
-              <a:latin typeface="微軟正黑體" pitchFamily="34" charset="-120"/>
-              <a:ea typeface="微軟正黑體" pitchFamily="34" charset="-120"/>
-            </a:endParaRPr>
-          </a:p>
-        </p:txBody>
-      </p:sp>
       <p:pic>
         <p:nvPicPr>
-          <p:cNvPr id="177154" name="Picture 2"/>
+          <p:cNvPr id="176130" name="Picture 2"/>
           <p:cNvPicPr>
             <a:picLocks noChangeAspect="1" noChangeArrowheads="1"/>
           </p:cNvPicPr>
@@ -30519,8 +30911,8 @@
         </p:blipFill>
         <p:spPr bwMode="auto">
           <a:xfrm>
-            <a:off x="685800" y="3352800"/>
-            <a:ext cx="7996646" cy="2133600"/>
+            <a:off x="609600" y="2667000"/>
+            <a:ext cx="8080330" cy="4038600"/>
           </a:xfrm>
           <a:prstGeom prst="rect">
             <a:avLst/>
@@ -30534,10 +30926,45 @@
           </a:ln>
         </p:spPr>
       </p:pic>
+      <p:sp>
+        <p:nvSpPr>
+          <p:cNvPr id="5" name="矩形 4"/>
+          <p:cNvSpPr/>
+          <p:nvPr/>
+        </p:nvSpPr>
+        <p:spPr>
+          <a:xfrm>
+            <a:off x="762000" y="1524000"/>
+            <a:ext cx="7620000" cy="1077218"/>
+          </a:xfrm>
+          <a:prstGeom prst="rect">
+            <a:avLst/>
+          </a:prstGeom>
+        </p:spPr>
+        <p:txBody>
+          <a:bodyPr wrap="square">
+            <a:spAutoFit/>
+          </a:bodyPr>
+          <a:lstStyle/>
+          <a:p>
+            <a:r>
+              <a:rPr lang="zh-TW" altLang="zh-TW" sz="3200" dirty="0" smtClean="0">
+                <a:latin typeface="微軟正黑體" pitchFamily="34" charset="-120"/>
+                <a:ea typeface="微軟正黑體" pitchFamily="34" charset="-120"/>
+              </a:rPr>
+              <a:t>用影像的膨脹影像減腐蝕影像的操作，該操作可以取得原始影像中前景影像的邊緣</a:t>
+            </a:r>
+            <a:endParaRPr lang="zh-TW" altLang="en-US" sz="3200" dirty="0">
+              <a:latin typeface="微軟正黑體" pitchFamily="34" charset="-120"/>
+              <a:ea typeface="微軟正黑體" pitchFamily="34" charset="-120"/>
+            </a:endParaRPr>
+          </a:p>
+        </p:txBody>
+      </p:sp>
     </p:spTree>
     <p:extLst>
       <p:ext uri="{BB962C8B-B14F-4D97-AF65-F5344CB8AC3E}">
-        <p14:creationId xmlns:p14="http://schemas.microsoft.com/office/powerpoint/2010/main" xmlns="" val="522405798"/>
+        <p14:creationId xmlns="" xmlns:p14="http://schemas.microsoft.com/office/powerpoint/2010/main" val="522405798"/>
       </p:ext>
     </p:extLst>
   </p:cSld>
@@ -30614,7 +31041,7 @@
                 <a:ea typeface="微軟正黑體" pitchFamily="34" charset="-120"/>
                 <a:cs typeface="Heiti TC Light"/>
               </a:rPr>
-              <a:t>形態學之黑帽運算</a:t>
+              <a:t>形態學之禮帽運算</a:t>
             </a:r>
             <a:endParaRPr kumimoji="1" lang="en-US" altLang="zh-TW" sz="4800" b="1" dirty="0" smtClean="0">
               <a:solidFill>
@@ -30643,7 +31070,7 @@
         <p:spPr>
           <a:xfrm>
             <a:off x="762000" y="1371600"/>
-            <a:ext cx="7620000" cy="2554545"/>
+            <a:ext cx="7620000" cy="1384995"/>
           </a:xfrm>
           <a:prstGeom prst="rect">
             <a:avLst/>
@@ -30655,78 +31082,37 @@
           </a:bodyPr>
           <a:lstStyle/>
           <a:p>
-            <a:pPr marL="358775" indent="-358775">
-              <a:buFont typeface="Arial" pitchFamily="34" charset="0"/>
-              <a:buChar char="•"/>
-            </a:pPr>
-            <a:r>
-              <a:rPr lang="zh-TW" altLang="zh-TW" sz="3200" dirty="0" smtClean="0">
-                <a:latin typeface="微軟正黑體" pitchFamily="34" charset="-120"/>
-                <a:ea typeface="微軟正黑體" pitchFamily="34" charset="-120"/>
-              </a:rPr>
-              <a:t>閉運算影像減去原始影像</a:t>
-            </a:r>
-            <a:endParaRPr lang="en-US" altLang="zh-TW" sz="3200" dirty="0" smtClean="0">
+            <a:r>
+              <a:rPr lang="zh-TW" altLang="zh-TW" sz="2800" dirty="0" smtClean="0">
+                <a:latin typeface="微軟正黑體" pitchFamily="34" charset="-120"/>
+                <a:ea typeface="微軟正黑體" pitchFamily="34" charset="-120"/>
+              </a:rPr>
+              <a:t>原始影像減去其開運算影像的操作</a:t>
+            </a:r>
+            <a:r>
+              <a:rPr lang="zh-TW" altLang="en-US" sz="2800" dirty="0" smtClean="0">
+                <a:latin typeface="微軟正黑體" pitchFamily="34" charset="-120"/>
+                <a:ea typeface="微軟正黑體" pitchFamily="34" charset="-120"/>
+              </a:rPr>
+              <a:t>，</a:t>
+            </a:r>
+            <a:r>
+              <a:rPr lang="zh-TW" altLang="zh-TW" sz="2800" dirty="0" smtClean="0">
+                <a:latin typeface="微軟正黑體" pitchFamily="34" charset="-120"/>
+                <a:ea typeface="微軟正黑體" pitchFamily="34" charset="-120"/>
+              </a:rPr>
+              <a:t>能夠取得影像的雜訊資訊，或獲得比原始影像的邊緣更亮的邊緣資訊</a:t>
+            </a:r>
+            <a:endParaRPr lang="zh-TW" altLang="en-US" sz="2800" dirty="0">
               <a:latin typeface="微軟正黑體" pitchFamily="34" charset="-120"/>
               <a:ea typeface="微軟正黑體" pitchFamily="34" charset="-120"/>
             </a:endParaRPr>
           </a:p>
-          <a:p>
-            <a:pPr marL="358775" indent="-358775">
-              <a:buFont typeface="Arial" pitchFamily="34" charset="0"/>
-              <a:buChar char="•"/>
-            </a:pPr>
-            <a:r>
-              <a:rPr lang="zh-TW" altLang="zh-TW" sz="3200" dirty="0" smtClean="0">
-                <a:latin typeface="微軟正黑體" pitchFamily="34" charset="-120"/>
-                <a:ea typeface="微軟正黑體" pitchFamily="34" charset="-120"/>
-              </a:rPr>
-              <a:t>取得影像內部的小孔</a:t>
-            </a:r>
-            <a:endParaRPr lang="en-US" altLang="zh-TW" sz="3200" dirty="0" smtClean="0">
-              <a:latin typeface="微軟正黑體" pitchFamily="34" charset="-120"/>
-              <a:ea typeface="微軟正黑體" pitchFamily="34" charset="-120"/>
-            </a:endParaRPr>
-          </a:p>
-          <a:p>
-            <a:pPr marL="358775" indent="-358775">
-              <a:buFont typeface="Arial" pitchFamily="34" charset="0"/>
-              <a:buChar char="•"/>
-            </a:pPr>
-            <a:r>
-              <a:rPr lang="zh-TW" altLang="zh-TW" sz="3200" dirty="0" smtClean="0">
-                <a:latin typeface="微軟正黑體" pitchFamily="34" charset="-120"/>
-                <a:ea typeface="微軟正黑體" pitchFamily="34" charset="-120"/>
-              </a:rPr>
-              <a:t>或前景色中的小黑點</a:t>
-            </a:r>
-            <a:endParaRPr lang="en-US" altLang="zh-TW" sz="3200" dirty="0" smtClean="0">
-              <a:latin typeface="微軟正黑體" pitchFamily="34" charset="-120"/>
-              <a:ea typeface="微軟正黑體" pitchFamily="34" charset="-120"/>
-            </a:endParaRPr>
-          </a:p>
-          <a:p>
-            <a:pPr marL="358775" indent="-358775">
-              <a:buFont typeface="Arial" pitchFamily="34" charset="0"/>
-              <a:buChar char="•"/>
-            </a:pPr>
-            <a:r>
-              <a:rPr lang="zh-TW" altLang="zh-TW" sz="3200" dirty="0" smtClean="0">
-                <a:latin typeface="微軟正黑體" pitchFamily="34" charset="-120"/>
-                <a:ea typeface="微軟正黑體" pitchFamily="34" charset="-120"/>
-              </a:rPr>
-              <a:t>或獲得比原始影像的邊緣更暗的邊緣部分</a:t>
-            </a:r>
-            <a:endParaRPr lang="zh-TW" altLang="en-US" sz="3200" dirty="0">
-              <a:latin typeface="微軟正黑體" pitchFamily="34" charset="-120"/>
-              <a:ea typeface="微軟正黑體" pitchFamily="34" charset="-120"/>
-            </a:endParaRPr>
-          </a:p>
         </p:txBody>
       </p:sp>
       <p:pic>
         <p:nvPicPr>
-          <p:cNvPr id="178178" name="Picture 2"/>
+          <p:cNvPr id="177154" name="Picture 2"/>
           <p:cNvPicPr>
             <a:picLocks noChangeAspect="1" noChangeArrowheads="1"/>
           </p:cNvPicPr>
@@ -30741,8 +31127,8 @@
         </p:blipFill>
         <p:spPr bwMode="auto">
           <a:xfrm>
-            <a:off x="609600" y="4191000"/>
-            <a:ext cx="8181222" cy="2286000"/>
+            <a:off x="685800" y="3352800"/>
+            <a:ext cx="7996646" cy="2133600"/>
           </a:xfrm>
           <a:prstGeom prst="rect">
             <a:avLst/>
@@ -30759,7 +31145,7 @@
     </p:spTree>
     <p:extLst>
       <p:ext uri="{BB962C8B-B14F-4D97-AF65-F5344CB8AC3E}">
-        <p14:creationId xmlns:p14="http://schemas.microsoft.com/office/powerpoint/2010/main" xmlns="" val="522405798"/>
+        <p14:creationId xmlns="" xmlns:p14="http://schemas.microsoft.com/office/powerpoint/2010/main" val="522405798"/>
       </p:ext>
     </p:extLst>
   </p:cSld>
@@ -30836,7 +31222,7 @@
                 <a:ea typeface="微軟正黑體" pitchFamily="34" charset="-120"/>
                 <a:cs typeface="Heiti TC Light"/>
               </a:rPr>
-              <a:t>形態學之核函數</a:t>
+              <a:t>形態學之黑帽運算</a:t>
             </a:r>
             <a:endParaRPr kumimoji="1" lang="en-US" altLang="zh-TW" sz="4800" b="1" dirty="0" smtClean="0">
               <a:solidFill>
@@ -30865,7 +31251,7 @@
         <p:spPr>
           <a:xfrm>
             <a:off x="762000" y="1371600"/>
-            <a:ext cx="7620000" cy="2062103"/>
+            <a:ext cx="7620000" cy="2554545"/>
           </a:xfrm>
           <a:prstGeom prst="rect">
             <a:avLst/>
@@ -30886,7 +31272,7 @@
                 <a:latin typeface="微軟正黑體" pitchFamily="34" charset="-120"/>
                 <a:ea typeface="微軟正黑體" pitchFamily="34" charset="-120"/>
               </a:rPr>
-              <a:t>使用一個特定的核（結構元）</a:t>
+              <a:t>閉運算影像減去原始影像</a:t>
             </a:r>
             <a:endParaRPr lang="en-US" altLang="zh-TW" sz="3200" dirty="0" smtClean="0">
               <a:latin typeface="微軟正黑體" pitchFamily="34" charset="-120"/>
@@ -30903,7 +31289,7 @@
                 <a:latin typeface="微軟正黑體" pitchFamily="34" charset="-120"/>
                 <a:ea typeface="微軟正黑體" pitchFamily="34" charset="-120"/>
               </a:rPr>
-              <a:t>該核可以自訂產生</a:t>
+              <a:t>取得影像內部的小孔</a:t>
             </a:r>
             <a:endParaRPr lang="en-US" altLang="zh-TW" sz="3200" dirty="0" smtClean="0">
               <a:latin typeface="微軟正黑體" pitchFamily="34" charset="-120"/>
@@ -30920,21 +31306,24 @@
                 <a:latin typeface="微軟正黑體" pitchFamily="34" charset="-120"/>
                 <a:ea typeface="微軟正黑體" pitchFamily="34" charset="-120"/>
               </a:rPr>
-              <a:t>也可以透過函數</a:t>
-            </a:r>
-            <a:r>
-              <a:rPr lang="en-US" altLang="zh-TW" sz="3200" dirty="0" smtClean="0">
-                <a:latin typeface="微軟正黑體" pitchFamily="34" charset="-120"/>
-                <a:ea typeface="微軟正黑體" pitchFamily="34" charset="-120"/>
-              </a:rPr>
-              <a:t>cv2.getStructuringElement()</a:t>
-            </a:r>
+              <a:t>或前景色中的小黑點</a:t>
+            </a:r>
+            <a:endParaRPr lang="en-US" altLang="zh-TW" sz="3200" dirty="0" smtClean="0">
+              <a:latin typeface="微軟正黑體" pitchFamily="34" charset="-120"/>
+              <a:ea typeface="微軟正黑體" pitchFamily="34" charset="-120"/>
+            </a:endParaRPr>
+          </a:p>
+          <a:p>
+            <a:pPr marL="358775" indent="-358775">
+              <a:buFont typeface="Arial" pitchFamily="34" charset="0"/>
+              <a:buChar char="•"/>
+            </a:pPr>
             <a:r>
               <a:rPr lang="zh-TW" altLang="zh-TW" sz="3200" dirty="0" smtClean="0">
                 <a:latin typeface="微軟正黑體" pitchFamily="34" charset="-120"/>
                 <a:ea typeface="微軟正黑體" pitchFamily="34" charset="-120"/>
               </a:rPr>
-              <a:t>建置</a:t>
+              <a:t>或獲得比原始影像的邊緣更暗的邊緣部分</a:t>
             </a:r>
             <a:endParaRPr lang="zh-TW" altLang="en-US" sz="3200" dirty="0">
               <a:latin typeface="微軟正黑體" pitchFamily="34" charset="-120"/>
@@ -30945,7 +31334,7 @@
       </p:sp>
       <p:pic>
         <p:nvPicPr>
-          <p:cNvPr id="179202" name="Picture 2"/>
+          <p:cNvPr id="178178" name="Picture 2"/>
           <p:cNvPicPr>
             <a:picLocks noChangeAspect="1" noChangeArrowheads="1"/>
           </p:cNvPicPr>
@@ -30960,8 +31349,8 @@
         </p:blipFill>
         <p:spPr bwMode="auto">
           <a:xfrm>
-            <a:off x="533400" y="3886200"/>
-            <a:ext cx="8264039" cy="1905000"/>
+            <a:off x="609600" y="4191000"/>
+            <a:ext cx="8181222" cy="2286000"/>
           </a:xfrm>
           <a:prstGeom prst="rect">
             <a:avLst/>
@@ -30978,7 +31367,7 @@
     </p:spTree>
     <p:extLst>
       <p:ext uri="{BB962C8B-B14F-4D97-AF65-F5344CB8AC3E}">
-        <p14:creationId xmlns:p14="http://schemas.microsoft.com/office/powerpoint/2010/main" xmlns="" val="522405798"/>
+        <p14:creationId xmlns="" xmlns:p14="http://schemas.microsoft.com/office/powerpoint/2010/main" val="522405798"/>
       </p:ext>
     </p:extLst>
   </p:cSld>
@@ -31025,7 +31414,7 @@
         </p:nvSpPr>
         <p:spPr>
           <a:xfrm>
-            <a:off x="2895600" y="304800"/>
+            <a:off x="2133600" y="304800"/>
             <a:ext cx="5334000" cy="990600"/>
           </a:xfrm>
           <a:prstGeom prst="rect">
@@ -31055,7 +31444,7 @@
                 <a:ea typeface="微軟正黑體" pitchFamily="34" charset="-120"/>
                 <a:cs typeface="Heiti TC Light"/>
               </a:rPr>
-              <a:t>通用形態學</a:t>
+              <a:t>形態學之核函數</a:t>
             </a:r>
             <a:endParaRPr kumimoji="1" lang="en-US" altLang="zh-TW" sz="4800" b="1" dirty="0" smtClean="0">
               <a:solidFill>
@@ -31075,9 +31464,96 @@
           </a:p>
         </p:txBody>
       </p:sp>
+      <p:sp>
+        <p:nvSpPr>
+          <p:cNvPr id="5" name="矩形 4"/>
+          <p:cNvSpPr/>
+          <p:nvPr/>
+        </p:nvSpPr>
+        <p:spPr>
+          <a:xfrm>
+            <a:off x="762000" y="1371600"/>
+            <a:ext cx="7620000" cy="2062103"/>
+          </a:xfrm>
+          <a:prstGeom prst="rect">
+            <a:avLst/>
+          </a:prstGeom>
+        </p:spPr>
+        <p:txBody>
+          <a:bodyPr wrap="square">
+            <a:spAutoFit/>
+          </a:bodyPr>
+          <a:lstStyle/>
+          <a:p>
+            <a:pPr marL="358775" indent="-358775">
+              <a:buFont typeface="Arial" pitchFamily="34" charset="0"/>
+              <a:buChar char="•"/>
+            </a:pPr>
+            <a:r>
+              <a:rPr lang="zh-TW" altLang="zh-TW" sz="3200" dirty="0" smtClean="0">
+                <a:latin typeface="微軟正黑體" pitchFamily="34" charset="-120"/>
+                <a:ea typeface="微軟正黑體" pitchFamily="34" charset="-120"/>
+              </a:rPr>
+              <a:t>使用一個特定的核（結構元）</a:t>
+            </a:r>
+            <a:endParaRPr lang="en-US" altLang="zh-TW" sz="3200" dirty="0" smtClean="0">
+              <a:latin typeface="微軟正黑體" pitchFamily="34" charset="-120"/>
+              <a:ea typeface="微軟正黑體" pitchFamily="34" charset="-120"/>
+            </a:endParaRPr>
+          </a:p>
+          <a:p>
+            <a:pPr marL="358775" indent="-358775">
+              <a:buFont typeface="Arial" pitchFamily="34" charset="0"/>
+              <a:buChar char="•"/>
+            </a:pPr>
+            <a:r>
+              <a:rPr lang="zh-TW" altLang="zh-TW" sz="3200" dirty="0" smtClean="0">
+                <a:latin typeface="微軟正黑體" pitchFamily="34" charset="-120"/>
+                <a:ea typeface="微軟正黑體" pitchFamily="34" charset="-120"/>
+              </a:rPr>
+              <a:t>該核可以自訂產生</a:t>
+            </a:r>
+            <a:endParaRPr lang="en-US" altLang="zh-TW" sz="3200" dirty="0" smtClean="0">
+              <a:latin typeface="微軟正黑體" pitchFamily="34" charset="-120"/>
+              <a:ea typeface="微軟正黑體" pitchFamily="34" charset="-120"/>
+            </a:endParaRPr>
+          </a:p>
+          <a:p>
+            <a:pPr marL="358775" indent="-358775">
+              <a:buFont typeface="Arial" pitchFamily="34" charset="0"/>
+              <a:buChar char="•"/>
+            </a:pPr>
+            <a:r>
+              <a:rPr lang="zh-TW" altLang="zh-TW" sz="3200" dirty="0" smtClean="0">
+                <a:latin typeface="微軟正黑體" pitchFamily="34" charset="-120"/>
+                <a:ea typeface="微軟正黑體" pitchFamily="34" charset="-120"/>
+              </a:rPr>
+              <a:t>也可以透過函數</a:t>
+            </a:r>
+            <a:r>
+              <a:rPr lang="en-US" altLang="zh-TW" sz="3200" dirty="0" smtClean="0">
+                <a:latin typeface="微軟正黑體" pitchFamily="34" charset="-120"/>
+                <a:ea typeface="微軟正黑體" pitchFamily="34" charset="-120"/>
+              </a:rPr>
+              <a:t>cv2.getStructuringElement()</a:t>
+            </a:r>
+            <a:r>
+              <a:rPr lang="zh-TW" altLang="zh-TW" sz="3200" dirty="0" smtClean="0">
+                <a:latin typeface="微軟正黑體" pitchFamily="34" charset="-120"/>
+                <a:ea typeface="微軟正黑體" pitchFamily="34" charset="-120"/>
+              </a:rPr>
+              <a:t>建置</a:t>
+            </a:r>
+            <a:endParaRPr lang="zh-TW" altLang="en-US" sz="3200" dirty="0">
+              <a:latin typeface="微軟正黑體" pitchFamily="34" charset="-120"/>
+              <a:ea typeface="微軟正黑體" pitchFamily="34" charset="-120"/>
+            </a:endParaRPr>
+          </a:p>
+        </p:txBody>
+      </p:sp>
       <p:pic>
         <p:nvPicPr>
-          <p:cNvPr id="173058" name="Picture 2"/>
+          <p:cNvPr id="179202" name="Picture 2"/>
           <p:cNvPicPr>
             <a:picLocks noChangeAspect="1" noChangeArrowheads="1"/>
           </p:cNvPicPr>
@@ -31092,8 +31568,8 @@
         </p:blipFill>
         <p:spPr bwMode="auto">
           <a:xfrm>
-            <a:off x="304800" y="1752600"/>
-            <a:ext cx="8510580" cy="3352800"/>
+            <a:off x="533400" y="3886200"/>
+            <a:ext cx="8264039" cy="1905000"/>
           </a:xfrm>
           <a:prstGeom prst="rect">
             <a:avLst/>
@@ -31110,7 +31586,7 @@
     </p:spTree>
     <p:extLst>
       <p:ext uri="{BB962C8B-B14F-4D97-AF65-F5344CB8AC3E}">
-        <p14:creationId xmlns:p14="http://schemas.microsoft.com/office/powerpoint/2010/main" xmlns="" val="522405798"/>
+        <p14:creationId xmlns="" xmlns:p14="http://schemas.microsoft.com/office/powerpoint/2010/main" val="522405798"/>
       </p:ext>
     </p:extLst>
   </p:cSld>
@@ -31451,7 +31927,7 @@
     </p:spTree>
     <p:extLst>
       <p:ext uri="{BB962C8B-B14F-4D97-AF65-F5344CB8AC3E}">
-        <p14:creationId xmlns:p14="http://schemas.microsoft.com/office/powerpoint/2010/main" xmlns="" val="522405798"/>
+        <p14:creationId xmlns="" xmlns:p14="http://schemas.microsoft.com/office/powerpoint/2010/main" val="522405798"/>
       </p:ext>
     </p:extLst>
   </p:cSld>
@@ -31490,29 +31966,32 @@
       </p:grpSpPr>
       <p:sp>
         <p:nvSpPr>
-          <p:cNvPr id="3" name="文字版面配置區 2"/>
-          <p:cNvSpPr>
-            <a:spLocks noGrp="1"/>
-          </p:cNvSpPr>
-          <p:nvPr>
-            <p:ph type="body" sz="quarter" idx="11"/>
-          </p:nvPr>
+          <p:cNvPr id="4" name="文字版面配置區 2"/>
+          <p:cNvSpPr txBox="1">
+            <a:spLocks/>
+          </p:cNvSpPr>
+          <p:nvPr/>
         </p:nvSpPr>
         <p:spPr>
           <a:xfrm>
-            <a:off x="3048000" y="2971800"/>
-            <a:ext cx="4648200" cy="990600"/>
+            <a:off x="2895600" y="304800"/>
+            <a:ext cx="5334000" cy="990600"/>
           </a:xfrm>
+          <a:prstGeom prst="rect">
+            <a:avLst/>
+          </a:prstGeom>
         </p:spPr>
         <p:txBody>
-          <a:bodyPr/>
-          <a:lstStyle/>
-          <a:p>
-            <a:pPr algn="just"/>
-            <a:r>
-              <a:rPr lang="zh-TW" altLang="en-US" sz="5400" b="1" dirty="0" smtClean="0">
+          <a:bodyPr tIns="91440" bIns="91440" anchor="b" anchorCtr="0">
+            <a:noAutofit/>
+          </a:bodyPr>
+          <a:lstStyle/>
+          <a:p>
+            <a:pPr marL="361950" indent="-361950"/>
+            <a:r>
+              <a:rPr kumimoji="1" lang="zh-TW" altLang="en-US" sz="4800" b="1" dirty="0" smtClean="0">
                 <a:solidFill>
-                  <a:srgbClr val="00B0F0"/>
+                  <a:srgbClr val="FFFF00"/>
                 </a:solidFill>
                 <a:effectLst>
                   <a:outerShdw blurRad="38100" dist="38100" dir="2700000" algn="tl">
@@ -31521,14 +32000,15 @@
                     </a:srgbClr>
                   </a:outerShdw>
                 </a:effectLst>
-                <a:latin typeface="微軟正黑體" panose="020B0604030504040204" pitchFamily="34" charset="-120"/>
-                <a:ea typeface="微軟正黑體" panose="020B0604030504040204" pitchFamily="34" charset="-120"/>
-              </a:rPr>
-              <a:t>影像梯度</a:t>
-            </a:r>
-            <a:endParaRPr lang="en-US" altLang="zh-TW" sz="5400" b="1" dirty="0" smtClean="0">
+                <a:latin typeface="微軟正黑體" pitchFamily="34" charset="-120"/>
+                <a:ea typeface="微軟正黑體" pitchFamily="34" charset="-120"/>
+                <a:cs typeface="Heiti TC Light"/>
+              </a:rPr>
+              <a:t>通用形態學</a:t>
+            </a:r>
+            <a:endParaRPr kumimoji="1" lang="en-US" altLang="zh-TW" sz="4800" b="1" dirty="0" smtClean="0">
               <a:solidFill>
-                <a:srgbClr val="00B0F0"/>
+                <a:srgbClr val="FFFF00"/>
               </a:solidFill>
               <a:effectLst>
                 <a:outerShdw blurRad="38100" dist="38100" dir="2700000" algn="tl">
@@ -31537,16 +32017,49 @@
                   </a:srgbClr>
                 </a:outerShdw>
               </a:effectLst>
-              <a:latin typeface="微軟正黑體" panose="020B0604030504040204" pitchFamily="34" charset="-120"/>
-              <a:ea typeface="微軟正黑體" panose="020B0604030504040204" pitchFamily="34" charset="-120"/>
+              <a:latin typeface="微軟正黑體" pitchFamily="34" charset="-120"/>
+              <a:ea typeface="微軟正黑體" pitchFamily="34" charset="-120"/>
+              <a:cs typeface="Heiti TC Light"/>
             </a:endParaRPr>
           </a:p>
         </p:txBody>
       </p:sp>
+      <p:pic>
+        <p:nvPicPr>
+          <p:cNvPr id="173058" name="Picture 2"/>
+          <p:cNvPicPr>
+            <a:picLocks noChangeAspect="1" noChangeArrowheads="1"/>
+          </p:cNvPicPr>
+          <p:nvPr/>
+        </p:nvPicPr>
+        <p:blipFill>
+          <a:blip r:embed="rId3" cstate="print"/>
+          <a:srcRect/>
+          <a:stretch>
+            <a:fillRect/>
+          </a:stretch>
+        </p:blipFill>
+        <p:spPr bwMode="auto">
+          <a:xfrm>
+            <a:off x="304800" y="1752600"/>
+            <a:ext cx="8510580" cy="3352800"/>
+          </a:xfrm>
+          <a:prstGeom prst="rect">
+            <a:avLst/>
+          </a:prstGeom>
+          <a:noFill/>
+          <a:ln w="9525">
+            <a:noFill/>
+            <a:miter lim="800000"/>
+            <a:headEnd/>
+            <a:tailEnd/>
+          </a:ln>
+        </p:spPr>
+      </p:pic>
     </p:spTree>
     <p:extLst>
       <p:ext uri="{BB962C8B-B14F-4D97-AF65-F5344CB8AC3E}">
-        <p14:creationId xmlns="" xmlns:p14="http://schemas.microsoft.com/office/powerpoint/2010/main" val="3907764274"/>
+        <p14:creationId xmlns="" xmlns:p14="http://schemas.microsoft.com/office/powerpoint/2010/main" val="522405798"/>
       </p:ext>
     </p:extLst>
   </p:cSld>
@@ -31556,6 +32069,13 @@
   <p:transition>
     <p:fade/>
   </p:transition>
+  <p:timing>
+    <p:tnLst>
+      <p:par>
+        <p:cTn id="1" dur="indefinite" restart="never" nodeType="tmRoot"/>
+      </p:par>
+    </p:tnLst>
+  </p:timing>
 </p:sld>
 </file>
 
@@ -31578,6 +32098,94 @@
       </p:grpSpPr>
       <p:sp>
         <p:nvSpPr>
+          <p:cNvPr id="3" name="文字版面配置區 2"/>
+          <p:cNvSpPr>
+            <a:spLocks noGrp="1"/>
+          </p:cNvSpPr>
+          <p:nvPr>
+            <p:ph type="body" sz="quarter" idx="11"/>
+          </p:nvPr>
+        </p:nvSpPr>
+        <p:spPr>
+          <a:xfrm>
+            <a:off x="3048000" y="2971800"/>
+            <a:ext cx="4648200" cy="990600"/>
+          </a:xfrm>
+        </p:spPr>
+        <p:txBody>
+          <a:bodyPr/>
+          <a:lstStyle/>
+          <a:p>
+            <a:pPr algn="just"/>
+            <a:r>
+              <a:rPr lang="zh-TW" altLang="en-US" sz="5400" b="1" dirty="0" smtClean="0">
+                <a:solidFill>
+                  <a:srgbClr val="00B0F0"/>
+                </a:solidFill>
+                <a:effectLst>
+                  <a:outerShdw blurRad="38100" dist="38100" dir="2700000" algn="tl">
+                    <a:srgbClr val="000000">
+                      <a:alpha val="43137"/>
+                    </a:srgbClr>
+                  </a:outerShdw>
+                </a:effectLst>
+                <a:latin typeface="微軟正黑體" panose="020B0604030504040204" pitchFamily="34" charset="-120"/>
+                <a:ea typeface="微軟正黑體" panose="020B0604030504040204" pitchFamily="34" charset="-120"/>
+              </a:rPr>
+              <a:t>影像梯度</a:t>
+            </a:r>
+            <a:endParaRPr lang="en-US" altLang="zh-TW" sz="5400" b="1" dirty="0" smtClean="0">
+              <a:solidFill>
+                <a:srgbClr val="00B0F0"/>
+              </a:solidFill>
+              <a:effectLst>
+                <a:outerShdw blurRad="38100" dist="38100" dir="2700000" algn="tl">
+                  <a:srgbClr val="000000">
+                    <a:alpha val="43137"/>
+                  </a:srgbClr>
+                </a:outerShdw>
+              </a:effectLst>
+              <a:latin typeface="微軟正黑體" panose="020B0604030504040204" pitchFamily="34" charset="-120"/>
+              <a:ea typeface="微軟正黑體" panose="020B0604030504040204" pitchFamily="34" charset="-120"/>
+            </a:endParaRPr>
+          </a:p>
+        </p:txBody>
+      </p:sp>
+    </p:spTree>
+    <p:extLst>
+      <p:ext uri="{BB962C8B-B14F-4D97-AF65-F5344CB8AC3E}">
+        <p14:creationId xmlns:p14="http://schemas.microsoft.com/office/powerpoint/2010/main" xmlns="" val="3907764274"/>
+      </p:ext>
+    </p:extLst>
+  </p:cSld>
+  <p:clrMapOvr>
+    <a:masterClrMapping/>
+  </p:clrMapOvr>
+  <p:transition>
+    <p:fade/>
+  </p:transition>
+</p:sld>
+</file>
+
+<file path=ppt/slides/slide142.xml><?xml version="1.0" encoding="utf-8"?>
+<p:sld xmlns:a="http://schemas.openxmlformats.org/drawingml/2006/main" xmlns:r="http://schemas.openxmlformats.org/officeDocument/2006/relationships" xmlns:p="http://schemas.openxmlformats.org/presentationml/2006/main">
+  <p:cSld>
+    <p:spTree>
+      <p:nvGrpSpPr>
+        <p:cNvPr id="1" name=""/>
+        <p:cNvGrpSpPr/>
+        <p:nvPr/>
+      </p:nvGrpSpPr>
+      <p:grpSpPr>
+        <a:xfrm>
+          <a:off x="0" y="0"/>
+          <a:ext cx="0" cy="0"/>
+          <a:chOff x="0" y="0"/>
+          <a:chExt cx="0" cy="0"/>
+        </a:xfrm>
+      </p:grpSpPr>
+      <p:sp>
+        <p:nvSpPr>
           <p:cNvPr id="4" name="文字版面配置區 2"/>
           <p:cNvSpPr txBox="1">
             <a:spLocks/>
@@ -31645,7 +32253,7 @@
         <p:spPr>
           <a:xfrm>
             <a:off x="838200" y="2133600"/>
-            <a:ext cx="7620000" cy="3416320"/>
+            <a:ext cx="7620000" cy="3970318"/>
           </a:xfrm>
           <a:prstGeom prst="rect">
             <a:avLst/>
@@ -31662,11 +32270,11 @@
               <a:buChar char="•"/>
             </a:pPr>
             <a:r>
-              <a:rPr lang="zh-TW" altLang="zh-TW" sz="3600" dirty="0" smtClean="0">
-                <a:latin typeface="微軟正黑體" pitchFamily="34" charset="-120"/>
-                <a:ea typeface="微軟正黑體" pitchFamily="34" charset="-120"/>
-              </a:rPr>
-              <a:t>計算的是影像變化的速度</a:t>
+              <a:rPr lang="zh-TW" altLang="en-US" sz="3600" dirty="0" smtClean="0">
+                <a:latin typeface="微軟正黑體" pitchFamily="34" charset="-120"/>
+                <a:ea typeface="微軟正黑體" pitchFamily="34" charset="-120"/>
+              </a:rPr>
+              <a:t>什麼是梯度？</a:t>
             </a:r>
             <a:endParaRPr lang="en-US" altLang="zh-TW" sz="3600" dirty="0" smtClean="0">
               <a:latin typeface="微軟正黑體" pitchFamily="34" charset="-120"/>
@@ -31679,18 +32287,18 @@
               <a:buChar char="•"/>
             </a:pPr>
             <a:r>
-              <a:rPr lang="zh-TW" altLang="en-US" sz="3600" dirty="0" smtClean="0">
-                <a:latin typeface="微軟正黑體" pitchFamily="34" charset="-120"/>
-                <a:ea typeface="微軟正黑體" pitchFamily="34" charset="-120"/>
-              </a:rPr>
-              <a:t>邊</a:t>
-            </a:r>
-            <a:r>
               <a:rPr lang="zh-TW" altLang="zh-TW" sz="3600" dirty="0" smtClean="0">
                 <a:latin typeface="微軟正黑體" pitchFamily="34" charset="-120"/>
                 <a:ea typeface="微軟正黑體" pitchFamily="34" charset="-120"/>
               </a:rPr>
-              <a:t>緣部分，其灰階值變化較大，梯度值也較大</a:t>
+              <a:t>計算</a:t>
+            </a:r>
+            <a:r>
+              <a:rPr lang="zh-TW" altLang="zh-TW" sz="3600" dirty="0" smtClean="0">
+                <a:latin typeface="微軟正黑體" pitchFamily="34" charset="-120"/>
+                <a:ea typeface="微軟正黑體" pitchFamily="34" charset="-120"/>
+              </a:rPr>
+              <a:t>的是影像變化的速度</a:t>
             </a:r>
             <a:endParaRPr lang="en-US" altLang="zh-TW" sz="3600" dirty="0" smtClean="0">
               <a:latin typeface="微軟正黑體" pitchFamily="34" charset="-120"/>
@@ -31703,11 +32311,18 @@
               <a:buChar char="•"/>
             </a:pPr>
             <a:r>
+              <a:rPr lang="zh-TW" altLang="en-US" sz="3600" dirty="0" smtClean="0">
+                <a:latin typeface="微軟正黑體" pitchFamily="34" charset="-120"/>
+                <a:ea typeface="微軟正黑體" pitchFamily="34" charset="-120"/>
+              </a:rPr>
+              <a:t>邊</a:t>
+            </a:r>
+            <a:r>
               <a:rPr lang="zh-TW" altLang="zh-TW" sz="3600" dirty="0" smtClean="0">
                 <a:latin typeface="微軟正黑體" pitchFamily="34" charset="-120"/>
                 <a:ea typeface="微軟正黑體" pitchFamily="34" charset="-120"/>
               </a:rPr>
-              <a:t>平滑的部分，其灰階值變化較小，對應的梯度值也較小</a:t>
+              <a:t>緣部分，其灰階值變化較大，梯度值也較大</a:t>
             </a:r>
             <a:endParaRPr lang="en-US" altLang="zh-TW" sz="3600" dirty="0" smtClean="0">
               <a:latin typeface="微軟正黑體" pitchFamily="34" charset="-120"/>
@@ -31724,6 +32339,23 @@
                 <a:latin typeface="微軟正黑體" pitchFamily="34" charset="-120"/>
                 <a:ea typeface="微軟正黑體" pitchFamily="34" charset="-120"/>
               </a:rPr>
+              <a:t>平滑的部分，其灰階值變化較小，對應的梯度值也較小</a:t>
+            </a:r>
+            <a:endParaRPr lang="en-US" altLang="zh-TW" sz="3600" dirty="0" smtClean="0">
+              <a:latin typeface="微軟正黑體" pitchFamily="34" charset="-120"/>
+              <a:ea typeface="微軟正黑體" pitchFamily="34" charset="-120"/>
+            </a:endParaRPr>
+          </a:p>
+          <a:p>
+            <a:pPr marL="271463" indent="-271463">
+              <a:buFont typeface="Arial" pitchFamily="34" charset="0"/>
+              <a:buChar char="•"/>
+            </a:pPr>
+            <a:r>
+              <a:rPr lang="zh-TW" altLang="zh-TW" sz="3600" dirty="0" smtClean="0">
+                <a:latin typeface="微軟正黑體" pitchFamily="34" charset="-120"/>
+                <a:ea typeface="微軟正黑體" pitchFamily="34" charset="-120"/>
+              </a:rPr>
               <a:t>計算的是影像的邊緣資訊</a:t>
             </a:r>
             <a:endParaRPr lang="zh-TW" altLang="zh-TW" sz="3600" dirty="0">
@@ -31736,7 +32368,7 @@
     </p:spTree>
     <p:extLst>
       <p:ext uri="{BB962C8B-B14F-4D97-AF65-F5344CB8AC3E}">
-        <p14:creationId xmlns:p14="http://schemas.microsoft.com/office/powerpoint/2010/main" xmlns="" val="522405798"/>
+        <p14:creationId xmlns="" xmlns:p14="http://schemas.microsoft.com/office/powerpoint/2010/main" val="522405798"/>
       </p:ext>
     </p:extLst>
   </p:cSld>
@@ -31756,7 +32388,7 @@
 </p:sld>
 </file>
 
-<file path=ppt/slides/slide142.xml><?xml version="1.0" encoding="utf-8"?>
+<file path=ppt/slides/slide143.xml><?xml version="1.0" encoding="utf-8"?>
 <p:sld xmlns:a="http://schemas.openxmlformats.org/drawingml/2006/main" xmlns:r="http://schemas.openxmlformats.org/officeDocument/2006/relationships" xmlns:p="http://schemas.openxmlformats.org/presentationml/2006/main">
   <p:cSld>
     <p:spTree>
@@ -31984,201 +32616,7 @@
     </p:spTree>
     <p:extLst>
       <p:ext uri="{BB962C8B-B14F-4D97-AF65-F5344CB8AC3E}">
-        <p14:creationId xmlns:p14="http://schemas.microsoft.com/office/powerpoint/2010/main" xmlns="" val="522405798"/>
-      </p:ext>
-    </p:extLst>
-  </p:cSld>
-  <p:clrMapOvr>
-    <a:masterClrMapping/>
-  </p:clrMapOvr>
-  <p:transition>
-    <p:fade/>
-  </p:transition>
-  <p:timing>
-    <p:tnLst>
-      <p:par>
-        <p:cTn id="1" dur="indefinite" restart="never" nodeType="tmRoot"/>
-      </p:par>
-    </p:tnLst>
-  </p:timing>
-</p:sld>
-</file>
-
-<file path=ppt/slides/slide143.xml><?xml version="1.0" encoding="utf-8"?>
-<p:sld xmlns:a="http://schemas.openxmlformats.org/drawingml/2006/main" xmlns:r="http://schemas.openxmlformats.org/officeDocument/2006/relationships" xmlns:p="http://schemas.openxmlformats.org/presentationml/2006/main">
-  <p:cSld>
-    <p:spTree>
-      <p:nvGrpSpPr>
-        <p:cNvPr id="1" name=""/>
-        <p:cNvGrpSpPr/>
-        <p:nvPr/>
-      </p:nvGrpSpPr>
-      <p:grpSpPr>
-        <a:xfrm>
-          <a:off x="0" y="0"/>
-          <a:ext cx="0" cy="0"/>
-          <a:chOff x="0" y="0"/>
-          <a:chExt cx="0" cy="0"/>
-        </a:xfrm>
-      </p:grpSpPr>
-      <p:sp>
-        <p:nvSpPr>
-          <p:cNvPr id="4" name="文字版面配置區 2"/>
-          <p:cNvSpPr txBox="1">
-            <a:spLocks/>
-          </p:cNvSpPr>
-          <p:nvPr/>
-        </p:nvSpPr>
-        <p:spPr>
-          <a:xfrm>
-            <a:off x="2133600" y="304800"/>
-            <a:ext cx="5334000" cy="990600"/>
-          </a:xfrm>
-          <a:prstGeom prst="rect">
-            <a:avLst/>
-          </a:prstGeom>
-        </p:spPr>
-        <p:txBody>
-          <a:bodyPr tIns="91440" bIns="91440" anchor="b" anchorCtr="0">
-            <a:noAutofit/>
-          </a:bodyPr>
-          <a:lstStyle/>
-          <a:p>
-            <a:pPr marL="361950" indent="-361950"/>
-            <a:r>
-              <a:rPr kumimoji="1" lang="zh-TW" altLang="en-US" sz="4800" b="1" dirty="0" smtClean="0">
-                <a:solidFill>
-                  <a:srgbClr val="FFFF00"/>
-                </a:solidFill>
-                <a:effectLst>
-                  <a:outerShdw blurRad="38100" dist="38100" dir="2700000" algn="tl">
-                    <a:srgbClr val="000000">
-                      <a:alpha val="43137"/>
-                    </a:srgbClr>
-                  </a:outerShdw>
-                </a:effectLst>
-                <a:latin typeface="微軟正黑體" pitchFamily="34" charset="-120"/>
-                <a:ea typeface="微軟正黑體" pitchFamily="34" charset="-120"/>
-                <a:cs typeface="Heiti TC Light"/>
-              </a:rPr>
-              <a:t>形態學之影像梯度</a:t>
-            </a:r>
-            <a:endParaRPr kumimoji="1" lang="en-US" altLang="zh-TW" sz="4800" b="1" dirty="0" smtClean="0">
-              <a:solidFill>
-                <a:srgbClr val="FFFF00"/>
-              </a:solidFill>
-              <a:effectLst>
-                <a:outerShdw blurRad="38100" dist="38100" dir="2700000" algn="tl">
-                  <a:srgbClr val="000000">
-                    <a:alpha val="43137"/>
-                  </a:srgbClr>
-                </a:outerShdw>
-              </a:effectLst>
-              <a:latin typeface="微軟正黑體" pitchFamily="34" charset="-120"/>
-              <a:ea typeface="微軟正黑體" pitchFamily="34" charset="-120"/>
-              <a:cs typeface="Heiti TC Light"/>
-            </a:endParaRPr>
-          </a:p>
-        </p:txBody>
-      </p:sp>
-      <p:sp>
-        <p:nvSpPr>
-          <p:cNvPr id="5" name="矩形 4"/>
-          <p:cNvSpPr/>
-          <p:nvPr/>
-        </p:nvSpPr>
-        <p:spPr>
-          <a:xfrm>
-            <a:off x="838200" y="2133600"/>
-            <a:ext cx="7620000" cy="1569660"/>
-          </a:xfrm>
-          <a:prstGeom prst="rect">
-            <a:avLst/>
-          </a:prstGeom>
-        </p:spPr>
-        <p:txBody>
-          <a:bodyPr wrap="square">
-            <a:spAutoFit/>
-          </a:bodyPr>
-          <a:lstStyle/>
-          <a:p>
-            <a:pPr marL="271463" indent="-271463">
-              <a:buFont typeface="Arial" pitchFamily="34" charset="0"/>
-              <a:buChar char="•"/>
-            </a:pPr>
-            <a:r>
-              <a:rPr lang="en-US" altLang="zh-TW" sz="3200" dirty="0" err="1" smtClean="0">
-                <a:latin typeface="微軟正黑體" pitchFamily="34" charset="-120"/>
-                <a:ea typeface="微軟正黑體" pitchFamily="34" charset="-120"/>
-              </a:rPr>
-              <a:t>Sobel</a:t>
-            </a:r>
-            <a:r>
-              <a:rPr lang="zh-TW" altLang="zh-TW" sz="3200" dirty="0" smtClean="0">
-                <a:latin typeface="微軟正黑體" pitchFamily="34" charset="-120"/>
-                <a:ea typeface="微軟正黑體" pitchFamily="34" charset="-120"/>
-              </a:rPr>
-              <a:t>運算元</a:t>
-            </a:r>
-            <a:endParaRPr lang="en-US" altLang="zh-TW" sz="3200" dirty="0" smtClean="0">
-              <a:latin typeface="微軟正黑體" pitchFamily="34" charset="-120"/>
-              <a:ea typeface="微軟正黑體" pitchFamily="34" charset="-120"/>
-            </a:endParaRPr>
-          </a:p>
-          <a:p>
-            <a:pPr marL="271463" indent="-271463">
-              <a:buFont typeface="Arial" pitchFamily="34" charset="0"/>
-              <a:buChar char="•"/>
-            </a:pPr>
-            <a:r>
-              <a:rPr lang="en-US" altLang="zh-TW" sz="3200" dirty="0" err="1" smtClean="0">
-                <a:latin typeface="微軟正黑體" pitchFamily="34" charset="-120"/>
-                <a:ea typeface="微軟正黑體" pitchFamily="34" charset="-120"/>
-              </a:rPr>
-              <a:t>Scharr</a:t>
-            </a:r>
-            <a:r>
-              <a:rPr lang="zh-TW" altLang="zh-TW" sz="3200" dirty="0" smtClean="0">
-                <a:latin typeface="微軟正黑體" pitchFamily="34" charset="-120"/>
-                <a:ea typeface="微軟正黑體" pitchFamily="34" charset="-120"/>
-              </a:rPr>
-              <a:t>運算元</a:t>
-            </a:r>
-            <a:endParaRPr lang="en-US" altLang="zh-TW" sz="3200" dirty="0" smtClean="0">
-              <a:latin typeface="微軟正黑體" pitchFamily="34" charset="-120"/>
-              <a:ea typeface="微軟正黑體" pitchFamily="34" charset="-120"/>
-            </a:endParaRPr>
-          </a:p>
-          <a:p>
-            <a:pPr marL="271463" indent="-271463">
-              <a:buFont typeface="Arial" pitchFamily="34" charset="0"/>
-              <a:buChar char="•"/>
-            </a:pPr>
-            <a:r>
-              <a:rPr lang="en-US" altLang="zh-TW" sz="3200" dirty="0" err="1" smtClean="0">
-                <a:latin typeface="微軟正黑體" pitchFamily="34" charset="-120"/>
-                <a:ea typeface="微軟正黑體" pitchFamily="34" charset="-120"/>
-              </a:rPr>
-              <a:t>Laplacian</a:t>
-            </a:r>
-            <a:r>
-              <a:rPr lang="zh-TW" altLang="zh-TW" sz="3200" dirty="0" smtClean="0">
-                <a:latin typeface="微軟正黑體" pitchFamily="34" charset="-120"/>
-                <a:ea typeface="微軟正黑體" pitchFamily="34" charset="-120"/>
-              </a:rPr>
-              <a:t>運算元</a:t>
-            </a:r>
-            <a:endParaRPr lang="zh-TW" altLang="zh-TW" sz="3200" dirty="0">
-              <a:latin typeface="微軟正黑體" pitchFamily="34" charset="-120"/>
-              <a:ea typeface="微軟正黑體" pitchFamily="34" charset="-120"/>
-            </a:endParaRPr>
-          </a:p>
-        </p:txBody>
-      </p:sp>
-    </p:spTree>
-    <p:extLst>
-      <p:ext uri="{BB962C8B-B14F-4D97-AF65-F5344CB8AC3E}">
-        <p14:creationId xmlns:p14="http://schemas.microsoft.com/office/powerpoint/2010/main" xmlns="" val="522405798"/>
+        <p14:creationId xmlns="" xmlns:p14="http://schemas.microsoft.com/office/powerpoint/2010/main" val="522405798"/>
       </p:ext>
     </p:extLst>
   </p:cSld>
@@ -32255,6 +32693,200 @@
                 <a:ea typeface="微軟正黑體" pitchFamily="34" charset="-120"/>
                 <a:cs typeface="Heiti TC Light"/>
               </a:rPr>
+              <a:t>形態學之影像梯度</a:t>
+            </a:r>
+            <a:endParaRPr kumimoji="1" lang="en-US" altLang="zh-TW" sz="4800" b="1" dirty="0" smtClean="0">
+              <a:solidFill>
+                <a:srgbClr val="FFFF00"/>
+              </a:solidFill>
+              <a:effectLst>
+                <a:outerShdw blurRad="38100" dist="38100" dir="2700000" algn="tl">
+                  <a:srgbClr val="000000">
+                    <a:alpha val="43137"/>
+                  </a:srgbClr>
+                </a:outerShdw>
+              </a:effectLst>
+              <a:latin typeface="微軟正黑體" pitchFamily="34" charset="-120"/>
+              <a:ea typeface="微軟正黑體" pitchFamily="34" charset="-120"/>
+              <a:cs typeface="Heiti TC Light"/>
+            </a:endParaRPr>
+          </a:p>
+        </p:txBody>
+      </p:sp>
+      <p:sp>
+        <p:nvSpPr>
+          <p:cNvPr id="5" name="矩形 4"/>
+          <p:cNvSpPr/>
+          <p:nvPr/>
+        </p:nvSpPr>
+        <p:spPr>
+          <a:xfrm>
+            <a:off x="838200" y="2133600"/>
+            <a:ext cx="7620000" cy="1569660"/>
+          </a:xfrm>
+          <a:prstGeom prst="rect">
+            <a:avLst/>
+          </a:prstGeom>
+        </p:spPr>
+        <p:txBody>
+          <a:bodyPr wrap="square">
+            <a:spAutoFit/>
+          </a:bodyPr>
+          <a:lstStyle/>
+          <a:p>
+            <a:pPr marL="271463" indent="-271463">
+              <a:buFont typeface="Arial" pitchFamily="34" charset="0"/>
+              <a:buChar char="•"/>
+            </a:pPr>
+            <a:r>
+              <a:rPr lang="en-US" altLang="zh-TW" sz="3200" dirty="0" err="1" smtClean="0">
+                <a:latin typeface="微軟正黑體" pitchFamily="34" charset="-120"/>
+                <a:ea typeface="微軟正黑體" pitchFamily="34" charset="-120"/>
+              </a:rPr>
+              <a:t>Sobel</a:t>
+            </a:r>
+            <a:r>
+              <a:rPr lang="zh-TW" altLang="zh-TW" sz="3200" dirty="0" smtClean="0">
+                <a:latin typeface="微軟正黑體" pitchFamily="34" charset="-120"/>
+                <a:ea typeface="微軟正黑體" pitchFamily="34" charset="-120"/>
+              </a:rPr>
+              <a:t>運算元</a:t>
+            </a:r>
+            <a:endParaRPr lang="en-US" altLang="zh-TW" sz="3200" dirty="0" smtClean="0">
+              <a:latin typeface="微軟正黑體" pitchFamily="34" charset="-120"/>
+              <a:ea typeface="微軟正黑體" pitchFamily="34" charset="-120"/>
+            </a:endParaRPr>
+          </a:p>
+          <a:p>
+            <a:pPr marL="271463" indent="-271463">
+              <a:buFont typeface="Arial" pitchFamily="34" charset="0"/>
+              <a:buChar char="•"/>
+            </a:pPr>
+            <a:r>
+              <a:rPr lang="en-US" altLang="zh-TW" sz="3200" dirty="0" err="1" smtClean="0">
+                <a:latin typeface="微軟正黑體" pitchFamily="34" charset="-120"/>
+                <a:ea typeface="微軟正黑體" pitchFamily="34" charset="-120"/>
+              </a:rPr>
+              <a:t>Scharr</a:t>
+            </a:r>
+            <a:r>
+              <a:rPr lang="zh-TW" altLang="zh-TW" sz="3200" dirty="0" smtClean="0">
+                <a:latin typeface="微軟正黑體" pitchFamily="34" charset="-120"/>
+                <a:ea typeface="微軟正黑體" pitchFamily="34" charset="-120"/>
+              </a:rPr>
+              <a:t>運算元</a:t>
+            </a:r>
+            <a:endParaRPr lang="en-US" altLang="zh-TW" sz="3200" dirty="0" smtClean="0">
+              <a:latin typeface="微軟正黑體" pitchFamily="34" charset="-120"/>
+              <a:ea typeface="微軟正黑體" pitchFamily="34" charset="-120"/>
+            </a:endParaRPr>
+          </a:p>
+          <a:p>
+            <a:pPr marL="271463" indent="-271463">
+              <a:buFont typeface="Arial" pitchFamily="34" charset="0"/>
+              <a:buChar char="•"/>
+            </a:pPr>
+            <a:r>
+              <a:rPr lang="en-US" altLang="zh-TW" sz="3200" dirty="0" err="1" smtClean="0">
+                <a:latin typeface="微軟正黑體" pitchFamily="34" charset="-120"/>
+                <a:ea typeface="微軟正黑體" pitchFamily="34" charset="-120"/>
+              </a:rPr>
+              <a:t>Laplacian</a:t>
+            </a:r>
+            <a:r>
+              <a:rPr lang="zh-TW" altLang="zh-TW" sz="3200" dirty="0" smtClean="0">
+                <a:latin typeface="微軟正黑體" pitchFamily="34" charset="-120"/>
+                <a:ea typeface="微軟正黑體" pitchFamily="34" charset="-120"/>
+              </a:rPr>
+              <a:t>運算元</a:t>
+            </a:r>
+            <a:endParaRPr lang="zh-TW" altLang="zh-TW" sz="3200" dirty="0">
+              <a:latin typeface="微軟正黑體" pitchFamily="34" charset="-120"/>
+              <a:ea typeface="微軟正黑體" pitchFamily="34" charset="-120"/>
+            </a:endParaRPr>
+          </a:p>
+        </p:txBody>
+      </p:sp>
+    </p:spTree>
+    <p:extLst>
+      <p:ext uri="{BB962C8B-B14F-4D97-AF65-F5344CB8AC3E}">
+        <p14:creationId xmlns="" xmlns:p14="http://schemas.microsoft.com/office/powerpoint/2010/main" val="522405798"/>
+      </p:ext>
+    </p:extLst>
+  </p:cSld>
+  <p:clrMapOvr>
+    <a:masterClrMapping/>
+  </p:clrMapOvr>
+  <p:transition>
+    <p:fade/>
+  </p:transition>
+  <p:timing>
+    <p:tnLst>
+      <p:par>
+        <p:cTn id="1" dur="indefinite" restart="never" nodeType="tmRoot"/>
+      </p:par>
+    </p:tnLst>
+  </p:timing>
+</p:sld>
+</file>
+
+<file path=ppt/slides/slide145.xml><?xml version="1.0" encoding="utf-8"?>
+<p:sld xmlns:a="http://schemas.openxmlformats.org/drawingml/2006/main" xmlns:r="http://schemas.openxmlformats.org/officeDocument/2006/relationships" xmlns:p="http://schemas.openxmlformats.org/presentationml/2006/main">
+  <p:cSld>
+    <p:spTree>
+      <p:nvGrpSpPr>
+        <p:cNvPr id="1" name=""/>
+        <p:cNvGrpSpPr/>
+        <p:nvPr/>
+      </p:nvGrpSpPr>
+      <p:grpSpPr>
+        <a:xfrm>
+          <a:off x="0" y="0"/>
+          <a:ext cx="0" cy="0"/>
+          <a:chOff x="0" y="0"/>
+          <a:chExt cx="0" cy="0"/>
+        </a:xfrm>
+      </p:grpSpPr>
+      <p:sp>
+        <p:nvSpPr>
+          <p:cNvPr id="4" name="文字版面配置區 2"/>
+          <p:cNvSpPr txBox="1">
+            <a:spLocks/>
+          </p:cNvSpPr>
+          <p:nvPr/>
+        </p:nvSpPr>
+        <p:spPr>
+          <a:xfrm>
+            <a:off x="2133600" y="304800"/>
+            <a:ext cx="5334000" cy="990600"/>
+          </a:xfrm>
+          <a:prstGeom prst="rect">
+            <a:avLst/>
+          </a:prstGeom>
+        </p:spPr>
+        <p:txBody>
+          <a:bodyPr tIns="91440" bIns="91440" anchor="b" anchorCtr="0">
+            <a:noAutofit/>
+          </a:bodyPr>
+          <a:lstStyle/>
+          <a:p>
+            <a:pPr marL="361950" indent="-361950"/>
+            <a:r>
+              <a:rPr kumimoji="1" lang="zh-TW" altLang="en-US" sz="4800" b="1" dirty="0" smtClean="0">
+                <a:solidFill>
+                  <a:srgbClr val="FFFF00"/>
+                </a:solidFill>
+                <a:effectLst>
+                  <a:outerShdw blurRad="38100" dist="38100" dir="2700000" algn="tl">
+                    <a:srgbClr val="000000">
+                      <a:alpha val="43137"/>
+                    </a:srgbClr>
+                  </a:outerShdw>
+                </a:effectLst>
+                <a:latin typeface="微軟正黑體" pitchFamily="34" charset="-120"/>
+                <a:ea typeface="微軟正黑體" pitchFamily="34" charset="-120"/>
+                <a:cs typeface="Heiti TC Light"/>
+              </a:rPr>
               <a:t>影像梯度 </a:t>
             </a:r>
             <a:r>
@@ -32419,7 +33051,7 @@
     </p:spTree>
     <p:extLst>
       <p:ext uri="{BB962C8B-B14F-4D97-AF65-F5344CB8AC3E}">
-        <p14:creationId xmlns:p14="http://schemas.microsoft.com/office/powerpoint/2010/main" xmlns="" val="522405798"/>
+        <p14:creationId xmlns="" xmlns:p14="http://schemas.microsoft.com/office/powerpoint/2010/main" val="522405798"/>
       </p:ext>
     </p:extLst>
   </p:cSld>
@@ -32439,7 +33071,7 @@
 </p:sld>
 </file>
 
-<file path=ppt/slides/slide145.xml><?xml version="1.0" encoding="utf-8"?>
+<file path=ppt/slides/slide146.xml><?xml version="1.0" encoding="utf-8"?>
 <p:sld xmlns:a="http://schemas.openxmlformats.org/drawingml/2006/main" xmlns:r="http://schemas.openxmlformats.org/officeDocument/2006/relationships" xmlns:p="http://schemas.openxmlformats.org/presentationml/2006/main">
   <p:cSld>
     <p:spTree>
@@ -32637,7 +33269,7 @@
     </p:spTree>
     <p:extLst>
       <p:ext uri="{BB962C8B-B14F-4D97-AF65-F5344CB8AC3E}">
-        <p14:creationId xmlns:p14="http://schemas.microsoft.com/office/powerpoint/2010/main" xmlns="" val="522405798"/>
+        <p14:creationId xmlns="" xmlns:p14="http://schemas.microsoft.com/office/powerpoint/2010/main" val="522405798"/>
       </p:ext>
     </p:extLst>
   </p:cSld>
@@ -32657,7 +33289,7 @@
 </p:sld>
 </file>
 
-<file path=ppt/slides/slide146.xml><?xml version="1.0" encoding="utf-8"?>
+<file path=ppt/slides/slide147.xml><?xml version="1.0" encoding="utf-8"?>
 <p:sld xmlns:a="http://schemas.openxmlformats.org/drawingml/2006/main" xmlns:r="http://schemas.openxmlformats.org/officeDocument/2006/relationships" xmlns:p="http://schemas.openxmlformats.org/presentationml/2006/main">
   <p:cSld>
     <p:spTree>
@@ -32855,451 +33487,7 @@
     </p:spTree>
     <p:extLst>
       <p:ext uri="{BB962C8B-B14F-4D97-AF65-F5344CB8AC3E}">
-        <p14:creationId xmlns:p14="http://schemas.microsoft.com/office/powerpoint/2010/main" xmlns="" val="522405798"/>
-      </p:ext>
-    </p:extLst>
-  </p:cSld>
-  <p:clrMapOvr>
-    <a:masterClrMapping/>
-  </p:clrMapOvr>
-  <p:transition>
-    <p:fade/>
-  </p:transition>
-  <p:timing>
-    <p:tnLst>
-      <p:par>
-        <p:cTn id="1" dur="indefinite" restart="never" nodeType="tmRoot"/>
-      </p:par>
-    </p:tnLst>
-  </p:timing>
-</p:sld>
-</file>
-
-<file path=ppt/slides/slide147.xml><?xml version="1.0" encoding="utf-8"?>
-<p:sld xmlns:a="http://schemas.openxmlformats.org/drawingml/2006/main" xmlns:r="http://schemas.openxmlformats.org/officeDocument/2006/relationships" xmlns:p="http://schemas.openxmlformats.org/presentationml/2006/main">
-  <p:cSld>
-    <p:spTree>
-      <p:nvGrpSpPr>
-        <p:cNvPr id="1" name=""/>
-        <p:cNvGrpSpPr/>
-        <p:nvPr/>
-      </p:nvGrpSpPr>
-      <p:grpSpPr>
-        <a:xfrm>
-          <a:off x="0" y="0"/>
-          <a:ext cx="0" cy="0"/>
-          <a:chOff x="0" y="0"/>
-          <a:chExt cx="0" cy="0"/>
-        </a:xfrm>
-      </p:grpSpPr>
-      <p:sp>
-        <p:nvSpPr>
-          <p:cNvPr id="4" name="文字版面配置區 2"/>
-          <p:cNvSpPr txBox="1">
-            <a:spLocks/>
-          </p:cNvSpPr>
-          <p:nvPr/>
-        </p:nvSpPr>
-        <p:spPr>
-          <a:xfrm>
-            <a:off x="2133600" y="304800"/>
-            <a:ext cx="5334000" cy="990600"/>
-          </a:xfrm>
-          <a:prstGeom prst="rect">
-            <a:avLst/>
-          </a:prstGeom>
-        </p:spPr>
-        <p:txBody>
-          <a:bodyPr tIns="91440" bIns="91440" anchor="b" anchorCtr="0">
-            <a:noAutofit/>
-          </a:bodyPr>
-          <a:lstStyle/>
-          <a:p>
-            <a:pPr marL="361950" indent="-361950"/>
-            <a:r>
-              <a:rPr kumimoji="1" lang="en-US" altLang="zh-TW" sz="4800" b="1" dirty="0" err="1" smtClean="0">
-                <a:solidFill>
-                  <a:srgbClr val="FFFF00"/>
-                </a:solidFill>
-                <a:effectLst>
-                  <a:outerShdw blurRad="38100" dist="38100" dir="2700000" algn="tl">
-                    <a:srgbClr val="000000">
-                      <a:alpha val="43137"/>
-                    </a:srgbClr>
-                  </a:outerShdw>
-                </a:effectLst>
-                <a:latin typeface="微軟正黑體" pitchFamily="34" charset="-120"/>
-                <a:ea typeface="微軟正黑體" pitchFamily="34" charset="-120"/>
-                <a:cs typeface="Heiti TC Light"/>
-              </a:rPr>
-              <a:t>Sobel</a:t>
-            </a:r>
-            <a:r>
-              <a:rPr kumimoji="1" lang="zh-TW" altLang="en-US" sz="4800" b="1" dirty="0" smtClean="0">
-                <a:solidFill>
-                  <a:srgbClr val="FFFF00"/>
-                </a:solidFill>
-                <a:effectLst>
-                  <a:outerShdw blurRad="38100" dist="38100" dir="2700000" algn="tl">
-                    <a:srgbClr val="000000">
-                      <a:alpha val="43137"/>
-                    </a:srgbClr>
-                  </a:outerShdw>
-                </a:effectLst>
-                <a:latin typeface="微軟正黑體" pitchFamily="34" charset="-120"/>
-                <a:ea typeface="微軟正黑體" pitchFamily="34" charset="-120"/>
-                <a:cs typeface="Heiti TC Light"/>
-              </a:rPr>
-              <a:t>函數使用</a:t>
-            </a:r>
-            <a:endParaRPr kumimoji="1" lang="en-US" altLang="zh-TW" sz="4800" b="1" dirty="0" smtClean="0">
-              <a:solidFill>
-                <a:srgbClr val="FFFF00"/>
-              </a:solidFill>
-              <a:effectLst>
-                <a:outerShdw blurRad="38100" dist="38100" dir="2700000" algn="tl">
-                  <a:srgbClr val="000000">
-                    <a:alpha val="43137"/>
-                  </a:srgbClr>
-                </a:outerShdw>
-              </a:effectLst>
-              <a:latin typeface="微軟正黑體" pitchFamily="34" charset="-120"/>
-              <a:ea typeface="微軟正黑體" pitchFamily="34" charset="-120"/>
-              <a:cs typeface="Heiti TC Light"/>
-            </a:endParaRPr>
-          </a:p>
-        </p:txBody>
-      </p:sp>
-      <p:sp>
-        <p:nvSpPr>
-          <p:cNvPr id="5" name="矩形 4"/>
-          <p:cNvSpPr/>
-          <p:nvPr/>
-        </p:nvSpPr>
-        <p:spPr>
-          <a:xfrm>
-            <a:off x="533400" y="1600200"/>
-            <a:ext cx="8077200" cy="5016758"/>
-          </a:xfrm>
-          <a:prstGeom prst="rect">
-            <a:avLst/>
-          </a:prstGeom>
-        </p:spPr>
-        <p:txBody>
-          <a:bodyPr wrap="square">
-            <a:spAutoFit/>
-          </a:bodyPr>
-          <a:lstStyle/>
-          <a:p>
-            <a:r>
-              <a:rPr lang="en-US" altLang="zh-TW" sz="3200" dirty="0" err="1" smtClean="0">
-                <a:latin typeface="微軟正黑體" pitchFamily="34" charset="-120"/>
-                <a:ea typeface="微軟正黑體" pitchFamily="34" charset="-120"/>
-              </a:rPr>
-              <a:t>dst</a:t>
-            </a:r>
-            <a:r>
-              <a:rPr lang="en-US" altLang="zh-TW" sz="3200" dirty="0" smtClean="0">
-                <a:latin typeface="微軟正黑體" pitchFamily="34" charset="-120"/>
-                <a:ea typeface="微軟正黑體" pitchFamily="34" charset="-120"/>
-              </a:rPr>
-              <a:t> = cv2.Sobel( </a:t>
-            </a:r>
-            <a:r>
-              <a:rPr lang="en-US" altLang="zh-TW" sz="3200" dirty="0" err="1" smtClean="0">
-                <a:latin typeface="微軟正黑體" pitchFamily="34" charset="-120"/>
-                <a:ea typeface="微軟正黑體" pitchFamily="34" charset="-120"/>
-              </a:rPr>
-              <a:t>src</a:t>
-            </a:r>
-            <a:r>
-              <a:rPr lang="en-US" altLang="zh-TW" sz="3200" dirty="0" smtClean="0">
-                <a:latin typeface="微軟正黑體" pitchFamily="34" charset="-120"/>
-                <a:ea typeface="微軟正黑體" pitchFamily="34" charset="-120"/>
-              </a:rPr>
-              <a:t>, </a:t>
-            </a:r>
-            <a:r>
-              <a:rPr lang="en-US" altLang="zh-TW" sz="3200" dirty="0" err="1" smtClean="0">
-                <a:latin typeface="微軟正黑體" pitchFamily="34" charset="-120"/>
-                <a:ea typeface="微軟正黑體" pitchFamily="34" charset="-120"/>
-              </a:rPr>
-              <a:t>ddepth</a:t>
-            </a:r>
-            <a:r>
-              <a:rPr lang="en-US" altLang="zh-TW" sz="3200" dirty="0" smtClean="0">
-                <a:latin typeface="微軟正黑體" pitchFamily="34" charset="-120"/>
-                <a:ea typeface="微軟正黑體" pitchFamily="34" charset="-120"/>
-              </a:rPr>
-              <a:t>, </a:t>
-            </a:r>
-            <a:r>
-              <a:rPr lang="en-US" altLang="zh-TW" sz="3200" dirty="0" err="1" smtClean="0">
-                <a:latin typeface="微軟正黑體" pitchFamily="34" charset="-120"/>
-                <a:ea typeface="微軟正黑體" pitchFamily="34" charset="-120"/>
-              </a:rPr>
-              <a:t>dx</a:t>
-            </a:r>
-            <a:r>
-              <a:rPr lang="en-US" altLang="zh-TW" sz="3200" dirty="0" smtClean="0">
-                <a:latin typeface="微軟正黑體" pitchFamily="34" charset="-120"/>
-                <a:ea typeface="微軟正黑體" pitchFamily="34" charset="-120"/>
-              </a:rPr>
-              <a:t>, </a:t>
-            </a:r>
-            <a:r>
-              <a:rPr lang="en-US" altLang="zh-TW" sz="3200" dirty="0" err="1" smtClean="0">
-                <a:latin typeface="微軟正黑體" pitchFamily="34" charset="-120"/>
-                <a:ea typeface="微軟正黑體" pitchFamily="34" charset="-120"/>
-              </a:rPr>
-              <a:t>dy</a:t>
-            </a:r>
-            <a:r>
-              <a:rPr lang="en-US" altLang="zh-TW" sz="3200" dirty="0" smtClean="0">
-                <a:latin typeface="微軟正黑體" pitchFamily="34" charset="-120"/>
-                <a:ea typeface="微軟正黑體" pitchFamily="34" charset="-120"/>
-              </a:rPr>
-              <a:t>[,</a:t>
-            </a:r>
-            <a:r>
-              <a:rPr lang="en-US" altLang="zh-TW" sz="3200" dirty="0" err="1" smtClean="0">
-                <a:latin typeface="微軟正黑體" pitchFamily="34" charset="-120"/>
-                <a:ea typeface="微軟正黑體" pitchFamily="34" charset="-120"/>
-              </a:rPr>
-              <a:t>ksize</a:t>
-            </a:r>
-            <a:r>
-              <a:rPr lang="en-US" altLang="zh-TW" sz="3200" dirty="0" smtClean="0">
-                <a:latin typeface="微軟正黑體" pitchFamily="34" charset="-120"/>
-                <a:ea typeface="微軟正黑體" pitchFamily="34" charset="-120"/>
-              </a:rPr>
-              <a:t>[, scale[, delta[, </a:t>
-            </a:r>
-            <a:r>
-              <a:rPr lang="en-US" altLang="zh-TW" sz="3200" dirty="0" err="1" smtClean="0">
-                <a:latin typeface="微軟正黑體" pitchFamily="34" charset="-120"/>
-                <a:ea typeface="微軟正黑體" pitchFamily="34" charset="-120"/>
-              </a:rPr>
-              <a:t>borderType</a:t>
-            </a:r>
-            <a:r>
-              <a:rPr lang="en-US" altLang="zh-TW" sz="3200" dirty="0" smtClean="0">
-                <a:latin typeface="微軟正黑體" pitchFamily="34" charset="-120"/>
-                <a:ea typeface="微軟正黑體" pitchFamily="34" charset="-120"/>
-              </a:rPr>
-              <a:t>]]]] )</a:t>
-            </a:r>
-          </a:p>
-          <a:p>
-            <a:endParaRPr lang="en-US" altLang="zh-TW" sz="3200" dirty="0" smtClean="0">
-              <a:latin typeface="微軟正黑體" pitchFamily="34" charset="-120"/>
-              <a:ea typeface="微軟正黑體" pitchFamily="34" charset="-120"/>
-            </a:endParaRPr>
-          </a:p>
-          <a:p>
-            <a:pPr marL="358775" indent="-358775">
-              <a:buFont typeface="Arial" pitchFamily="34" charset="0"/>
-              <a:buChar char="•"/>
-            </a:pPr>
-            <a:r>
-              <a:rPr lang="en-US" altLang="zh-TW" sz="3200" dirty="0" err="1" smtClean="0">
-                <a:latin typeface="微軟正黑體" pitchFamily="34" charset="-120"/>
-                <a:ea typeface="微軟正黑體" pitchFamily="34" charset="-120"/>
-              </a:rPr>
-              <a:t>dst</a:t>
-            </a:r>
-            <a:r>
-              <a:rPr lang="zh-TW" altLang="zh-TW" sz="3200" dirty="0" smtClean="0">
-                <a:latin typeface="微軟正黑體" pitchFamily="34" charset="-120"/>
-                <a:ea typeface="微軟正黑體" pitchFamily="34" charset="-120"/>
-              </a:rPr>
-              <a:t>代表目標圖型</a:t>
-            </a:r>
-          </a:p>
-          <a:p>
-            <a:pPr marL="358775" indent="-358775">
-              <a:buFont typeface="Arial" pitchFamily="34" charset="0"/>
-              <a:buChar char="•"/>
-            </a:pPr>
-            <a:r>
-              <a:rPr lang="en-US" altLang="zh-TW" sz="3200" dirty="0" err="1" smtClean="0">
-                <a:latin typeface="微軟正黑體" pitchFamily="34" charset="-120"/>
-                <a:ea typeface="微軟正黑體" pitchFamily="34" charset="-120"/>
-              </a:rPr>
-              <a:t>src</a:t>
-            </a:r>
-            <a:r>
-              <a:rPr lang="zh-TW" altLang="zh-TW" sz="3200" dirty="0" smtClean="0">
-                <a:latin typeface="微軟正黑體" pitchFamily="34" charset="-120"/>
-                <a:ea typeface="微軟正黑體" pitchFamily="34" charset="-120"/>
-              </a:rPr>
-              <a:t>代表原始影像</a:t>
-            </a:r>
-          </a:p>
-          <a:p>
-            <a:pPr marL="358775" indent="-358775">
-              <a:buFont typeface="Arial" pitchFamily="34" charset="0"/>
-              <a:buChar char="•"/>
-            </a:pPr>
-            <a:r>
-              <a:rPr lang="en-US" altLang="zh-TW" sz="3200" dirty="0" err="1" smtClean="0">
-                <a:latin typeface="微軟正黑體" pitchFamily="34" charset="-120"/>
-                <a:ea typeface="微軟正黑體" pitchFamily="34" charset="-120"/>
-              </a:rPr>
-              <a:t>ddepth</a:t>
-            </a:r>
-            <a:r>
-              <a:rPr lang="zh-TW" altLang="zh-TW" sz="3200" dirty="0" smtClean="0">
-                <a:latin typeface="微軟正黑體" pitchFamily="34" charset="-120"/>
-                <a:ea typeface="微軟正黑體" pitchFamily="34" charset="-120"/>
-              </a:rPr>
-              <a:t>代表輸出影像的深度</a:t>
-            </a:r>
-            <a:endParaRPr lang="en-US" altLang="zh-TW" sz="3200" dirty="0" smtClean="0">
-              <a:latin typeface="微軟正黑體" pitchFamily="34" charset="-120"/>
-              <a:ea typeface="微軟正黑體" pitchFamily="34" charset="-120"/>
-            </a:endParaRPr>
-          </a:p>
-          <a:p>
-            <a:pPr marL="358775" indent="-358775">
-              <a:buFont typeface="Arial" pitchFamily="34" charset="0"/>
-              <a:buChar char="•"/>
-            </a:pPr>
-            <a:r>
-              <a:rPr lang="en-US" altLang="zh-TW" sz="3200" dirty="0" err="1" smtClean="0">
-                <a:latin typeface="微軟正黑體" pitchFamily="34" charset="-120"/>
-                <a:ea typeface="微軟正黑體" pitchFamily="34" charset="-120"/>
-              </a:rPr>
-              <a:t>dx</a:t>
-            </a:r>
-            <a:r>
-              <a:rPr lang="zh-TW" altLang="zh-TW" sz="3200" dirty="0" smtClean="0">
-                <a:latin typeface="微軟正黑體" pitchFamily="34" charset="-120"/>
-                <a:ea typeface="微軟正黑體" pitchFamily="34" charset="-120"/>
-              </a:rPr>
-              <a:t>代表</a:t>
-            </a:r>
-            <a:r>
-              <a:rPr lang="en-US" altLang="zh-TW" sz="3200" dirty="0" smtClean="0">
-                <a:latin typeface="微軟正黑體" pitchFamily="34" charset="-120"/>
-                <a:ea typeface="微軟正黑體" pitchFamily="34" charset="-120"/>
-              </a:rPr>
-              <a:t>x</a:t>
-            </a:r>
-            <a:r>
-              <a:rPr lang="zh-TW" altLang="zh-TW" sz="3200" dirty="0" smtClean="0">
-                <a:latin typeface="微軟正黑體" pitchFamily="34" charset="-120"/>
-                <a:ea typeface="微軟正黑體" pitchFamily="34" charset="-120"/>
-              </a:rPr>
-              <a:t>方向上的求導階數</a:t>
-            </a:r>
-          </a:p>
-          <a:p>
-            <a:pPr marL="358775" indent="-358775">
-              <a:buFont typeface="Arial" pitchFamily="34" charset="0"/>
-              <a:buChar char="•"/>
-            </a:pPr>
-            <a:r>
-              <a:rPr lang="en-US" altLang="zh-TW" sz="3200" dirty="0" err="1" smtClean="0">
-                <a:latin typeface="微軟正黑體" pitchFamily="34" charset="-120"/>
-                <a:ea typeface="微軟正黑體" pitchFamily="34" charset="-120"/>
-              </a:rPr>
-              <a:t>dy</a:t>
-            </a:r>
-            <a:r>
-              <a:rPr lang="zh-TW" altLang="zh-TW" sz="3200" dirty="0" smtClean="0">
-                <a:latin typeface="微軟正黑體" pitchFamily="34" charset="-120"/>
-                <a:ea typeface="微軟正黑體" pitchFamily="34" charset="-120"/>
-              </a:rPr>
-              <a:t>代表</a:t>
-            </a:r>
-            <a:r>
-              <a:rPr lang="en-US" altLang="zh-TW" sz="3200" dirty="0" smtClean="0">
-                <a:latin typeface="微軟正黑體" pitchFamily="34" charset="-120"/>
-                <a:ea typeface="微軟正黑體" pitchFamily="34" charset="-120"/>
-              </a:rPr>
-              <a:t>y</a:t>
-            </a:r>
-            <a:r>
-              <a:rPr lang="zh-TW" altLang="zh-TW" sz="3200" dirty="0" smtClean="0">
-                <a:latin typeface="微軟正黑體" pitchFamily="34" charset="-120"/>
-                <a:ea typeface="微軟正黑體" pitchFamily="34" charset="-120"/>
-              </a:rPr>
-              <a:t>方向上的求導階數</a:t>
-            </a:r>
-          </a:p>
-          <a:p>
-            <a:pPr marL="358775" indent="-358775">
-              <a:buFont typeface="Arial" pitchFamily="34" charset="0"/>
-              <a:buChar char="•"/>
-            </a:pPr>
-            <a:r>
-              <a:rPr lang="en-US" altLang="zh-TW" sz="3200" dirty="0" err="1" smtClean="0">
-                <a:latin typeface="微軟正黑體" pitchFamily="34" charset="-120"/>
-                <a:ea typeface="微軟正黑體" pitchFamily="34" charset="-120"/>
-              </a:rPr>
-              <a:t>ksize</a:t>
-            </a:r>
-            <a:r>
-              <a:rPr lang="zh-TW" altLang="zh-TW" sz="3200" dirty="0" smtClean="0">
-                <a:latin typeface="微軟正黑體" pitchFamily="34" charset="-120"/>
-                <a:ea typeface="微軟正黑體" pitchFamily="34" charset="-120"/>
-              </a:rPr>
-              <a:t>代表</a:t>
-            </a:r>
-            <a:r>
-              <a:rPr lang="en-US" altLang="zh-TW" sz="3200" dirty="0" err="1" smtClean="0">
-                <a:latin typeface="微軟正黑體" pitchFamily="34" charset="-120"/>
-                <a:ea typeface="微軟正黑體" pitchFamily="34" charset="-120"/>
-              </a:rPr>
-              <a:t>Sobel</a:t>
-            </a:r>
-            <a:r>
-              <a:rPr lang="zh-TW" altLang="zh-TW" sz="3200" dirty="0" smtClean="0">
-                <a:latin typeface="微軟正黑體" pitchFamily="34" charset="-120"/>
-                <a:ea typeface="微軟正黑體" pitchFamily="34" charset="-120"/>
-              </a:rPr>
-              <a:t>核的大小。該值為</a:t>
-            </a:r>
-            <a:r>
-              <a:rPr lang="en-US" altLang="zh-TW" sz="3200" dirty="0" smtClean="0">
-                <a:latin typeface="微軟正黑體" pitchFamily="34" charset="-120"/>
-                <a:ea typeface="微軟正黑體" pitchFamily="34" charset="-120"/>
-              </a:rPr>
-              <a:t>-1</a:t>
-            </a:r>
-            <a:r>
-              <a:rPr lang="zh-TW" altLang="zh-TW" sz="3200" dirty="0" smtClean="0">
-                <a:latin typeface="微軟正黑體" pitchFamily="34" charset="-120"/>
-                <a:ea typeface="微軟正黑體" pitchFamily="34" charset="-120"/>
-              </a:rPr>
-              <a:t>時，則會使用</a:t>
-            </a:r>
-            <a:r>
-              <a:rPr lang="en-US" altLang="zh-TW" sz="3200" dirty="0" err="1" smtClean="0">
-                <a:latin typeface="微軟正黑體" pitchFamily="34" charset="-120"/>
-                <a:ea typeface="微軟正黑體" pitchFamily="34" charset="-120"/>
-              </a:rPr>
-              <a:t>Scharr</a:t>
-            </a:r>
-            <a:r>
-              <a:rPr lang="zh-TW" altLang="zh-TW" sz="3200" dirty="0" smtClean="0">
-                <a:latin typeface="微軟正黑體" pitchFamily="34" charset="-120"/>
-                <a:ea typeface="微軟正黑體" pitchFamily="34" charset="-120"/>
-              </a:rPr>
-              <a:t>運算元進行運算</a:t>
-            </a:r>
-            <a:endParaRPr lang="zh-TW" altLang="zh-TW" sz="3200" dirty="0">
-              <a:latin typeface="微軟正黑體" pitchFamily="34" charset="-120"/>
-              <a:ea typeface="微軟正黑體" pitchFamily="34" charset="-120"/>
-            </a:endParaRPr>
-          </a:p>
-        </p:txBody>
-      </p:sp>
-    </p:spTree>
-    <p:extLst>
-      <p:ext uri="{BB962C8B-B14F-4D97-AF65-F5344CB8AC3E}">
-        <p14:creationId xmlns:p14="http://schemas.microsoft.com/office/powerpoint/2010/main" xmlns="" val="522405798"/>
+        <p14:creationId xmlns="" xmlns:p14="http://schemas.microsoft.com/office/powerpoint/2010/main" val="522405798"/>
       </p:ext>
     </p:extLst>
   </p:cSld>
@@ -33423,7 +33611,7 @@
         <p:spPr>
           <a:xfrm>
             <a:off x="533400" y="1600200"/>
-            <a:ext cx="8077200" cy="4031873"/>
+            <a:ext cx="8077200" cy="5016758"/>
           </a:xfrm>
           <a:prstGeom prst="rect">
             <a:avLst/>
@@ -33541,89 +33729,47 @@
             </a:endParaRPr>
           </a:p>
           <a:p>
-            <a:pPr marL="446088" indent="-446088">
+            <a:pPr marL="358775" indent="-358775">
               <a:buFont typeface="Arial" pitchFamily="34" charset="0"/>
               <a:buChar char="•"/>
             </a:pPr>
             <a:r>
-              <a:rPr lang="en-US" altLang="zh-TW" sz="3200" dirty="0" smtClean="0">
-                <a:latin typeface="微軟正黑體" pitchFamily="34" charset="-120"/>
-                <a:ea typeface="微軟正黑體" pitchFamily="34" charset="-120"/>
-              </a:rPr>
-              <a:t>scale</a:t>
+              <a:rPr lang="en-US" altLang="zh-TW" sz="3200" dirty="0" err="1" smtClean="0">
+                <a:latin typeface="微軟正黑體" pitchFamily="34" charset="-120"/>
+                <a:ea typeface="微軟正黑體" pitchFamily="34" charset="-120"/>
+              </a:rPr>
+              <a:t>dst</a:t>
             </a:r>
             <a:r>
               <a:rPr lang="zh-TW" altLang="zh-TW" sz="3200" dirty="0" smtClean="0">
                 <a:latin typeface="微軟正黑體" pitchFamily="34" charset="-120"/>
                 <a:ea typeface="微軟正黑體" pitchFamily="34" charset="-120"/>
               </a:rPr>
-              <a:t>代表計算導數值時所採用的縮放因數，預設情況下該值是</a:t>
-            </a:r>
-            <a:r>
-              <a:rPr lang="en-US" altLang="zh-TW" sz="3200" dirty="0" smtClean="0">
-                <a:latin typeface="微軟正黑體" pitchFamily="34" charset="-120"/>
-                <a:ea typeface="微軟正黑體" pitchFamily="34" charset="-120"/>
-              </a:rPr>
-              <a:t>1</a:t>
-            </a:r>
-            <a:r>
-              <a:rPr lang="zh-TW" altLang="zh-TW" sz="3200" dirty="0" smtClean="0">
-                <a:latin typeface="微軟正黑體" pitchFamily="34" charset="-120"/>
-                <a:ea typeface="微軟正黑體" pitchFamily="34" charset="-120"/>
-              </a:rPr>
-              <a:t>，是沒有縮放的。</a:t>
-            </a:r>
-          </a:p>
-          <a:p>
-            <a:pPr marL="446088" indent="-446088">
+              <a:t>代表目標圖型</a:t>
+            </a:r>
+          </a:p>
+          <a:p>
+            <a:pPr marL="358775" indent="-358775">
               <a:buFont typeface="Arial" pitchFamily="34" charset="0"/>
               <a:buChar char="•"/>
             </a:pPr>
             <a:r>
-              <a:rPr lang="en-US" altLang="zh-TW" sz="3200" dirty="0" smtClean="0">
-                <a:latin typeface="微軟正黑體" pitchFamily="34" charset="-120"/>
-                <a:ea typeface="微軟正黑體" pitchFamily="34" charset="-120"/>
-              </a:rPr>
-              <a:t>delta</a:t>
+              <a:rPr lang="en-US" altLang="zh-TW" sz="3200" dirty="0" err="1" smtClean="0">
+                <a:latin typeface="微軟正黑體" pitchFamily="34" charset="-120"/>
+                <a:ea typeface="微軟正黑體" pitchFamily="34" charset="-120"/>
+              </a:rPr>
+              <a:t>src</a:t>
             </a:r>
             <a:r>
               <a:rPr lang="zh-TW" altLang="zh-TW" sz="3200" dirty="0" smtClean="0">
                 <a:latin typeface="微軟正黑體" pitchFamily="34" charset="-120"/>
                 <a:ea typeface="微軟正黑體" pitchFamily="34" charset="-120"/>
               </a:rPr>
-              <a:t>代表加在目標圖型</a:t>
-            </a:r>
-            <a:r>
-              <a:rPr lang="en-US" altLang="zh-TW" sz="3200" dirty="0" err="1" smtClean="0">
-                <a:latin typeface="微軟正黑體" pitchFamily="34" charset="-120"/>
-                <a:ea typeface="微軟正黑體" pitchFamily="34" charset="-120"/>
-              </a:rPr>
-              <a:t>dst</a:t>
-            </a:r>
-            <a:r>
-              <a:rPr lang="zh-TW" altLang="zh-TW" sz="3200" dirty="0" smtClean="0">
-                <a:latin typeface="微軟正黑體" pitchFamily="34" charset="-120"/>
-                <a:ea typeface="微軟正黑體" pitchFamily="34" charset="-120"/>
-              </a:rPr>
-              <a:t>上的值，該值是可選的，預設為</a:t>
-            </a:r>
-            <a:r>
-              <a:rPr lang="en-US" altLang="zh-TW" sz="3200" dirty="0" smtClean="0">
-                <a:latin typeface="微軟正黑體" pitchFamily="34" charset="-120"/>
-                <a:ea typeface="微軟正黑體" pitchFamily="34" charset="-120"/>
-              </a:rPr>
-              <a:t>0</a:t>
-            </a:r>
-            <a:r>
-              <a:rPr lang="zh-TW" altLang="zh-TW" sz="3200" dirty="0" smtClean="0">
-                <a:latin typeface="微軟正黑體" pitchFamily="34" charset="-120"/>
-                <a:ea typeface="微軟正黑體" pitchFamily="34" charset="-120"/>
-              </a:rPr>
-              <a:t>。</a:t>
-            </a:r>
-          </a:p>
-          <a:p>
-            <a:pPr marL="446088" indent="-446088">
+              <a:t>代表原始影像</a:t>
+            </a:r>
+          </a:p>
+          <a:p>
+            <a:pPr marL="358775" indent="-358775">
               <a:buFont typeface="Arial" pitchFamily="34" charset="0"/>
               <a:buChar char="•"/>
             </a:pPr>
@@ -33632,26 +33778,160 @@
                 <a:latin typeface="微軟正黑體" pitchFamily="34" charset="-120"/>
                 <a:ea typeface="微軟正黑體" pitchFamily="34" charset="-120"/>
               </a:rPr>
-              <a:t>borderType</a:t>
+              <a:t>ddepth</a:t>
             </a:r>
             <a:r>
               <a:rPr lang="zh-TW" altLang="zh-TW" sz="3200" dirty="0" smtClean="0">
                 <a:latin typeface="微軟正黑體" pitchFamily="34" charset="-120"/>
                 <a:ea typeface="微軟正黑體" pitchFamily="34" charset="-120"/>
               </a:rPr>
-              <a:t>代表邊界樣式</a:t>
+              <a:t>代表輸出影像的深度</a:t>
             </a:r>
             <a:endParaRPr lang="en-US" altLang="zh-TW" sz="3200" dirty="0" smtClean="0">
               <a:latin typeface="微軟正黑體" pitchFamily="34" charset="-120"/>
               <a:ea typeface="微軟正黑體" pitchFamily="34" charset="-120"/>
             </a:endParaRPr>
           </a:p>
+          <a:p>
+            <a:pPr marL="358775" indent="-358775">
+              <a:buFont typeface="Arial" pitchFamily="34" charset="0"/>
+              <a:buChar char="•"/>
+            </a:pPr>
+            <a:r>
+              <a:rPr lang="en-US" altLang="zh-TW" sz="3200" dirty="0" err="1" smtClean="0">
+                <a:latin typeface="微軟正黑體" pitchFamily="34" charset="-120"/>
+                <a:ea typeface="微軟正黑體" pitchFamily="34" charset="-120"/>
+              </a:rPr>
+              <a:t>dx</a:t>
+            </a:r>
+            <a:r>
+              <a:rPr lang="zh-TW" altLang="zh-TW" sz="3200" dirty="0" smtClean="0">
+                <a:latin typeface="微軟正黑體" pitchFamily="34" charset="-120"/>
+                <a:ea typeface="微軟正黑體" pitchFamily="34" charset="-120"/>
+              </a:rPr>
+              <a:t>代表</a:t>
+            </a:r>
+            <a:r>
+              <a:rPr lang="en-US" altLang="zh-TW" sz="3200" dirty="0" smtClean="0">
+                <a:latin typeface="微軟正黑體" pitchFamily="34" charset="-120"/>
+                <a:ea typeface="微軟正黑體" pitchFamily="34" charset="-120"/>
+              </a:rPr>
+              <a:t>x</a:t>
+            </a:r>
+            <a:r>
+              <a:rPr lang="zh-TW" altLang="zh-TW" sz="3200" dirty="0" smtClean="0">
+                <a:latin typeface="微軟正黑體" pitchFamily="34" charset="-120"/>
+                <a:ea typeface="微軟正黑體" pitchFamily="34" charset="-120"/>
+              </a:rPr>
+              <a:t>方向上的求導階數</a:t>
+            </a:r>
+          </a:p>
+          <a:p>
+            <a:pPr marL="358775" indent="-358775">
+              <a:buFont typeface="Arial" pitchFamily="34" charset="0"/>
+              <a:buChar char="•"/>
+            </a:pPr>
+            <a:r>
+              <a:rPr lang="en-US" altLang="zh-TW" sz="3200" dirty="0" err="1" smtClean="0">
+                <a:latin typeface="微軟正黑體" pitchFamily="34" charset="-120"/>
+                <a:ea typeface="微軟正黑體" pitchFamily="34" charset="-120"/>
+              </a:rPr>
+              <a:t>dy</a:t>
+            </a:r>
+            <a:r>
+              <a:rPr lang="zh-TW" altLang="zh-TW" sz="3200" dirty="0" smtClean="0">
+                <a:latin typeface="微軟正黑體" pitchFamily="34" charset="-120"/>
+                <a:ea typeface="微軟正黑體" pitchFamily="34" charset="-120"/>
+              </a:rPr>
+              <a:t>代表</a:t>
+            </a:r>
+            <a:r>
+              <a:rPr lang="en-US" altLang="zh-TW" sz="3200" dirty="0" smtClean="0">
+                <a:latin typeface="微軟正黑體" pitchFamily="34" charset="-120"/>
+                <a:ea typeface="微軟正黑體" pitchFamily="34" charset="-120"/>
+              </a:rPr>
+              <a:t>y</a:t>
+            </a:r>
+            <a:r>
+              <a:rPr lang="zh-TW" altLang="zh-TW" sz="3200" dirty="0" smtClean="0">
+                <a:latin typeface="微軟正黑體" pitchFamily="34" charset="-120"/>
+                <a:ea typeface="微軟正黑體" pitchFamily="34" charset="-120"/>
+              </a:rPr>
+              <a:t>方向上的求導階數</a:t>
+            </a:r>
+          </a:p>
+          <a:p>
+            <a:pPr marL="358775" indent="-358775">
+              <a:buFont typeface="Arial" pitchFamily="34" charset="0"/>
+              <a:buChar char="•"/>
+            </a:pPr>
+            <a:r>
+              <a:rPr lang="en-US" altLang="zh-TW" sz="3200" dirty="0" err="1" smtClean="0">
+                <a:latin typeface="微軟正黑體" pitchFamily="34" charset="-120"/>
+                <a:ea typeface="微軟正黑體" pitchFamily="34" charset="-120"/>
+              </a:rPr>
+              <a:t>ksize</a:t>
+            </a:r>
+            <a:r>
+              <a:rPr lang="zh-TW" altLang="zh-TW" sz="3200" dirty="0" smtClean="0">
+                <a:latin typeface="微軟正黑體" pitchFamily="34" charset="-120"/>
+                <a:ea typeface="微軟正黑體" pitchFamily="34" charset="-120"/>
+              </a:rPr>
+              <a:t>代表</a:t>
+            </a:r>
+            <a:r>
+              <a:rPr lang="en-US" altLang="zh-TW" sz="3200" dirty="0" err="1" smtClean="0">
+                <a:latin typeface="微軟正黑體" pitchFamily="34" charset="-120"/>
+                <a:ea typeface="微軟正黑體" pitchFamily="34" charset="-120"/>
+              </a:rPr>
+              <a:t>Sobel</a:t>
+            </a:r>
+            <a:r>
+              <a:rPr lang="zh-TW" altLang="zh-TW" sz="3200" dirty="0" smtClean="0">
+                <a:latin typeface="微軟正黑體" pitchFamily="34" charset="-120"/>
+                <a:ea typeface="微軟正黑體" pitchFamily="34" charset="-120"/>
+              </a:rPr>
+              <a:t>核的大小。該值為</a:t>
+            </a:r>
+            <a:r>
+              <a:rPr lang="en-US" altLang="zh-TW" sz="3200" dirty="0" smtClean="0">
+                <a:latin typeface="微軟正黑體" pitchFamily="34" charset="-120"/>
+                <a:ea typeface="微軟正黑體" pitchFamily="34" charset="-120"/>
+              </a:rPr>
+              <a:t>-1</a:t>
+            </a:r>
+            <a:r>
+              <a:rPr lang="zh-TW" altLang="zh-TW" sz="3200" dirty="0" smtClean="0">
+                <a:latin typeface="微軟正黑體" pitchFamily="34" charset="-120"/>
+                <a:ea typeface="微軟正黑體" pitchFamily="34" charset="-120"/>
+              </a:rPr>
+              <a:t>時，則會使用</a:t>
+            </a:r>
+            <a:r>
+              <a:rPr lang="en-US" altLang="zh-TW" sz="3200" dirty="0" err="1" smtClean="0">
+                <a:latin typeface="微軟正黑體" pitchFamily="34" charset="-120"/>
+                <a:ea typeface="微軟正黑體" pitchFamily="34" charset="-120"/>
+              </a:rPr>
+              <a:t>Scharr</a:t>
+            </a:r>
+            <a:r>
+              <a:rPr lang="zh-TW" altLang="zh-TW" sz="3200" dirty="0" smtClean="0">
+                <a:latin typeface="微軟正黑體" pitchFamily="34" charset="-120"/>
+                <a:ea typeface="微軟正黑體" pitchFamily="34" charset="-120"/>
+              </a:rPr>
+              <a:t>運算元進行運算</a:t>
+            </a:r>
+            <a:endParaRPr lang="zh-TW" altLang="zh-TW" sz="3200" dirty="0">
+              <a:latin typeface="微軟正黑體" pitchFamily="34" charset="-120"/>
+              <a:ea typeface="微軟正黑體" pitchFamily="34" charset="-120"/>
+            </a:endParaRPr>
+          </a:p>
         </p:txBody>
       </p:sp>
     </p:spTree>
     <p:extLst>
       <p:ext uri="{BB962C8B-B14F-4D97-AF65-F5344CB8AC3E}">
-        <p14:creationId xmlns:p14="http://schemas.microsoft.com/office/powerpoint/2010/main" xmlns="" val="522405798"/>
+        <p14:creationId xmlns="" xmlns:p14="http://schemas.microsoft.com/office/powerpoint/2010/main" val="522405798"/>
       </p:ext>
     </p:extLst>
   </p:cSld>
@@ -33713,6 +33993,24 @@
           <a:p>
             <a:pPr marL="361950" indent="-361950"/>
             <a:r>
+              <a:rPr kumimoji="1" lang="en-US" altLang="zh-TW" sz="4800" b="1" dirty="0" err="1" smtClean="0">
+                <a:solidFill>
+                  <a:srgbClr val="FFFF00"/>
+                </a:solidFill>
+                <a:effectLst>
+                  <a:outerShdw blurRad="38100" dist="38100" dir="2700000" algn="tl">
+                    <a:srgbClr val="000000">
+                      <a:alpha val="43137"/>
+                    </a:srgbClr>
+                  </a:outerShdw>
+                </a:effectLst>
+                <a:latin typeface="微軟正黑體" pitchFamily="34" charset="-120"/>
+                <a:ea typeface="微軟正黑體" pitchFamily="34" charset="-120"/>
+                <a:cs typeface="Heiti TC Light"/>
+              </a:rPr>
+              <a:t>Sobel</a:t>
+            </a:r>
+            <a:r>
               <a:rPr kumimoji="1" lang="zh-TW" altLang="en-US" sz="4800" b="1" dirty="0" smtClean="0">
                 <a:solidFill>
                   <a:srgbClr val="FFFF00"/>
@@ -33728,43 +34026,7 @@
                 <a:ea typeface="微軟正黑體" pitchFamily="34" charset="-120"/>
                 <a:cs typeface="Heiti TC Light"/>
               </a:rPr>
-              <a:t>影像梯度 </a:t>
-            </a:r>
-            <a:r>
-              <a:rPr kumimoji="1" lang="en-US" altLang="zh-TW" sz="4800" b="1" dirty="0" smtClean="0">
-                <a:solidFill>
-                  <a:srgbClr val="FFFF00"/>
-                </a:solidFill>
-                <a:effectLst>
-                  <a:outerShdw blurRad="38100" dist="38100" dir="2700000" algn="tl">
-                    <a:srgbClr val="000000">
-                      <a:alpha val="43137"/>
-                    </a:srgbClr>
-                  </a:outerShdw>
-                </a:effectLst>
-                <a:latin typeface="微軟正黑體" pitchFamily="34" charset="-120"/>
-                <a:ea typeface="微軟正黑體" pitchFamily="34" charset="-120"/>
-                <a:cs typeface="Heiti TC Light"/>
-              </a:rPr>
-              <a:t>- </a:t>
-            </a:r>
-            <a:r>
-              <a:rPr kumimoji="1" lang="en-US" altLang="zh-TW" sz="4800" b="1" dirty="0" err="1" smtClean="0">
-                <a:solidFill>
-                  <a:srgbClr val="FFFF00"/>
-                </a:solidFill>
-                <a:effectLst>
-                  <a:outerShdw blurRad="38100" dist="38100" dir="2700000" algn="tl">
-                    <a:srgbClr val="000000">
-                      <a:alpha val="43137"/>
-                    </a:srgbClr>
-                  </a:outerShdw>
-                </a:effectLst>
-                <a:latin typeface="微軟正黑體" pitchFamily="34" charset="-120"/>
-                <a:ea typeface="微軟正黑體" pitchFamily="34" charset="-120"/>
-                <a:cs typeface="Heiti TC Light"/>
-              </a:rPr>
-              <a:t>Scharr</a:t>
+              <a:t>函數使用</a:t>
             </a:r>
             <a:endParaRPr kumimoji="1" lang="en-US" altLang="zh-TW" sz="4800" b="1" dirty="0" smtClean="0">
               <a:solidFill>
@@ -33792,8 +34054,8 @@
         </p:nvSpPr>
         <p:spPr>
           <a:xfrm>
-            <a:off x="838200" y="1524000"/>
-            <a:ext cx="7620000" cy="2062103"/>
+            <a:off x="533400" y="1600200"/>
+            <a:ext cx="8077200" cy="4031873"/>
           </a:xfrm>
           <a:prstGeom prst="rect">
             <a:avLst/>
@@ -33805,129 +34067,223 @@
           </a:bodyPr>
           <a:lstStyle/>
           <a:p>
-            <a:pPr marL="271463" indent="-271463">
-              <a:buFont typeface="Arial" pitchFamily="34" charset="0"/>
-              <a:buChar char="•"/>
-            </a:pPr>
             <a:r>
               <a:rPr lang="en-US" altLang="zh-TW" sz="3200" dirty="0" err="1" smtClean="0">
                 <a:latin typeface="微軟正黑體" pitchFamily="34" charset="-120"/>
                 <a:ea typeface="微軟正黑體" pitchFamily="34" charset="-120"/>
               </a:rPr>
-              <a:t>Sobel</a:t>
-            </a:r>
-            <a:r>
-              <a:rPr lang="zh-TW" altLang="en-US" sz="3200" dirty="0" smtClean="0">
-                <a:latin typeface="微軟正黑體" pitchFamily="34" charset="-120"/>
-                <a:ea typeface="微軟正黑體" pitchFamily="34" charset="-120"/>
-              </a:rPr>
-              <a:t>的改進</a:t>
-            </a:r>
+              <a:t>dst</a:t>
+            </a:r>
+            <a:r>
+              <a:rPr lang="en-US" altLang="zh-TW" sz="3200" dirty="0" smtClean="0">
+                <a:latin typeface="微軟正黑體" pitchFamily="34" charset="-120"/>
+                <a:ea typeface="微軟正黑體" pitchFamily="34" charset="-120"/>
+              </a:rPr>
+              <a:t> = cv2.Sobel( </a:t>
+            </a:r>
+            <a:r>
+              <a:rPr lang="en-US" altLang="zh-TW" sz="3200" dirty="0" err="1" smtClean="0">
+                <a:latin typeface="微軟正黑體" pitchFamily="34" charset="-120"/>
+                <a:ea typeface="微軟正黑體" pitchFamily="34" charset="-120"/>
+              </a:rPr>
+              <a:t>src</a:t>
+            </a:r>
+            <a:r>
+              <a:rPr lang="en-US" altLang="zh-TW" sz="3200" dirty="0" smtClean="0">
+                <a:latin typeface="微軟正黑體" pitchFamily="34" charset="-120"/>
+                <a:ea typeface="微軟正黑體" pitchFamily="34" charset="-120"/>
+              </a:rPr>
+              <a:t>, </a:t>
+            </a:r>
+            <a:r>
+              <a:rPr lang="en-US" altLang="zh-TW" sz="3200" dirty="0" err="1" smtClean="0">
+                <a:latin typeface="微軟正黑體" pitchFamily="34" charset="-120"/>
+                <a:ea typeface="微軟正黑體" pitchFamily="34" charset="-120"/>
+              </a:rPr>
+              <a:t>ddepth</a:t>
+            </a:r>
+            <a:r>
+              <a:rPr lang="en-US" altLang="zh-TW" sz="3200" dirty="0" smtClean="0">
+                <a:latin typeface="微軟正黑體" pitchFamily="34" charset="-120"/>
+                <a:ea typeface="微軟正黑體" pitchFamily="34" charset="-120"/>
+              </a:rPr>
+              <a:t>, </a:t>
+            </a:r>
+            <a:r>
+              <a:rPr lang="en-US" altLang="zh-TW" sz="3200" dirty="0" err="1" smtClean="0">
+                <a:latin typeface="微軟正黑體" pitchFamily="34" charset="-120"/>
+                <a:ea typeface="微軟正黑體" pitchFamily="34" charset="-120"/>
+              </a:rPr>
+              <a:t>dx</a:t>
+            </a:r>
+            <a:r>
+              <a:rPr lang="en-US" altLang="zh-TW" sz="3200" dirty="0" smtClean="0">
+                <a:latin typeface="微軟正黑體" pitchFamily="34" charset="-120"/>
+                <a:ea typeface="微軟正黑體" pitchFamily="34" charset="-120"/>
+              </a:rPr>
+              <a:t>, </a:t>
+            </a:r>
+            <a:r>
+              <a:rPr lang="en-US" altLang="zh-TW" sz="3200" dirty="0" err="1" smtClean="0">
+                <a:latin typeface="微軟正黑體" pitchFamily="34" charset="-120"/>
+                <a:ea typeface="微軟正黑體" pitchFamily="34" charset="-120"/>
+              </a:rPr>
+              <a:t>dy</a:t>
+            </a:r>
+            <a:r>
+              <a:rPr lang="en-US" altLang="zh-TW" sz="3200" dirty="0" smtClean="0">
+                <a:latin typeface="微軟正黑體" pitchFamily="34" charset="-120"/>
+                <a:ea typeface="微軟正黑體" pitchFamily="34" charset="-120"/>
+              </a:rPr>
+              <a:t>[,</a:t>
+            </a:r>
+            <a:r>
+              <a:rPr lang="en-US" altLang="zh-TW" sz="3200" dirty="0" err="1" smtClean="0">
+                <a:latin typeface="微軟正黑體" pitchFamily="34" charset="-120"/>
+                <a:ea typeface="微軟正黑體" pitchFamily="34" charset="-120"/>
+              </a:rPr>
+              <a:t>ksize</a:t>
+            </a:r>
+            <a:r>
+              <a:rPr lang="en-US" altLang="zh-TW" sz="3200" dirty="0" smtClean="0">
+                <a:latin typeface="微軟正黑體" pitchFamily="34" charset="-120"/>
+                <a:ea typeface="微軟正黑體" pitchFamily="34" charset="-120"/>
+              </a:rPr>
+              <a:t>[, scale[, delta[, </a:t>
+            </a:r>
+            <a:r>
+              <a:rPr lang="en-US" altLang="zh-TW" sz="3200" dirty="0" err="1" smtClean="0">
+                <a:latin typeface="微軟正黑體" pitchFamily="34" charset="-120"/>
+                <a:ea typeface="微軟正黑體" pitchFamily="34" charset="-120"/>
+              </a:rPr>
+              <a:t>borderType</a:t>
+            </a:r>
+            <a:r>
+              <a:rPr lang="en-US" altLang="zh-TW" sz="3200" dirty="0" smtClean="0">
+                <a:latin typeface="微軟正黑體" pitchFamily="34" charset="-120"/>
+                <a:ea typeface="微軟正黑體" pitchFamily="34" charset="-120"/>
+              </a:rPr>
+              <a:t>]]]] )</a:t>
+            </a:r>
+          </a:p>
+          <a:p>
             <a:endParaRPr lang="en-US" altLang="zh-TW" sz="3200" dirty="0" smtClean="0">
               <a:latin typeface="微軟正黑體" pitchFamily="34" charset="-120"/>
               <a:ea typeface="微軟正黑體" pitchFamily="34" charset="-120"/>
             </a:endParaRPr>
           </a:p>
           <a:p>
-            <a:pPr marL="271463" indent="-271463">
+            <a:pPr marL="446088" indent="-446088">
               <a:buFont typeface="Arial" pitchFamily="34" charset="0"/>
               <a:buChar char="•"/>
             </a:pPr>
             <a:r>
-              <a:rPr lang="zh-TW" altLang="en-US" sz="3200" dirty="0" smtClean="0">
-                <a:latin typeface="微軟正黑體" pitchFamily="34" charset="-120"/>
-                <a:ea typeface="微軟正黑體" pitchFamily="34" charset="-120"/>
-              </a:rPr>
-              <a:t>速度一樣，精度更高</a:t>
+              <a:rPr lang="en-US" altLang="zh-TW" sz="3200" dirty="0" smtClean="0">
+                <a:latin typeface="微軟正黑體" pitchFamily="34" charset="-120"/>
+                <a:ea typeface="微軟正黑體" pitchFamily="34" charset="-120"/>
+              </a:rPr>
+              <a:t>scale</a:t>
+            </a:r>
+            <a:r>
+              <a:rPr lang="zh-TW" altLang="zh-TW" sz="3200" dirty="0" smtClean="0">
+                <a:latin typeface="微軟正黑體" pitchFamily="34" charset="-120"/>
+                <a:ea typeface="微軟正黑體" pitchFamily="34" charset="-120"/>
+              </a:rPr>
+              <a:t>代表計算導數值時所採用的縮放因數，預設情況下該值是</a:t>
+            </a:r>
+            <a:r>
+              <a:rPr lang="en-US" altLang="zh-TW" sz="3200" dirty="0" smtClean="0">
+                <a:latin typeface="微軟正黑體" pitchFamily="34" charset="-120"/>
+                <a:ea typeface="微軟正黑體" pitchFamily="34" charset="-120"/>
+              </a:rPr>
+              <a:t>1</a:t>
+            </a:r>
+            <a:r>
+              <a:rPr lang="zh-TW" altLang="zh-TW" sz="3200" dirty="0" smtClean="0">
+                <a:latin typeface="微軟正黑體" pitchFamily="34" charset="-120"/>
+                <a:ea typeface="微軟正黑體" pitchFamily="34" charset="-120"/>
+              </a:rPr>
+              <a:t>，是沒有縮放的。</a:t>
+            </a:r>
+          </a:p>
+          <a:p>
+            <a:pPr marL="446088" indent="-446088">
+              <a:buFont typeface="Arial" pitchFamily="34" charset="0"/>
+              <a:buChar char="•"/>
+            </a:pPr>
+            <a:r>
+              <a:rPr lang="en-US" altLang="zh-TW" sz="3200" dirty="0" smtClean="0">
+                <a:latin typeface="微軟正黑體" pitchFamily="34" charset="-120"/>
+                <a:ea typeface="微軟正黑體" pitchFamily="34" charset="-120"/>
+              </a:rPr>
+              <a:t>delta</a:t>
+            </a:r>
+            <a:r>
+              <a:rPr lang="zh-TW" altLang="zh-TW" sz="3200" dirty="0" smtClean="0">
+                <a:latin typeface="微軟正黑體" pitchFamily="34" charset="-120"/>
+                <a:ea typeface="微軟正黑體" pitchFamily="34" charset="-120"/>
+              </a:rPr>
+              <a:t>代表加在目標圖型</a:t>
+            </a:r>
+            <a:r>
+              <a:rPr lang="en-US" altLang="zh-TW" sz="3200" dirty="0" err="1" smtClean="0">
+                <a:latin typeface="微軟正黑體" pitchFamily="34" charset="-120"/>
+                <a:ea typeface="微軟正黑體" pitchFamily="34" charset="-120"/>
+              </a:rPr>
+              <a:t>dst</a:t>
+            </a:r>
+            <a:r>
+              <a:rPr lang="zh-TW" altLang="zh-TW" sz="3200" dirty="0" smtClean="0">
+                <a:latin typeface="微軟正黑體" pitchFamily="34" charset="-120"/>
+                <a:ea typeface="微軟正黑體" pitchFamily="34" charset="-120"/>
+              </a:rPr>
+              <a:t>上的值，該值是可選的，預設為</a:t>
+            </a:r>
+            <a:r>
+              <a:rPr lang="en-US" altLang="zh-TW" sz="3200" dirty="0" smtClean="0">
+                <a:latin typeface="微軟正黑體" pitchFamily="34" charset="-120"/>
+                <a:ea typeface="微軟正黑體" pitchFamily="34" charset="-120"/>
+              </a:rPr>
+              <a:t>0</a:t>
+            </a:r>
+            <a:r>
+              <a:rPr lang="zh-TW" altLang="zh-TW" sz="3200" dirty="0" smtClean="0">
+                <a:latin typeface="微軟正黑體" pitchFamily="34" charset="-120"/>
+                <a:ea typeface="微軟正黑體" pitchFamily="34" charset="-120"/>
+              </a:rPr>
+              <a:t>。</a:t>
+            </a:r>
+          </a:p>
+          <a:p>
+            <a:pPr marL="446088" indent="-446088">
+              <a:buFont typeface="Arial" pitchFamily="34" charset="0"/>
+              <a:buChar char="•"/>
+            </a:pPr>
+            <a:r>
+              <a:rPr lang="en-US" altLang="zh-TW" sz="3200" dirty="0" err="1" smtClean="0">
+                <a:latin typeface="微軟正黑體" pitchFamily="34" charset="-120"/>
+                <a:ea typeface="微軟正黑體" pitchFamily="34" charset="-120"/>
+              </a:rPr>
+              <a:t>borderType</a:t>
+            </a:r>
+            <a:r>
+              <a:rPr lang="zh-TW" altLang="zh-TW" sz="3200" dirty="0" smtClean="0">
+                <a:latin typeface="微軟正黑體" pitchFamily="34" charset="-120"/>
+                <a:ea typeface="微軟正黑體" pitchFamily="34" charset="-120"/>
+              </a:rPr>
+              <a:t>代表邊界樣式</a:t>
             </a:r>
             <a:endParaRPr lang="en-US" altLang="zh-TW" sz="3200" dirty="0" smtClean="0">
               <a:latin typeface="微軟正黑體" pitchFamily="34" charset="-120"/>
               <a:ea typeface="微軟正黑體" pitchFamily="34" charset="-120"/>
             </a:endParaRPr>
           </a:p>
-          <a:p>
-            <a:pPr marL="271463" indent="-271463">
-              <a:buFont typeface="Arial" pitchFamily="34" charset="0"/>
-              <a:buChar char="•"/>
-            </a:pPr>
-            <a:r>
-              <a:rPr lang="zh-TW" altLang="zh-TW" sz="3200" dirty="0" smtClean="0">
-                <a:latin typeface="微軟正黑體" pitchFamily="34" charset="-120"/>
-                <a:ea typeface="微軟正黑體" pitchFamily="34" charset="-120"/>
-              </a:rPr>
-              <a:t>函數</a:t>
-            </a:r>
-            <a:r>
-              <a:rPr lang="en-US" altLang="zh-TW" sz="3200" dirty="0" smtClean="0">
-                <a:latin typeface="微軟正黑體" pitchFamily="34" charset="-120"/>
-                <a:ea typeface="微軟正黑體" pitchFamily="34" charset="-120"/>
-              </a:rPr>
-              <a:t>cv2.Scharr()</a:t>
-            </a:r>
-            <a:r>
-              <a:rPr lang="zh-TW" altLang="zh-TW" sz="3200" dirty="0" smtClean="0">
-                <a:latin typeface="微軟正黑體" pitchFamily="34" charset="-120"/>
-                <a:ea typeface="微軟正黑體" pitchFamily="34" charset="-120"/>
-              </a:rPr>
-              <a:t>和函數</a:t>
-            </a:r>
-            <a:r>
-              <a:rPr lang="en-US" altLang="zh-TW" sz="3200" dirty="0" smtClean="0">
-                <a:latin typeface="微軟正黑體" pitchFamily="34" charset="-120"/>
-                <a:ea typeface="微軟正黑體" pitchFamily="34" charset="-120"/>
-              </a:rPr>
-              <a:t>cv2.Sobel()</a:t>
-            </a:r>
-            <a:r>
-              <a:rPr lang="zh-TW" altLang="zh-TW" sz="3200" dirty="0" smtClean="0">
-                <a:latin typeface="微軟正黑體" pitchFamily="34" charset="-120"/>
-                <a:ea typeface="微軟正黑體" pitchFamily="34" charset="-120"/>
-              </a:rPr>
-              <a:t>的使用方式基本一致</a:t>
-            </a:r>
-            <a:endParaRPr lang="zh-TW" altLang="zh-TW" sz="3200" dirty="0">
-              <a:latin typeface="微軟正黑體" pitchFamily="34" charset="-120"/>
-              <a:ea typeface="微軟正黑體" pitchFamily="34" charset="-120"/>
-            </a:endParaRPr>
-          </a:p>
-        </p:txBody>
-      </p:sp>
-      <p:pic>
-        <p:nvPicPr>
-          <p:cNvPr id="184322" name="Picture 2"/>
-          <p:cNvPicPr>
-            <a:picLocks noChangeAspect="1" noChangeArrowheads="1"/>
-          </p:cNvPicPr>
-          <p:nvPr/>
-        </p:nvPicPr>
-        <p:blipFill>
-          <a:blip r:embed="rId3" cstate="print"/>
-          <a:srcRect/>
-          <a:stretch>
-            <a:fillRect/>
-          </a:stretch>
-        </p:blipFill>
-        <p:spPr bwMode="auto">
-          <a:xfrm>
-            <a:off x="1905000" y="3756091"/>
-            <a:ext cx="5029200" cy="3101909"/>
-          </a:xfrm>
-          <a:prstGeom prst="rect">
-            <a:avLst/>
-          </a:prstGeom>
-          <a:noFill/>
-          <a:ln w="9525">
-            <a:noFill/>
-            <a:miter lim="800000"/>
-            <a:headEnd/>
-            <a:tailEnd/>
-          </a:ln>
-        </p:spPr>
-      </p:pic>
+        </p:txBody>
+      </p:sp>
     </p:spTree>
     <p:extLst>
       <p:ext uri="{BB962C8B-B14F-4D97-AF65-F5344CB8AC3E}">
-        <p14:creationId xmlns:p14="http://schemas.microsoft.com/office/powerpoint/2010/main" xmlns="" val="522405798"/>
+        <p14:creationId xmlns="" xmlns:p14="http://schemas.microsoft.com/office/powerpoint/2010/main" val="522405798"/>
       </p:ext>
     </p:extLst>
   </p:cSld>
@@ -34232,7 +34588,7 @@
     </p:spTree>
     <p:extLst>
       <p:ext uri="{BB962C8B-B14F-4D97-AF65-F5344CB8AC3E}">
-        <p14:creationId xmlns:p14="http://schemas.microsoft.com/office/powerpoint/2010/main" xmlns="" val="522405798"/>
+        <p14:creationId xmlns="" xmlns:p14="http://schemas.microsoft.com/office/powerpoint/2010/main" val="522405798"/>
       </p:ext>
     </p:extLst>
   </p:cSld>
@@ -34279,8 +34635,8 @@
         </p:nvSpPr>
         <p:spPr>
           <a:xfrm>
-            <a:off x="1371600" y="304800"/>
-            <a:ext cx="6096000" cy="990600"/>
+            <a:off x="2133600" y="304800"/>
+            <a:ext cx="5334000" cy="990600"/>
           </a:xfrm>
           <a:prstGeom prst="rect">
             <a:avLst/>
@@ -34330,12 +34686,22 @@
               <a:t>- </a:t>
             </a:r>
             <a:r>
-              <a:rPr lang="en-US" altLang="zh-TW" sz="4800" dirty="0" err="1" smtClean="0">
+              <a:rPr kumimoji="1" lang="en-US" altLang="zh-TW" sz="4800" b="1" dirty="0" err="1" smtClean="0">
                 <a:solidFill>
                   <a:srgbClr val="FFFF00"/>
                 </a:solidFill>
-              </a:rPr>
-              <a:t>Laplacian</a:t>
+                <a:effectLst>
+                  <a:outerShdw blurRad="38100" dist="38100" dir="2700000" algn="tl">
+                    <a:srgbClr val="000000">
+                      <a:alpha val="43137"/>
+                    </a:srgbClr>
+                  </a:outerShdw>
+                </a:effectLst>
+                <a:latin typeface="微軟正黑體" pitchFamily="34" charset="-120"/>
+                <a:ea typeface="微軟正黑體" pitchFamily="34" charset="-120"/>
+                <a:cs typeface="Heiti TC Light"/>
+              </a:rPr>
+              <a:t>Scharr</a:t>
             </a:r>
             <a:endParaRPr kumimoji="1" lang="en-US" altLang="zh-TW" sz="4800" b="1" dirty="0" smtClean="0">
               <a:solidFill>
@@ -34364,7 +34730,7 @@
         <p:spPr>
           <a:xfrm>
             <a:off x="838200" y="1524000"/>
-            <a:ext cx="7620000" cy="2554545"/>
+            <a:ext cx="7620000" cy="2062103"/>
           </a:xfrm>
           <a:prstGeom prst="rect">
             <a:avLst/>
@@ -34381,11 +34747,18 @@
               <a:buChar char="•"/>
             </a:pPr>
             <a:r>
-              <a:rPr lang="zh-TW" altLang="zh-TW" sz="3200" dirty="0" smtClean="0">
-                <a:latin typeface="微軟正黑體" pitchFamily="34" charset="-120"/>
-                <a:ea typeface="微軟正黑體" pitchFamily="34" charset="-120"/>
-              </a:rPr>
-              <a:t>二階導數運算元</a:t>
+              <a:rPr lang="en-US" altLang="zh-TW" sz="3200" dirty="0" err="1" smtClean="0">
+                <a:latin typeface="微軟正黑體" pitchFamily="34" charset="-120"/>
+                <a:ea typeface="微軟正黑體" pitchFamily="34" charset="-120"/>
+              </a:rPr>
+              <a:t>Sobel</a:t>
+            </a:r>
+            <a:r>
+              <a:rPr lang="zh-TW" altLang="en-US" sz="3200" dirty="0" smtClean="0">
+                <a:latin typeface="微軟正黑體" pitchFamily="34" charset="-120"/>
+                <a:ea typeface="微軟正黑體" pitchFamily="34" charset="-120"/>
+              </a:rPr>
+              <a:t>的改進</a:t>
             </a:r>
             <a:endParaRPr lang="en-US" altLang="zh-TW" sz="3200" dirty="0" smtClean="0">
               <a:latin typeface="微軟正黑體" pitchFamily="34" charset="-120"/>
@@ -34398,11 +34771,11 @@
               <a:buChar char="•"/>
             </a:pPr>
             <a:r>
-              <a:rPr lang="zh-TW" altLang="zh-TW" sz="3200" dirty="0" smtClean="0">
-                <a:latin typeface="微軟正黑體" pitchFamily="34" charset="-120"/>
-                <a:ea typeface="微軟正黑體" pitchFamily="34" charset="-120"/>
-              </a:rPr>
-              <a:t>具有旋轉不變性</a:t>
+              <a:rPr lang="zh-TW" altLang="en-US" sz="3200" dirty="0" smtClean="0">
+                <a:latin typeface="微軟正黑體" pitchFamily="34" charset="-120"/>
+                <a:ea typeface="微軟正黑體" pitchFamily="34" charset="-120"/>
+              </a:rPr>
+              <a:t>速度一樣，精度更高</a:t>
             </a:r>
             <a:endParaRPr lang="en-US" altLang="zh-TW" sz="3200" dirty="0" smtClean="0">
               <a:latin typeface="微軟正黑體" pitchFamily="34" charset="-120"/>
@@ -34419,24 +34792,35 @@
                 <a:latin typeface="微軟正黑體" pitchFamily="34" charset="-120"/>
                 <a:ea typeface="微軟正黑體" pitchFamily="34" charset="-120"/>
               </a:rPr>
-              <a:t>滿足不同方向的影像邊緣銳化（邊緣檢測）</a:t>
-            </a:r>
-            <a:endParaRPr lang="en-US" altLang="zh-TW" sz="3200" dirty="0" smtClean="0">
-              <a:latin typeface="微軟正黑體" pitchFamily="34" charset="-120"/>
-              <a:ea typeface="微軟正黑體" pitchFamily="34" charset="-120"/>
-            </a:endParaRPr>
-          </a:p>
-          <a:p>
-            <a:pPr marL="271463" indent="-271463">
-              <a:buFont typeface="Arial" pitchFamily="34" charset="0"/>
-              <a:buChar char="•"/>
-            </a:pPr>
+              <a:t>函數</a:t>
+            </a:r>
+            <a:r>
+              <a:rPr lang="en-US" altLang="zh-TW" sz="3200" dirty="0" smtClean="0">
+                <a:latin typeface="微軟正黑體" pitchFamily="34" charset="-120"/>
+                <a:ea typeface="微軟正黑體" pitchFamily="34" charset="-120"/>
+              </a:rPr>
+              <a:t>cv2.Scharr()</a:t>
+            </a:r>
             <a:r>
               <a:rPr lang="zh-TW" altLang="zh-TW" sz="3200" dirty="0" smtClean="0">
                 <a:latin typeface="微軟正黑體" pitchFamily="34" charset="-120"/>
                 <a:ea typeface="微軟正黑體" pitchFamily="34" charset="-120"/>
               </a:rPr>
-              <a:t>運算元的係數之和需要為零</a:t>
+              <a:t>和函數</a:t>
+            </a:r>
+            <a:r>
+              <a:rPr lang="en-US" altLang="zh-TW" sz="3200" dirty="0" smtClean="0">
+                <a:latin typeface="微軟正黑體" pitchFamily="34" charset="-120"/>
+                <a:ea typeface="微軟正黑體" pitchFamily="34" charset="-120"/>
+              </a:rPr>
+              <a:t>cv2.Sobel()</a:t>
+            </a:r>
+            <a:r>
+              <a:rPr lang="zh-TW" altLang="zh-TW" sz="3200" dirty="0" smtClean="0">
+                <a:latin typeface="微軟正黑體" pitchFamily="34" charset="-120"/>
+                <a:ea typeface="微軟正黑體" pitchFamily="34" charset="-120"/>
+              </a:rPr>
+              <a:t>的使用方式基本一致</a:t>
             </a:r>
             <a:endParaRPr lang="zh-TW" altLang="zh-TW" sz="3200" dirty="0">
               <a:latin typeface="微軟正黑體" pitchFamily="34" charset="-120"/>
@@ -34447,7 +34831,7 @@
       </p:sp>
       <p:pic>
         <p:nvPicPr>
-          <p:cNvPr id="185346" name="Picture 2"/>
+          <p:cNvPr id="184322" name="Picture 2"/>
           <p:cNvPicPr>
             <a:picLocks noChangeAspect="1" noChangeArrowheads="1"/>
           </p:cNvPicPr>
@@ -34462,8 +34846,8 @@
         </p:blipFill>
         <p:spPr bwMode="auto">
           <a:xfrm>
-            <a:off x="2286000" y="4343400"/>
-            <a:ext cx="4267200" cy="2157814"/>
+            <a:off x="1905000" y="3756091"/>
+            <a:ext cx="5029200" cy="3101909"/>
           </a:xfrm>
           <a:prstGeom prst="rect">
             <a:avLst/>
@@ -34480,7 +34864,7 @@
     </p:spTree>
     <p:extLst>
       <p:ext uri="{BB962C8B-B14F-4D97-AF65-F5344CB8AC3E}">
-        <p14:creationId xmlns:p14="http://schemas.microsoft.com/office/powerpoint/2010/main" xmlns="" val="522405798"/>
+        <p14:creationId xmlns="" xmlns:p14="http://schemas.microsoft.com/office/powerpoint/2010/main" val="522405798"/>
       </p:ext>
     </p:extLst>
   </p:cSld>
@@ -34603,9 +34987,99 @@
           </a:p>
         </p:txBody>
       </p:sp>
+      <p:sp>
+        <p:nvSpPr>
+          <p:cNvPr id="5" name="矩形 4"/>
+          <p:cNvSpPr/>
+          <p:nvPr/>
+        </p:nvSpPr>
+        <p:spPr>
+          <a:xfrm>
+            <a:off x="838200" y="1524000"/>
+            <a:ext cx="7620000" cy="2554545"/>
+          </a:xfrm>
+          <a:prstGeom prst="rect">
+            <a:avLst/>
+          </a:prstGeom>
+        </p:spPr>
+        <p:txBody>
+          <a:bodyPr wrap="square">
+            <a:spAutoFit/>
+          </a:bodyPr>
+          <a:lstStyle/>
+          <a:p>
+            <a:pPr marL="271463" indent="-271463">
+              <a:buFont typeface="Arial" pitchFamily="34" charset="0"/>
+              <a:buChar char="•"/>
+            </a:pPr>
+            <a:r>
+              <a:rPr lang="zh-TW" altLang="zh-TW" sz="3200" dirty="0" smtClean="0">
+                <a:latin typeface="微軟正黑體" pitchFamily="34" charset="-120"/>
+                <a:ea typeface="微軟正黑體" pitchFamily="34" charset="-120"/>
+              </a:rPr>
+              <a:t>二階導數運算元</a:t>
+            </a:r>
+            <a:endParaRPr lang="en-US" altLang="zh-TW" sz="3200" dirty="0" smtClean="0">
+              <a:latin typeface="微軟正黑體" pitchFamily="34" charset="-120"/>
+              <a:ea typeface="微軟正黑體" pitchFamily="34" charset="-120"/>
+            </a:endParaRPr>
+          </a:p>
+          <a:p>
+            <a:pPr marL="271463" indent="-271463">
+              <a:buFont typeface="Arial" pitchFamily="34" charset="0"/>
+              <a:buChar char="•"/>
+            </a:pPr>
+            <a:r>
+              <a:rPr lang="zh-TW" altLang="zh-TW" sz="3200" dirty="0" smtClean="0">
+                <a:latin typeface="微軟正黑體" pitchFamily="34" charset="-120"/>
+                <a:ea typeface="微軟正黑體" pitchFamily="34" charset="-120"/>
+              </a:rPr>
+              <a:t>具有旋轉不變性</a:t>
+            </a:r>
+            <a:endParaRPr lang="en-US" altLang="zh-TW" sz="3200" dirty="0" smtClean="0">
+              <a:latin typeface="微軟正黑體" pitchFamily="34" charset="-120"/>
+              <a:ea typeface="微軟正黑體" pitchFamily="34" charset="-120"/>
+            </a:endParaRPr>
+          </a:p>
+          <a:p>
+            <a:pPr marL="271463" indent="-271463">
+              <a:buFont typeface="Arial" pitchFamily="34" charset="0"/>
+              <a:buChar char="•"/>
+            </a:pPr>
+            <a:r>
+              <a:rPr lang="zh-TW" altLang="zh-TW" sz="3200" dirty="0" smtClean="0">
+                <a:latin typeface="微軟正黑體" pitchFamily="34" charset="-120"/>
+                <a:ea typeface="微軟正黑體" pitchFamily="34" charset="-120"/>
+              </a:rPr>
+              <a:t>滿足不同方向的影像邊緣銳化（邊緣檢測）</a:t>
+            </a:r>
+            <a:endParaRPr lang="en-US" altLang="zh-TW" sz="3200" dirty="0" smtClean="0">
+              <a:latin typeface="微軟正黑體" pitchFamily="34" charset="-120"/>
+              <a:ea typeface="微軟正黑體" pitchFamily="34" charset="-120"/>
+            </a:endParaRPr>
+          </a:p>
+          <a:p>
+            <a:pPr marL="271463" indent="-271463">
+              <a:buFont typeface="Arial" pitchFamily="34" charset="0"/>
+              <a:buChar char="•"/>
+            </a:pPr>
+            <a:r>
+              <a:rPr lang="zh-TW" altLang="zh-TW" sz="3200" dirty="0" smtClean="0">
+                <a:latin typeface="微軟正黑體" pitchFamily="34" charset="-120"/>
+                <a:ea typeface="微軟正黑體" pitchFamily="34" charset="-120"/>
+              </a:rPr>
+              <a:t>運算元的係數之和需要為零</a:t>
+            </a:r>
+            <a:endParaRPr lang="zh-TW" altLang="zh-TW" sz="3200" dirty="0">
+              <a:latin typeface="微軟正黑體" pitchFamily="34" charset="-120"/>
+              <a:ea typeface="微軟正黑體" pitchFamily="34" charset="-120"/>
+            </a:endParaRPr>
+          </a:p>
+        </p:txBody>
+      </p:sp>
       <p:pic>
         <p:nvPicPr>
-          <p:cNvPr id="186370" name="Picture 2"/>
+          <p:cNvPr id="185346" name="Picture 2"/>
           <p:cNvPicPr>
             <a:picLocks noChangeAspect="1" noChangeArrowheads="1"/>
           </p:cNvPicPr>
@@ -34620,8 +35094,8 @@
         </p:blipFill>
         <p:spPr bwMode="auto">
           <a:xfrm>
-            <a:off x="914400" y="1981200"/>
-            <a:ext cx="7010400" cy="4673600"/>
+            <a:off x="2286000" y="4343400"/>
+            <a:ext cx="4267200" cy="2157814"/>
           </a:xfrm>
           <a:prstGeom prst="rect">
             <a:avLst/>
@@ -34638,7 +35112,7 @@
     </p:spTree>
     <p:extLst>
       <p:ext uri="{BB962C8B-B14F-4D97-AF65-F5344CB8AC3E}">
-        <p14:creationId xmlns:p14="http://schemas.microsoft.com/office/powerpoint/2010/main" xmlns="" val="522405798"/>
+        <p14:creationId xmlns="" xmlns:p14="http://schemas.microsoft.com/office/powerpoint/2010/main" val="522405798"/>
       </p:ext>
     </p:extLst>
   </p:cSld>
@@ -34763,6 +35237,164 @@
       </p:sp>
       <p:pic>
         <p:nvPicPr>
+          <p:cNvPr id="186370" name="Picture 2"/>
+          <p:cNvPicPr>
+            <a:picLocks noChangeAspect="1" noChangeArrowheads="1"/>
+          </p:cNvPicPr>
+          <p:nvPr/>
+        </p:nvPicPr>
+        <p:blipFill>
+          <a:blip r:embed="rId3" cstate="print"/>
+          <a:srcRect/>
+          <a:stretch>
+            <a:fillRect/>
+          </a:stretch>
+        </p:blipFill>
+        <p:spPr bwMode="auto">
+          <a:xfrm>
+            <a:off x="914400" y="1981200"/>
+            <a:ext cx="7010400" cy="4673600"/>
+          </a:xfrm>
+          <a:prstGeom prst="rect">
+            <a:avLst/>
+          </a:prstGeom>
+          <a:noFill/>
+          <a:ln w="9525">
+            <a:noFill/>
+            <a:miter lim="800000"/>
+            <a:headEnd/>
+            <a:tailEnd/>
+          </a:ln>
+        </p:spPr>
+      </p:pic>
+    </p:spTree>
+    <p:extLst>
+      <p:ext uri="{BB962C8B-B14F-4D97-AF65-F5344CB8AC3E}">
+        <p14:creationId xmlns="" xmlns:p14="http://schemas.microsoft.com/office/powerpoint/2010/main" val="522405798"/>
+      </p:ext>
+    </p:extLst>
+  </p:cSld>
+  <p:clrMapOvr>
+    <a:masterClrMapping/>
+  </p:clrMapOvr>
+  <p:transition>
+    <p:fade/>
+  </p:transition>
+  <p:timing>
+    <p:tnLst>
+      <p:par>
+        <p:cTn id="1" dur="indefinite" restart="never" nodeType="tmRoot"/>
+      </p:par>
+    </p:tnLst>
+  </p:timing>
+</p:sld>
+</file>
+
+<file path=ppt/slides/slide153.xml><?xml version="1.0" encoding="utf-8"?>
+<p:sld xmlns:a="http://schemas.openxmlformats.org/drawingml/2006/main" xmlns:r="http://schemas.openxmlformats.org/officeDocument/2006/relationships" xmlns:p="http://schemas.openxmlformats.org/presentationml/2006/main">
+  <p:cSld>
+    <p:spTree>
+      <p:nvGrpSpPr>
+        <p:cNvPr id="1" name=""/>
+        <p:cNvGrpSpPr/>
+        <p:nvPr/>
+      </p:nvGrpSpPr>
+      <p:grpSpPr>
+        <a:xfrm>
+          <a:off x="0" y="0"/>
+          <a:ext cx="0" cy="0"/>
+          <a:chOff x="0" y="0"/>
+          <a:chExt cx="0" cy="0"/>
+        </a:xfrm>
+      </p:grpSpPr>
+      <p:sp>
+        <p:nvSpPr>
+          <p:cNvPr id="4" name="文字版面配置區 2"/>
+          <p:cNvSpPr txBox="1">
+            <a:spLocks/>
+          </p:cNvSpPr>
+          <p:nvPr/>
+        </p:nvSpPr>
+        <p:spPr>
+          <a:xfrm>
+            <a:off x="1371600" y="304800"/>
+            <a:ext cx="6096000" cy="990600"/>
+          </a:xfrm>
+          <a:prstGeom prst="rect">
+            <a:avLst/>
+          </a:prstGeom>
+        </p:spPr>
+        <p:txBody>
+          <a:bodyPr tIns="91440" bIns="91440" anchor="b" anchorCtr="0">
+            <a:noAutofit/>
+          </a:bodyPr>
+          <a:lstStyle/>
+          <a:p>
+            <a:pPr marL="361950" indent="-361950"/>
+            <a:r>
+              <a:rPr kumimoji="1" lang="zh-TW" altLang="en-US" sz="4800" b="1" dirty="0" smtClean="0">
+                <a:solidFill>
+                  <a:srgbClr val="FFFF00"/>
+                </a:solidFill>
+                <a:effectLst>
+                  <a:outerShdw blurRad="38100" dist="38100" dir="2700000" algn="tl">
+                    <a:srgbClr val="000000">
+                      <a:alpha val="43137"/>
+                    </a:srgbClr>
+                  </a:outerShdw>
+                </a:effectLst>
+                <a:latin typeface="微軟正黑體" pitchFamily="34" charset="-120"/>
+                <a:ea typeface="微軟正黑體" pitchFamily="34" charset="-120"/>
+                <a:cs typeface="Heiti TC Light"/>
+              </a:rPr>
+              <a:t>影像梯度 </a:t>
+            </a:r>
+            <a:r>
+              <a:rPr kumimoji="1" lang="en-US" altLang="zh-TW" sz="4800" b="1" dirty="0" smtClean="0">
+                <a:solidFill>
+                  <a:srgbClr val="FFFF00"/>
+                </a:solidFill>
+                <a:effectLst>
+                  <a:outerShdw blurRad="38100" dist="38100" dir="2700000" algn="tl">
+                    <a:srgbClr val="000000">
+                      <a:alpha val="43137"/>
+                    </a:srgbClr>
+                  </a:outerShdw>
+                </a:effectLst>
+                <a:latin typeface="微軟正黑體" pitchFamily="34" charset="-120"/>
+                <a:ea typeface="微軟正黑體" pitchFamily="34" charset="-120"/>
+                <a:cs typeface="Heiti TC Light"/>
+              </a:rPr>
+              <a:t>- </a:t>
+            </a:r>
+            <a:r>
+              <a:rPr lang="en-US" altLang="zh-TW" sz="4800" dirty="0" err="1" smtClean="0">
+                <a:solidFill>
+                  <a:srgbClr val="FFFF00"/>
+                </a:solidFill>
+              </a:rPr>
+              <a:t>Laplacian</a:t>
+            </a:r>
+            <a:endParaRPr kumimoji="1" lang="en-US" altLang="zh-TW" sz="4800" b="1" dirty="0" smtClean="0">
+              <a:solidFill>
+                <a:srgbClr val="FFFF00"/>
+              </a:solidFill>
+              <a:effectLst>
+                <a:outerShdw blurRad="38100" dist="38100" dir="2700000" algn="tl">
+                  <a:srgbClr val="000000">
+                    <a:alpha val="43137"/>
+                  </a:srgbClr>
+                </a:outerShdw>
+              </a:effectLst>
+              <a:latin typeface="微軟正黑體" pitchFamily="34" charset="-120"/>
+              <a:ea typeface="微軟正黑體" pitchFamily="34" charset="-120"/>
+              <a:cs typeface="Heiti TC Light"/>
+            </a:endParaRPr>
+          </a:p>
+        </p:txBody>
+      </p:sp>
+      <p:pic>
+        <p:nvPicPr>
           <p:cNvPr id="187394" name="Picture 2"/>
           <p:cNvPicPr>
             <a:picLocks noChangeAspect="1" noChangeArrowheads="1"/>
@@ -34796,7 +35428,7 @@
     </p:spTree>
     <p:extLst>
       <p:ext uri="{BB962C8B-B14F-4D97-AF65-F5344CB8AC3E}">
-        <p14:creationId xmlns:p14="http://schemas.microsoft.com/office/powerpoint/2010/main" xmlns="" val="522405798"/>
+        <p14:creationId xmlns="" xmlns:p14="http://schemas.microsoft.com/office/powerpoint/2010/main" val="522405798"/>
       </p:ext>
     </p:extLst>
   </p:cSld>
@@ -35025,7 +35657,7 @@
     </p:spTree>
     <p:extLst>
       <p:ext uri="{BB962C8B-B14F-4D97-AF65-F5344CB8AC3E}">
-        <p14:creationId xmlns:p14="http://schemas.microsoft.com/office/powerpoint/2010/main" xmlns="" val="522405798"/>
+        <p14:creationId xmlns="" xmlns:p14="http://schemas.microsoft.com/office/powerpoint/2010/main" val="522405798"/>
       </p:ext>
     </p:extLst>
   </p:cSld>
@@ -35175,7 +35807,7 @@
     </p:spTree>
     <p:extLst>
       <p:ext uri="{BB962C8B-B14F-4D97-AF65-F5344CB8AC3E}">
-        <p14:creationId xmlns:p14="http://schemas.microsoft.com/office/powerpoint/2010/main" xmlns="" val="522405798"/>
+        <p14:creationId xmlns="" xmlns:p14="http://schemas.microsoft.com/office/powerpoint/2010/main" val="522405798"/>
       </p:ext>
     </p:extLst>
   </p:cSld>
@@ -35408,7 +36040,7 @@
     </p:spTree>
     <p:extLst>
       <p:ext uri="{BB962C8B-B14F-4D97-AF65-F5344CB8AC3E}">
-        <p14:creationId xmlns:p14="http://schemas.microsoft.com/office/powerpoint/2010/main" xmlns="" val="522405798"/>
+        <p14:creationId xmlns="" xmlns:p14="http://schemas.microsoft.com/office/powerpoint/2010/main" val="522405798"/>
       </p:ext>
     </p:extLst>
   </p:cSld>
@@ -35622,7 +36254,7 @@
     </p:spTree>
     <p:extLst>
       <p:ext uri="{BB962C8B-B14F-4D97-AF65-F5344CB8AC3E}">
-        <p14:creationId xmlns:p14="http://schemas.microsoft.com/office/powerpoint/2010/main" xmlns="" val="522405798"/>
+        <p14:creationId xmlns="" xmlns:p14="http://schemas.microsoft.com/office/powerpoint/2010/main" val="522405798"/>
       </p:ext>
     </p:extLst>
   </p:cSld>
@@ -35717,7 +36349,7 @@
     </p:spTree>
     <p:extLst>
       <p:ext uri="{BB962C8B-B14F-4D97-AF65-F5344CB8AC3E}">
-        <p14:creationId xmlns="" xmlns:p14="http://schemas.microsoft.com/office/powerpoint/2010/main" val="3907764274"/>
+        <p14:creationId xmlns:p14="http://schemas.microsoft.com/office/powerpoint/2010/main" xmlns="" val="3907764274"/>
       </p:ext>
     </p:extLst>
   </p:cSld>
@@ -35943,7 +36575,7 @@
     </p:spTree>
     <p:extLst>
       <p:ext uri="{BB962C8B-B14F-4D97-AF65-F5344CB8AC3E}">
-        <p14:creationId xmlns:p14="http://schemas.microsoft.com/office/powerpoint/2010/main" xmlns="" val="522405798"/>
+        <p14:creationId xmlns="" xmlns:p14="http://schemas.microsoft.com/office/powerpoint/2010/main" val="522405798"/>
       </p:ext>
     </p:extLst>
   </p:cSld>
@@ -36193,7 +36825,7 @@
     </p:spTree>
     <p:extLst>
       <p:ext uri="{BB962C8B-B14F-4D97-AF65-F5344CB8AC3E}">
-        <p14:creationId xmlns:p14="http://schemas.microsoft.com/office/powerpoint/2010/main" xmlns="" val="522405798"/>
+        <p14:creationId xmlns="" xmlns:p14="http://schemas.microsoft.com/office/powerpoint/2010/main" val="522405798"/>
       </p:ext>
     </p:extLst>
   </p:cSld>
@@ -36503,7 +37135,7 @@
     </p:spTree>
     <p:extLst>
       <p:ext uri="{BB962C8B-B14F-4D97-AF65-F5344CB8AC3E}">
-        <p14:creationId xmlns:p14="http://schemas.microsoft.com/office/powerpoint/2010/main" xmlns="" val="522405798"/>
+        <p14:creationId xmlns="" xmlns:p14="http://schemas.microsoft.com/office/powerpoint/2010/main" val="522405798"/>
       </p:ext>
     </p:extLst>
   </p:cSld>
@@ -36671,7 +37303,7 @@
     </p:spTree>
     <p:extLst>
       <p:ext uri="{BB962C8B-B14F-4D97-AF65-F5344CB8AC3E}">
-        <p14:creationId xmlns:p14="http://schemas.microsoft.com/office/powerpoint/2010/main" xmlns="" val="522405798"/>
+        <p14:creationId xmlns="" xmlns:p14="http://schemas.microsoft.com/office/powerpoint/2010/main" val="522405798"/>
       </p:ext>
     </p:extLst>
   </p:cSld>
@@ -36839,7 +37471,7 @@
     </p:spTree>
     <p:extLst>
       <p:ext uri="{BB962C8B-B14F-4D97-AF65-F5344CB8AC3E}">
-        <p14:creationId xmlns:p14="http://schemas.microsoft.com/office/powerpoint/2010/main" xmlns="" val="522405798"/>
+        <p14:creationId xmlns="" xmlns:p14="http://schemas.microsoft.com/office/powerpoint/2010/main" val="522405798"/>
       </p:ext>
     </p:extLst>
   </p:cSld>
@@ -37034,7 +37666,7 @@
     </p:spTree>
     <p:extLst>
       <p:ext uri="{BB962C8B-B14F-4D97-AF65-F5344CB8AC3E}">
-        <p14:creationId xmlns:p14="http://schemas.microsoft.com/office/powerpoint/2010/main" xmlns="" val="522405798"/>
+        <p14:creationId xmlns="" xmlns:p14="http://schemas.microsoft.com/office/powerpoint/2010/main" val="522405798"/>
       </p:ext>
     </p:extLst>
   </p:cSld>
@@ -37202,7 +37834,7 @@
     </p:spTree>
     <p:extLst>
       <p:ext uri="{BB962C8B-B14F-4D97-AF65-F5344CB8AC3E}">
-        <p14:creationId xmlns:p14="http://schemas.microsoft.com/office/powerpoint/2010/main" xmlns="" val="522405798"/>
+        <p14:creationId xmlns="" xmlns:p14="http://schemas.microsoft.com/office/powerpoint/2010/main" val="522405798"/>
       </p:ext>
     </p:extLst>
   </p:cSld>
@@ -37370,7 +38002,7 @@
     </p:spTree>
     <p:extLst>
       <p:ext uri="{BB962C8B-B14F-4D97-AF65-F5344CB8AC3E}">
-        <p14:creationId xmlns:p14="http://schemas.microsoft.com/office/powerpoint/2010/main" xmlns="" val="522405798"/>
+        <p14:creationId xmlns="" xmlns:p14="http://schemas.microsoft.com/office/powerpoint/2010/main" val="522405798"/>
       </p:ext>
     </p:extLst>
   </p:cSld>
@@ -37527,7 +38159,7 @@
     </p:spTree>
     <p:extLst>
       <p:ext uri="{BB962C8B-B14F-4D97-AF65-F5344CB8AC3E}">
-        <p14:creationId xmlns:p14="http://schemas.microsoft.com/office/powerpoint/2010/main" xmlns="" val="522405798"/>
+        <p14:creationId xmlns="" xmlns:p14="http://schemas.microsoft.com/office/powerpoint/2010/main" val="522405798"/>
       </p:ext>
     </p:extLst>
   </p:cSld>
@@ -37871,7 +38503,7 @@
     </p:spTree>
     <p:extLst>
       <p:ext uri="{BB962C8B-B14F-4D97-AF65-F5344CB8AC3E}">
-        <p14:creationId xmlns:p14="http://schemas.microsoft.com/office/powerpoint/2010/main" xmlns="" val="522405798"/>
+        <p14:creationId xmlns="" xmlns:p14="http://schemas.microsoft.com/office/powerpoint/2010/main" val="522405798"/>
       </p:ext>
     </p:extLst>
   </p:cSld>
@@ -38060,7 +38692,7 @@
     </p:spTree>
     <p:extLst>
       <p:ext uri="{BB962C8B-B14F-4D97-AF65-F5344CB8AC3E}">
-        <p14:creationId xmlns:p14="http://schemas.microsoft.com/office/powerpoint/2010/main" xmlns="" val="522405798"/>
+        <p14:creationId xmlns="" xmlns:p14="http://schemas.microsoft.com/office/powerpoint/2010/main" val="522405798"/>
       </p:ext>
     </p:extLst>
   </p:cSld>
@@ -38454,7 +39086,7 @@
     </p:spTree>
     <p:extLst>
       <p:ext uri="{BB962C8B-B14F-4D97-AF65-F5344CB8AC3E}">
-        <p14:creationId xmlns:p14="http://schemas.microsoft.com/office/powerpoint/2010/main" xmlns="" val="522405798"/>
+        <p14:creationId xmlns="" xmlns:p14="http://schemas.microsoft.com/office/powerpoint/2010/main" val="522405798"/>
       </p:ext>
     </p:extLst>
   </p:cSld>
@@ -38566,7 +39198,7 @@
     </p:spTree>
     <p:extLst>
       <p:ext uri="{BB962C8B-B14F-4D97-AF65-F5344CB8AC3E}">
-        <p14:creationId xmlns="" xmlns:p14="http://schemas.microsoft.com/office/powerpoint/2010/main" val="3907764274"/>
+        <p14:creationId xmlns:p14="http://schemas.microsoft.com/office/powerpoint/2010/main" xmlns="" val="3907764274"/>
       </p:ext>
     </p:extLst>
   </p:cSld>
@@ -38854,14 +39486,7 @@
                 <a:latin typeface="微軟正黑體" pitchFamily="34" charset="-120"/>
                 <a:ea typeface="微軟正黑體" pitchFamily="34" charset="-120"/>
               </a:rPr>
-              <a:t>，一個為產生的</a:t>
-            </a:r>
-            <a:r>
-              <a:rPr lang="zh-TW" altLang="en-US" sz="3200" dirty="0" smtClean="0">
-                <a:latin typeface="微軟正黑體" pitchFamily="34" charset="-120"/>
-                <a:ea typeface="微軟正黑體" pitchFamily="34" charset="-120"/>
-              </a:rPr>
-              <a:t>影像</a:t>
+              <a:t>，一個為產生的影像</a:t>
             </a:r>
             <a:endParaRPr lang="en-US" altLang="zh-TW" sz="3200" dirty="0" smtClean="0">
               <a:latin typeface="微軟正黑體" pitchFamily="34" charset="-120"/>
@@ -38883,7 +39508,7 @@
     </p:spTree>
     <p:extLst>
       <p:ext uri="{BB962C8B-B14F-4D97-AF65-F5344CB8AC3E}">
-        <p14:creationId xmlns:p14="http://schemas.microsoft.com/office/powerpoint/2010/main" xmlns="" val="522405798"/>
+        <p14:creationId xmlns="" xmlns:p14="http://schemas.microsoft.com/office/powerpoint/2010/main" val="522405798"/>
       </p:ext>
     </p:extLst>
   </p:cSld>
@@ -39076,7 +39701,7 @@
     </p:spTree>
     <p:extLst>
       <p:ext uri="{BB962C8B-B14F-4D97-AF65-F5344CB8AC3E}">
-        <p14:creationId xmlns:p14="http://schemas.microsoft.com/office/powerpoint/2010/main" xmlns="" val="522405798"/>
+        <p14:creationId xmlns="" xmlns:p14="http://schemas.microsoft.com/office/powerpoint/2010/main" val="522405798"/>
       </p:ext>
     </p:extLst>
   </p:cSld>
@@ -39293,7 +39918,7 @@
     </p:spTree>
     <p:extLst>
       <p:ext uri="{BB962C8B-B14F-4D97-AF65-F5344CB8AC3E}">
-        <p14:creationId xmlns:p14="http://schemas.microsoft.com/office/powerpoint/2010/main" xmlns="" val="522405798"/>
+        <p14:creationId xmlns="" xmlns:p14="http://schemas.microsoft.com/office/powerpoint/2010/main" val="522405798"/>
       </p:ext>
     </p:extLst>
   </p:cSld>
@@ -39442,7 +40067,7 @@
     </p:spTree>
     <p:extLst>
       <p:ext uri="{BB962C8B-B14F-4D97-AF65-F5344CB8AC3E}">
-        <p14:creationId xmlns:p14="http://schemas.microsoft.com/office/powerpoint/2010/main" xmlns="" val="522405798"/>
+        <p14:creationId xmlns="" xmlns:p14="http://schemas.microsoft.com/office/powerpoint/2010/main" val="522405798"/>
       </p:ext>
     </p:extLst>
   </p:cSld>
@@ -39559,7 +40184,7 @@
     </p:spTree>
     <p:extLst>
       <p:ext uri="{BB962C8B-B14F-4D97-AF65-F5344CB8AC3E}">
-        <p14:creationId xmlns:p14="http://schemas.microsoft.com/office/powerpoint/2010/main" xmlns="" val="522405798"/>
+        <p14:creationId xmlns="" xmlns:p14="http://schemas.microsoft.com/office/powerpoint/2010/main" val="522405798"/>
       </p:ext>
     </p:extLst>
   </p:cSld>
@@ -39708,7 +40333,7 @@
     </p:spTree>
     <p:extLst>
       <p:ext uri="{BB962C8B-B14F-4D97-AF65-F5344CB8AC3E}">
-        <p14:creationId xmlns:p14="http://schemas.microsoft.com/office/powerpoint/2010/main" xmlns="" val="522405798"/>
+        <p14:creationId xmlns="" xmlns:p14="http://schemas.microsoft.com/office/powerpoint/2010/main" val="522405798"/>
       </p:ext>
     </p:extLst>
   </p:cSld>
@@ -39825,7 +40450,7 @@
     </p:spTree>
     <p:extLst>
       <p:ext uri="{BB962C8B-B14F-4D97-AF65-F5344CB8AC3E}">
-        <p14:creationId xmlns:p14="http://schemas.microsoft.com/office/powerpoint/2010/main" xmlns="" val="522405798"/>
+        <p14:creationId xmlns="" xmlns:p14="http://schemas.microsoft.com/office/powerpoint/2010/main" val="522405798"/>
       </p:ext>
     </p:extLst>
   </p:cSld>
@@ -40095,7 +40720,7 @@
     </p:spTree>
     <p:extLst>
       <p:ext uri="{BB962C8B-B14F-4D97-AF65-F5344CB8AC3E}">
-        <p14:creationId xmlns:p14="http://schemas.microsoft.com/office/powerpoint/2010/main" xmlns="" val="522405798"/>
+        <p14:creationId xmlns="" xmlns:p14="http://schemas.microsoft.com/office/powerpoint/2010/main" val="522405798"/>
       </p:ext>
     </p:extLst>
   </p:cSld>
@@ -40244,7 +40869,7 @@
     </p:spTree>
     <p:extLst>
       <p:ext uri="{BB962C8B-B14F-4D97-AF65-F5344CB8AC3E}">
-        <p14:creationId xmlns:p14="http://schemas.microsoft.com/office/powerpoint/2010/main" xmlns="" val="522405798"/>
+        <p14:creationId xmlns="" xmlns:p14="http://schemas.microsoft.com/office/powerpoint/2010/main" val="522405798"/>
       </p:ext>
     </p:extLst>
   </p:cSld>
@@ -40361,7 +40986,7 @@
     </p:spTree>
     <p:extLst>
       <p:ext uri="{BB962C8B-B14F-4D97-AF65-F5344CB8AC3E}">
-        <p14:creationId xmlns:p14="http://schemas.microsoft.com/office/powerpoint/2010/main" xmlns="" val="522405798"/>
+        <p14:creationId xmlns="" xmlns:p14="http://schemas.microsoft.com/office/powerpoint/2010/main" val="522405798"/>
       </p:ext>
     </p:extLst>
   </p:cSld>
@@ -40510,7 +41135,7 @@
     </p:spTree>
     <p:extLst>
       <p:ext uri="{BB962C8B-B14F-4D97-AF65-F5344CB8AC3E}">
-        <p14:creationId xmlns:p14="http://schemas.microsoft.com/office/powerpoint/2010/main" xmlns="" val="522405798"/>
+        <p14:creationId xmlns="" xmlns:p14="http://schemas.microsoft.com/office/powerpoint/2010/main" val="522405798"/>
       </p:ext>
     </p:extLst>
   </p:cSld>
@@ -40627,7 +41252,7 @@
     </p:spTree>
     <p:extLst>
       <p:ext uri="{BB962C8B-B14F-4D97-AF65-F5344CB8AC3E}">
-        <p14:creationId xmlns:p14="http://schemas.microsoft.com/office/powerpoint/2010/main" xmlns="" val="522405798"/>
+        <p14:creationId xmlns="" xmlns:p14="http://schemas.microsoft.com/office/powerpoint/2010/main" val="522405798"/>
       </p:ext>
     </p:extLst>
   </p:cSld>
@@ -40776,7 +41401,7 @@
     </p:spTree>
     <p:extLst>
       <p:ext uri="{BB962C8B-B14F-4D97-AF65-F5344CB8AC3E}">
-        <p14:creationId xmlns:p14="http://schemas.microsoft.com/office/powerpoint/2010/main" xmlns="" val="522405798"/>
+        <p14:creationId xmlns="" xmlns:p14="http://schemas.microsoft.com/office/powerpoint/2010/main" val="522405798"/>
       </p:ext>
     </p:extLst>
   </p:cSld>
@@ -40893,7 +41518,7 @@
     </p:spTree>
     <p:extLst>
       <p:ext uri="{BB962C8B-B14F-4D97-AF65-F5344CB8AC3E}">
-        <p14:creationId xmlns:p14="http://schemas.microsoft.com/office/powerpoint/2010/main" xmlns="" val="522405798"/>
+        <p14:creationId xmlns="" xmlns:p14="http://schemas.microsoft.com/office/powerpoint/2010/main" val="522405798"/>
       </p:ext>
     </p:extLst>
   </p:cSld>
@@ -41025,7 +41650,7 @@
     </p:spTree>
     <p:extLst>
       <p:ext uri="{BB962C8B-B14F-4D97-AF65-F5344CB8AC3E}">
-        <p14:creationId xmlns:p14="http://schemas.microsoft.com/office/powerpoint/2010/main" xmlns="" val="522405798"/>
+        <p14:creationId xmlns="" xmlns:p14="http://schemas.microsoft.com/office/powerpoint/2010/main" val="522405798"/>
       </p:ext>
     </p:extLst>
   </p:cSld>
@@ -41097,7 +41722,7 @@
     </p:spTree>
     <p:extLst>
       <p:ext uri="{BB962C8B-B14F-4D97-AF65-F5344CB8AC3E}">
-        <p14:creationId xmlns:p14="http://schemas.microsoft.com/office/powerpoint/2010/main" xmlns="" val="522405798"/>
+        <p14:creationId xmlns="" xmlns:p14="http://schemas.microsoft.com/office/powerpoint/2010/main" val="522405798"/>
       </p:ext>
     </p:extLst>
   </p:cSld>
@@ -41275,7 +41900,7 @@
     </p:spTree>
     <p:extLst>
       <p:ext uri="{BB962C8B-B14F-4D97-AF65-F5344CB8AC3E}">
-        <p14:creationId xmlns:p14="http://schemas.microsoft.com/office/powerpoint/2010/main" xmlns="" val="522405798"/>
+        <p14:creationId xmlns="" xmlns:p14="http://schemas.microsoft.com/office/powerpoint/2010/main" val="522405798"/>
       </p:ext>
     </p:extLst>
   </p:cSld>
@@ -41405,7 +42030,7 @@
     </p:spTree>
     <p:extLst>
       <p:ext uri="{BB962C8B-B14F-4D97-AF65-F5344CB8AC3E}">
-        <p14:creationId xmlns:p14="http://schemas.microsoft.com/office/powerpoint/2010/main" xmlns="" val="522405798"/>
+        <p14:creationId xmlns="" xmlns:p14="http://schemas.microsoft.com/office/powerpoint/2010/main" val="522405798"/>
       </p:ext>
     </p:extLst>
   </p:cSld>
@@ -41691,7 +42316,7 @@
     </p:spTree>
     <p:extLst>
       <p:ext uri="{BB962C8B-B14F-4D97-AF65-F5344CB8AC3E}">
-        <p14:creationId xmlns:p14="http://schemas.microsoft.com/office/powerpoint/2010/main" xmlns="" val="522405798"/>
+        <p14:creationId xmlns="" xmlns:p14="http://schemas.microsoft.com/office/powerpoint/2010/main" val="522405798"/>
       </p:ext>
     </p:extLst>
   </p:cSld>
@@ -41918,7 +42543,7 @@
     </p:spTree>
     <p:extLst>
       <p:ext uri="{BB962C8B-B14F-4D97-AF65-F5344CB8AC3E}">
-        <p14:creationId xmlns:p14="http://schemas.microsoft.com/office/powerpoint/2010/main" xmlns="" val="522405798"/>
+        <p14:creationId xmlns="" xmlns:p14="http://schemas.microsoft.com/office/powerpoint/2010/main" val="522405798"/>
       </p:ext>
     </p:extLst>
   </p:cSld>
@@ -42111,7 +42736,7 @@
     </p:spTree>
     <p:extLst>
       <p:ext uri="{BB962C8B-B14F-4D97-AF65-F5344CB8AC3E}">
-        <p14:creationId xmlns:p14="http://schemas.microsoft.com/office/powerpoint/2010/main" xmlns="" val="522405798"/>
+        <p14:creationId xmlns="" xmlns:p14="http://schemas.microsoft.com/office/powerpoint/2010/main" val="522405798"/>
       </p:ext>
     </p:extLst>
   </p:cSld>
@@ -42241,7 +42866,7 @@
     </p:spTree>
     <p:extLst>
       <p:ext uri="{BB962C8B-B14F-4D97-AF65-F5344CB8AC3E}">
-        <p14:creationId xmlns:p14="http://schemas.microsoft.com/office/powerpoint/2010/main" xmlns="" val="522405798"/>
+        <p14:creationId xmlns="" xmlns:p14="http://schemas.microsoft.com/office/powerpoint/2010/main" val="522405798"/>
       </p:ext>
     </p:extLst>
   </p:cSld>
@@ -42371,7 +42996,7 @@
     </p:spTree>
     <p:extLst>
       <p:ext uri="{BB962C8B-B14F-4D97-AF65-F5344CB8AC3E}">
-        <p14:creationId xmlns:p14="http://schemas.microsoft.com/office/powerpoint/2010/main" xmlns="" val="522405798"/>
+        <p14:creationId xmlns="" xmlns:p14="http://schemas.microsoft.com/office/powerpoint/2010/main" val="522405798"/>
       </p:ext>
     </p:extLst>
   </p:cSld>
@@ -42581,7 +43206,7 @@
     </p:spTree>
     <p:extLst>
       <p:ext uri="{BB962C8B-B14F-4D97-AF65-F5344CB8AC3E}">
-        <p14:creationId xmlns:p14="http://schemas.microsoft.com/office/powerpoint/2010/main" xmlns="" val="522405798"/>
+        <p14:creationId xmlns="" xmlns:p14="http://schemas.microsoft.com/office/powerpoint/2010/main" val="522405798"/>
       </p:ext>
     </p:extLst>
   </p:cSld>
@@ -42836,7 +43461,7 @@
     </p:spTree>
     <p:extLst>
       <p:ext uri="{BB962C8B-B14F-4D97-AF65-F5344CB8AC3E}">
-        <p14:creationId xmlns:p14="http://schemas.microsoft.com/office/powerpoint/2010/main" xmlns="" val="522405798"/>
+        <p14:creationId xmlns="" xmlns:p14="http://schemas.microsoft.com/office/powerpoint/2010/main" val="522405798"/>
       </p:ext>
     </p:extLst>
   </p:cSld>
@@ -43030,7 +43655,7 @@
     </p:spTree>
     <p:extLst>
       <p:ext uri="{BB962C8B-B14F-4D97-AF65-F5344CB8AC3E}">
-        <p14:creationId xmlns:p14="http://schemas.microsoft.com/office/powerpoint/2010/main" xmlns="" val="522405798"/>
+        <p14:creationId xmlns="" xmlns:p14="http://schemas.microsoft.com/office/powerpoint/2010/main" val="522405798"/>
       </p:ext>
     </p:extLst>
   </p:cSld>
@@ -43160,7 +43785,7 @@
     </p:spTree>
     <p:extLst>
       <p:ext uri="{BB962C8B-B14F-4D97-AF65-F5344CB8AC3E}">
-        <p14:creationId xmlns:p14="http://schemas.microsoft.com/office/powerpoint/2010/main" xmlns="" val="522405798"/>
+        <p14:creationId xmlns="" xmlns:p14="http://schemas.microsoft.com/office/powerpoint/2010/main" val="522405798"/>
       </p:ext>
     </p:extLst>
   </p:cSld>
@@ -43290,7 +43915,7 @@
     </p:spTree>
     <p:extLst>
       <p:ext uri="{BB962C8B-B14F-4D97-AF65-F5344CB8AC3E}">
-        <p14:creationId xmlns:p14="http://schemas.microsoft.com/office/powerpoint/2010/main" xmlns="" val="522405798"/>
+        <p14:creationId xmlns="" xmlns:p14="http://schemas.microsoft.com/office/powerpoint/2010/main" val="522405798"/>
       </p:ext>
     </p:extLst>
   </p:cSld>
@@ -43420,7 +44045,7 @@
     </p:spTree>
     <p:extLst>
       <p:ext uri="{BB962C8B-B14F-4D97-AF65-F5344CB8AC3E}">
-        <p14:creationId xmlns:p14="http://schemas.microsoft.com/office/powerpoint/2010/main" xmlns="" val="522405798"/>
+        <p14:creationId xmlns="" xmlns:p14="http://schemas.microsoft.com/office/powerpoint/2010/main" val="522405798"/>
       </p:ext>
     </p:extLst>
   </p:cSld>
@@ -43759,7 +44384,7 @@
     </p:spTree>
     <p:extLst>
       <p:ext uri="{BB962C8B-B14F-4D97-AF65-F5344CB8AC3E}">
-        <p14:creationId xmlns:p14="http://schemas.microsoft.com/office/powerpoint/2010/main" xmlns="" val="522405798"/>
+        <p14:creationId xmlns="" xmlns:p14="http://schemas.microsoft.com/office/powerpoint/2010/main" val="522405798"/>
       </p:ext>
     </p:extLst>
   </p:cSld>
@@ -43854,7 +44479,7 @@
     </p:spTree>
     <p:extLst>
       <p:ext uri="{BB962C8B-B14F-4D97-AF65-F5344CB8AC3E}">
-        <p14:creationId xmlns="" xmlns:p14="http://schemas.microsoft.com/office/powerpoint/2010/main" val="3907764274"/>
+        <p14:creationId xmlns:p14="http://schemas.microsoft.com/office/powerpoint/2010/main" xmlns="" val="3907764274"/>
       </p:ext>
     </p:extLst>
   </p:cSld>
@@ -44100,7 +44725,7 @@
     </p:spTree>
     <p:extLst>
       <p:ext uri="{BB962C8B-B14F-4D97-AF65-F5344CB8AC3E}">
-        <p14:creationId xmlns:p14="http://schemas.microsoft.com/office/powerpoint/2010/main" xmlns="" val="522405798"/>
+        <p14:creationId xmlns="" xmlns:p14="http://schemas.microsoft.com/office/powerpoint/2010/main" val="522405798"/>
       </p:ext>
     </p:extLst>
   </p:cSld>
@@ -44283,7 +44908,7 @@
     </p:spTree>
     <p:extLst>
       <p:ext uri="{BB962C8B-B14F-4D97-AF65-F5344CB8AC3E}">
-        <p14:creationId xmlns:p14="http://schemas.microsoft.com/office/powerpoint/2010/main" xmlns="" val="522405798"/>
+        <p14:creationId xmlns="" xmlns:p14="http://schemas.microsoft.com/office/powerpoint/2010/main" val="522405798"/>
       </p:ext>
     </p:extLst>
   </p:cSld>
@@ -44667,7 +45292,7 @@
     </p:spTree>
     <p:extLst>
       <p:ext uri="{BB962C8B-B14F-4D97-AF65-F5344CB8AC3E}">
-        <p14:creationId xmlns:p14="http://schemas.microsoft.com/office/powerpoint/2010/main" xmlns="" val="522405798"/>
+        <p14:creationId xmlns="" xmlns:p14="http://schemas.microsoft.com/office/powerpoint/2010/main" val="522405798"/>
       </p:ext>
     </p:extLst>
   </p:cSld>
@@ -44898,7 +45523,7 @@
     </p:spTree>
     <p:extLst>
       <p:ext uri="{BB962C8B-B14F-4D97-AF65-F5344CB8AC3E}">
-        <p14:creationId xmlns:p14="http://schemas.microsoft.com/office/powerpoint/2010/main" xmlns="" val="522405798"/>
+        <p14:creationId xmlns="" xmlns:p14="http://schemas.microsoft.com/office/powerpoint/2010/main" val="522405798"/>
       </p:ext>
     </p:extLst>
   </p:cSld>
@@ -45190,7 +45815,7 @@
     </p:spTree>
     <p:extLst>
       <p:ext uri="{BB962C8B-B14F-4D97-AF65-F5344CB8AC3E}">
-        <p14:creationId xmlns:p14="http://schemas.microsoft.com/office/powerpoint/2010/main" xmlns="" val="522405798"/>
+        <p14:creationId xmlns="" xmlns:p14="http://schemas.microsoft.com/office/powerpoint/2010/main" val="522405798"/>
       </p:ext>
     </p:extLst>
   </p:cSld>
@@ -45482,7 +46107,7 @@
     </p:spTree>
     <p:extLst>
       <p:ext uri="{BB962C8B-B14F-4D97-AF65-F5344CB8AC3E}">
-        <p14:creationId xmlns:p14="http://schemas.microsoft.com/office/powerpoint/2010/main" xmlns="" val="522405798"/>
+        <p14:creationId xmlns="" xmlns:p14="http://schemas.microsoft.com/office/powerpoint/2010/main" val="522405798"/>
       </p:ext>
     </p:extLst>
   </p:cSld>
@@ -45734,7 +46359,7 @@
     </p:spTree>
     <p:extLst>
       <p:ext uri="{BB962C8B-B14F-4D97-AF65-F5344CB8AC3E}">
-        <p14:creationId xmlns:p14="http://schemas.microsoft.com/office/powerpoint/2010/main" xmlns="" val="522405798"/>
+        <p14:creationId xmlns="" xmlns:p14="http://schemas.microsoft.com/office/powerpoint/2010/main" val="522405798"/>
       </p:ext>
     </p:extLst>
   </p:cSld>
@@ -46006,7 +46631,7 @@
     </p:spTree>
     <p:extLst>
       <p:ext uri="{BB962C8B-B14F-4D97-AF65-F5344CB8AC3E}">
-        <p14:creationId xmlns:p14="http://schemas.microsoft.com/office/powerpoint/2010/main" xmlns="" val="522405798"/>
+        <p14:creationId xmlns="" xmlns:p14="http://schemas.microsoft.com/office/powerpoint/2010/main" val="522405798"/>
       </p:ext>
     </p:extLst>
   </p:cSld>
@@ -46251,7 +46876,7 @@
     </p:spTree>
     <p:extLst>
       <p:ext uri="{BB962C8B-B14F-4D97-AF65-F5344CB8AC3E}">
-        <p14:creationId xmlns:p14="http://schemas.microsoft.com/office/powerpoint/2010/main" xmlns="" val="522405798"/>
+        <p14:creationId xmlns="" xmlns:p14="http://schemas.microsoft.com/office/powerpoint/2010/main" val="522405798"/>
       </p:ext>
     </p:extLst>
   </p:cSld>
@@ -46667,7 +47292,7 @@
     </p:spTree>
     <p:extLst>
       <p:ext uri="{BB962C8B-B14F-4D97-AF65-F5344CB8AC3E}">
-        <p14:creationId xmlns:p14="http://schemas.microsoft.com/office/powerpoint/2010/main" xmlns="" val="522405798"/>
+        <p14:creationId xmlns="" xmlns:p14="http://schemas.microsoft.com/office/powerpoint/2010/main" val="522405798"/>
       </p:ext>
     </p:extLst>
   </p:cSld>
@@ -46884,7 +47509,7 @@
     </p:spTree>
     <p:extLst>
       <p:ext uri="{BB962C8B-B14F-4D97-AF65-F5344CB8AC3E}">
-        <p14:creationId xmlns:p14="http://schemas.microsoft.com/office/powerpoint/2010/main" xmlns="" val="522405798"/>
+        <p14:creationId xmlns="" xmlns:p14="http://schemas.microsoft.com/office/powerpoint/2010/main" val="522405798"/>
       </p:ext>
     </p:extLst>
   </p:cSld>
@@ -47132,7 +47757,7 @@
     </p:spTree>
     <p:extLst>
       <p:ext uri="{BB962C8B-B14F-4D97-AF65-F5344CB8AC3E}">
-        <p14:creationId xmlns:p14="http://schemas.microsoft.com/office/powerpoint/2010/main" xmlns="" val="522405798"/>
+        <p14:creationId xmlns="" xmlns:p14="http://schemas.microsoft.com/office/powerpoint/2010/main" val="522405798"/>
       </p:ext>
     </p:extLst>
   </p:cSld>
@@ -47424,7 +48049,7 @@
     </p:spTree>
     <p:extLst>
       <p:ext uri="{BB962C8B-B14F-4D97-AF65-F5344CB8AC3E}">
-        <p14:creationId xmlns:p14="http://schemas.microsoft.com/office/powerpoint/2010/main" xmlns="" val="522405798"/>
+        <p14:creationId xmlns="" xmlns:p14="http://schemas.microsoft.com/office/powerpoint/2010/main" val="522405798"/>
       </p:ext>
     </p:extLst>
   </p:cSld>
@@ -47681,7 +48306,7 @@
     </p:spTree>
     <p:extLst>
       <p:ext uri="{BB962C8B-B14F-4D97-AF65-F5344CB8AC3E}">
-        <p14:creationId xmlns:p14="http://schemas.microsoft.com/office/powerpoint/2010/main" xmlns="" val="522405798"/>
+        <p14:creationId xmlns="" xmlns:p14="http://schemas.microsoft.com/office/powerpoint/2010/main" val="522405798"/>
       </p:ext>
     </p:extLst>
   </p:cSld>
@@ -47796,7 +48421,7 @@
     </p:spTree>
     <p:extLst>
       <p:ext uri="{BB962C8B-B14F-4D97-AF65-F5344CB8AC3E}">
-        <p14:creationId xmlns="" xmlns:p14="http://schemas.microsoft.com/office/powerpoint/2010/main" val="3907764274"/>
+        <p14:creationId xmlns:p14="http://schemas.microsoft.com/office/powerpoint/2010/main" xmlns="" val="3907764274"/>
       </p:ext>
     </p:extLst>
   </p:cSld>
@@ -47897,8 +48522,8 @@
         </p:nvSpPr>
         <p:spPr>
           <a:xfrm>
-            <a:off x="457200" y="1447800"/>
-            <a:ext cx="8534400" cy="4524315"/>
+            <a:off x="457200" y="1371600"/>
+            <a:ext cx="8534400" cy="5509200"/>
           </a:xfrm>
           <a:prstGeom prst="rect">
             <a:avLst/>
@@ -48026,7 +48651,45 @@
                 <a:latin typeface="微軟正黑體" pitchFamily="34" charset="-120"/>
                 <a:ea typeface="微軟正黑體" pitchFamily="34" charset="-120"/>
               </a:rPr>
-              <a:t>數學領域將其稱為“核”</a:t>
+              <a:t>數學領域將其稱為“核</a:t>
+            </a:r>
+            <a:r>
+              <a:rPr lang="zh-TW" altLang="zh-TW" sz="3200" dirty="0" smtClean="0">
+                <a:latin typeface="微軟正黑體" pitchFamily="34" charset="-120"/>
+                <a:ea typeface="微軟正黑體" pitchFamily="34" charset="-120"/>
+              </a:rPr>
+              <a:t>”</a:t>
+            </a:r>
+            <a:endParaRPr lang="en-US" altLang="zh-TW" sz="3200" dirty="0" smtClean="0">
+              <a:latin typeface="微軟正黑體" pitchFamily="34" charset="-120"/>
+              <a:ea typeface="微軟正黑體" pitchFamily="34" charset="-120"/>
+            </a:endParaRPr>
+          </a:p>
+          <a:p>
+            <a:pPr marL="271463" indent="-271463">
+              <a:buFont typeface="Arial" pitchFamily="34" charset="0"/>
+              <a:buChar char="•"/>
+            </a:pPr>
+            <a:r>
+              <a:rPr lang="zh-TW" altLang="en-US" sz="3200" dirty="0" smtClean="0">
+                <a:latin typeface="微軟正黑體" pitchFamily="34" charset="-120"/>
+                <a:ea typeface="微軟正黑體" pitchFamily="34" charset="-120"/>
+              </a:rPr>
+              <a:t>就是一個矩陣和原圖像之間的「</a:t>
+            </a:r>
+            <a:r>
+              <a:rPr lang="en-US" altLang="zh-TW" sz="3200" dirty="0" smtClean="0">
+                <a:latin typeface="微軟正黑體" pitchFamily="34" charset="-120"/>
+                <a:ea typeface="微軟正黑體" pitchFamily="34" charset="-120"/>
+              </a:rPr>
+              <a:t>convolution</a:t>
+            </a:r>
+            <a:r>
+              <a:rPr lang="zh-TW" altLang="en-US" sz="3200" dirty="0" smtClean="0">
+                <a:latin typeface="微軟正黑體" pitchFamily="34" charset="-120"/>
+                <a:ea typeface="微軟正黑體" pitchFamily="34" charset="-120"/>
+              </a:rPr>
+              <a:t>」所產生的新圖像</a:t>
             </a:r>
             <a:endParaRPr lang="zh-TW" altLang="zh-TW" sz="3200" dirty="0">
               <a:latin typeface="微軟正黑體" pitchFamily="34" charset="-120"/>
@@ -48038,7 +48701,7 @@
     </p:spTree>
     <p:extLst>
       <p:ext uri="{BB962C8B-B14F-4D97-AF65-F5344CB8AC3E}">
-        <p14:creationId xmlns:p14="http://schemas.microsoft.com/office/powerpoint/2010/main" xmlns="" val="522405798"/>
+        <p14:creationId xmlns="" xmlns:p14="http://schemas.microsoft.com/office/powerpoint/2010/main" val="522405798"/>
       </p:ext>
     </p:extLst>
   </p:cSld>
@@ -48219,7 +48882,7 @@
     </p:spTree>
     <p:extLst>
       <p:ext uri="{BB962C8B-B14F-4D97-AF65-F5344CB8AC3E}">
-        <p14:creationId xmlns:p14="http://schemas.microsoft.com/office/powerpoint/2010/main" xmlns="" val="522405798"/>
+        <p14:creationId xmlns="" xmlns:p14="http://schemas.microsoft.com/office/powerpoint/2010/main" val="522405798"/>
       </p:ext>
     </p:extLst>
   </p:cSld>
@@ -48398,7 +49061,21 @@
                 <a:latin typeface="微軟正黑體" pitchFamily="34" charset="-120"/>
                 <a:ea typeface="微軟正黑體" pitchFamily="34" charset="-120"/>
               </a:rPr>
-              <a:t>去除這些雜訊資訊</a:t>
+              <a:t>去除這些雜訊</a:t>
+            </a:r>
+            <a:r>
+              <a:rPr lang="zh-TW" altLang="zh-TW" sz="3200" dirty="0" smtClean="0">
+                <a:latin typeface="微軟正黑體" pitchFamily="34" charset="-120"/>
+                <a:ea typeface="微軟正黑體" pitchFamily="34" charset="-120"/>
+              </a:rPr>
+              <a:t>資訊</a:t>
+            </a:r>
+            <a:r>
+              <a:rPr lang="zh-TW" altLang="en-US" sz="3200" dirty="0" smtClean="0">
+                <a:latin typeface="微軟正黑體" pitchFamily="34" charset="-120"/>
+                <a:ea typeface="微軟正黑體" pitchFamily="34" charset="-120"/>
+              </a:rPr>
+              <a:t>的過程</a:t>
             </a:r>
             <a:endParaRPr lang="zh-TW" altLang="zh-TW" sz="3200" dirty="0">
               <a:latin typeface="微軟正黑體" pitchFamily="34" charset="-120"/>
@@ -48474,7 +49151,7 @@
     </p:spTree>
     <p:extLst>
       <p:ext uri="{BB962C8B-B14F-4D97-AF65-F5344CB8AC3E}">
-        <p14:creationId xmlns:p14="http://schemas.microsoft.com/office/powerpoint/2010/main" xmlns="" val="522405798"/>
+        <p14:creationId xmlns="" xmlns:p14="http://schemas.microsoft.com/office/powerpoint/2010/main" val="522405798"/>
       </p:ext>
     </p:extLst>
   </p:cSld>
@@ -48675,7 +49352,7 @@
     </p:spTree>
     <p:extLst>
       <p:ext uri="{BB962C8B-B14F-4D97-AF65-F5344CB8AC3E}">
-        <p14:creationId xmlns:p14="http://schemas.microsoft.com/office/powerpoint/2010/main" xmlns="" val="522405798"/>
+        <p14:creationId xmlns="" xmlns:p14="http://schemas.microsoft.com/office/powerpoint/2010/main" val="522405798"/>
       </p:ext>
     </p:extLst>
   </p:cSld>
@@ -48896,7 +49573,7 @@
     </p:spTree>
     <p:extLst>
       <p:ext uri="{BB962C8B-B14F-4D97-AF65-F5344CB8AC3E}">
-        <p14:creationId xmlns:p14="http://schemas.microsoft.com/office/powerpoint/2010/main" xmlns="" val="522405798"/>
+        <p14:creationId xmlns="" xmlns:p14="http://schemas.microsoft.com/office/powerpoint/2010/main" val="522405798"/>
       </p:ext>
     </p:extLst>
   </p:cSld>
@@ -49142,7 +49819,7 @@
     </p:spTree>
     <p:extLst>
       <p:ext uri="{BB962C8B-B14F-4D97-AF65-F5344CB8AC3E}">
-        <p14:creationId xmlns:p14="http://schemas.microsoft.com/office/powerpoint/2010/main" xmlns="" val="522405798"/>
+        <p14:creationId xmlns="" xmlns:p14="http://schemas.microsoft.com/office/powerpoint/2010/main" val="522405798"/>
       </p:ext>
     </p:extLst>
   </p:cSld>
@@ -49306,7 +49983,7 @@
     </p:spTree>
     <p:extLst>
       <p:ext uri="{BB962C8B-B14F-4D97-AF65-F5344CB8AC3E}">
-        <p14:creationId xmlns:p14="http://schemas.microsoft.com/office/powerpoint/2010/main" xmlns="" val="522405798"/>
+        <p14:creationId xmlns="" xmlns:p14="http://schemas.microsoft.com/office/powerpoint/2010/main" val="522405798"/>
       </p:ext>
     </p:extLst>
   </p:cSld>
@@ -49555,7 +50232,7 @@
     </p:spTree>
     <p:extLst>
       <p:ext uri="{BB962C8B-B14F-4D97-AF65-F5344CB8AC3E}">
-        <p14:creationId xmlns:p14="http://schemas.microsoft.com/office/powerpoint/2010/main" xmlns="" val="522405798"/>
+        <p14:creationId xmlns="" xmlns:p14="http://schemas.microsoft.com/office/powerpoint/2010/main" val="522405798"/>
       </p:ext>
     </p:extLst>
   </p:cSld>
@@ -49767,7 +50444,7 @@
     </p:spTree>
     <p:extLst>
       <p:ext uri="{BB962C8B-B14F-4D97-AF65-F5344CB8AC3E}">
-        <p14:creationId xmlns:p14="http://schemas.microsoft.com/office/powerpoint/2010/main" xmlns="" val="522405798"/>
+        <p14:creationId xmlns="" xmlns:p14="http://schemas.microsoft.com/office/powerpoint/2010/main" val="522405798"/>
       </p:ext>
     </p:extLst>
   </p:cSld>
@@ -49899,7 +50576,7 @@
     </p:spTree>
     <p:extLst>
       <p:ext uri="{BB962C8B-B14F-4D97-AF65-F5344CB8AC3E}">
-        <p14:creationId xmlns:p14="http://schemas.microsoft.com/office/powerpoint/2010/main" xmlns="" val="522405798"/>
+        <p14:creationId xmlns="" xmlns:p14="http://schemas.microsoft.com/office/powerpoint/2010/main" val="522405798"/>
       </p:ext>
     </p:extLst>
   </p:cSld>
@@ -50031,7 +50708,7 @@
     </p:spTree>
     <p:extLst>
       <p:ext uri="{BB962C8B-B14F-4D97-AF65-F5344CB8AC3E}">
-        <p14:creationId xmlns:p14="http://schemas.microsoft.com/office/powerpoint/2010/main" xmlns="" val="522405798"/>
+        <p14:creationId xmlns="" xmlns:p14="http://schemas.microsoft.com/office/powerpoint/2010/main" val="522405798"/>
       </p:ext>
     </p:extLst>
   </p:cSld>
@@ -50163,7 +50840,7 @@
     </p:spTree>
     <p:extLst>
       <p:ext uri="{BB962C8B-B14F-4D97-AF65-F5344CB8AC3E}">
-        <p14:creationId xmlns:p14="http://schemas.microsoft.com/office/powerpoint/2010/main" xmlns="" val="522405798"/>
+        <p14:creationId xmlns="" xmlns:p14="http://schemas.microsoft.com/office/powerpoint/2010/main" val="522405798"/>
       </p:ext>
     </p:extLst>
   </p:cSld>
@@ -50298,7 +50975,7 @@
     </p:spTree>
     <p:extLst>
       <p:ext uri="{BB962C8B-B14F-4D97-AF65-F5344CB8AC3E}">
-        <p14:creationId xmlns:p14="http://schemas.microsoft.com/office/powerpoint/2010/main" xmlns="" val="522405798"/>
+        <p14:creationId xmlns="" xmlns:p14="http://schemas.microsoft.com/office/powerpoint/2010/main" val="522405798"/>
       </p:ext>
     </p:extLst>
   </p:cSld>
@@ -50462,7 +51139,7 @@
     </p:spTree>
     <p:extLst>
       <p:ext uri="{BB962C8B-B14F-4D97-AF65-F5344CB8AC3E}">
-        <p14:creationId xmlns:p14="http://schemas.microsoft.com/office/powerpoint/2010/main" xmlns="" val="522405798"/>
+        <p14:creationId xmlns="" xmlns:p14="http://schemas.microsoft.com/office/powerpoint/2010/main" val="522405798"/>
       </p:ext>
     </p:extLst>
   </p:cSld>
@@ -50626,7 +51303,7 @@
     </p:spTree>
     <p:extLst>
       <p:ext uri="{BB962C8B-B14F-4D97-AF65-F5344CB8AC3E}">
-        <p14:creationId xmlns:p14="http://schemas.microsoft.com/office/powerpoint/2010/main" xmlns="" val="522405798"/>
+        <p14:creationId xmlns="" xmlns:p14="http://schemas.microsoft.com/office/powerpoint/2010/main" val="522405798"/>
       </p:ext>
     </p:extLst>
   </p:cSld>
@@ -50925,7 +51602,7 @@
     </p:spTree>
     <p:extLst>
       <p:ext uri="{BB962C8B-B14F-4D97-AF65-F5344CB8AC3E}">
-        <p14:creationId xmlns:p14="http://schemas.microsoft.com/office/powerpoint/2010/main" xmlns="" val="522405798"/>
+        <p14:creationId xmlns="" xmlns:p14="http://schemas.microsoft.com/office/powerpoint/2010/main" val="522405798"/>
       </p:ext>
     </p:extLst>
   </p:cSld>
@@ -51020,25 +51697,7 @@
                 <a:ea typeface="微軟正黑體" pitchFamily="34" charset="-120"/>
                 <a:cs typeface="Heiti TC Light"/>
               </a:rPr>
-              <a:t>色彩</a:t>
-            </a:r>
-            <a:r>
-              <a:rPr kumimoji="1" lang="zh-TW" altLang="en-US" sz="4800" b="1" dirty="0" smtClean="0">
-                <a:solidFill>
-                  <a:srgbClr val="FFFF00"/>
-                </a:solidFill>
-                <a:effectLst>
-                  <a:outerShdw blurRad="38100" dist="38100" dir="2700000" algn="tl">
-                    <a:srgbClr val="000000">
-                      <a:alpha val="43137"/>
-                    </a:srgbClr>
-                  </a:outerShdw>
-                </a:effectLst>
-                <a:latin typeface="微軟正黑體" pitchFamily="34" charset="-120"/>
-                <a:ea typeface="微軟正黑體" pitchFamily="34" charset="-120"/>
-                <a:cs typeface="Heiti TC Light"/>
-              </a:rPr>
-              <a:t>空間</a:t>
+              <a:t>色彩空間</a:t>
             </a:r>
             <a:endParaRPr kumimoji="1" lang="en-US" altLang="zh-TW" sz="4800" b="1" dirty="0" smtClean="0">
               <a:solidFill>
@@ -51106,28 +51765,7 @@
                 <a:latin typeface="微軟正黑體" pitchFamily="34" charset="-120"/>
                 <a:ea typeface="微軟正黑體" pitchFamily="34" charset="-120"/>
               </a:rPr>
-              <a:t>利用色料的三原色混色原理，加上黑色油墨，共計</a:t>
-            </a:r>
-            <a:r>
-              <a:rPr lang="zh-TW" altLang="en-US" sz="3600" dirty="0" smtClean="0">
-                <a:latin typeface="微軟正黑體" pitchFamily="34" charset="-120"/>
-                <a:ea typeface="微軟正黑體" pitchFamily="34" charset="-120"/>
-              </a:rPr>
-              <a:t>四種</a:t>
-            </a:r>
-            <a:r>
-              <a:rPr lang="zh-TW" altLang="en-US" sz="3600" dirty="0" smtClean="0">
-                <a:latin typeface="微軟正黑體" pitchFamily="34" charset="-120"/>
-                <a:ea typeface="微軟正黑體" pitchFamily="34" charset="-120"/>
-              </a:rPr>
-              <a:t>顏色混合疊加，形成所謂「全彩印刷</a:t>
-            </a:r>
-            <a:r>
-              <a:rPr lang="zh-TW" altLang="en-US" sz="3600" dirty="0" smtClean="0">
-                <a:latin typeface="微軟正黑體" pitchFamily="34" charset="-120"/>
-                <a:ea typeface="微軟正黑體" pitchFamily="34" charset="-120"/>
-              </a:rPr>
-              <a:t>」</a:t>
+              <a:t>利用色料的三原色混色原理，加上黑色油墨，共計四種顏色混合疊加，形成所謂「全彩印刷」</a:t>
             </a:r>
             <a:endParaRPr lang="en-US" altLang="zh-TW" sz="3600" dirty="0" smtClean="0">
               <a:latin typeface="微軟正黑體" pitchFamily="34" charset="-120"/>
@@ -51165,35 +51803,21 @@
                 <a:latin typeface="微軟正黑體" pitchFamily="34" charset="-120"/>
                 <a:ea typeface="微軟正黑體" pitchFamily="34" charset="-120"/>
               </a:rPr>
-              <a:t>＝ 青色</a:t>
+              <a:t>＝ 青色，：</a:t>
+            </a:r>
+            <a:r>
+              <a:rPr lang="en-US" altLang="zh-TW" sz="3600" dirty="0" smtClean="0">
+                <a:latin typeface="微軟正黑體" pitchFamily="34" charset="-120"/>
+                <a:ea typeface="微軟正黑體" pitchFamily="34" charset="-120"/>
+              </a:rPr>
+              <a:t>Magenta </a:t>
             </a:r>
             <a:r>
               <a:rPr lang="zh-TW" altLang="en-US" sz="3600" dirty="0" smtClean="0">
                 <a:latin typeface="微軟正黑體" pitchFamily="34" charset="-120"/>
                 <a:ea typeface="微軟正黑體" pitchFamily="34" charset="-120"/>
               </a:rPr>
-              <a:t>，：</a:t>
-            </a:r>
-            <a:r>
-              <a:rPr lang="en-US" altLang="zh-TW" sz="3600" dirty="0" smtClean="0">
-                <a:latin typeface="微軟正黑體" pitchFamily="34" charset="-120"/>
-                <a:ea typeface="微軟正黑體" pitchFamily="34" charset="-120"/>
-              </a:rPr>
-              <a:t>Magenta </a:t>
-            </a:r>
-            <a:r>
-              <a:rPr lang="zh-TW" altLang="en-US" sz="3600" dirty="0" smtClean="0">
-                <a:latin typeface="微軟正黑體" pitchFamily="34" charset="-120"/>
-                <a:ea typeface="微軟正黑體" pitchFamily="34" charset="-120"/>
-              </a:rPr>
-              <a:t>＝ </a:t>
-            </a:r>
-            <a:r>
-              <a:rPr lang="zh-TW" altLang="en-US" sz="3600" dirty="0" smtClean="0">
-                <a:latin typeface="微軟正黑體" pitchFamily="34" charset="-120"/>
-                <a:ea typeface="微軟正黑體" pitchFamily="34" charset="-120"/>
-              </a:rPr>
-              <a:t>洋紅色，</a:t>
+              <a:t>＝ 洋紅色，</a:t>
             </a:r>
             <a:r>
               <a:rPr lang="en-US" altLang="zh-TW" sz="3600" dirty="0" smtClean="0">
@@ -51233,7 +51857,7 @@
     </p:spTree>
     <p:extLst>
       <p:ext uri="{BB962C8B-B14F-4D97-AF65-F5344CB8AC3E}">
-        <p14:creationId xmlns:p14="http://schemas.microsoft.com/office/powerpoint/2010/main" xmlns="" val="522405798"/>
+        <p14:creationId xmlns="" xmlns:p14="http://schemas.microsoft.com/office/powerpoint/2010/main" val="522405798"/>
       </p:ext>
     </p:extLst>
   </p:cSld>
@@ -51454,7 +52078,7 @@
     </p:spTree>
     <p:extLst>
       <p:ext uri="{BB962C8B-B14F-4D97-AF65-F5344CB8AC3E}">
-        <p14:creationId xmlns:p14="http://schemas.microsoft.com/office/powerpoint/2010/main" xmlns="" val="522405798"/>
+        <p14:creationId xmlns="" xmlns:p14="http://schemas.microsoft.com/office/powerpoint/2010/main" val="522405798"/>
       </p:ext>
     </p:extLst>
   </p:cSld>
@@ -51819,7 +52443,7 @@
     </p:spTree>
     <p:extLst>
       <p:ext uri="{BB962C8B-B14F-4D97-AF65-F5344CB8AC3E}">
-        <p14:creationId xmlns:p14="http://schemas.microsoft.com/office/powerpoint/2010/main" xmlns="" val="522405798"/>
+        <p14:creationId xmlns="" xmlns:p14="http://schemas.microsoft.com/office/powerpoint/2010/main" val="522405798"/>
       </p:ext>
     </p:extLst>
   </p:cSld>
@@ -51951,7 +52575,7 @@
     </p:spTree>
     <p:extLst>
       <p:ext uri="{BB962C8B-B14F-4D97-AF65-F5344CB8AC3E}">
-        <p14:creationId xmlns:p14="http://schemas.microsoft.com/office/powerpoint/2010/main" xmlns="" val="522405798"/>
+        <p14:creationId xmlns="" xmlns:p14="http://schemas.microsoft.com/office/powerpoint/2010/main" val="522405798"/>
       </p:ext>
     </p:extLst>
   </p:cSld>
@@ -52142,7 +52766,7 @@
     </p:spTree>
     <p:extLst>
       <p:ext uri="{BB962C8B-B14F-4D97-AF65-F5344CB8AC3E}">
-        <p14:creationId xmlns:p14="http://schemas.microsoft.com/office/powerpoint/2010/main" xmlns="" val="522405798"/>
+        <p14:creationId xmlns="" xmlns:p14="http://schemas.microsoft.com/office/powerpoint/2010/main" val="522405798"/>
       </p:ext>
     </p:extLst>
   </p:cSld>
@@ -52338,7 +52962,7 @@
     </p:spTree>
     <p:extLst>
       <p:ext uri="{BB962C8B-B14F-4D97-AF65-F5344CB8AC3E}">
-        <p14:creationId xmlns:p14="http://schemas.microsoft.com/office/powerpoint/2010/main" xmlns="" val="522405798"/>
+        <p14:creationId xmlns="" xmlns:p14="http://schemas.microsoft.com/office/powerpoint/2010/main" val="522405798"/>
       </p:ext>
     </p:extLst>
   </p:cSld>
@@ -52470,7 +53094,7 @@
     </p:spTree>
     <p:extLst>
       <p:ext uri="{BB962C8B-B14F-4D97-AF65-F5344CB8AC3E}">
-        <p14:creationId xmlns:p14="http://schemas.microsoft.com/office/powerpoint/2010/main" xmlns="" val="522405798"/>
+        <p14:creationId xmlns="" xmlns:p14="http://schemas.microsoft.com/office/powerpoint/2010/main" val="522405798"/>
       </p:ext>
     </p:extLst>
   </p:cSld>
@@ -52871,7 +53495,7 @@
     </p:spTree>
     <p:extLst>
       <p:ext uri="{BB962C8B-B14F-4D97-AF65-F5344CB8AC3E}">
-        <p14:creationId xmlns:p14="http://schemas.microsoft.com/office/powerpoint/2010/main" xmlns="" val="522405798"/>
+        <p14:creationId xmlns="" xmlns:p14="http://schemas.microsoft.com/office/powerpoint/2010/main" val="522405798"/>
       </p:ext>
     </p:extLst>
   </p:cSld>
@@ -53059,7 +53683,7 @@
     </p:spTree>
     <p:extLst>
       <p:ext uri="{BB962C8B-B14F-4D97-AF65-F5344CB8AC3E}">
-        <p14:creationId xmlns:p14="http://schemas.microsoft.com/office/powerpoint/2010/main" xmlns="" val="522405798"/>
+        <p14:creationId xmlns="" xmlns:p14="http://schemas.microsoft.com/office/powerpoint/2010/main" val="522405798"/>
       </p:ext>
     </p:extLst>
   </p:cSld>
@@ -53223,7 +53847,7 @@
     </p:spTree>
     <p:extLst>
       <p:ext uri="{BB962C8B-B14F-4D97-AF65-F5344CB8AC3E}">
-        <p14:creationId xmlns:p14="http://schemas.microsoft.com/office/powerpoint/2010/main" xmlns="" val="522405798"/>
+        <p14:creationId xmlns="" xmlns:p14="http://schemas.microsoft.com/office/powerpoint/2010/main" val="522405798"/>
       </p:ext>
     </p:extLst>
   </p:cSld>
@@ -53355,7 +53979,7 @@
     </p:spTree>
     <p:extLst>
       <p:ext uri="{BB962C8B-B14F-4D97-AF65-F5344CB8AC3E}">
-        <p14:creationId xmlns:p14="http://schemas.microsoft.com/office/powerpoint/2010/main" xmlns="" val="522405798"/>
+        <p14:creationId xmlns="" xmlns:p14="http://schemas.microsoft.com/office/powerpoint/2010/main" val="522405798"/>
       </p:ext>
     </p:extLst>
   </p:cSld>

--- a/Slides/04. OpenCV影像處理.pptx
+++ b/Slides/04. OpenCV影像處理.pptx
@@ -262,7 +262,7 @@
   </p:defaultTextStyle>
   <p:extLst>
     <p:ext uri="{EFAFB233-063F-42B5-8137-9DF3F51BA10A}">
-      <p15:sldGuideLst xmlns="" xmlns:p15="http://schemas.microsoft.com/office/powerpoint/2012/main">
+      <p15:sldGuideLst xmlns:p15="http://schemas.microsoft.com/office/powerpoint/2012/main" xmlns="">
         <p15:guide id="1" orient="horz" pos="2160">
           <p15:clr>
             <a:srgbClr val="A4A3A4"/>
@@ -276,7 +276,7 @@
       </p15:sldGuideLst>
     </p:ext>
     <p:ext uri="{2D200454-40CA-4A62-9FC3-DE9A4176ACB9}">
-      <p15:notesGuideLst xmlns="" xmlns:p15="http://schemas.microsoft.com/office/powerpoint/2012/main"/>
+      <p15:notesGuideLst xmlns:p15="http://schemas.microsoft.com/office/powerpoint/2012/main" xmlns=""/>
     </p:ext>
   </p:extLst>
 </p:presentation>
@@ -367,7 +367,7 @@
             <a:fld id="{68F88C59-319B-4332-9A1D-2A62CFCB00D8}" type="datetimeFigureOut">
               <a:rPr lang="en-US" smtClean="0"/>
               <a:pPr/>
-              <a:t>4/25/2021</a:t>
+              <a:t>5/2/2021</a:t>
             </a:fld>
             <a:endParaRPr lang="en-US" dirty="0"/>
           </a:p>
@@ -445,7 +445,7 @@
     </p:spTree>
     <p:extLst>
       <p:ext uri="{BB962C8B-B14F-4D97-AF65-F5344CB8AC3E}">
-        <p14:creationId xmlns="" xmlns:p14="http://schemas.microsoft.com/office/powerpoint/2010/main" val="2345123278"/>
+        <p14:creationId xmlns:p14="http://schemas.microsoft.com/office/powerpoint/2010/main" xmlns="" val="2345123278"/>
       </p:ext>
     </p:extLst>
   </p:cSld>
@@ -538,7 +538,7 @@
             <a:fld id="{968B300D-05F0-4B43-940D-46DED5A791AD}" type="datetimeFigureOut">
               <a:rPr lang="en-US" smtClean="0"/>
               <a:pPr/>
-              <a:t>4/25/2021</a:t>
+              <a:t>5/2/2021</a:t>
             </a:fld>
             <a:endParaRPr lang="en-US" dirty="0"/>
           </a:p>
@@ -710,7 +710,7 @@
     </p:spTree>
     <p:extLst>
       <p:ext uri="{BB962C8B-B14F-4D97-AF65-F5344CB8AC3E}">
-        <p14:creationId xmlns="" xmlns:p14="http://schemas.microsoft.com/office/powerpoint/2010/main" val="623787478"/>
+        <p14:creationId xmlns:p14="http://schemas.microsoft.com/office/powerpoint/2010/main" xmlns="" val="623787478"/>
       </p:ext>
     </p:extLst>
   </p:cSld>
@@ -886,7 +886,7 @@
     </p:spTree>
     <p:extLst>
       <p:ext uri="{BB962C8B-B14F-4D97-AF65-F5344CB8AC3E}">
-        <p14:creationId xmlns="" xmlns:p14="http://schemas.microsoft.com/office/powerpoint/2010/main" val="2659555247"/>
+        <p14:creationId xmlns:p14="http://schemas.microsoft.com/office/powerpoint/2010/main" xmlns="" val="2659555247"/>
       </p:ext>
     </p:extLst>
   </p:cSld>
@@ -971,7 +971,7 @@
     </p:spTree>
     <p:extLst>
       <p:ext uri="{BB962C8B-B14F-4D97-AF65-F5344CB8AC3E}">
-        <p14:creationId xmlns="" xmlns:p14="http://schemas.microsoft.com/office/powerpoint/2010/main" val="2659555247"/>
+        <p14:creationId xmlns:p14="http://schemas.microsoft.com/office/powerpoint/2010/main" xmlns="" val="2659555247"/>
       </p:ext>
     </p:extLst>
   </p:cSld>
@@ -1056,7 +1056,7 @@
     </p:spTree>
     <p:extLst>
       <p:ext uri="{BB962C8B-B14F-4D97-AF65-F5344CB8AC3E}">
-        <p14:creationId xmlns="" xmlns:p14="http://schemas.microsoft.com/office/powerpoint/2010/main" val="2659555247"/>
+        <p14:creationId xmlns:p14="http://schemas.microsoft.com/office/powerpoint/2010/main" xmlns="" val="2659555247"/>
       </p:ext>
     </p:extLst>
   </p:cSld>
@@ -1141,7 +1141,7 @@
     </p:spTree>
     <p:extLst>
       <p:ext uri="{BB962C8B-B14F-4D97-AF65-F5344CB8AC3E}">
-        <p14:creationId xmlns="" xmlns:p14="http://schemas.microsoft.com/office/powerpoint/2010/main" val="2659555247"/>
+        <p14:creationId xmlns:p14="http://schemas.microsoft.com/office/powerpoint/2010/main" xmlns="" val="2659555247"/>
       </p:ext>
     </p:extLst>
   </p:cSld>
@@ -1226,7 +1226,7 @@
     </p:spTree>
     <p:extLst>
       <p:ext uri="{BB962C8B-B14F-4D97-AF65-F5344CB8AC3E}">
-        <p14:creationId xmlns="" xmlns:p14="http://schemas.microsoft.com/office/powerpoint/2010/main" val="2659555247"/>
+        <p14:creationId xmlns:p14="http://schemas.microsoft.com/office/powerpoint/2010/main" xmlns="" val="2659555247"/>
       </p:ext>
     </p:extLst>
   </p:cSld>
@@ -1311,7 +1311,7 @@
     </p:spTree>
     <p:extLst>
       <p:ext uri="{BB962C8B-B14F-4D97-AF65-F5344CB8AC3E}">
-        <p14:creationId xmlns="" xmlns:p14="http://schemas.microsoft.com/office/powerpoint/2010/main" val="2659555247"/>
+        <p14:creationId xmlns:p14="http://schemas.microsoft.com/office/powerpoint/2010/main" xmlns="" val="2659555247"/>
       </p:ext>
     </p:extLst>
   </p:cSld>
@@ -1396,7 +1396,7 @@
     </p:spTree>
     <p:extLst>
       <p:ext uri="{BB962C8B-B14F-4D97-AF65-F5344CB8AC3E}">
-        <p14:creationId xmlns="" xmlns:p14="http://schemas.microsoft.com/office/powerpoint/2010/main" val="2659555247"/>
+        <p14:creationId xmlns:p14="http://schemas.microsoft.com/office/powerpoint/2010/main" xmlns="" val="2659555247"/>
       </p:ext>
     </p:extLst>
   </p:cSld>
@@ -1481,7 +1481,7 @@
     </p:spTree>
     <p:extLst>
       <p:ext uri="{BB962C8B-B14F-4D97-AF65-F5344CB8AC3E}">
-        <p14:creationId xmlns:p14="http://schemas.microsoft.com/office/powerpoint/2010/main" xmlns="" val="939565178"/>
+        <p14:creationId xmlns="" xmlns:p14="http://schemas.microsoft.com/office/powerpoint/2010/main" val="939565178"/>
       </p:ext>
     </p:extLst>
   </p:cSld>
@@ -1566,7 +1566,7 @@
     </p:spTree>
     <p:extLst>
       <p:ext uri="{BB962C8B-B14F-4D97-AF65-F5344CB8AC3E}">
-        <p14:creationId xmlns="" xmlns:p14="http://schemas.microsoft.com/office/powerpoint/2010/main" val="2659555247"/>
+        <p14:creationId xmlns:p14="http://schemas.microsoft.com/office/powerpoint/2010/main" xmlns="" val="2659555247"/>
       </p:ext>
     </p:extLst>
   </p:cSld>
@@ -1651,7 +1651,7 @@
     </p:spTree>
     <p:extLst>
       <p:ext uri="{BB962C8B-B14F-4D97-AF65-F5344CB8AC3E}">
-        <p14:creationId xmlns="" xmlns:p14="http://schemas.microsoft.com/office/powerpoint/2010/main" val="2659555247"/>
+        <p14:creationId xmlns:p14="http://schemas.microsoft.com/office/powerpoint/2010/main" xmlns="" val="2659555247"/>
       </p:ext>
     </p:extLst>
   </p:cSld>
@@ -1740,7 +1740,7 @@
     </p:spTree>
     <p:extLst>
       <p:ext uri="{BB962C8B-B14F-4D97-AF65-F5344CB8AC3E}">
-        <p14:creationId xmlns="" xmlns:p14="http://schemas.microsoft.com/office/powerpoint/2010/main" val="2659555247"/>
+        <p14:creationId xmlns:p14="http://schemas.microsoft.com/office/powerpoint/2010/main" xmlns="" val="2659555247"/>
       </p:ext>
     </p:extLst>
   </p:cSld>
@@ -1825,7 +1825,7 @@
     </p:spTree>
     <p:extLst>
       <p:ext uri="{BB962C8B-B14F-4D97-AF65-F5344CB8AC3E}">
-        <p14:creationId xmlns="" xmlns:p14="http://schemas.microsoft.com/office/powerpoint/2010/main" val="2659555247"/>
+        <p14:creationId xmlns:p14="http://schemas.microsoft.com/office/powerpoint/2010/main" xmlns="" val="2659555247"/>
       </p:ext>
     </p:extLst>
   </p:cSld>
@@ -1910,7 +1910,7 @@
     </p:spTree>
     <p:extLst>
       <p:ext uri="{BB962C8B-B14F-4D97-AF65-F5344CB8AC3E}">
-        <p14:creationId xmlns="" xmlns:p14="http://schemas.microsoft.com/office/powerpoint/2010/main" val="2659555247"/>
+        <p14:creationId xmlns:p14="http://schemas.microsoft.com/office/powerpoint/2010/main" xmlns="" val="2659555247"/>
       </p:ext>
     </p:extLst>
   </p:cSld>
@@ -1995,7 +1995,7 @@
     </p:spTree>
     <p:extLst>
       <p:ext uri="{BB962C8B-B14F-4D97-AF65-F5344CB8AC3E}">
-        <p14:creationId xmlns="" xmlns:p14="http://schemas.microsoft.com/office/powerpoint/2010/main" val="2659555247"/>
+        <p14:creationId xmlns:p14="http://schemas.microsoft.com/office/powerpoint/2010/main" xmlns="" val="2659555247"/>
       </p:ext>
     </p:extLst>
   </p:cSld>
@@ -2080,7 +2080,7 @@
     </p:spTree>
     <p:extLst>
       <p:ext uri="{BB962C8B-B14F-4D97-AF65-F5344CB8AC3E}">
-        <p14:creationId xmlns="" xmlns:p14="http://schemas.microsoft.com/office/powerpoint/2010/main" val="2659555247"/>
+        <p14:creationId xmlns:p14="http://schemas.microsoft.com/office/powerpoint/2010/main" xmlns="" val="2659555247"/>
       </p:ext>
     </p:extLst>
   </p:cSld>
@@ -2165,7 +2165,7 @@
     </p:spTree>
     <p:extLst>
       <p:ext uri="{BB962C8B-B14F-4D97-AF65-F5344CB8AC3E}">
-        <p14:creationId xmlns="" xmlns:p14="http://schemas.microsoft.com/office/powerpoint/2010/main" val="2659555247"/>
+        <p14:creationId xmlns:p14="http://schemas.microsoft.com/office/powerpoint/2010/main" xmlns="" val="2659555247"/>
       </p:ext>
     </p:extLst>
   </p:cSld>
@@ -2250,7 +2250,7 @@
     </p:spTree>
     <p:extLst>
       <p:ext uri="{BB962C8B-B14F-4D97-AF65-F5344CB8AC3E}">
-        <p14:creationId xmlns="" xmlns:p14="http://schemas.microsoft.com/office/powerpoint/2010/main" val="2659555247"/>
+        <p14:creationId xmlns:p14="http://schemas.microsoft.com/office/powerpoint/2010/main" xmlns="" val="2659555247"/>
       </p:ext>
     </p:extLst>
   </p:cSld>
@@ -2335,7 +2335,7 @@
     </p:spTree>
     <p:extLst>
       <p:ext uri="{BB962C8B-B14F-4D97-AF65-F5344CB8AC3E}">
-        <p14:creationId xmlns="" xmlns:p14="http://schemas.microsoft.com/office/powerpoint/2010/main" val="2659555247"/>
+        <p14:creationId xmlns:p14="http://schemas.microsoft.com/office/powerpoint/2010/main" xmlns="" val="2659555247"/>
       </p:ext>
     </p:extLst>
   </p:cSld>
@@ -2420,7 +2420,7 @@
     </p:spTree>
     <p:extLst>
       <p:ext uri="{BB962C8B-B14F-4D97-AF65-F5344CB8AC3E}">
-        <p14:creationId xmlns="" xmlns:p14="http://schemas.microsoft.com/office/powerpoint/2010/main" val="2659555247"/>
+        <p14:creationId xmlns:p14="http://schemas.microsoft.com/office/powerpoint/2010/main" xmlns="" val="2659555247"/>
       </p:ext>
     </p:extLst>
   </p:cSld>
@@ -2505,7 +2505,7 @@
     </p:spTree>
     <p:extLst>
       <p:ext uri="{BB962C8B-B14F-4D97-AF65-F5344CB8AC3E}">
-        <p14:creationId xmlns="" xmlns:p14="http://schemas.microsoft.com/office/powerpoint/2010/main" val="2659555247"/>
+        <p14:creationId xmlns:p14="http://schemas.microsoft.com/office/powerpoint/2010/main" xmlns="" val="2659555247"/>
       </p:ext>
     </p:extLst>
   </p:cSld>
@@ -2590,7 +2590,7 @@
     </p:spTree>
     <p:extLst>
       <p:ext uri="{BB962C8B-B14F-4D97-AF65-F5344CB8AC3E}">
-        <p14:creationId xmlns="" xmlns:p14="http://schemas.microsoft.com/office/powerpoint/2010/main" val="2659555247"/>
+        <p14:creationId xmlns:p14="http://schemas.microsoft.com/office/powerpoint/2010/main" xmlns="" val="2659555247"/>
       </p:ext>
     </p:extLst>
   </p:cSld>
@@ -2675,7 +2675,7 @@
     </p:spTree>
     <p:extLst>
       <p:ext uri="{BB962C8B-B14F-4D97-AF65-F5344CB8AC3E}">
-        <p14:creationId xmlns="" xmlns:p14="http://schemas.microsoft.com/office/powerpoint/2010/main" val="2659555247"/>
+        <p14:creationId xmlns:p14="http://schemas.microsoft.com/office/powerpoint/2010/main" xmlns="" val="2659555247"/>
       </p:ext>
     </p:extLst>
   </p:cSld>
@@ -2760,7 +2760,7 @@
     </p:spTree>
     <p:extLst>
       <p:ext uri="{BB962C8B-B14F-4D97-AF65-F5344CB8AC3E}">
-        <p14:creationId xmlns="" xmlns:p14="http://schemas.microsoft.com/office/powerpoint/2010/main" val="2659555247"/>
+        <p14:creationId xmlns:p14="http://schemas.microsoft.com/office/powerpoint/2010/main" xmlns="" val="2659555247"/>
       </p:ext>
     </p:extLst>
   </p:cSld>
@@ -2845,7 +2845,7 @@
     </p:spTree>
     <p:extLst>
       <p:ext uri="{BB962C8B-B14F-4D97-AF65-F5344CB8AC3E}">
-        <p14:creationId xmlns="" xmlns:p14="http://schemas.microsoft.com/office/powerpoint/2010/main" val="2659555247"/>
+        <p14:creationId xmlns:p14="http://schemas.microsoft.com/office/powerpoint/2010/main" xmlns="" val="2659555247"/>
       </p:ext>
     </p:extLst>
   </p:cSld>
@@ -2930,7 +2930,7 @@
     </p:spTree>
     <p:extLst>
       <p:ext uri="{BB962C8B-B14F-4D97-AF65-F5344CB8AC3E}">
-        <p14:creationId xmlns="" xmlns:p14="http://schemas.microsoft.com/office/powerpoint/2010/main" val="2659555247"/>
+        <p14:creationId xmlns:p14="http://schemas.microsoft.com/office/powerpoint/2010/main" xmlns="" val="2659555247"/>
       </p:ext>
     </p:extLst>
   </p:cSld>
@@ -3015,7 +3015,7 @@
     </p:spTree>
     <p:extLst>
       <p:ext uri="{BB962C8B-B14F-4D97-AF65-F5344CB8AC3E}">
-        <p14:creationId xmlns="" xmlns:p14="http://schemas.microsoft.com/office/powerpoint/2010/main" val="2659555247"/>
+        <p14:creationId xmlns:p14="http://schemas.microsoft.com/office/powerpoint/2010/main" xmlns="" val="2659555247"/>
       </p:ext>
     </p:extLst>
   </p:cSld>
@@ -3100,7 +3100,7 @@
     </p:spTree>
     <p:extLst>
       <p:ext uri="{BB962C8B-B14F-4D97-AF65-F5344CB8AC3E}">
-        <p14:creationId xmlns="" xmlns:p14="http://schemas.microsoft.com/office/powerpoint/2010/main" val="2659555247"/>
+        <p14:creationId xmlns:p14="http://schemas.microsoft.com/office/powerpoint/2010/main" xmlns="" val="2659555247"/>
       </p:ext>
     </p:extLst>
   </p:cSld>
@@ -3185,7 +3185,7 @@
     </p:spTree>
     <p:extLst>
       <p:ext uri="{BB962C8B-B14F-4D97-AF65-F5344CB8AC3E}">
-        <p14:creationId xmlns="" xmlns:p14="http://schemas.microsoft.com/office/powerpoint/2010/main" val="2659555247"/>
+        <p14:creationId xmlns:p14="http://schemas.microsoft.com/office/powerpoint/2010/main" xmlns="" val="2659555247"/>
       </p:ext>
     </p:extLst>
   </p:cSld>
@@ -3270,7 +3270,7 @@
     </p:spTree>
     <p:extLst>
       <p:ext uri="{BB962C8B-B14F-4D97-AF65-F5344CB8AC3E}">
-        <p14:creationId xmlns="" xmlns:p14="http://schemas.microsoft.com/office/powerpoint/2010/main" val="2659555247"/>
+        <p14:creationId xmlns:p14="http://schemas.microsoft.com/office/powerpoint/2010/main" xmlns="" val="2659555247"/>
       </p:ext>
     </p:extLst>
   </p:cSld>
@@ -3355,7 +3355,7 @@
     </p:spTree>
     <p:extLst>
       <p:ext uri="{BB962C8B-B14F-4D97-AF65-F5344CB8AC3E}">
-        <p14:creationId xmlns="" xmlns:p14="http://schemas.microsoft.com/office/powerpoint/2010/main" val="2659555247"/>
+        <p14:creationId xmlns:p14="http://schemas.microsoft.com/office/powerpoint/2010/main" xmlns="" val="2659555247"/>
       </p:ext>
     </p:extLst>
   </p:cSld>
@@ -3440,7 +3440,7 @@
     </p:spTree>
     <p:extLst>
       <p:ext uri="{BB962C8B-B14F-4D97-AF65-F5344CB8AC3E}">
-        <p14:creationId xmlns="" xmlns:p14="http://schemas.microsoft.com/office/powerpoint/2010/main" val="2659555247"/>
+        <p14:creationId xmlns:p14="http://schemas.microsoft.com/office/powerpoint/2010/main" xmlns="" val="2659555247"/>
       </p:ext>
     </p:extLst>
   </p:cSld>
@@ -3525,7 +3525,7 @@
     </p:spTree>
     <p:extLst>
       <p:ext uri="{BB962C8B-B14F-4D97-AF65-F5344CB8AC3E}">
-        <p14:creationId xmlns="" xmlns:p14="http://schemas.microsoft.com/office/powerpoint/2010/main" val="2659555247"/>
+        <p14:creationId xmlns:p14="http://schemas.microsoft.com/office/powerpoint/2010/main" xmlns="" val="2659555247"/>
       </p:ext>
     </p:extLst>
   </p:cSld>
@@ -3610,7 +3610,7 @@
     </p:spTree>
     <p:extLst>
       <p:ext uri="{BB962C8B-B14F-4D97-AF65-F5344CB8AC3E}">
-        <p14:creationId xmlns="" xmlns:p14="http://schemas.microsoft.com/office/powerpoint/2010/main" val="2659555247"/>
+        <p14:creationId xmlns:p14="http://schemas.microsoft.com/office/powerpoint/2010/main" xmlns="" val="2659555247"/>
       </p:ext>
     </p:extLst>
   </p:cSld>
@@ -3695,7 +3695,7 @@
     </p:spTree>
     <p:extLst>
       <p:ext uri="{BB962C8B-B14F-4D97-AF65-F5344CB8AC3E}">
-        <p14:creationId xmlns="" xmlns:p14="http://schemas.microsoft.com/office/powerpoint/2010/main" val="2659555247"/>
+        <p14:creationId xmlns:p14="http://schemas.microsoft.com/office/powerpoint/2010/main" xmlns="" val="2659555247"/>
       </p:ext>
     </p:extLst>
   </p:cSld>
@@ -3780,7 +3780,7 @@
     </p:spTree>
     <p:extLst>
       <p:ext uri="{BB962C8B-B14F-4D97-AF65-F5344CB8AC3E}">
-        <p14:creationId xmlns="" xmlns:p14="http://schemas.microsoft.com/office/powerpoint/2010/main" val="2659555247"/>
+        <p14:creationId xmlns:p14="http://schemas.microsoft.com/office/powerpoint/2010/main" xmlns="" val="2659555247"/>
       </p:ext>
     </p:extLst>
   </p:cSld>
@@ -3865,7 +3865,7 @@
     </p:spTree>
     <p:extLst>
       <p:ext uri="{BB962C8B-B14F-4D97-AF65-F5344CB8AC3E}">
-        <p14:creationId xmlns="" xmlns:p14="http://schemas.microsoft.com/office/powerpoint/2010/main" val="2659555247"/>
+        <p14:creationId xmlns:p14="http://schemas.microsoft.com/office/powerpoint/2010/main" xmlns="" val="2659555247"/>
       </p:ext>
     </p:extLst>
   </p:cSld>
@@ -3950,7 +3950,7 @@
     </p:spTree>
     <p:extLst>
       <p:ext uri="{BB962C8B-B14F-4D97-AF65-F5344CB8AC3E}">
-        <p14:creationId xmlns="" xmlns:p14="http://schemas.microsoft.com/office/powerpoint/2010/main" val="2659555247"/>
+        <p14:creationId xmlns:p14="http://schemas.microsoft.com/office/powerpoint/2010/main" xmlns="" val="2659555247"/>
       </p:ext>
     </p:extLst>
   </p:cSld>
@@ -4035,7 +4035,7 @@
     </p:spTree>
     <p:extLst>
       <p:ext uri="{BB962C8B-B14F-4D97-AF65-F5344CB8AC3E}">
-        <p14:creationId xmlns="" xmlns:p14="http://schemas.microsoft.com/office/powerpoint/2010/main" val="2659555247"/>
+        <p14:creationId xmlns:p14="http://schemas.microsoft.com/office/powerpoint/2010/main" xmlns="" val="2659555247"/>
       </p:ext>
     </p:extLst>
   </p:cSld>
@@ -4120,7 +4120,7 @@
     </p:spTree>
     <p:extLst>
       <p:ext uri="{BB962C8B-B14F-4D97-AF65-F5344CB8AC3E}">
-        <p14:creationId xmlns="" xmlns:p14="http://schemas.microsoft.com/office/powerpoint/2010/main" val="2659555247"/>
+        <p14:creationId xmlns:p14="http://schemas.microsoft.com/office/powerpoint/2010/main" xmlns="" val="2659555247"/>
       </p:ext>
     </p:extLst>
   </p:cSld>
@@ -4205,7 +4205,7 @@
     </p:spTree>
     <p:extLst>
       <p:ext uri="{BB962C8B-B14F-4D97-AF65-F5344CB8AC3E}">
-        <p14:creationId xmlns="" xmlns:p14="http://schemas.microsoft.com/office/powerpoint/2010/main" val="2659555247"/>
+        <p14:creationId xmlns:p14="http://schemas.microsoft.com/office/powerpoint/2010/main" xmlns="" val="2659555247"/>
       </p:ext>
     </p:extLst>
   </p:cSld>
@@ -4290,7 +4290,7 @@
     </p:spTree>
     <p:extLst>
       <p:ext uri="{BB962C8B-B14F-4D97-AF65-F5344CB8AC3E}">
-        <p14:creationId xmlns="" xmlns:p14="http://schemas.microsoft.com/office/powerpoint/2010/main" val="2659555247"/>
+        <p14:creationId xmlns:p14="http://schemas.microsoft.com/office/powerpoint/2010/main" xmlns="" val="2659555247"/>
       </p:ext>
     </p:extLst>
   </p:cSld>
@@ -4375,7 +4375,7 @@
     </p:spTree>
     <p:extLst>
       <p:ext uri="{BB962C8B-B14F-4D97-AF65-F5344CB8AC3E}">
-        <p14:creationId xmlns="" xmlns:p14="http://schemas.microsoft.com/office/powerpoint/2010/main" val="2659555247"/>
+        <p14:creationId xmlns:p14="http://schemas.microsoft.com/office/powerpoint/2010/main" xmlns="" val="2659555247"/>
       </p:ext>
     </p:extLst>
   </p:cSld>
@@ -4460,7 +4460,7 @@
     </p:spTree>
     <p:extLst>
       <p:ext uri="{BB962C8B-B14F-4D97-AF65-F5344CB8AC3E}">
-        <p14:creationId xmlns="" xmlns:p14="http://schemas.microsoft.com/office/powerpoint/2010/main" val="2659555247"/>
+        <p14:creationId xmlns:p14="http://schemas.microsoft.com/office/powerpoint/2010/main" xmlns="" val="2659555247"/>
       </p:ext>
     </p:extLst>
   </p:cSld>
@@ -4545,7 +4545,7 @@
     </p:spTree>
     <p:extLst>
       <p:ext uri="{BB962C8B-B14F-4D97-AF65-F5344CB8AC3E}">
-        <p14:creationId xmlns="" xmlns:p14="http://schemas.microsoft.com/office/powerpoint/2010/main" val="2659555247"/>
+        <p14:creationId xmlns:p14="http://schemas.microsoft.com/office/powerpoint/2010/main" xmlns="" val="2659555247"/>
       </p:ext>
     </p:extLst>
   </p:cSld>
@@ -4630,7 +4630,7 @@
     </p:spTree>
     <p:extLst>
       <p:ext uri="{BB962C8B-B14F-4D97-AF65-F5344CB8AC3E}">
-        <p14:creationId xmlns="" xmlns:p14="http://schemas.microsoft.com/office/powerpoint/2010/main" val="2659555247"/>
+        <p14:creationId xmlns:p14="http://schemas.microsoft.com/office/powerpoint/2010/main" xmlns="" val="2659555247"/>
       </p:ext>
     </p:extLst>
   </p:cSld>
@@ -4715,7 +4715,7 @@
     </p:spTree>
     <p:extLst>
       <p:ext uri="{BB962C8B-B14F-4D97-AF65-F5344CB8AC3E}">
-        <p14:creationId xmlns="" xmlns:p14="http://schemas.microsoft.com/office/powerpoint/2010/main" val="2659555247"/>
+        <p14:creationId xmlns:p14="http://schemas.microsoft.com/office/powerpoint/2010/main" xmlns="" val="2659555247"/>
       </p:ext>
     </p:extLst>
   </p:cSld>
@@ -4800,7 +4800,7 @@
     </p:spTree>
     <p:extLst>
       <p:ext uri="{BB962C8B-B14F-4D97-AF65-F5344CB8AC3E}">
-        <p14:creationId xmlns:p14="http://schemas.microsoft.com/office/powerpoint/2010/main" xmlns="" val="939565178"/>
+        <p14:creationId xmlns="" xmlns:p14="http://schemas.microsoft.com/office/powerpoint/2010/main" val="939565178"/>
       </p:ext>
     </p:extLst>
   </p:cSld>
@@ -4889,7 +4889,7 @@
     </p:spTree>
     <p:extLst>
       <p:ext uri="{BB962C8B-B14F-4D97-AF65-F5344CB8AC3E}">
-        <p14:creationId xmlns="" xmlns:p14="http://schemas.microsoft.com/office/powerpoint/2010/main" val="2659555247"/>
+        <p14:creationId xmlns:p14="http://schemas.microsoft.com/office/powerpoint/2010/main" xmlns="" val="2659555247"/>
       </p:ext>
     </p:extLst>
   </p:cSld>
@@ -4978,7 +4978,7 @@
     </p:spTree>
     <p:extLst>
       <p:ext uri="{BB962C8B-B14F-4D97-AF65-F5344CB8AC3E}">
-        <p14:creationId xmlns="" xmlns:p14="http://schemas.microsoft.com/office/powerpoint/2010/main" val="2659555247"/>
+        <p14:creationId xmlns:p14="http://schemas.microsoft.com/office/powerpoint/2010/main" xmlns="" val="2659555247"/>
       </p:ext>
     </p:extLst>
   </p:cSld>
@@ -5067,7 +5067,7 @@
     </p:spTree>
     <p:extLst>
       <p:ext uri="{BB962C8B-B14F-4D97-AF65-F5344CB8AC3E}">
-        <p14:creationId xmlns="" xmlns:p14="http://schemas.microsoft.com/office/powerpoint/2010/main" val="2659555247"/>
+        <p14:creationId xmlns:p14="http://schemas.microsoft.com/office/powerpoint/2010/main" xmlns="" val="2659555247"/>
       </p:ext>
     </p:extLst>
   </p:cSld>
@@ -5156,7 +5156,7 @@
     </p:spTree>
     <p:extLst>
       <p:ext uri="{BB962C8B-B14F-4D97-AF65-F5344CB8AC3E}">
-        <p14:creationId xmlns="" xmlns:p14="http://schemas.microsoft.com/office/powerpoint/2010/main" val="2659555247"/>
+        <p14:creationId xmlns:p14="http://schemas.microsoft.com/office/powerpoint/2010/main" xmlns="" val="2659555247"/>
       </p:ext>
     </p:extLst>
   </p:cSld>
@@ -5245,7 +5245,7 @@
     </p:spTree>
     <p:extLst>
       <p:ext uri="{BB962C8B-B14F-4D97-AF65-F5344CB8AC3E}">
-        <p14:creationId xmlns="" xmlns:p14="http://schemas.microsoft.com/office/powerpoint/2010/main" val="2659555247"/>
+        <p14:creationId xmlns:p14="http://schemas.microsoft.com/office/powerpoint/2010/main" xmlns="" val="2659555247"/>
       </p:ext>
     </p:extLst>
   </p:cSld>
@@ -5334,7 +5334,7 @@
     </p:spTree>
     <p:extLst>
       <p:ext uri="{BB962C8B-B14F-4D97-AF65-F5344CB8AC3E}">
-        <p14:creationId xmlns="" xmlns:p14="http://schemas.microsoft.com/office/powerpoint/2010/main" val="2659555247"/>
+        <p14:creationId xmlns:p14="http://schemas.microsoft.com/office/powerpoint/2010/main" xmlns="" val="2659555247"/>
       </p:ext>
     </p:extLst>
   </p:cSld>
@@ -5423,7 +5423,7 @@
     </p:spTree>
     <p:extLst>
       <p:ext uri="{BB962C8B-B14F-4D97-AF65-F5344CB8AC3E}">
-        <p14:creationId xmlns="" xmlns:p14="http://schemas.microsoft.com/office/powerpoint/2010/main" val="2659555247"/>
+        <p14:creationId xmlns:p14="http://schemas.microsoft.com/office/powerpoint/2010/main" xmlns="" val="2659555247"/>
       </p:ext>
     </p:extLst>
   </p:cSld>
@@ -5512,7 +5512,7 @@
     </p:spTree>
     <p:extLst>
       <p:ext uri="{BB962C8B-B14F-4D97-AF65-F5344CB8AC3E}">
-        <p14:creationId xmlns="" xmlns:p14="http://schemas.microsoft.com/office/powerpoint/2010/main" val="2659555247"/>
+        <p14:creationId xmlns:p14="http://schemas.microsoft.com/office/powerpoint/2010/main" xmlns="" val="2659555247"/>
       </p:ext>
     </p:extLst>
   </p:cSld>
@@ -5601,7 +5601,7 @@
     </p:spTree>
     <p:extLst>
       <p:ext uri="{BB962C8B-B14F-4D97-AF65-F5344CB8AC3E}">
-        <p14:creationId xmlns="" xmlns:p14="http://schemas.microsoft.com/office/powerpoint/2010/main" val="2659555247"/>
+        <p14:creationId xmlns:p14="http://schemas.microsoft.com/office/powerpoint/2010/main" xmlns="" val="2659555247"/>
       </p:ext>
     </p:extLst>
   </p:cSld>
@@ -5686,7 +5686,7 @@
     </p:spTree>
     <p:extLst>
       <p:ext uri="{BB962C8B-B14F-4D97-AF65-F5344CB8AC3E}">
-        <p14:creationId xmlns="" xmlns:p14="http://schemas.microsoft.com/office/powerpoint/2010/main" val="2659555247"/>
+        <p14:creationId xmlns:p14="http://schemas.microsoft.com/office/powerpoint/2010/main" xmlns="" val="2659555247"/>
       </p:ext>
     </p:extLst>
   </p:cSld>
@@ -5775,7 +5775,7 @@
     </p:spTree>
     <p:extLst>
       <p:ext uri="{BB962C8B-B14F-4D97-AF65-F5344CB8AC3E}">
-        <p14:creationId xmlns="" xmlns:p14="http://schemas.microsoft.com/office/powerpoint/2010/main" val="2659555247"/>
+        <p14:creationId xmlns:p14="http://schemas.microsoft.com/office/powerpoint/2010/main" xmlns="" val="2659555247"/>
       </p:ext>
     </p:extLst>
   </p:cSld>
@@ -5864,7 +5864,7 @@
     </p:spTree>
     <p:extLst>
       <p:ext uri="{BB962C8B-B14F-4D97-AF65-F5344CB8AC3E}">
-        <p14:creationId xmlns="" xmlns:p14="http://schemas.microsoft.com/office/powerpoint/2010/main" val="2659555247"/>
+        <p14:creationId xmlns:p14="http://schemas.microsoft.com/office/powerpoint/2010/main" xmlns="" val="2659555247"/>
       </p:ext>
     </p:extLst>
   </p:cSld>
@@ -5953,7 +5953,7 @@
     </p:spTree>
     <p:extLst>
       <p:ext uri="{BB962C8B-B14F-4D97-AF65-F5344CB8AC3E}">
-        <p14:creationId xmlns="" xmlns:p14="http://schemas.microsoft.com/office/powerpoint/2010/main" val="2659555247"/>
+        <p14:creationId xmlns:p14="http://schemas.microsoft.com/office/powerpoint/2010/main" xmlns="" val="2659555247"/>
       </p:ext>
     </p:extLst>
   </p:cSld>
@@ -6038,7 +6038,7 @@
     </p:spTree>
     <p:extLst>
       <p:ext uri="{BB962C8B-B14F-4D97-AF65-F5344CB8AC3E}">
-        <p14:creationId xmlns="" xmlns:p14="http://schemas.microsoft.com/office/powerpoint/2010/main" val="2659555247"/>
+        <p14:creationId xmlns:p14="http://schemas.microsoft.com/office/powerpoint/2010/main" xmlns="" val="2659555247"/>
       </p:ext>
     </p:extLst>
   </p:cSld>
@@ -6123,7 +6123,7 @@
     </p:spTree>
     <p:extLst>
       <p:ext uri="{BB962C8B-B14F-4D97-AF65-F5344CB8AC3E}">
-        <p14:creationId xmlns="" xmlns:p14="http://schemas.microsoft.com/office/powerpoint/2010/main" val="2659555247"/>
+        <p14:creationId xmlns:p14="http://schemas.microsoft.com/office/powerpoint/2010/main" xmlns="" val="2659555247"/>
       </p:ext>
     </p:extLst>
   </p:cSld>
@@ -6208,7 +6208,7 @@
     </p:spTree>
     <p:extLst>
       <p:ext uri="{BB962C8B-B14F-4D97-AF65-F5344CB8AC3E}">
-        <p14:creationId xmlns="" xmlns:p14="http://schemas.microsoft.com/office/powerpoint/2010/main" val="2659555247"/>
+        <p14:creationId xmlns:p14="http://schemas.microsoft.com/office/powerpoint/2010/main" xmlns="" val="2659555247"/>
       </p:ext>
     </p:extLst>
   </p:cSld>
@@ -6293,7 +6293,7 @@
     </p:spTree>
     <p:extLst>
       <p:ext uri="{BB962C8B-B14F-4D97-AF65-F5344CB8AC3E}">
-        <p14:creationId xmlns="" xmlns:p14="http://schemas.microsoft.com/office/powerpoint/2010/main" val="2659555247"/>
+        <p14:creationId xmlns:p14="http://schemas.microsoft.com/office/powerpoint/2010/main" xmlns="" val="2659555247"/>
       </p:ext>
     </p:extLst>
   </p:cSld>
@@ -6378,7 +6378,7 @@
     </p:spTree>
     <p:extLst>
       <p:ext uri="{BB962C8B-B14F-4D97-AF65-F5344CB8AC3E}">
-        <p14:creationId xmlns:p14="http://schemas.microsoft.com/office/powerpoint/2010/main" xmlns="" val="939565178"/>
+        <p14:creationId xmlns="" xmlns:p14="http://schemas.microsoft.com/office/powerpoint/2010/main" val="939565178"/>
       </p:ext>
     </p:extLst>
   </p:cSld>
@@ -6463,7 +6463,7 @@
     </p:spTree>
     <p:extLst>
       <p:ext uri="{BB962C8B-B14F-4D97-AF65-F5344CB8AC3E}">
-        <p14:creationId xmlns="" xmlns:p14="http://schemas.microsoft.com/office/powerpoint/2010/main" val="2659555247"/>
+        <p14:creationId xmlns:p14="http://schemas.microsoft.com/office/powerpoint/2010/main" xmlns="" val="2659555247"/>
       </p:ext>
     </p:extLst>
   </p:cSld>
@@ -6548,7 +6548,7 @@
     </p:spTree>
     <p:extLst>
       <p:ext uri="{BB962C8B-B14F-4D97-AF65-F5344CB8AC3E}">
-        <p14:creationId xmlns="" xmlns:p14="http://schemas.microsoft.com/office/powerpoint/2010/main" val="2659555247"/>
+        <p14:creationId xmlns:p14="http://schemas.microsoft.com/office/powerpoint/2010/main" xmlns="" val="2659555247"/>
       </p:ext>
     </p:extLst>
   </p:cSld>
@@ -6633,7 +6633,7 @@
     </p:spTree>
     <p:extLst>
       <p:ext uri="{BB962C8B-B14F-4D97-AF65-F5344CB8AC3E}">
-        <p14:creationId xmlns="" xmlns:p14="http://schemas.microsoft.com/office/powerpoint/2010/main" val="2659555247"/>
+        <p14:creationId xmlns:p14="http://schemas.microsoft.com/office/powerpoint/2010/main" xmlns="" val="2659555247"/>
       </p:ext>
     </p:extLst>
   </p:cSld>
@@ -6718,7 +6718,7 @@
     </p:spTree>
     <p:extLst>
       <p:ext uri="{BB962C8B-B14F-4D97-AF65-F5344CB8AC3E}">
-        <p14:creationId xmlns="" xmlns:p14="http://schemas.microsoft.com/office/powerpoint/2010/main" val="2659555247"/>
+        <p14:creationId xmlns:p14="http://schemas.microsoft.com/office/powerpoint/2010/main" xmlns="" val="2659555247"/>
       </p:ext>
     </p:extLst>
   </p:cSld>
@@ -6803,7 +6803,7 @@
     </p:spTree>
     <p:extLst>
       <p:ext uri="{BB962C8B-B14F-4D97-AF65-F5344CB8AC3E}">
-        <p14:creationId xmlns="" xmlns:p14="http://schemas.microsoft.com/office/powerpoint/2010/main" val="2659555247"/>
+        <p14:creationId xmlns:p14="http://schemas.microsoft.com/office/powerpoint/2010/main" xmlns="" val="2659555247"/>
       </p:ext>
     </p:extLst>
   </p:cSld>
@@ -6888,7 +6888,7 @@
     </p:spTree>
     <p:extLst>
       <p:ext uri="{BB962C8B-B14F-4D97-AF65-F5344CB8AC3E}">
-        <p14:creationId xmlns="" xmlns:p14="http://schemas.microsoft.com/office/powerpoint/2010/main" val="2659555247"/>
+        <p14:creationId xmlns:p14="http://schemas.microsoft.com/office/powerpoint/2010/main" xmlns="" val="2659555247"/>
       </p:ext>
     </p:extLst>
   </p:cSld>
@@ -6973,7 +6973,7 @@
     </p:spTree>
     <p:extLst>
       <p:ext uri="{BB962C8B-B14F-4D97-AF65-F5344CB8AC3E}">
-        <p14:creationId xmlns="" xmlns:p14="http://schemas.microsoft.com/office/powerpoint/2010/main" val="2659555247"/>
+        <p14:creationId xmlns:p14="http://schemas.microsoft.com/office/powerpoint/2010/main" xmlns="" val="2659555247"/>
       </p:ext>
     </p:extLst>
   </p:cSld>
@@ -7058,7 +7058,7 @@
     </p:spTree>
     <p:extLst>
       <p:ext uri="{BB962C8B-B14F-4D97-AF65-F5344CB8AC3E}">
-        <p14:creationId xmlns="" xmlns:p14="http://schemas.microsoft.com/office/powerpoint/2010/main" val="2659555247"/>
+        <p14:creationId xmlns:p14="http://schemas.microsoft.com/office/powerpoint/2010/main" xmlns="" val="2659555247"/>
       </p:ext>
     </p:extLst>
   </p:cSld>
@@ -7143,7 +7143,7 @@
     </p:spTree>
     <p:extLst>
       <p:ext uri="{BB962C8B-B14F-4D97-AF65-F5344CB8AC3E}">
-        <p14:creationId xmlns="" xmlns:p14="http://schemas.microsoft.com/office/powerpoint/2010/main" val="2659555247"/>
+        <p14:creationId xmlns:p14="http://schemas.microsoft.com/office/powerpoint/2010/main" xmlns="" val="2659555247"/>
       </p:ext>
     </p:extLst>
   </p:cSld>
@@ -7228,7 +7228,7 @@
     </p:spTree>
     <p:extLst>
       <p:ext uri="{BB962C8B-B14F-4D97-AF65-F5344CB8AC3E}">
-        <p14:creationId xmlns="" xmlns:p14="http://schemas.microsoft.com/office/powerpoint/2010/main" val="2659555247"/>
+        <p14:creationId xmlns:p14="http://schemas.microsoft.com/office/powerpoint/2010/main" xmlns="" val="2659555247"/>
       </p:ext>
     </p:extLst>
   </p:cSld>
@@ -7313,7 +7313,7 @@
     </p:spTree>
     <p:extLst>
       <p:ext uri="{BB962C8B-B14F-4D97-AF65-F5344CB8AC3E}">
-        <p14:creationId xmlns="" xmlns:p14="http://schemas.microsoft.com/office/powerpoint/2010/main" val="2659555247"/>
+        <p14:creationId xmlns:p14="http://schemas.microsoft.com/office/powerpoint/2010/main" xmlns="" val="2659555247"/>
       </p:ext>
     </p:extLst>
   </p:cSld>
@@ -7398,7 +7398,7 @@
     </p:spTree>
     <p:extLst>
       <p:ext uri="{BB962C8B-B14F-4D97-AF65-F5344CB8AC3E}">
-        <p14:creationId xmlns="" xmlns:p14="http://schemas.microsoft.com/office/powerpoint/2010/main" val="2659555247"/>
+        <p14:creationId xmlns:p14="http://schemas.microsoft.com/office/powerpoint/2010/main" xmlns="" val="2659555247"/>
       </p:ext>
     </p:extLst>
   </p:cSld>
@@ -7483,7 +7483,7 @@
     </p:spTree>
     <p:extLst>
       <p:ext uri="{BB962C8B-B14F-4D97-AF65-F5344CB8AC3E}">
-        <p14:creationId xmlns:p14="http://schemas.microsoft.com/office/powerpoint/2010/main" xmlns="" val="939565178"/>
+        <p14:creationId xmlns="" xmlns:p14="http://schemas.microsoft.com/office/powerpoint/2010/main" val="939565178"/>
       </p:ext>
     </p:extLst>
   </p:cSld>
@@ -7568,7 +7568,7 @@
     </p:spTree>
     <p:extLst>
       <p:ext uri="{BB962C8B-B14F-4D97-AF65-F5344CB8AC3E}">
-        <p14:creationId xmlns="" xmlns:p14="http://schemas.microsoft.com/office/powerpoint/2010/main" val="2659555247"/>
+        <p14:creationId xmlns:p14="http://schemas.microsoft.com/office/powerpoint/2010/main" xmlns="" val="2659555247"/>
       </p:ext>
     </p:extLst>
   </p:cSld>
@@ -7653,7 +7653,7 @@
     </p:spTree>
     <p:extLst>
       <p:ext uri="{BB962C8B-B14F-4D97-AF65-F5344CB8AC3E}">
-        <p14:creationId xmlns="" xmlns:p14="http://schemas.microsoft.com/office/powerpoint/2010/main" val="2659555247"/>
+        <p14:creationId xmlns:p14="http://schemas.microsoft.com/office/powerpoint/2010/main" xmlns="" val="2659555247"/>
       </p:ext>
     </p:extLst>
   </p:cSld>
@@ -7738,7 +7738,7 @@
     </p:spTree>
     <p:extLst>
       <p:ext uri="{BB962C8B-B14F-4D97-AF65-F5344CB8AC3E}">
-        <p14:creationId xmlns="" xmlns:p14="http://schemas.microsoft.com/office/powerpoint/2010/main" val="2659555247"/>
+        <p14:creationId xmlns:p14="http://schemas.microsoft.com/office/powerpoint/2010/main" xmlns="" val="2659555247"/>
       </p:ext>
     </p:extLst>
   </p:cSld>
@@ -7823,7 +7823,7 @@
     </p:spTree>
     <p:extLst>
       <p:ext uri="{BB962C8B-B14F-4D97-AF65-F5344CB8AC3E}">
-        <p14:creationId xmlns="" xmlns:p14="http://schemas.microsoft.com/office/powerpoint/2010/main" val="2659555247"/>
+        <p14:creationId xmlns:p14="http://schemas.microsoft.com/office/powerpoint/2010/main" xmlns="" val="2659555247"/>
       </p:ext>
     </p:extLst>
   </p:cSld>
@@ -7908,7 +7908,7 @@
     </p:spTree>
     <p:extLst>
       <p:ext uri="{BB962C8B-B14F-4D97-AF65-F5344CB8AC3E}">
-        <p14:creationId xmlns="" xmlns:p14="http://schemas.microsoft.com/office/powerpoint/2010/main" val="2659555247"/>
+        <p14:creationId xmlns:p14="http://schemas.microsoft.com/office/powerpoint/2010/main" xmlns="" val="2659555247"/>
       </p:ext>
     </p:extLst>
   </p:cSld>
@@ -7993,7 +7993,7 @@
     </p:spTree>
     <p:extLst>
       <p:ext uri="{BB962C8B-B14F-4D97-AF65-F5344CB8AC3E}">
-        <p14:creationId xmlns="" xmlns:p14="http://schemas.microsoft.com/office/powerpoint/2010/main" val="2659555247"/>
+        <p14:creationId xmlns:p14="http://schemas.microsoft.com/office/powerpoint/2010/main" xmlns="" val="2659555247"/>
       </p:ext>
     </p:extLst>
   </p:cSld>
@@ -8078,7 +8078,7 @@
     </p:spTree>
     <p:extLst>
       <p:ext uri="{BB962C8B-B14F-4D97-AF65-F5344CB8AC3E}">
-        <p14:creationId xmlns="" xmlns:p14="http://schemas.microsoft.com/office/powerpoint/2010/main" val="2659555247"/>
+        <p14:creationId xmlns:p14="http://schemas.microsoft.com/office/powerpoint/2010/main" xmlns="" val="2659555247"/>
       </p:ext>
     </p:extLst>
   </p:cSld>
@@ -8163,7 +8163,7 @@
     </p:spTree>
     <p:extLst>
       <p:ext uri="{BB962C8B-B14F-4D97-AF65-F5344CB8AC3E}">
-        <p14:creationId xmlns="" xmlns:p14="http://schemas.microsoft.com/office/powerpoint/2010/main" val="2659555247"/>
+        <p14:creationId xmlns:p14="http://schemas.microsoft.com/office/powerpoint/2010/main" xmlns="" val="2659555247"/>
       </p:ext>
     </p:extLst>
   </p:cSld>
@@ -8248,7 +8248,7 @@
     </p:spTree>
     <p:extLst>
       <p:ext uri="{BB962C8B-B14F-4D97-AF65-F5344CB8AC3E}">
-        <p14:creationId xmlns="" xmlns:p14="http://schemas.microsoft.com/office/powerpoint/2010/main" val="2659555247"/>
+        <p14:creationId xmlns:p14="http://schemas.microsoft.com/office/powerpoint/2010/main" xmlns="" val="2659555247"/>
       </p:ext>
     </p:extLst>
   </p:cSld>
@@ -8333,7 +8333,7 @@
     </p:spTree>
     <p:extLst>
       <p:ext uri="{BB962C8B-B14F-4D97-AF65-F5344CB8AC3E}">
-        <p14:creationId xmlns="" xmlns:p14="http://schemas.microsoft.com/office/powerpoint/2010/main" val="2659555247"/>
+        <p14:creationId xmlns:p14="http://schemas.microsoft.com/office/powerpoint/2010/main" xmlns="" val="2659555247"/>
       </p:ext>
     </p:extLst>
   </p:cSld>
@@ -8418,7 +8418,7 @@
     </p:spTree>
     <p:extLst>
       <p:ext uri="{BB962C8B-B14F-4D97-AF65-F5344CB8AC3E}">
-        <p14:creationId xmlns="" xmlns:p14="http://schemas.microsoft.com/office/powerpoint/2010/main" val="2659555247"/>
+        <p14:creationId xmlns:p14="http://schemas.microsoft.com/office/powerpoint/2010/main" xmlns="" val="2659555247"/>
       </p:ext>
     </p:extLst>
   </p:cSld>
@@ -8503,7 +8503,7 @@
     </p:spTree>
     <p:extLst>
       <p:ext uri="{BB962C8B-B14F-4D97-AF65-F5344CB8AC3E}">
-        <p14:creationId xmlns="" xmlns:p14="http://schemas.microsoft.com/office/powerpoint/2010/main" val="2659555247"/>
+        <p14:creationId xmlns:p14="http://schemas.microsoft.com/office/powerpoint/2010/main" xmlns="" val="2659555247"/>
       </p:ext>
     </p:extLst>
   </p:cSld>
@@ -8588,7 +8588,7 @@
     </p:spTree>
     <p:extLst>
       <p:ext uri="{BB962C8B-B14F-4D97-AF65-F5344CB8AC3E}">
-        <p14:creationId xmlns="" xmlns:p14="http://schemas.microsoft.com/office/powerpoint/2010/main" val="2659555247"/>
+        <p14:creationId xmlns:p14="http://schemas.microsoft.com/office/powerpoint/2010/main" xmlns="" val="2659555247"/>
       </p:ext>
     </p:extLst>
   </p:cSld>
@@ -8673,7 +8673,7 @@
     </p:spTree>
     <p:extLst>
       <p:ext uri="{BB962C8B-B14F-4D97-AF65-F5344CB8AC3E}">
-        <p14:creationId xmlns="" xmlns:p14="http://schemas.microsoft.com/office/powerpoint/2010/main" val="2659555247"/>
+        <p14:creationId xmlns:p14="http://schemas.microsoft.com/office/powerpoint/2010/main" xmlns="" val="2659555247"/>
       </p:ext>
     </p:extLst>
   </p:cSld>
@@ -8758,7 +8758,7 @@
     </p:spTree>
     <p:extLst>
       <p:ext uri="{BB962C8B-B14F-4D97-AF65-F5344CB8AC3E}">
-        <p14:creationId xmlns="" xmlns:p14="http://schemas.microsoft.com/office/powerpoint/2010/main" val="2659555247"/>
+        <p14:creationId xmlns:p14="http://schemas.microsoft.com/office/powerpoint/2010/main" xmlns="" val="2659555247"/>
       </p:ext>
     </p:extLst>
   </p:cSld>
@@ -8843,7 +8843,7 @@
     </p:spTree>
     <p:extLst>
       <p:ext uri="{BB962C8B-B14F-4D97-AF65-F5344CB8AC3E}">
-        <p14:creationId xmlns="" xmlns:p14="http://schemas.microsoft.com/office/powerpoint/2010/main" val="2659555247"/>
+        <p14:creationId xmlns:p14="http://schemas.microsoft.com/office/powerpoint/2010/main" xmlns="" val="2659555247"/>
       </p:ext>
     </p:extLst>
   </p:cSld>
@@ -8928,7 +8928,7 @@
     </p:spTree>
     <p:extLst>
       <p:ext uri="{BB962C8B-B14F-4D97-AF65-F5344CB8AC3E}">
-        <p14:creationId xmlns="" xmlns:p14="http://schemas.microsoft.com/office/powerpoint/2010/main" val="2659555247"/>
+        <p14:creationId xmlns:p14="http://schemas.microsoft.com/office/powerpoint/2010/main" xmlns="" val="2659555247"/>
       </p:ext>
     </p:extLst>
   </p:cSld>
@@ -9013,7 +9013,7 @@
     </p:spTree>
     <p:extLst>
       <p:ext uri="{BB962C8B-B14F-4D97-AF65-F5344CB8AC3E}">
-        <p14:creationId xmlns="" xmlns:p14="http://schemas.microsoft.com/office/powerpoint/2010/main" val="2659555247"/>
+        <p14:creationId xmlns:p14="http://schemas.microsoft.com/office/powerpoint/2010/main" xmlns="" val="2659555247"/>
       </p:ext>
     </p:extLst>
   </p:cSld>
@@ -9098,7 +9098,7 @@
     </p:spTree>
     <p:extLst>
       <p:ext uri="{BB962C8B-B14F-4D97-AF65-F5344CB8AC3E}">
-        <p14:creationId xmlns="" xmlns:p14="http://schemas.microsoft.com/office/powerpoint/2010/main" val="2659555247"/>
+        <p14:creationId xmlns:p14="http://schemas.microsoft.com/office/powerpoint/2010/main" xmlns="" val="2659555247"/>
       </p:ext>
     </p:extLst>
   </p:cSld>
@@ -9183,7 +9183,7 @@
     </p:spTree>
     <p:extLst>
       <p:ext uri="{BB962C8B-B14F-4D97-AF65-F5344CB8AC3E}">
-        <p14:creationId xmlns="" xmlns:p14="http://schemas.microsoft.com/office/powerpoint/2010/main" val="2659555247"/>
+        <p14:creationId xmlns:p14="http://schemas.microsoft.com/office/powerpoint/2010/main" xmlns="" val="2659555247"/>
       </p:ext>
     </p:extLst>
   </p:cSld>
@@ -9268,7 +9268,7 @@
     </p:spTree>
     <p:extLst>
       <p:ext uri="{BB962C8B-B14F-4D97-AF65-F5344CB8AC3E}">
-        <p14:creationId xmlns="" xmlns:p14="http://schemas.microsoft.com/office/powerpoint/2010/main" val="2659555247"/>
+        <p14:creationId xmlns:p14="http://schemas.microsoft.com/office/powerpoint/2010/main" xmlns="" val="2659555247"/>
       </p:ext>
     </p:extLst>
   </p:cSld>
@@ -9353,7 +9353,7 @@
     </p:spTree>
     <p:extLst>
       <p:ext uri="{BB962C8B-B14F-4D97-AF65-F5344CB8AC3E}">
-        <p14:creationId xmlns="" xmlns:p14="http://schemas.microsoft.com/office/powerpoint/2010/main" val="2659555247"/>
+        <p14:creationId xmlns:p14="http://schemas.microsoft.com/office/powerpoint/2010/main" xmlns="" val="2659555247"/>
       </p:ext>
     </p:extLst>
   </p:cSld>
@@ -9438,7 +9438,7 @@
     </p:spTree>
     <p:extLst>
       <p:ext uri="{BB962C8B-B14F-4D97-AF65-F5344CB8AC3E}">
-        <p14:creationId xmlns="" xmlns:p14="http://schemas.microsoft.com/office/powerpoint/2010/main" val="2659555247"/>
+        <p14:creationId xmlns:p14="http://schemas.microsoft.com/office/powerpoint/2010/main" xmlns="" val="2659555247"/>
       </p:ext>
     </p:extLst>
   </p:cSld>
@@ -9523,7 +9523,7 @@
     </p:spTree>
     <p:extLst>
       <p:ext uri="{BB962C8B-B14F-4D97-AF65-F5344CB8AC3E}">
-        <p14:creationId xmlns="" xmlns:p14="http://schemas.microsoft.com/office/powerpoint/2010/main" val="2659555247"/>
+        <p14:creationId xmlns:p14="http://schemas.microsoft.com/office/powerpoint/2010/main" xmlns="" val="2659555247"/>
       </p:ext>
     </p:extLst>
   </p:cSld>
@@ -9608,7 +9608,7 @@
     </p:spTree>
     <p:extLst>
       <p:ext uri="{BB962C8B-B14F-4D97-AF65-F5344CB8AC3E}">
-        <p14:creationId xmlns="" xmlns:p14="http://schemas.microsoft.com/office/powerpoint/2010/main" val="2659555247"/>
+        <p14:creationId xmlns:p14="http://schemas.microsoft.com/office/powerpoint/2010/main" xmlns="" val="2659555247"/>
       </p:ext>
     </p:extLst>
   </p:cSld>
@@ -9693,7 +9693,7 @@
     </p:spTree>
     <p:extLst>
       <p:ext uri="{BB962C8B-B14F-4D97-AF65-F5344CB8AC3E}">
-        <p14:creationId xmlns="" xmlns:p14="http://schemas.microsoft.com/office/powerpoint/2010/main" val="2659555247"/>
+        <p14:creationId xmlns:p14="http://schemas.microsoft.com/office/powerpoint/2010/main" xmlns="" val="2659555247"/>
       </p:ext>
     </p:extLst>
   </p:cSld>
@@ -9778,7 +9778,7 @@
     </p:spTree>
     <p:extLst>
       <p:ext uri="{BB962C8B-B14F-4D97-AF65-F5344CB8AC3E}">
-        <p14:creationId xmlns="" xmlns:p14="http://schemas.microsoft.com/office/powerpoint/2010/main" val="2659555247"/>
+        <p14:creationId xmlns:p14="http://schemas.microsoft.com/office/powerpoint/2010/main" xmlns="" val="2659555247"/>
       </p:ext>
     </p:extLst>
   </p:cSld>
@@ -9863,7 +9863,7 @@
     </p:spTree>
     <p:extLst>
       <p:ext uri="{BB962C8B-B14F-4D97-AF65-F5344CB8AC3E}">
-        <p14:creationId xmlns="" xmlns:p14="http://schemas.microsoft.com/office/powerpoint/2010/main" val="2659555247"/>
+        <p14:creationId xmlns:p14="http://schemas.microsoft.com/office/powerpoint/2010/main" xmlns="" val="2659555247"/>
       </p:ext>
     </p:extLst>
   </p:cSld>
@@ -9948,7 +9948,7 @@
     </p:spTree>
     <p:extLst>
       <p:ext uri="{BB962C8B-B14F-4D97-AF65-F5344CB8AC3E}">
-        <p14:creationId xmlns="" xmlns:p14="http://schemas.microsoft.com/office/powerpoint/2010/main" val="2659555247"/>
+        <p14:creationId xmlns:p14="http://schemas.microsoft.com/office/powerpoint/2010/main" xmlns="" val="2659555247"/>
       </p:ext>
     </p:extLst>
   </p:cSld>
@@ -10033,7 +10033,7 @@
     </p:spTree>
     <p:extLst>
       <p:ext uri="{BB962C8B-B14F-4D97-AF65-F5344CB8AC3E}">
-        <p14:creationId xmlns:p14="http://schemas.microsoft.com/office/powerpoint/2010/main" xmlns="" val="939565178"/>
+        <p14:creationId xmlns="" xmlns:p14="http://schemas.microsoft.com/office/powerpoint/2010/main" val="939565178"/>
       </p:ext>
     </p:extLst>
   </p:cSld>
@@ -10118,7 +10118,7 @@
     </p:spTree>
     <p:extLst>
       <p:ext uri="{BB962C8B-B14F-4D97-AF65-F5344CB8AC3E}">
-        <p14:creationId xmlns="" xmlns:p14="http://schemas.microsoft.com/office/powerpoint/2010/main" val="2659555247"/>
+        <p14:creationId xmlns:p14="http://schemas.microsoft.com/office/powerpoint/2010/main" xmlns="" val="2659555247"/>
       </p:ext>
     </p:extLst>
   </p:cSld>
@@ -10203,7 +10203,7 @@
     </p:spTree>
     <p:extLst>
       <p:ext uri="{BB962C8B-B14F-4D97-AF65-F5344CB8AC3E}">
-        <p14:creationId xmlns="" xmlns:p14="http://schemas.microsoft.com/office/powerpoint/2010/main" val="2659555247"/>
+        <p14:creationId xmlns:p14="http://schemas.microsoft.com/office/powerpoint/2010/main" xmlns="" val="2659555247"/>
       </p:ext>
     </p:extLst>
   </p:cSld>
@@ -10288,7 +10288,7 @@
     </p:spTree>
     <p:extLst>
       <p:ext uri="{BB962C8B-B14F-4D97-AF65-F5344CB8AC3E}">
-        <p14:creationId xmlns="" xmlns:p14="http://schemas.microsoft.com/office/powerpoint/2010/main" val="2659555247"/>
+        <p14:creationId xmlns:p14="http://schemas.microsoft.com/office/powerpoint/2010/main" xmlns="" val="2659555247"/>
       </p:ext>
     </p:extLst>
   </p:cSld>
@@ -10373,7 +10373,7 @@
     </p:spTree>
     <p:extLst>
       <p:ext uri="{BB962C8B-B14F-4D97-AF65-F5344CB8AC3E}">
-        <p14:creationId xmlns="" xmlns:p14="http://schemas.microsoft.com/office/powerpoint/2010/main" val="2659555247"/>
+        <p14:creationId xmlns:p14="http://schemas.microsoft.com/office/powerpoint/2010/main" xmlns="" val="2659555247"/>
       </p:ext>
     </p:extLst>
   </p:cSld>
@@ -10458,7 +10458,7 @@
     </p:spTree>
     <p:extLst>
       <p:ext uri="{BB962C8B-B14F-4D97-AF65-F5344CB8AC3E}">
-        <p14:creationId xmlns="" xmlns:p14="http://schemas.microsoft.com/office/powerpoint/2010/main" val="2659555247"/>
+        <p14:creationId xmlns:p14="http://schemas.microsoft.com/office/powerpoint/2010/main" xmlns="" val="2659555247"/>
       </p:ext>
     </p:extLst>
   </p:cSld>
@@ -10543,7 +10543,7 @@
     </p:spTree>
     <p:extLst>
       <p:ext uri="{BB962C8B-B14F-4D97-AF65-F5344CB8AC3E}">
-        <p14:creationId xmlns="" xmlns:p14="http://schemas.microsoft.com/office/powerpoint/2010/main" val="2659555247"/>
+        <p14:creationId xmlns:p14="http://schemas.microsoft.com/office/powerpoint/2010/main" xmlns="" val="2659555247"/>
       </p:ext>
     </p:extLst>
   </p:cSld>
@@ -10628,7 +10628,7 @@
     </p:spTree>
     <p:extLst>
       <p:ext uri="{BB962C8B-B14F-4D97-AF65-F5344CB8AC3E}">
-        <p14:creationId xmlns="" xmlns:p14="http://schemas.microsoft.com/office/powerpoint/2010/main" val="2659555247"/>
+        <p14:creationId xmlns:p14="http://schemas.microsoft.com/office/powerpoint/2010/main" xmlns="" val="2659555247"/>
       </p:ext>
     </p:extLst>
   </p:cSld>
@@ -10713,7 +10713,7 @@
     </p:spTree>
     <p:extLst>
       <p:ext uri="{BB962C8B-B14F-4D97-AF65-F5344CB8AC3E}">
-        <p14:creationId xmlns="" xmlns:p14="http://schemas.microsoft.com/office/powerpoint/2010/main" val="2659555247"/>
+        <p14:creationId xmlns:p14="http://schemas.microsoft.com/office/powerpoint/2010/main" xmlns="" val="2659555247"/>
       </p:ext>
     </p:extLst>
   </p:cSld>
@@ -10798,7 +10798,7 @@
     </p:spTree>
     <p:extLst>
       <p:ext uri="{BB962C8B-B14F-4D97-AF65-F5344CB8AC3E}">
-        <p14:creationId xmlns="" xmlns:p14="http://schemas.microsoft.com/office/powerpoint/2010/main" val="2659555247"/>
+        <p14:creationId xmlns:p14="http://schemas.microsoft.com/office/powerpoint/2010/main" xmlns="" val="2659555247"/>
       </p:ext>
     </p:extLst>
   </p:cSld>
@@ -10883,7 +10883,7 @@
     </p:spTree>
     <p:extLst>
       <p:ext uri="{BB962C8B-B14F-4D97-AF65-F5344CB8AC3E}">
-        <p14:creationId xmlns="" xmlns:p14="http://schemas.microsoft.com/office/powerpoint/2010/main" val="2659555247"/>
+        <p14:creationId xmlns:p14="http://schemas.microsoft.com/office/powerpoint/2010/main" xmlns="" val="2659555247"/>
       </p:ext>
     </p:extLst>
   </p:cSld>
@@ -10968,7 +10968,7 @@
     </p:spTree>
     <p:extLst>
       <p:ext uri="{BB962C8B-B14F-4D97-AF65-F5344CB8AC3E}">
-        <p14:creationId xmlns="" xmlns:p14="http://schemas.microsoft.com/office/powerpoint/2010/main" val="2659555247"/>
+        <p14:creationId xmlns:p14="http://schemas.microsoft.com/office/powerpoint/2010/main" xmlns="" val="2659555247"/>
       </p:ext>
     </p:extLst>
   </p:cSld>
@@ -11053,7 +11053,7 @@
     </p:spTree>
     <p:extLst>
       <p:ext uri="{BB962C8B-B14F-4D97-AF65-F5344CB8AC3E}">
-        <p14:creationId xmlns="" xmlns:p14="http://schemas.microsoft.com/office/powerpoint/2010/main" val="2659555247"/>
+        <p14:creationId xmlns:p14="http://schemas.microsoft.com/office/powerpoint/2010/main" xmlns="" val="2659555247"/>
       </p:ext>
     </p:extLst>
   </p:cSld>
@@ -11138,7 +11138,7 @@
     </p:spTree>
     <p:extLst>
       <p:ext uri="{BB962C8B-B14F-4D97-AF65-F5344CB8AC3E}">
-        <p14:creationId xmlns="" xmlns:p14="http://schemas.microsoft.com/office/powerpoint/2010/main" val="2659555247"/>
+        <p14:creationId xmlns:p14="http://schemas.microsoft.com/office/powerpoint/2010/main" xmlns="" val="2659555247"/>
       </p:ext>
     </p:extLst>
   </p:cSld>
@@ -11223,7 +11223,7 @@
     </p:spTree>
     <p:extLst>
       <p:ext uri="{BB962C8B-B14F-4D97-AF65-F5344CB8AC3E}">
-        <p14:creationId xmlns="" xmlns:p14="http://schemas.microsoft.com/office/powerpoint/2010/main" val="2659555247"/>
+        <p14:creationId xmlns:p14="http://schemas.microsoft.com/office/powerpoint/2010/main" xmlns="" val="2659555247"/>
       </p:ext>
     </p:extLst>
   </p:cSld>
@@ -11308,7 +11308,7 @@
     </p:spTree>
     <p:extLst>
       <p:ext uri="{BB962C8B-B14F-4D97-AF65-F5344CB8AC3E}">
-        <p14:creationId xmlns="" xmlns:p14="http://schemas.microsoft.com/office/powerpoint/2010/main" val="2659555247"/>
+        <p14:creationId xmlns:p14="http://schemas.microsoft.com/office/powerpoint/2010/main" xmlns="" val="2659555247"/>
       </p:ext>
     </p:extLst>
   </p:cSld>
@@ -11393,7 +11393,7 @@
     </p:spTree>
     <p:extLst>
       <p:ext uri="{BB962C8B-B14F-4D97-AF65-F5344CB8AC3E}">
-        <p14:creationId xmlns:p14="http://schemas.microsoft.com/office/powerpoint/2010/main" xmlns="" val="939565178"/>
+        <p14:creationId xmlns="" xmlns:p14="http://schemas.microsoft.com/office/powerpoint/2010/main" val="939565178"/>
       </p:ext>
     </p:extLst>
   </p:cSld>
@@ -11478,7 +11478,7 @@
     </p:spTree>
     <p:extLst>
       <p:ext uri="{BB962C8B-B14F-4D97-AF65-F5344CB8AC3E}">
-        <p14:creationId xmlns="" xmlns:p14="http://schemas.microsoft.com/office/powerpoint/2010/main" val="2659555247"/>
+        <p14:creationId xmlns:p14="http://schemas.microsoft.com/office/powerpoint/2010/main" xmlns="" val="2659555247"/>
       </p:ext>
     </p:extLst>
   </p:cSld>
@@ -11563,7 +11563,7 @@
     </p:spTree>
     <p:extLst>
       <p:ext uri="{BB962C8B-B14F-4D97-AF65-F5344CB8AC3E}">
-        <p14:creationId xmlns="" xmlns:p14="http://schemas.microsoft.com/office/powerpoint/2010/main" val="2659555247"/>
+        <p14:creationId xmlns:p14="http://schemas.microsoft.com/office/powerpoint/2010/main" xmlns="" val="2659555247"/>
       </p:ext>
     </p:extLst>
   </p:cSld>
@@ -11648,7 +11648,7 @@
     </p:spTree>
     <p:extLst>
       <p:ext uri="{BB962C8B-B14F-4D97-AF65-F5344CB8AC3E}">
-        <p14:creationId xmlns="" xmlns:p14="http://schemas.microsoft.com/office/powerpoint/2010/main" val="2659555247"/>
+        <p14:creationId xmlns:p14="http://schemas.microsoft.com/office/powerpoint/2010/main" xmlns="" val="2659555247"/>
       </p:ext>
     </p:extLst>
   </p:cSld>
@@ -11733,7 +11733,7 @@
     </p:spTree>
     <p:extLst>
       <p:ext uri="{BB962C8B-B14F-4D97-AF65-F5344CB8AC3E}">
-        <p14:creationId xmlns="" xmlns:p14="http://schemas.microsoft.com/office/powerpoint/2010/main" val="2659555247"/>
+        <p14:creationId xmlns:p14="http://schemas.microsoft.com/office/powerpoint/2010/main" xmlns="" val="2659555247"/>
       </p:ext>
     </p:extLst>
   </p:cSld>
@@ -11818,7 +11818,7 @@
     </p:spTree>
     <p:extLst>
       <p:ext uri="{BB962C8B-B14F-4D97-AF65-F5344CB8AC3E}">
-        <p14:creationId xmlns="" xmlns:p14="http://schemas.microsoft.com/office/powerpoint/2010/main" val="2659555247"/>
+        <p14:creationId xmlns:p14="http://schemas.microsoft.com/office/powerpoint/2010/main" xmlns="" val="2659555247"/>
       </p:ext>
     </p:extLst>
   </p:cSld>
@@ -11903,7 +11903,7 @@
     </p:spTree>
     <p:extLst>
       <p:ext uri="{BB962C8B-B14F-4D97-AF65-F5344CB8AC3E}">
-        <p14:creationId xmlns="" xmlns:p14="http://schemas.microsoft.com/office/powerpoint/2010/main" val="2659555247"/>
+        <p14:creationId xmlns:p14="http://schemas.microsoft.com/office/powerpoint/2010/main" xmlns="" val="2659555247"/>
       </p:ext>
     </p:extLst>
   </p:cSld>
@@ -11988,7 +11988,7 @@
     </p:spTree>
     <p:extLst>
       <p:ext uri="{BB962C8B-B14F-4D97-AF65-F5344CB8AC3E}">
-        <p14:creationId xmlns="" xmlns:p14="http://schemas.microsoft.com/office/powerpoint/2010/main" val="2659555247"/>
+        <p14:creationId xmlns:p14="http://schemas.microsoft.com/office/powerpoint/2010/main" xmlns="" val="2659555247"/>
       </p:ext>
     </p:extLst>
   </p:cSld>
@@ -12073,7 +12073,7 @@
     </p:spTree>
     <p:extLst>
       <p:ext uri="{BB962C8B-B14F-4D97-AF65-F5344CB8AC3E}">
-        <p14:creationId xmlns="" xmlns:p14="http://schemas.microsoft.com/office/powerpoint/2010/main" val="2659555247"/>
+        <p14:creationId xmlns:p14="http://schemas.microsoft.com/office/powerpoint/2010/main" xmlns="" val="2659555247"/>
       </p:ext>
     </p:extLst>
   </p:cSld>
@@ -12158,7 +12158,7 @@
     </p:spTree>
     <p:extLst>
       <p:ext uri="{BB962C8B-B14F-4D97-AF65-F5344CB8AC3E}">
-        <p14:creationId xmlns="" xmlns:p14="http://schemas.microsoft.com/office/powerpoint/2010/main" val="2659555247"/>
+        <p14:creationId xmlns:p14="http://schemas.microsoft.com/office/powerpoint/2010/main" xmlns="" val="2659555247"/>
       </p:ext>
     </p:extLst>
   </p:cSld>
@@ -12243,7 +12243,7 @@
     </p:spTree>
     <p:extLst>
       <p:ext uri="{BB962C8B-B14F-4D97-AF65-F5344CB8AC3E}">
-        <p14:creationId xmlns="" xmlns:p14="http://schemas.microsoft.com/office/powerpoint/2010/main" val="2659555247"/>
+        <p14:creationId xmlns:p14="http://schemas.microsoft.com/office/powerpoint/2010/main" xmlns="" val="2659555247"/>
       </p:ext>
     </p:extLst>
   </p:cSld>
@@ -12328,7 +12328,7 @@
     </p:spTree>
     <p:extLst>
       <p:ext uri="{BB962C8B-B14F-4D97-AF65-F5344CB8AC3E}">
-        <p14:creationId xmlns="" xmlns:p14="http://schemas.microsoft.com/office/powerpoint/2010/main" val="2659555247"/>
+        <p14:creationId xmlns:p14="http://schemas.microsoft.com/office/powerpoint/2010/main" xmlns="" val="2659555247"/>
       </p:ext>
     </p:extLst>
   </p:cSld>
@@ -12413,7 +12413,7 @@
     </p:spTree>
     <p:extLst>
       <p:ext uri="{BB962C8B-B14F-4D97-AF65-F5344CB8AC3E}">
-        <p14:creationId xmlns="" xmlns:p14="http://schemas.microsoft.com/office/powerpoint/2010/main" val="2659555247"/>
+        <p14:creationId xmlns:p14="http://schemas.microsoft.com/office/powerpoint/2010/main" xmlns="" val="2659555247"/>
       </p:ext>
     </p:extLst>
   </p:cSld>
@@ -12498,7 +12498,7 @@
     </p:spTree>
     <p:extLst>
       <p:ext uri="{BB962C8B-B14F-4D97-AF65-F5344CB8AC3E}">
-        <p14:creationId xmlns="" xmlns:p14="http://schemas.microsoft.com/office/powerpoint/2010/main" val="2659555247"/>
+        <p14:creationId xmlns:p14="http://schemas.microsoft.com/office/powerpoint/2010/main" xmlns="" val="2659555247"/>
       </p:ext>
     </p:extLst>
   </p:cSld>
@@ -12583,7 +12583,7 @@
     </p:spTree>
     <p:extLst>
       <p:ext uri="{BB962C8B-B14F-4D97-AF65-F5344CB8AC3E}">
-        <p14:creationId xmlns="" xmlns:p14="http://schemas.microsoft.com/office/powerpoint/2010/main" val="2659555247"/>
+        <p14:creationId xmlns:p14="http://schemas.microsoft.com/office/powerpoint/2010/main" xmlns="" val="2659555247"/>
       </p:ext>
     </p:extLst>
   </p:cSld>
@@ -12668,7 +12668,7 @@
     </p:spTree>
     <p:extLst>
       <p:ext uri="{BB962C8B-B14F-4D97-AF65-F5344CB8AC3E}">
-        <p14:creationId xmlns="" xmlns:p14="http://schemas.microsoft.com/office/powerpoint/2010/main" val="2659555247"/>
+        <p14:creationId xmlns:p14="http://schemas.microsoft.com/office/powerpoint/2010/main" xmlns="" val="2659555247"/>
       </p:ext>
     </p:extLst>
   </p:cSld>
@@ -12753,7 +12753,7 @@
     </p:spTree>
     <p:extLst>
       <p:ext uri="{BB962C8B-B14F-4D97-AF65-F5344CB8AC3E}">
-        <p14:creationId xmlns="" xmlns:p14="http://schemas.microsoft.com/office/powerpoint/2010/main" val="2659555247"/>
+        <p14:creationId xmlns:p14="http://schemas.microsoft.com/office/powerpoint/2010/main" xmlns="" val="2659555247"/>
       </p:ext>
     </p:extLst>
   </p:cSld>
@@ -12838,7 +12838,7 @@
     </p:spTree>
     <p:extLst>
       <p:ext uri="{BB962C8B-B14F-4D97-AF65-F5344CB8AC3E}">
-        <p14:creationId xmlns="" xmlns:p14="http://schemas.microsoft.com/office/powerpoint/2010/main" val="2659555247"/>
+        <p14:creationId xmlns:p14="http://schemas.microsoft.com/office/powerpoint/2010/main" xmlns="" val="2659555247"/>
       </p:ext>
     </p:extLst>
   </p:cSld>
@@ -12923,7 +12923,7 @@
     </p:spTree>
     <p:extLst>
       <p:ext uri="{BB962C8B-B14F-4D97-AF65-F5344CB8AC3E}">
-        <p14:creationId xmlns="" xmlns:p14="http://schemas.microsoft.com/office/powerpoint/2010/main" val="2659555247"/>
+        <p14:creationId xmlns:p14="http://schemas.microsoft.com/office/powerpoint/2010/main" xmlns="" val="2659555247"/>
       </p:ext>
     </p:extLst>
   </p:cSld>
@@ -13008,7 +13008,7 @@
     </p:spTree>
     <p:extLst>
       <p:ext uri="{BB962C8B-B14F-4D97-AF65-F5344CB8AC3E}">
-        <p14:creationId xmlns="" xmlns:p14="http://schemas.microsoft.com/office/powerpoint/2010/main" val="2659555247"/>
+        <p14:creationId xmlns:p14="http://schemas.microsoft.com/office/powerpoint/2010/main" xmlns="" val="2659555247"/>
       </p:ext>
     </p:extLst>
   </p:cSld>
@@ -13093,7 +13093,7 @@
     </p:spTree>
     <p:extLst>
       <p:ext uri="{BB962C8B-B14F-4D97-AF65-F5344CB8AC3E}">
-        <p14:creationId xmlns="" xmlns:p14="http://schemas.microsoft.com/office/powerpoint/2010/main" val="2659555247"/>
+        <p14:creationId xmlns:p14="http://schemas.microsoft.com/office/powerpoint/2010/main" xmlns="" val="2659555247"/>
       </p:ext>
     </p:extLst>
   </p:cSld>
@@ -13178,7 +13178,7 @@
     </p:spTree>
     <p:extLst>
       <p:ext uri="{BB962C8B-B14F-4D97-AF65-F5344CB8AC3E}">
-        <p14:creationId xmlns="" xmlns:p14="http://schemas.microsoft.com/office/powerpoint/2010/main" val="2659555247"/>
+        <p14:creationId xmlns:p14="http://schemas.microsoft.com/office/powerpoint/2010/main" xmlns="" val="2659555247"/>
       </p:ext>
     </p:extLst>
   </p:cSld>
@@ -13263,7 +13263,7 @@
     </p:spTree>
     <p:extLst>
       <p:ext uri="{BB962C8B-B14F-4D97-AF65-F5344CB8AC3E}">
-        <p14:creationId xmlns="" xmlns:p14="http://schemas.microsoft.com/office/powerpoint/2010/main" val="2659555247"/>
+        <p14:creationId xmlns:p14="http://schemas.microsoft.com/office/powerpoint/2010/main" xmlns="" val="2659555247"/>
       </p:ext>
     </p:extLst>
   </p:cSld>
@@ -13348,7 +13348,7 @@
     </p:spTree>
     <p:extLst>
       <p:ext uri="{BB962C8B-B14F-4D97-AF65-F5344CB8AC3E}">
-        <p14:creationId xmlns="" xmlns:p14="http://schemas.microsoft.com/office/powerpoint/2010/main" val="2659555247"/>
+        <p14:creationId xmlns:p14="http://schemas.microsoft.com/office/powerpoint/2010/main" xmlns="" val="2659555247"/>
       </p:ext>
     </p:extLst>
   </p:cSld>
@@ -13433,7 +13433,7 @@
     </p:spTree>
     <p:extLst>
       <p:ext uri="{BB962C8B-B14F-4D97-AF65-F5344CB8AC3E}">
-        <p14:creationId xmlns="" xmlns:p14="http://schemas.microsoft.com/office/powerpoint/2010/main" val="2659555247"/>
+        <p14:creationId xmlns:p14="http://schemas.microsoft.com/office/powerpoint/2010/main" xmlns="" val="2659555247"/>
       </p:ext>
     </p:extLst>
   </p:cSld>
@@ -13518,7 +13518,7 @@
     </p:spTree>
     <p:extLst>
       <p:ext uri="{BB962C8B-B14F-4D97-AF65-F5344CB8AC3E}">
-        <p14:creationId xmlns="" xmlns:p14="http://schemas.microsoft.com/office/powerpoint/2010/main" val="2659555247"/>
+        <p14:creationId xmlns:p14="http://schemas.microsoft.com/office/powerpoint/2010/main" xmlns="" val="2659555247"/>
       </p:ext>
     </p:extLst>
   </p:cSld>
@@ -13603,7 +13603,7 @@
     </p:spTree>
     <p:extLst>
       <p:ext uri="{BB962C8B-B14F-4D97-AF65-F5344CB8AC3E}">
-        <p14:creationId xmlns="" xmlns:p14="http://schemas.microsoft.com/office/powerpoint/2010/main" val="2659555247"/>
+        <p14:creationId xmlns:p14="http://schemas.microsoft.com/office/powerpoint/2010/main" xmlns="" val="2659555247"/>
       </p:ext>
     </p:extLst>
   </p:cSld>
@@ -13688,7 +13688,7 @@
     </p:spTree>
     <p:extLst>
       <p:ext uri="{BB962C8B-B14F-4D97-AF65-F5344CB8AC3E}">
-        <p14:creationId xmlns="" xmlns:p14="http://schemas.microsoft.com/office/powerpoint/2010/main" val="2659555247"/>
+        <p14:creationId xmlns:p14="http://schemas.microsoft.com/office/powerpoint/2010/main" xmlns="" val="2659555247"/>
       </p:ext>
     </p:extLst>
   </p:cSld>
@@ -13773,7 +13773,7 @@
     </p:spTree>
     <p:extLst>
       <p:ext uri="{BB962C8B-B14F-4D97-AF65-F5344CB8AC3E}">
-        <p14:creationId xmlns="" xmlns:p14="http://schemas.microsoft.com/office/powerpoint/2010/main" val="2659555247"/>
+        <p14:creationId xmlns:p14="http://schemas.microsoft.com/office/powerpoint/2010/main" xmlns="" val="2659555247"/>
       </p:ext>
     </p:extLst>
   </p:cSld>
@@ -14091,7 +14091,7 @@
                 </a:solidFill>
               </a:rPr>
               <a:pPr/>
-              <a:t>4/25/2021</a:t>
+              <a:t>5/2/2021</a:t>
             </a:fld>
             <a:endParaRPr kumimoji="0" lang="en-US" dirty="0"/>
           </a:p>
@@ -14482,7 +14482,7 @@
                 </a:solidFill>
               </a:rPr>
               <a:pPr/>
-              <a:t>4/25/2021</a:t>
+              <a:t>5/2/2021</a:t>
             </a:fld>
             <a:endParaRPr kumimoji="0" lang="en-US" dirty="0"/>
           </a:p>
@@ -14817,7 +14817,7 @@
                 </a:solidFill>
               </a:rPr>
               <a:pPr/>
-              <a:t>4/25/2021</a:t>
+              <a:t>5/2/2021</a:t>
             </a:fld>
             <a:endParaRPr kumimoji="0" lang="en-US" dirty="0"/>
           </a:p>
@@ -15393,7 +15393,7 @@
                 </a:solidFill>
               </a:rPr>
               <a:pPr/>
-              <a:t>4/25/2021</a:t>
+              <a:t>5/2/2021</a:t>
             </a:fld>
             <a:endParaRPr kumimoji="0" lang="en-US" dirty="0"/>
           </a:p>
@@ -15957,7 +15957,7 @@
                 </a:solidFill>
               </a:rPr>
               <a:pPr/>
-              <a:t>4/25/2021</a:t>
+              <a:t>5/2/2021</a:t>
             </a:fld>
             <a:endParaRPr kumimoji="0" lang="en-US" dirty="0"/>
           </a:p>
@@ -16416,7 +16416,7 @@
                 </a:solidFill>
               </a:rPr>
               <a:pPr/>
-              <a:t>4/25/2021</a:t>
+              <a:t>5/2/2021</a:t>
             </a:fld>
             <a:endParaRPr kumimoji="0" lang="en-US" dirty="0"/>
           </a:p>
@@ -16840,7 +16840,7 @@
                 </a:solidFill>
               </a:rPr>
               <a:pPr/>
-              <a:t>4/25/2021</a:t>
+              <a:t>5/2/2021</a:t>
             </a:fld>
             <a:endParaRPr kumimoji="0" lang="en-US" dirty="0"/>
           </a:p>
@@ -17344,7 +17344,7 @@
                 </a:solidFill>
               </a:rPr>
               <a:pPr/>
-              <a:t>4/25/2021</a:t>
+              <a:t>5/2/2021</a:t>
             </a:fld>
             <a:endParaRPr kumimoji="0" lang="en-US" dirty="0"/>
           </a:p>
@@ -17848,7 +17848,7 @@
                 </a:solidFill>
               </a:rPr>
               <a:pPr/>
-              <a:t>4/25/2021</a:t>
+              <a:t>5/2/2021</a:t>
             </a:fld>
             <a:endParaRPr kumimoji="0" lang="en-US" dirty="0"/>
           </a:p>
@@ -18064,7 +18064,7 @@
                 </a:solidFill>
               </a:rPr>
               <a:pPr/>
-              <a:t>4/25/2021</a:t>
+              <a:t>5/2/2021</a:t>
             </a:fld>
             <a:endParaRPr kumimoji="0" lang="en-US" dirty="0"/>
           </a:p>
@@ -18392,7 +18392,7 @@
                 </a:solidFill>
               </a:rPr>
               <a:pPr/>
-              <a:t>4/25/2021</a:t>
+              <a:t>5/2/2021</a:t>
             </a:fld>
             <a:endParaRPr kumimoji="0" lang="en-US" dirty="0"/>
           </a:p>
@@ -18618,7 +18618,7 @@
                 </a:solidFill>
               </a:rPr>
               <a:pPr/>
-              <a:t>4/25/2021</a:t>
+              <a:t>5/2/2021</a:t>
             </a:fld>
             <a:endParaRPr kumimoji="0" lang="en-US" dirty="0"/>
           </a:p>
@@ -18837,7 +18837,7 @@
                 </a:solidFill>
               </a:rPr>
               <a:pPr/>
-              <a:t>4/25/2021</a:t>
+              <a:t>5/2/2021</a:t>
             </a:fld>
             <a:endParaRPr kumimoji="0" lang="en-US" dirty="0"/>
           </a:p>
@@ -19013,7 +19013,7 @@
             <a:fld id="{ACB2EC6F-6501-4E04-BD6C-A8A6CABB2C5B}" type="datetimeFigureOut">
               <a:rPr kumimoji="0" lang="en-US" smtClean="0"/>
               <a:pPr/>
-              <a:t>4/25/2021</a:t>
+              <a:t>5/2/2021</a:t>
             </a:fld>
             <a:endParaRPr kumimoji="0" lang="en-US" dirty="0"/>
           </a:p>
@@ -19258,7 +19258,7 @@
                 </a:solidFill>
               </a:rPr>
               <a:pPr/>
-              <a:t>4/25/2021</a:t>
+              <a:t>5/2/2021</a:t>
             </a:fld>
             <a:endParaRPr kumimoji="0" lang="en-US" dirty="0"/>
           </a:p>
@@ -19730,7 +19730,7 @@
                 </a:solidFill>
               </a:rPr>
               <a:pPr/>
-              <a:t>4/25/2021</a:t>
+              <a:t>5/2/2021</a:t>
             </a:fld>
             <a:endParaRPr kumimoji="0" lang="en-US" dirty="0"/>
           </a:p>
@@ -20082,7 +20082,7 @@
                 </a:solidFill>
               </a:rPr>
               <a:pPr/>
-              <a:t>4/25/2021</a:t>
+              <a:t>5/2/2021</a:t>
             </a:fld>
             <a:endParaRPr kumimoji="0" lang="en-US" dirty="0"/>
           </a:p>
@@ -20440,7 +20440,7 @@
                 </a:solidFill>
               </a:rPr>
               <a:pPr/>
-              <a:t>4/25/2021</a:t>
+              <a:t>5/2/2021</a:t>
             </a:fld>
             <a:endParaRPr kumimoji="0" lang="en-US" dirty="0"/>
           </a:p>
@@ -20745,7 +20745,7 @@
                 </a:solidFill>
               </a:rPr>
               <a:pPr/>
-              <a:t>4/25/2021</a:t>
+              <a:t>5/2/2021</a:t>
             </a:fld>
             <a:endParaRPr kumimoji="0" lang="en-US" dirty="0"/>
           </a:p>
@@ -21221,7 +21221,7 @@
                 </a:solidFill>
               </a:rPr>
               <a:pPr/>
-              <a:t>4/25/2021</a:t>
+              <a:t>5/2/2021</a:t>
             </a:fld>
             <a:endParaRPr kumimoji="0" lang="en-US" dirty="0"/>
           </a:p>
@@ -21458,7 +21458,7 @@
                 </a:solidFill>
               </a:rPr>
               <a:pPr/>
-              <a:t>4/25/2021</a:t>
+              <a:t>5/2/2021</a:t>
             </a:fld>
             <a:endParaRPr kumimoji="0" lang="en-US" sz="1200" dirty="0">
               <a:solidFill>
@@ -22378,7 +22378,7 @@
     </p:spTree>
     <p:extLst>
       <p:ext uri="{BB962C8B-B14F-4D97-AF65-F5344CB8AC3E}">
-        <p14:creationId xmlns="" xmlns:p14="http://schemas.microsoft.com/office/powerpoint/2010/main" val="522405798"/>
+        <p14:creationId xmlns:p14="http://schemas.microsoft.com/office/powerpoint/2010/main" xmlns="" val="522405798"/>
       </p:ext>
     </p:extLst>
   </p:cSld>
@@ -22695,7 +22695,7 @@
     </p:spTree>
     <p:extLst>
       <p:ext uri="{BB962C8B-B14F-4D97-AF65-F5344CB8AC3E}">
-        <p14:creationId xmlns="" xmlns:p14="http://schemas.microsoft.com/office/powerpoint/2010/main" val="522405798"/>
+        <p14:creationId xmlns:p14="http://schemas.microsoft.com/office/powerpoint/2010/main" xmlns="" val="522405798"/>
       </p:ext>
     </p:extLst>
   </p:cSld>
@@ -22954,7 +22954,7 @@
     </p:spTree>
     <p:extLst>
       <p:ext uri="{BB962C8B-B14F-4D97-AF65-F5344CB8AC3E}">
-        <p14:creationId xmlns="" xmlns:p14="http://schemas.microsoft.com/office/powerpoint/2010/main" val="522405798"/>
+        <p14:creationId xmlns:p14="http://schemas.microsoft.com/office/powerpoint/2010/main" xmlns="" val="522405798"/>
       </p:ext>
     </p:extLst>
   </p:cSld>
@@ -23230,7 +23230,7 @@
     </p:spTree>
     <p:extLst>
       <p:ext uri="{BB962C8B-B14F-4D97-AF65-F5344CB8AC3E}">
-        <p14:creationId xmlns="" xmlns:p14="http://schemas.microsoft.com/office/powerpoint/2010/main" val="522405798"/>
+        <p14:creationId xmlns:p14="http://schemas.microsoft.com/office/powerpoint/2010/main" xmlns="" val="522405798"/>
       </p:ext>
     </p:extLst>
   </p:cSld>
@@ -23394,7 +23394,7 @@
     </p:spTree>
     <p:extLst>
       <p:ext uri="{BB962C8B-B14F-4D97-AF65-F5344CB8AC3E}">
-        <p14:creationId xmlns="" xmlns:p14="http://schemas.microsoft.com/office/powerpoint/2010/main" val="522405798"/>
+        <p14:creationId xmlns:p14="http://schemas.microsoft.com/office/powerpoint/2010/main" xmlns="" val="522405798"/>
       </p:ext>
     </p:extLst>
   </p:cSld>
@@ -23753,7 +23753,7 @@
     </p:spTree>
     <p:extLst>
       <p:ext uri="{BB962C8B-B14F-4D97-AF65-F5344CB8AC3E}">
-        <p14:creationId xmlns="" xmlns:p14="http://schemas.microsoft.com/office/powerpoint/2010/main" val="522405798"/>
+        <p14:creationId xmlns:p14="http://schemas.microsoft.com/office/powerpoint/2010/main" xmlns="" val="522405798"/>
       </p:ext>
     </p:extLst>
   </p:cSld>
@@ -23917,70 +23917,35 @@
                 <a:latin typeface="微軟正黑體" pitchFamily="34" charset="-120"/>
                 <a:ea typeface="微軟正黑體" pitchFamily="34" charset="-120"/>
               </a:rPr>
-              <a:t>有時</a:t>
+              <a:t>有時希望使用特定的</a:t>
+            </a:r>
+            <a:r>
+              <a:rPr lang="zh-TW" altLang="en-US" sz="3200" dirty="0" smtClean="0">
+                <a:latin typeface="微軟正黑體" pitchFamily="34" charset="-120"/>
+                <a:ea typeface="微軟正黑體" pitchFamily="34" charset="-120"/>
+              </a:rPr>
+              <a:t>卷</a:t>
             </a:r>
             <a:r>
               <a:rPr lang="zh-TW" altLang="zh-TW" sz="3200" dirty="0" smtClean="0">
                 <a:latin typeface="微軟正黑體" pitchFamily="34" charset="-120"/>
                 <a:ea typeface="微軟正黑體" pitchFamily="34" charset="-120"/>
               </a:rPr>
-              <a:t>希望使用特定</a:t>
+              <a:t>積確定現</a:t>
+            </a:r>
+            <a:r>
+              <a:rPr lang="zh-TW" altLang="en-US" sz="3200" dirty="0" smtClean="0">
+                <a:latin typeface="微軟正黑體" pitchFamily="34" charset="-120"/>
+                <a:ea typeface="微軟正黑體" pitchFamily="34" charset="-120"/>
+              </a:rPr>
+              <a:t>卷</a:t>
             </a:r>
             <a:r>
               <a:rPr lang="zh-TW" altLang="zh-TW" sz="3200" dirty="0" smtClean="0">
                 <a:latin typeface="微軟正黑體" pitchFamily="34" charset="-120"/>
                 <a:ea typeface="微軟正黑體" pitchFamily="34" charset="-120"/>
               </a:rPr>
-              <a:t>的</a:t>
-            </a:r>
-            <a:r>
-              <a:rPr lang="zh-TW" altLang="en-US" sz="3200" dirty="0" smtClean="0">
-                <a:latin typeface="微軟正黑體" pitchFamily="34" charset="-120"/>
-                <a:ea typeface="微軟正黑體" pitchFamily="34" charset="-120"/>
-              </a:rPr>
-              <a:t>卷</a:t>
-            </a:r>
-            <a:r>
-              <a:rPr lang="zh-TW" altLang="zh-TW" sz="3200" dirty="0" smtClean="0">
-                <a:latin typeface="微軟正黑體" pitchFamily="34" charset="-120"/>
-                <a:ea typeface="微軟正黑體" pitchFamily="34" charset="-120"/>
-              </a:rPr>
-              <a:t>積</a:t>
-            </a:r>
-            <a:r>
-              <a:rPr lang="zh-TW" altLang="zh-TW" sz="3200" dirty="0" smtClean="0">
-                <a:latin typeface="微軟正黑體" pitchFamily="34" charset="-120"/>
-                <a:ea typeface="微軟正黑體" pitchFamily="34" charset="-120"/>
-              </a:rPr>
-              <a:t>確定</a:t>
-            </a:r>
-            <a:r>
-              <a:rPr lang="zh-TW" altLang="zh-TW" sz="3200" dirty="0" smtClean="0">
-                <a:latin typeface="微軟正黑體" pitchFamily="34" charset="-120"/>
-                <a:ea typeface="微軟正黑體" pitchFamily="34" charset="-120"/>
-              </a:rPr>
-              <a:t>現</a:t>
-            </a:r>
-            <a:r>
-              <a:rPr lang="zh-TW" altLang="en-US" sz="3200" dirty="0" smtClean="0">
-                <a:latin typeface="微軟正黑體" pitchFamily="34" charset="-120"/>
-                <a:ea typeface="微軟正黑體" pitchFamily="34" charset="-120"/>
-              </a:rPr>
-              <a:t>卷</a:t>
-            </a:r>
-            <a:r>
-              <a:rPr lang="zh-TW" altLang="zh-TW" sz="3200" dirty="0" smtClean="0">
-                <a:latin typeface="微軟正黑體" pitchFamily="34" charset="-120"/>
-                <a:ea typeface="微軟正黑體" pitchFamily="34" charset="-120"/>
-              </a:rPr>
-              <a:t>積</a:t>
-            </a:r>
-            <a:r>
-              <a:rPr lang="zh-TW" altLang="zh-TW" sz="3200" dirty="0" smtClean="0">
-                <a:latin typeface="微軟正黑體" pitchFamily="34" charset="-120"/>
-                <a:ea typeface="微軟正黑體" pitchFamily="34" charset="-120"/>
-              </a:rPr>
-              <a:t>操作</a:t>
+              <a:t>積操作</a:t>
             </a:r>
             <a:endParaRPr lang="zh-TW" altLang="zh-TW" sz="3200" dirty="0">
               <a:latin typeface="微軟正黑體" pitchFamily="34" charset="-120"/>
@@ -24024,7 +23989,7 @@
     </p:spTree>
     <p:extLst>
       <p:ext uri="{BB962C8B-B14F-4D97-AF65-F5344CB8AC3E}">
-        <p14:creationId xmlns="" xmlns:p14="http://schemas.microsoft.com/office/powerpoint/2010/main" val="522405798"/>
+        <p14:creationId xmlns:p14="http://schemas.microsoft.com/office/powerpoint/2010/main" xmlns="" val="522405798"/>
       </p:ext>
     </p:extLst>
   </p:cSld>
@@ -24388,7 +24353,7 @@
     </p:spTree>
     <p:extLst>
       <p:ext uri="{BB962C8B-B14F-4D97-AF65-F5344CB8AC3E}">
-        <p14:creationId xmlns="" xmlns:p14="http://schemas.microsoft.com/office/powerpoint/2010/main" val="522405798"/>
+        <p14:creationId xmlns:p14="http://schemas.microsoft.com/office/powerpoint/2010/main" xmlns="" val="522405798"/>
       </p:ext>
     </p:extLst>
   </p:cSld>
@@ -24483,7 +24448,7 @@
     </p:spTree>
     <p:extLst>
       <p:ext uri="{BB962C8B-B14F-4D97-AF65-F5344CB8AC3E}">
-        <p14:creationId xmlns:p14="http://schemas.microsoft.com/office/powerpoint/2010/main" xmlns="" val="3907764274"/>
+        <p14:creationId xmlns="" xmlns:p14="http://schemas.microsoft.com/office/powerpoint/2010/main" val="3907764274"/>
       </p:ext>
     </p:extLst>
   </p:cSld>
@@ -24611,21 +24576,7 @@
                 <a:latin typeface="微軟正黑體" pitchFamily="34" charset="-120"/>
                 <a:ea typeface="微軟正黑體" pitchFamily="34" charset="-120"/>
               </a:rPr>
-              <a:t>Mathematical </a:t>
-            </a:r>
-            <a:r>
-              <a:rPr lang="en-US" altLang="zh-TW" sz="3200" dirty="0" smtClean="0">
-                <a:latin typeface="微軟正黑體" pitchFamily="34" charset="-120"/>
-                <a:ea typeface="微軟正黑體" pitchFamily="34" charset="-120"/>
-              </a:rPr>
-              <a:t>Morphology</a:t>
-            </a:r>
-            <a:r>
-              <a:rPr lang="en-US" altLang="zh-TW" sz="3200" dirty="0" smtClean="0">
-                <a:latin typeface="微軟正黑體" pitchFamily="34" charset="-120"/>
-                <a:ea typeface="微軟正黑體" pitchFamily="34" charset="-120"/>
-              </a:rPr>
-              <a:t>)</a:t>
+              <a:t>Mathematical Morphology)</a:t>
             </a:r>
             <a:r>
               <a:rPr lang="zh-TW" altLang="en-US" sz="3200" dirty="0" smtClean="0">
@@ -24709,7 +24660,7 @@
     </p:spTree>
     <p:extLst>
       <p:ext uri="{BB962C8B-B14F-4D97-AF65-F5344CB8AC3E}">
-        <p14:creationId xmlns="" xmlns:p14="http://schemas.microsoft.com/office/powerpoint/2010/main" val="522405798"/>
+        <p14:creationId xmlns:p14="http://schemas.microsoft.com/office/powerpoint/2010/main" xmlns="" val="522405798"/>
       </p:ext>
     </p:extLst>
   </p:cSld>
@@ -24951,7 +24902,7 @@
     </p:spTree>
     <p:extLst>
       <p:ext uri="{BB962C8B-B14F-4D97-AF65-F5344CB8AC3E}">
-        <p14:creationId xmlns="" xmlns:p14="http://schemas.microsoft.com/office/powerpoint/2010/main" val="522405798"/>
+        <p14:creationId xmlns:p14="http://schemas.microsoft.com/office/powerpoint/2010/main" xmlns="" val="522405798"/>
       </p:ext>
     </p:extLst>
   </p:cSld>
@@ -25190,7 +25141,7 @@
     </p:spTree>
     <p:extLst>
       <p:ext uri="{BB962C8B-B14F-4D97-AF65-F5344CB8AC3E}">
-        <p14:creationId xmlns="" xmlns:p14="http://schemas.microsoft.com/office/powerpoint/2010/main" val="522405798"/>
+        <p14:creationId xmlns:p14="http://schemas.microsoft.com/office/powerpoint/2010/main" xmlns="" val="522405798"/>
       </p:ext>
     </p:extLst>
   </p:cSld>
@@ -25389,7 +25340,7 @@
     </p:spTree>
     <p:extLst>
       <p:ext uri="{BB962C8B-B14F-4D97-AF65-F5344CB8AC3E}">
-        <p14:creationId xmlns="" xmlns:p14="http://schemas.microsoft.com/office/powerpoint/2010/main" val="522405798"/>
+        <p14:creationId xmlns:p14="http://schemas.microsoft.com/office/powerpoint/2010/main" xmlns="" val="522405798"/>
       </p:ext>
     </p:extLst>
   </p:cSld>
@@ -25597,7 +25548,7 @@
     </p:spTree>
     <p:extLst>
       <p:ext uri="{BB962C8B-B14F-4D97-AF65-F5344CB8AC3E}">
-        <p14:creationId xmlns="" xmlns:p14="http://schemas.microsoft.com/office/powerpoint/2010/main" val="522405798"/>
+        <p14:creationId xmlns:p14="http://schemas.microsoft.com/office/powerpoint/2010/main" xmlns="" val="522405798"/>
       </p:ext>
     </p:extLst>
   </p:cSld>
@@ -25729,7 +25680,7 @@
     </p:spTree>
     <p:extLst>
       <p:ext uri="{BB962C8B-B14F-4D97-AF65-F5344CB8AC3E}">
-        <p14:creationId xmlns="" xmlns:p14="http://schemas.microsoft.com/office/powerpoint/2010/main" val="522405798"/>
+        <p14:creationId xmlns:p14="http://schemas.microsoft.com/office/powerpoint/2010/main" xmlns="" val="522405798"/>
       </p:ext>
     </p:extLst>
   </p:cSld>
@@ -25922,7 +25873,7 @@
     </p:spTree>
     <p:extLst>
       <p:ext uri="{BB962C8B-B14F-4D97-AF65-F5344CB8AC3E}">
-        <p14:creationId xmlns="" xmlns:p14="http://schemas.microsoft.com/office/powerpoint/2010/main" val="522405798"/>
+        <p14:creationId xmlns:p14="http://schemas.microsoft.com/office/powerpoint/2010/main" xmlns="" val="522405798"/>
       </p:ext>
     </p:extLst>
   </p:cSld>
@@ -26104,7 +26055,7 @@
     </p:spTree>
     <p:extLst>
       <p:ext uri="{BB962C8B-B14F-4D97-AF65-F5344CB8AC3E}">
-        <p14:creationId xmlns="" xmlns:p14="http://schemas.microsoft.com/office/powerpoint/2010/main" val="522405798"/>
+        <p14:creationId xmlns:p14="http://schemas.microsoft.com/office/powerpoint/2010/main" xmlns="" val="522405798"/>
       </p:ext>
     </p:extLst>
   </p:cSld>
@@ -26236,7 +26187,7 @@
     </p:spTree>
     <p:extLst>
       <p:ext uri="{BB962C8B-B14F-4D97-AF65-F5344CB8AC3E}">
-        <p14:creationId xmlns="" xmlns:p14="http://schemas.microsoft.com/office/powerpoint/2010/main" val="522405798"/>
+        <p14:creationId xmlns:p14="http://schemas.microsoft.com/office/powerpoint/2010/main" xmlns="" val="522405798"/>
       </p:ext>
     </p:extLst>
   </p:cSld>
@@ -26400,7 +26351,7 @@
     </p:spTree>
     <p:extLst>
       <p:ext uri="{BB962C8B-B14F-4D97-AF65-F5344CB8AC3E}">
-        <p14:creationId xmlns="" xmlns:p14="http://schemas.microsoft.com/office/powerpoint/2010/main" val="522405798"/>
+        <p14:creationId xmlns:p14="http://schemas.microsoft.com/office/powerpoint/2010/main" xmlns="" val="522405798"/>
       </p:ext>
     </p:extLst>
   </p:cSld>
@@ -26564,7 +26515,7 @@
     </p:spTree>
     <p:extLst>
       <p:ext uri="{BB962C8B-B14F-4D97-AF65-F5344CB8AC3E}">
-        <p14:creationId xmlns="" xmlns:p14="http://schemas.microsoft.com/office/powerpoint/2010/main" val="522405798"/>
+        <p14:creationId xmlns:p14="http://schemas.microsoft.com/office/powerpoint/2010/main" xmlns="" val="522405798"/>
       </p:ext>
     </p:extLst>
   </p:cSld>
@@ -26728,7 +26679,7 @@
     </p:spTree>
     <p:extLst>
       <p:ext uri="{BB962C8B-B14F-4D97-AF65-F5344CB8AC3E}">
-        <p14:creationId xmlns="" xmlns:p14="http://schemas.microsoft.com/office/powerpoint/2010/main" val="522405798"/>
+        <p14:creationId xmlns:p14="http://schemas.microsoft.com/office/powerpoint/2010/main" xmlns="" val="522405798"/>
       </p:ext>
     </p:extLst>
   </p:cSld>
@@ -26892,7 +26843,7 @@
     </p:spTree>
     <p:extLst>
       <p:ext uri="{BB962C8B-B14F-4D97-AF65-F5344CB8AC3E}">
-        <p14:creationId xmlns="" xmlns:p14="http://schemas.microsoft.com/office/powerpoint/2010/main" val="522405798"/>
+        <p14:creationId xmlns:p14="http://schemas.microsoft.com/office/powerpoint/2010/main" xmlns="" val="522405798"/>
       </p:ext>
     </p:extLst>
   </p:cSld>
@@ -27056,7 +27007,7 @@
     </p:spTree>
     <p:extLst>
       <p:ext uri="{BB962C8B-B14F-4D97-AF65-F5344CB8AC3E}">
-        <p14:creationId xmlns="" xmlns:p14="http://schemas.microsoft.com/office/powerpoint/2010/main" val="522405798"/>
+        <p14:creationId xmlns:p14="http://schemas.microsoft.com/office/powerpoint/2010/main" xmlns="" val="522405798"/>
       </p:ext>
     </p:extLst>
   </p:cSld>
@@ -27238,7 +27189,7 @@
     </p:spTree>
     <p:extLst>
       <p:ext uri="{BB962C8B-B14F-4D97-AF65-F5344CB8AC3E}">
-        <p14:creationId xmlns="" xmlns:p14="http://schemas.microsoft.com/office/powerpoint/2010/main" val="522405798"/>
+        <p14:creationId xmlns:p14="http://schemas.microsoft.com/office/powerpoint/2010/main" xmlns="" val="522405798"/>
       </p:ext>
     </p:extLst>
   </p:cSld>
@@ -27402,7 +27353,7 @@
     </p:spTree>
     <p:extLst>
       <p:ext uri="{BB962C8B-B14F-4D97-AF65-F5344CB8AC3E}">
-        <p14:creationId xmlns="" xmlns:p14="http://schemas.microsoft.com/office/powerpoint/2010/main" val="522405798"/>
+        <p14:creationId xmlns:p14="http://schemas.microsoft.com/office/powerpoint/2010/main" xmlns="" val="522405798"/>
       </p:ext>
     </p:extLst>
   </p:cSld>
@@ -27566,7 +27517,7 @@
     </p:spTree>
     <p:extLst>
       <p:ext uri="{BB962C8B-B14F-4D97-AF65-F5344CB8AC3E}">
-        <p14:creationId xmlns="" xmlns:p14="http://schemas.microsoft.com/office/powerpoint/2010/main" val="522405798"/>
+        <p14:creationId xmlns:p14="http://schemas.microsoft.com/office/powerpoint/2010/main" xmlns="" val="522405798"/>
       </p:ext>
     </p:extLst>
   </p:cSld>
@@ -27730,7 +27681,7 @@
     </p:spTree>
     <p:extLst>
       <p:ext uri="{BB962C8B-B14F-4D97-AF65-F5344CB8AC3E}">
-        <p14:creationId xmlns="" xmlns:p14="http://schemas.microsoft.com/office/powerpoint/2010/main" val="522405798"/>
+        <p14:creationId xmlns:p14="http://schemas.microsoft.com/office/powerpoint/2010/main" xmlns="" val="522405798"/>
       </p:ext>
     </p:extLst>
   </p:cSld>
@@ -27894,7 +27845,7 @@
     </p:spTree>
     <p:extLst>
       <p:ext uri="{BB962C8B-B14F-4D97-AF65-F5344CB8AC3E}">
-        <p14:creationId xmlns="" xmlns:p14="http://schemas.microsoft.com/office/powerpoint/2010/main" val="522405798"/>
+        <p14:creationId xmlns:p14="http://schemas.microsoft.com/office/powerpoint/2010/main" xmlns="" val="522405798"/>
       </p:ext>
     </p:extLst>
   </p:cSld>
@@ -28058,7 +28009,7 @@
     </p:spTree>
     <p:extLst>
       <p:ext uri="{BB962C8B-B14F-4D97-AF65-F5344CB8AC3E}">
-        <p14:creationId xmlns="" xmlns:p14="http://schemas.microsoft.com/office/powerpoint/2010/main" val="522405798"/>
+        <p14:creationId xmlns:p14="http://schemas.microsoft.com/office/powerpoint/2010/main" xmlns="" val="522405798"/>
       </p:ext>
     </p:extLst>
   </p:cSld>
@@ -28222,7 +28173,7 @@
     </p:spTree>
     <p:extLst>
       <p:ext uri="{BB962C8B-B14F-4D97-AF65-F5344CB8AC3E}">
-        <p14:creationId xmlns="" xmlns:p14="http://schemas.microsoft.com/office/powerpoint/2010/main" val="522405798"/>
+        <p14:creationId xmlns:p14="http://schemas.microsoft.com/office/powerpoint/2010/main" xmlns="" val="522405798"/>
       </p:ext>
     </p:extLst>
   </p:cSld>
@@ -28386,7 +28337,7 @@
     </p:spTree>
     <p:extLst>
       <p:ext uri="{BB962C8B-B14F-4D97-AF65-F5344CB8AC3E}">
-        <p14:creationId xmlns="" xmlns:p14="http://schemas.microsoft.com/office/powerpoint/2010/main" val="522405798"/>
+        <p14:creationId xmlns:p14="http://schemas.microsoft.com/office/powerpoint/2010/main" xmlns="" val="522405798"/>
       </p:ext>
     </p:extLst>
   </p:cSld>
@@ -28518,7 +28469,7 @@
     </p:spTree>
     <p:extLst>
       <p:ext uri="{BB962C8B-B14F-4D97-AF65-F5344CB8AC3E}">
-        <p14:creationId xmlns="" xmlns:p14="http://schemas.microsoft.com/office/powerpoint/2010/main" val="522405798"/>
+        <p14:creationId xmlns:p14="http://schemas.microsoft.com/office/powerpoint/2010/main" xmlns="" val="522405798"/>
       </p:ext>
     </p:extLst>
   </p:cSld>
@@ -28595,25 +28546,7 @@
                 <a:ea typeface="微軟正黑體" pitchFamily="34" charset="-120"/>
                 <a:cs typeface="Heiti TC Light"/>
               </a:rPr>
-              <a:t>形態學</a:t>
-            </a:r>
-            <a:r>
-              <a:rPr kumimoji="1" lang="zh-TW" altLang="en-US" sz="4800" b="1" dirty="0" smtClean="0">
-                <a:solidFill>
-                  <a:srgbClr val="FFFF00"/>
-                </a:solidFill>
-                <a:effectLst>
-                  <a:outerShdw blurRad="38100" dist="38100" dir="2700000" algn="tl">
-                    <a:srgbClr val="000000">
-                      <a:alpha val="43137"/>
-                    </a:srgbClr>
-                  </a:outerShdw>
-                </a:effectLst>
-                <a:latin typeface="微軟正黑體" pitchFamily="34" charset="-120"/>
-                <a:ea typeface="微軟正黑體" pitchFamily="34" charset="-120"/>
-                <a:cs typeface="Heiti TC Light"/>
-              </a:rPr>
-              <a:t>之腐蝕</a:t>
+              <a:t>形態學之腐蝕</a:t>
             </a:r>
             <a:endParaRPr kumimoji="1" lang="en-US" altLang="zh-TW" sz="4800" b="1" dirty="0" smtClean="0">
               <a:solidFill>
@@ -28667,14 +28600,7 @@
                 <a:latin typeface="微軟正黑體" pitchFamily="34" charset="-120"/>
                 <a:ea typeface="微軟正黑體" pitchFamily="34" charset="-120"/>
               </a:rPr>
-              <a:t> = </a:t>
-            </a:r>
-            <a:r>
-              <a:rPr lang="en-US" altLang="zh-TW" sz="3200" dirty="0" smtClean="0">
-                <a:latin typeface="微軟正黑體" pitchFamily="34" charset="-120"/>
-                <a:ea typeface="微軟正黑體" pitchFamily="34" charset="-120"/>
-              </a:rPr>
-              <a:t>cv2.erode( </a:t>
+              <a:t> = cv2.erode( </a:t>
             </a:r>
             <a:r>
               <a:rPr lang="en-US" altLang="zh-TW" sz="3200" dirty="0" err="1" smtClean="0">
@@ -28749,14 +28675,7 @@
                 <a:latin typeface="微軟正黑體" pitchFamily="34" charset="-120"/>
                 <a:ea typeface="微軟正黑體" pitchFamily="34" charset="-120"/>
               </a:rPr>
-              <a:t>後</a:t>
-            </a:r>
-            <a:r>
-              <a:rPr lang="zh-TW" altLang="zh-TW" sz="3200" dirty="0" smtClean="0">
-                <a:latin typeface="微軟正黑體" pitchFamily="34" charset="-120"/>
-                <a:ea typeface="微軟正黑體" pitchFamily="34" charset="-120"/>
-              </a:rPr>
-              <a:t>輸出目標圖，</a:t>
+              <a:t>後輸出目標圖，</a:t>
             </a:r>
             <a:r>
               <a:rPr lang="zh-TW" altLang="en-US" sz="3200" dirty="0" smtClean="0">
@@ -28804,35 +28723,21 @@
                 <a:latin typeface="微軟正黑體" pitchFamily="34" charset="-120"/>
                 <a:ea typeface="微軟正黑體" pitchFamily="34" charset="-120"/>
               </a:rPr>
-              <a:t>代表需要</a:t>
+              <a:t>代表需要進行</a:t>
+            </a:r>
+            <a:r>
+              <a:rPr lang="zh-TW" altLang="en-US" sz="3200" dirty="0" smtClean="0">
+                <a:latin typeface="微軟正黑體" pitchFamily="34" charset="-120"/>
+                <a:ea typeface="微軟正黑體" pitchFamily="34" charset="-120"/>
+              </a:rPr>
+              <a:t>腐蝕</a:t>
             </a:r>
             <a:r>
               <a:rPr lang="zh-TW" altLang="zh-TW" sz="3200" dirty="0" smtClean="0">
                 <a:latin typeface="微軟正黑體" pitchFamily="34" charset="-120"/>
                 <a:ea typeface="微軟正黑體" pitchFamily="34" charset="-120"/>
               </a:rPr>
-              <a:t>進行</a:t>
-            </a:r>
-            <a:r>
-              <a:rPr lang="zh-TW" altLang="en-US" sz="3200" dirty="0" smtClean="0">
-                <a:latin typeface="微軟正黑體" pitchFamily="34" charset="-120"/>
-                <a:ea typeface="微軟正黑體" pitchFamily="34" charset="-120"/>
-              </a:rPr>
-              <a:t>腐蝕</a:t>
-            </a:r>
-            <a:r>
-              <a:rPr lang="zh-TW" altLang="zh-TW" sz="3200" dirty="0" smtClean="0">
-                <a:latin typeface="微軟正黑體" pitchFamily="34" charset="-120"/>
-                <a:ea typeface="微軟正黑體" pitchFamily="34" charset="-120"/>
-              </a:rPr>
-              <a:t>操作</a:t>
-            </a:r>
-            <a:r>
-              <a:rPr lang="zh-TW" altLang="zh-TW" sz="3200" dirty="0" smtClean="0">
-                <a:latin typeface="微軟正黑體" pitchFamily="34" charset="-120"/>
-                <a:ea typeface="微軟正黑體" pitchFamily="34" charset="-120"/>
-              </a:rPr>
-              <a:t>的原始影像</a:t>
+              <a:t>操作的原始影像</a:t>
             </a:r>
           </a:p>
           <a:p>
@@ -28866,14 +28771,7 @@
                 <a:latin typeface="微軟正黑體" pitchFamily="34" charset="-120"/>
                 <a:ea typeface="微軟正黑體" pitchFamily="34" charset="-120"/>
               </a:rPr>
-              <a:t>操作</a:t>
-            </a:r>
-            <a:r>
-              <a:rPr lang="zh-TW" altLang="zh-TW" sz="3200" dirty="0" smtClean="0">
-                <a:latin typeface="微軟正黑體" pitchFamily="34" charset="-120"/>
-                <a:ea typeface="微軟正黑體" pitchFamily="34" charset="-120"/>
-              </a:rPr>
-              <a:t>所採用的結構類型</a:t>
+              <a:t>操作所採用的結構類型</a:t>
             </a:r>
             <a:endParaRPr lang="en-US" altLang="zh-TW" sz="3200" dirty="0" smtClean="0">
               <a:latin typeface="微軟正黑體" pitchFamily="34" charset="-120"/>
@@ -28922,7 +28820,7 @@
     </p:spTree>
     <p:extLst>
       <p:ext uri="{BB962C8B-B14F-4D97-AF65-F5344CB8AC3E}">
-        <p14:creationId xmlns="" xmlns:p14="http://schemas.microsoft.com/office/powerpoint/2010/main" val="522405798"/>
+        <p14:creationId xmlns:p14="http://schemas.microsoft.com/office/powerpoint/2010/main" xmlns="" val="522405798"/>
       </p:ext>
     </p:extLst>
   </p:cSld>
@@ -29165,7 +29063,7 @@
     </p:spTree>
     <p:extLst>
       <p:ext uri="{BB962C8B-B14F-4D97-AF65-F5344CB8AC3E}">
-        <p14:creationId xmlns="" xmlns:p14="http://schemas.microsoft.com/office/powerpoint/2010/main" val="522405798"/>
+        <p14:creationId xmlns:p14="http://schemas.microsoft.com/office/powerpoint/2010/main" xmlns="" val="522405798"/>
       </p:ext>
     </p:extLst>
   </p:cSld>
@@ -29315,7 +29213,7 @@
     </p:spTree>
     <p:extLst>
       <p:ext uri="{BB962C8B-B14F-4D97-AF65-F5344CB8AC3E}">
-        <p14:creationId xmlns="" xmlns:p14="http://schemas.microsoft.com/office/powerpoint/2010/main" val="522405798"/>
+        <p14:creationId xmlns:p14="http://schemas.microsoft.com/office/powerpoint/2010/main" xmlns="" val="522405798"/>
       </p:ext>
     </p:extLst>
   </p:cSld>
@@ -29447,7 +29345,7 @@
     </p:spTree>
     <p:extLst>
       <p:ext uri="{BB962C8B-B14F-4D97-AF65-F5344CB8AC3E}">
-        <p14:creationId xmlns="" xmlns:p14="http://schemas.microsoft.com/office/powerpoint/2010/main" val="522405798"/>
+        <p14:creationId xmlns:p14="http://schemas.microsoft.com/office/powerpoint/2010/main" xmlns="" val="522405798"/>
       </p:ext>
     </p:extLst>
   </p:cSld>
@@ -29763,7 +29661,7 @@
     </p:spTree>
     <p:extLst>
       <p:ext uri="{BB962C8B-B14F-4D97-AF65-F5344CB8AC3E}">
-        <p14:creationId xmlns="" xmlns:p14="http://schemas.microsoft.com/office/powerpoint/2010/main" val="522405798"/>
+        <p14:creationId xmlns:p14="http://schemas.microsoft.com/office/powerpoint/2010/main" xmlns="" val="522405798"/>
       </p:ext>
     </p:extLst>
   </p:cSld>
@@ -29988,7 +29886,7 @@
     </p:spTree>
     <p:extLst>
       <p:ext uri="{BB962C8B-B14F-4D97-AF65-F5344CB8AC3E}">
-        <p14:creationId xmlns="" xmlns:p14="http://schemas.microsoft.com/office/powerpoint/2010/main" val="522405798"/>
+        <p14:creationId xmlns:p14="http://schemas.microsoft.com/office/powerpoint/2010/main" xmlns="" val="522405798"/>
       </p:ext>
     </p:extLst>
   </p:cSld>
@@ -30195,14 +30093,7 @@
                 <a:latin typeface="微軟正黑體" pitchFamily="34" charset="-120"/>
                 <a:ea typeface="微軟正黑體" pitchFamily="34" charset="-120"/>
               </a:rPr>
-              <a:t>輸出</a:t>
-            </a:r>
-            <a:r>
-              <a:rPr lang="zh-TW" altLang="zh-TW" sz="3200" dirty="0" smtClean="0">
-                <a:latin typeface="微軟正黑體" pitchFamily="34" charset="-120"/>
-                <a:ea typeface="微軟正黑體" pitchFamily="34" charset="-120"/>
-              </a:rPr>
-              <a:t>目標圖，</a:t>
+              <a:t>輸出目標圖，</a:t>
             </a:r>
             <a:r>
               <a:rPr lang="zh-TW" altLang="en-US" sz="3200" dirty="0" smtClean="0">
@@ -30387,7 +30278,7 @@
     </p:spTree>
     <p:extLst>
       <p:ext uri="{BB962C8B-B14F-4D97-AF65-F5344CB8AC3E}">
-        <p14:creationId xmlns="" xmlns:p14="http://schemas.microsoft.com/office/powerpoint/2010/main" val="522405798"/>
+        <p14:creationId xmlns:p14="http://schemas.microsoft.com/office/powerpoint/2010/main" xmlns="" val="522405798"/>
       </p:ext>
     </p:extLst>
   </p:cSld>
@@ -30575,7 +30466,7 @@
     </p:spTree>
     <p:extLst>
       <p:ext uri="{BB962C8B-B14F-4D97-AF65-F5344CB8AC3E}">
-        <p14:creationId xmlns="" xmlns:p14="http://schemas.microsoft.com/office/powerpoint/2010/main" val="522405798"/>
+        <p14:creationId xmlns:p14="http://schemas.microsoft.com/office/powerpoint/2010/main" xmlns="" val="522405798"/>
       </p:ext>
     </p:extLst>
   </p:cSld>
@@ -30797,7 +30688,7 @@
     </p:spTree>
     <p:extLst>
       <p:ext uri="{BB962C8B-B14F-4D97-AF65-F5344CB8AC3E}">
-        <p14:creationId xmlns="" xmlns:p14="http://schemas.microsoft.com/office/powerpoint/2010/main" val="522405798"/>
+        <p14:creationId xmlns:p14="http://schemas.microsoft.com/office/powerpoint/2010/main" xmlns="" val="522405798"/>
       </p:ext>
     </p:extLst>
   </p:cSld>
@@ -30964,7 +30855,7 @@
     </p:spTree>
     <p:extLst>
       <p:ext uri="{BB962C8B-B14F-4D97-AF65-F5344CB8AC3E}">
-        <p14:creationId xmlns="" xmlns:p14="http://schemas.microsoft.com/office/powerpoint/2010/main" val="522405798"/>
+        <p14:creationId xmlns:p14="http://schemas.microsoft.com/office/powerpoint/2010/main" xmlns="" val="522405798"/>
       </p:ext>
     </p:extLst>
   </p:cSld>
@@ -31145,7 +31036,7 @@
     </p:spTree>
     <p:extLst>
       <p:ext uri="{BB962C8B-B14F-4D97-AF65-F5344CB8AC3E}">
-        <p14:creationId xmlns="" xmlns:p14="http://schemas.microsoft.com/office/powerpoint/2010/main" val="522405798"/>
+        <p14:creationId xmlns:p14="http://schemas.microsoft.com/office/powerpoint/2010/main" xmlns="" val="522405798"/>
       </p:ext>
     </p:extLst>
   </p:cSld>
@@ -31367,7 +31258,7 @@
     </p:spTree>
     <p:extLst>
       <p:ext uri="{BB962C8B-B14F-4D97-AF65-F5344CB8AC3E}">
-        <p14:creationId xmlns="" xmlns:p14="http://schemas.microsoft.com/office/powerpoint/2010/main" val="522405798"/>
+        <p14:creationId xmlns:p14="http://schemas.microsoft.com/office/powerpoint/2010/main" xmlns="" val="522405798"/>
       </p:ext>
     </p:extLst>
   </p:cSld>
@@ -31586,7 +31477,7 @@
     </p:spTree>
     <p:extLst>
       <p:ext uri="{BB962C8B-B14F-4D97-AF65-F5344CB8AC3E}">
-        <p14:creationId xmlns="" xmlns:p14="http://schemas.microsoft.com/office/powerpoint/2010/main" val="522405798"/>
+        <p14:creationId xmlns:p14="http://schemas.microsoft.com/office/powerpoint/2010/main" xmlns="" val="522405798"/>
       </p:ext>
     </p:extLst>
   </p:cSld>
@@ -31927,7 +31818,7 @@
     </p:spTree>
     <p:extLst>
       <p:ext uri="{BB962C8B-B14F-4D97-AF65-F5344CB8AC3E}">
-        <p14:creationId xmlns="" xmlns:p14="http://schemas.microsoft.com/office/powerpoint/2010/main" val="522405798"/>
+        <p14:creationId xmlns:p14="http://schemas.microsoft.com/office/powerpoint/2010/main" xmlns="" val="522405798"/>
       </p:ext>
     </p:extLst>
   </p:cSld>
@@ -32059,7 +31950,7 @@
     </p:spTree>
     <p:extLst>
       <p:ext uri="{BB962C8B-B14F-4D97-AF65-F5344CB8AC3E}">
-        <p14:creationId xmlns="" xmlns:p14="http://schemas.microsoft.com/office/powerpoint/2010/main" val="522405798"/>
+        <p14:creationId xmlns:p14="http://schemas.microsoft.com/office/powerpoint/2010/main" xmlns="" val="522405798"/>
       </p:ext>
     </p:extLst>
   </p:cSld>
@@ -32154,7 +32045,7 @@
     </p:spTree>
     <p:extLst>
       <p:ext uri="{BB962C8B-B14F-4D97-AF65-F5344CB8AC3E}">
-        <p14:creationId xmlns:p14="http://schemas.microsoft.com/office/powerpoint/2010/main" xmlns="" val="3907764274"/>
+        <p14:creationId xmlns="" xmlns:p14="http://schemas.microsoft.com/office/powerpoint/2010/main" val="3907764274"/>
       </p:ext>
     </p:extLst>
   </p:cSld>
@@ -32291,14 +32182,7 @@
                 <a:latin typeface="微軟正黑體" pitchFamily="34" charset="-120"/>
                 <a:ea typeface="微軟正黑體" pitchFamily="34" charset="-120"/>
               </a:rPr>
-              <a:t>計算</a:t>
-            </a:r>
-            <a:r>
-              <a:rPr lang="zh-TW" altLang="zh-TW" sz="3600" dirty="0" smtClean="0">
-                <a:latin typeface="微軟正黑體" pitchFamily="34" charset="-120"/>
-                <a:ea typeface="微軟正黑體" pitchFamily="34" charset="-120"/>
-              </a:rPr>
-              <a:t>的是影像變化的速度</a:t>
+              <a:t>計算的是影像變化的速度</a:t>
             </a:r>
             <a:endParaRPr lang="en-US" altLang="zh-TW" sz="3600" dirty="0" smtClean="0">
               <a:latin typeface="微軟正黑體" pitchFamily="34" charset="-120"/>
@@ -32368,7 +32252,7 @@
     </p:spTree>
     <p:extLst>
       <p:ext uri="{BB962C8B-B14F-4D97-AF65-F5344CB8AC3E}">
-        <p14:creationId xmlns="" xmlns:p14="http://schemas.microsoft.com/office/powerpoint/2010/main" val="522405798"/>
+        <p14:creationId xmlns:p14="http://schemas.microsoft.com/office/powerpoint/2010/main" xmlns="" val="522405798"/>
       </p:ext>
     </p:extLst>
   </p:cSld>
@@ -32616,7 +32500,7 @@
     </p:spTree>
     <p:extLst>
       <p:ext uri="{BB962C8B-B14F-4D97-AF65-F5344CB8AC3E}">
-        <p14:creationId xmlns="" xmlns:p14="http://schemas.microsoft.com/office/powerpoint/2010/main" val="522405798"/>
+        <p14:creationId xmlns:p14="http://schemas.microsoft.com/office/powerpoint/2010/main" xmlns="" val="522405798"/>
       </p:ext>
     </p:extLst>
   </p:cSld>
@@ -32810,7 +32694,7 @@
     </p:spTree>
     <p:extLst>
       <p:ext uri="{BB962C8B-B14F-4D97-AF65-F5344CB8AC3E}">
-        <p14:creationId xmlns="" xmlns:p14="http://schemas.microsoft.com/office/powerpoint/2010/main" val="522405798"/>
+        <p14:creationId xmlns:p14="http://schemas.microsoft.com/office/powerpoint/2010/main" xmlns="" val="522405798"/>
       </p:ext>
     </p:extLst>
   </p:cSld>
@@ -33051,7 +32935,7 @@
     </p:spTree>
     <p:extLst>
       <p:ext uri="{BB962C8B-B14F-4D97-AF65-F5344CB8AC3E}">
-        <p14:creationId xmlns="" xmlns:p14="http://schemas.microsoft.com/office/powerpoint/2010/main" val="522405798"/>
+        <p14:creationId xmlns:p14="http://schemas.microsoft.com/office/powerpoint/2010/main" xmlns="" val="522405798"/>
       </p:ext>
     </p:extLst>
   </p:cSld>
@@ -33269,7 +33153,7 @@
     </p:spTree>
     <p:extLst>
       <p:ext uri="{BB962C8B-B14F-4D97-AF65-F5344CB8AC3E}">
-        <p14:creationId xmlns="" xmlns:p14="http://schemas.microsoft.com/office/powerpoint/2010/main" val="522405798"/>
+        <p14:creationId xmlns:p14="http://schemas.microsoft.com/office/powerpoint/2010/main" xmlns="" val="522405798"/>
       </p:ext>
     </p:extLst>
   </p:cSld>
@@ -33487,7 +33371,7 @@
     </p:spTree>
     <p:extLst>
       <p:ext uri="{BB962C8B-B14F-4D97-AF65-F5344CB8AC3E}">
-        <p14:creationId xmlns="" xmlns:p14="http://schemas.microsoft.com/office/powerpoint/2010/main" val="522405798"/>
+        <p14:creationId xmlns:p14="http://schemas.microsoft.com/office/powerpoint/2010/main" xmlns="" val="522405798"/>
       </p:ext>
     </p:extLst>
   </p:cSld>
@@ -33931,7 +33815,7 @@
     </p:spTree>
     <p:extLst>
       <p:ext uri="{BB962C8B-B14F-4D97-AF65-F5344CB8AC3E}">
-        <p14:creationId xmlns="" xmlns:p14="http://schemas.microsoft.com/office/powerpoint/2010/main" val="522405798"/>
+        <p14:creationId xmlns:p14="http://schemas.microsoft.com/office/powerpoint/2010/main" xmlns="" val="522405798"/>
       </p:ext>
     </p:extLst>
   </p:cSld>
@@ -34283,7 +34167,7 @@
     </p:spTree>
     <p:extLst>
       <p:ext uri="{BB962C8B-B14F-4D97-AF65-F5344CB8AC3E}">
-        <p14:creationId xmlns="" xmlns:p14="http://schemas.microsoft.com/office/powerpoint/2010/main" val="522405798"/>
+        <p14:creationId xmlns:p14="http://schemas.microsoft.com/office/powerpoint/2010/main" xmlns="" val="522405798"/>
       </p:ext>
     </p:extLst>
   </p:cSld>
@@ -34588,7 +34472,7 @@
     </p:spTree>
     <p:extLst>
       <p:ext uri="{BB962C8B-B14F-4D97-AF65-F5344CB8AC3E}">
-        <p14:creationId xmlns="" xmlns:p14="http://schemas.microsoft.com/office/powerpoint/2010/main" val="522405798"/>
+        <p14:creationId xmlns:p14="http://schemas.microsoft.com/office/powerpoint/2010/main" xmlns="" val="522405798"/>
       </p:ext>
     </p:extLst>
   </p:cSld>
@@ -34864,7 +34748,7 @@
     </p:spTree>
     <p:extLst>
       <p:ext uri="{BB962C8B-B14F-4D97-AF65-F5344CB8AC3E}">
-        <p14:creationId xmlns="" xmlns:p14="http://schemas.microsoft.com/office/powerpoint/2010/main" val="522405798"/>
+        <p14:creationId xmlns:p14="http://schemas.microsoft.com/office/powerpoint/2010/main" xmlns="" val="522405798"/>
       </p:ext>
     </p:extLst>
   </p:cSld>
@@ -35112,7 +34996,7 @@
     </p:spTree>
     <p:extLst>
       <p:ext uri="{BB962C8B-B14F-4D97-AF65-F5344CB8AC3E}">
-        <p14:creationId xmlns="" xmlns:p14="http://schemas.microsoft.com/office/powerpoint/2010/main" val="522405798"/>
+        <p14:creationId xmlns:p14="http://schemas.microsoft.com/office/powerpoint/2010/main" xmlns="" val="522405798"/>
       </p:ext>
     </p:extLst>
   </p:cSld>
@@ -35270,7 +35154,7 @@
     </p:spTree>
     <p:extLst>
       <p:ext uri="{BB962C8B-B14F-4D97-AF65-F5344CB8AC3E}">
-        <p14:creationId xmlns="" xmlns:p14="http://schemas.microsoft.com/office/powerpoint/2010/main" val="522405798"/>
+        <p14:creationId xmlns:p14="http://schemas.microsoft.com/office/powerpoint/2010/main" xmlns="" val="522405798"/>
       </p:ext>
     </p:extLst>
   </p:cSld>
@@ -35428,7 +35312,7 @@
     </p:spTree>
     <p:extLst>
       <p:ext uri="{BB962C8B-B14F-4D97-AF65-F5344CB8AC3E}">
-        <p14:creationId xmlns="" xmlns:p14="http://schemas.microsoft.com/office/powerpoint/2010/main" val="522405798"/>
+        <p14:creationId xmlns:p14="http://schemas.microsoft.com/office/powerpoint/2010/main" xmlns="" val="522405798"/>
       </p:ext>
     </p:extLst>
   </p:cSld>
@@ -35657,7 +35541,7 @@
     </p:spTree>
     <p:extLst>
       <p:ext uri="{BB962C8B-B14F-4D97-AF65-F5344CB8AC3E}">
-        <p14:creationId xmlns="" xmlns:p14="http://schemas.microsoft.com/office/powerpoint/2010/main" val="522405798"/>
+        <p14:creationId xmlns:p14="http://schemas.microsoft.com/office/powerpoint/2010/main" xmlns="" val="522405798"/>
       </p:ext>
     </p:extLst>
   </p:cSld>
@@ -35807,7 +35691,7 @@
     </p:spTree>
     <p:extLst>
       <p:ext uri="{BB962C8B-B14F-4D97-AF65-F5344CB8AC3E}">
-        <p14:creationId xmlns="" xmlns:p14="http://schemas.microsoft.com/office/powerpoint/2010/main" val="522405798"/>
+        <p14:creationId xmlns:p14="http://schemas.microsoft.com/office/powerpoint/2010/main" xmlns="" val="522405798"/>
       </p:ext>
     </p:extLst>
   </p:cSld>
@@ -36040,7 +35924,7 @@
     </p:spTree>
     <p:extLst>
       <p:ext uri="{BB962C8B-B14F-4D97-AF65-F5344CB8AC3E}">
-        <p14:creationId xmlns="" xmlns:p14="http://schemas.microsoft.com/office/powerpoint/2010/main" val="522405798"/>
+        <p14:creationId xmlns:p14="http://schemas.microsoft.com/office/powerpoint/2010/main" xmlns="" val="522405798"/>
       </p:ext>
     </p:extLst>
   </p:cSld>
@@ -36254,7 +36138,7 @@
     </p:spTree>
     <p:extLst>
       <p:ext uri="{BB962C8B-B14F-4D97-AF65-F5344CB8AC3E}">
-        <p14:creationId xmlns="" xmlns:p14="http://schemas.microsoft.com/office/powerpoint/2010/main" val="522405798"/>
+        <p14:creationId xmlns:p14="http://schemas.microsoft.com/office/powerpoint/2010/main" xmlns="" val="522405798"/>
       </p:ext>
     </p:extLst>
   </p:cSld>
@@ -36349,7 +36233,7 @@
     </p:spTree>
     <p:extLst>
       <p:ext uri="{BB962C8B-B14F-4D97-AF65-F5344CB8AC3E}">
-        <p14:creationId xmlns:p14="http://schemas.microsoft.com/office/powerpoint/2010/main" xmlns="" val="3907764274"/>
+        <p14:creationId xmlns="" xmlns:p14="http://schemas.microsoft.com/office/powerpoint/2010/main" val="3907764274"/>
       </p:ext>
     </p:extLst>
   </p:cSld>
@@ -36575,7 +36459,7 @@
     </p:spTree>
     <p:extLst>
       <p:ext uri="{BB962C8B-B14F-4D97-AF65-F5344CB8AC3E}">
-        <p14:creationId xmlns="" xmlns:p14="http://schemas.microsoft.com/office/powerpoint/2010/main" val="522405798"/>
+        <p14:creationId xmlns:p14="http://schemas.microsoft.com/office/powerpoint/2010/main" xmlns="" val="522405798"/>
       </p:ext>
     </p:extLst>
   </p:cSld>
@@ -36825,7 +36709,7 @@
     </p:spTree>
     <p:extLst>
       <p:ext uri="{BB962C8B-B14F-4D97-AF65-F5344CB8AC3E}">
-        <p14:creationId xmlns="" xmlns:p14="http://schemas.microsoft.com/office/powerpoint/2010/main" val="522405798"/>
+        <p14:creationId xmlns:p14="http://schemas.microsoft.com/office/powerpoint/2010/main" xmlns="" val="522405798"/>
       </p:ext>
     </p:extLst>
   </p:cSld>
@@ -37135,7 +37019,7 @@
     </p:spTree>
     <p:extLst>
       <p:ext uri="{BB962C8B-B14F-4D97-AF65-F5344CB8AC3E}">
-        <p14:creationId xmlns="" xmlns:p14="http://schemas.microsoft.com/office/powerpoint/2010/main" val="522405798"/>
+        <p14:creationId xmlns:p14="http://schemas.microsoft.com/office/powerpoint/2010/main" xmlns="" val="522405798"/>
       </p:ext>
     </p:extLst>
   </p:cSld>
@@ -37303,7 +37187,7 @@
     </p:spTree>
     <p:extLst>
       <p:ext uri="{BB962C8B-B14F-4D97-AF65-F5344CB8AC3E}">
-        <p14:creationId xmlns="" xmlns:p14="http://schemas.microsoft.com/office/powerpoint/2010/main" val="522405798"/>
+        <p14:creationId xmlns:p14="http://schemas.microsoft.com/office/powerpoint/2010/main" xmlns="" val="522405798"/>
       </p:ext>
     </p:extLst>
   </p:cSld>
@@ -37471,7 +37355,7 @@
     </p:spTree>
     <p:extLst>
       <p:ext uri="{BB962C8B-B14F-4D97-AF65-F5344CB8AC3E}">
-        <p14:creationId xmlns="" xmlns:p14="http://schemas.microsoft.com/office/powerpoint/2010/main" val="522405798"/>
+        <p14:creationId xmlns:p14="http://schemas.microsoft.com/office/powerpoint/2010/main" xmlns="" val="522405798"/>
       </p:ext>
     </p:extLst>
   </p:cSld>
@@ -37666,7 +37550,7 @@
     </p:spTree>
     <p:extLst>
       <p:ext uri="{BB962C8B-B14F-4D97-AF65-F5344CB8AC3E}">
-        <p14:creationId xmlns="" xmlns:p14="http://schemas.microsoft.com/office/powerpoint/2010/main" val="522405798"/>
+        <p14:creationId xmlns:p14="http://schemas.microsoft.com/office/powerpoint/2010/main" xmlns="" val="522405798"/>
       </p:ext>
     </p:extLst>
   </p:cSld>
@@ -37834,7 +37718,7 @@
     </p:spTree>
     <p:extLst>
       <p:ext uri="{BB962C8B-B14F-4D97-AF65-F5344CB8AC3E}">
-        <p14:creationId xmlns="" xmlns:p14="http://schemas.microsoft.com/office/powerpoint/2010/main" val="522405798"/>
+        <p14:creationId xmlns:p14="http://schemas.microsoft.com/office/powerpoint/2010/main" xmlns="" val="522405798"/>
       </p:ext>
     </p:extLst>
   </p:cSld>
@@ -38002,7 +37886,7 @@
     </p:spTree>
     <p:extLst>
       <p:ext uri="{BB962C8B-B14F-4D97-AF65-F5344CB8AC3E}">
-        <p14:creationId xmlns="" xmlns:p14="http://schemas.microsoft.com/office/powerpoint/2010/main" val="522405798"/>
+        <p14:creationId xmlns:p14="http://schemas.microsoft.com/office/powerpoint/2010/main" xmlns="" val="522405798"/>
       </p:ext>
     </p:extLst>
   </p:cSld>
@@ -38159,7 +38043,7 @@
     </p:spTree>
     <p:extLst>
       <p:ext uri="{BB962C8B-B14F-4D97-AF65-F5344CB8AC3E}">
-        <p14:creationId xmlns="" xmlns:p14="http://schemas.microsoft.com/office/powerpoint/2010/main" val="522405798"/>
+        <p14:creationId xmlns:p14="http://schemas.microsoft.com/office/powerpoint/2010/main" xmlns="" val="522405798"/>
       </p:ext>
     </p:extLst>
   </p:cSld>
@@ -38503,7 +38387,7 @@
     </p:spTree>
     <p:extLst>
       <p:ext uri="{BB962C8B-B14F-4D97-AF65-F5344CB8AC3E}">
-        <p14:creationId xmlns="" xmlns:p14="http://schemas.microsoft.com/office/powerpoint/2010/main" val="522405798"/>
+        <p14:creationId xmlns:p14="http://schemas.microsoft.com/office/powerpoint/2010/main" xmlns="" val="522405798"/>
       </p:ext>
     </p:extLst>
   </p:cSld>
@@ -38692,7 +38576,7 @@
     </p:spTree>
     <p:extLst>
       <p:ext uri="{BB962C8B-B14F-4D97-AF65-F5344CB8AC3E}">
-        <p14:creationId xmlns="" xmlns:p14="http://schemas.microsoft.com/office/powerpoint/2010/main" val="522405798"/>
+        <p14:creationId xmlns:p14="http://schemas.microsoft.com/office/powerpoint/2010/main" xmlns="" val="522405798"/>
       </p:ext>
     </p:extLst>
   </p:cSld>
@@ -39086,7 +38970,7 @@
     </p:spTree>
     <p:extLst>
       <p:ext uri="{BB962C8B-B14F-4D97-AF65-F5344CB8AC3E}">
-        <p14:creationId xmlns="" xmlns:p14="http://schemas.microsoft.com/office/powerpoint/2010/main" val="522405798"/>
+        <p14:creationId xmlns:p14="http://schemas.microsoft.com/office/powerpoint/2010/main" xmlns="" val="522405798"/>
       </p:ext>
     </p:extLst>
   </p:cSld>
@@ -39198,7 +39082,7 @@
     </p:spTree>
     <p:extLst>
       <p:ext uri="{BB962C8B-B14F-4D97-AF65-F5344CB8AC3E}">
-        <p14:creationId xmlns:p14="http://schemas.microsoft.com/office/powerpoint/2010/main" xmlns="" val="3907764274"/>
+        <p14:creationId xmlns="" xmlns:p14="http://schemas.microsoft.com/office/powerpoint/2010/main" val="3907764274"/>
       </p:ext>
     </p:extLst>
   </p:cSld>
@@ -39508,7 +39392,7 @@
     </p:spTree>
     <p:extLst>
       <p:ext uri="{BB962C8B-B14F-4D97-AF65-F5344CB8AC3E}">
-        <p14:creationId xmlns="" xmlns:p14="http://schemas.microsoft.com/office/powerpoint/2010/main" val="522405798"/>
+        <p14:creationId xmlns:p14="http://schemas.microsoft.com/office/powerpoint/2010/main" xmlns="" val="522405798"/>
       </p:ext>
     </p:extLst>
   </p:cSld>
@@ -39701,7 +39585,7 @@
     </p:spTree>
     <p:extLst>
       <p:ext uri="{BB962C8B-B14F-4D97-AF65-F5344CB8AC3E}">
-        <p14:creationId xmlns="" xmlns:p14="http://schemas.microsoft.com/office/powerpoint/2010/main" val="522405798"/>
+        <p14:creationId xmlns:p14="http://schemas.microsoft.com/office/powerpoint/2010/main" xmlns="" val="522405798"/>
       </p:ext>
     </p:extLst>
   </p:cSld>
@@ -39918,7 +39802,7 @@
     </p:spTree>
     <p:extLst>
       <p:ext uri="{BB962C8B-B14F-4D97-AF65-F5344CB8AC3E}">
-        <p14:creationId xmlns="" xmlns:p14="http://schemas.microsoft.com/office/powerpoint/2010/main" val="522405798"/>
+        <p14:creationId xmlns:p14="http://schemas.microsoft.com/office/powerpoint/2010/main" xmlns="" val="522405798"/>
       </p:ext>
     </p:extLst>
   </p:cSld>
@@ -40067,7 +39951,7 @@
     </p:spTree>
     <p:extLst>
       <p:ext uri="{BB962C8B-B14F-4D97-AF65-F5344CB8AC3E}">
-        <p14:creationId xmlns="" xmlns:p14="http://schemas.microsoft.com/office/powerpoint/2010/main" val="522405798"/>
+        <p14:creationId xmlns:p14="http://schemas.microsoft.com/office/powerpoint/2010/main" xmlns="" val="522405798"/>
       </p:ext>
     </p:extLst>
   </p:cSld>
@@ -40184,7 +40068,7 @@
     </p:spTree>
     <p:extLst>
       <p:ext uri="{BB962C8B-B14F-4D97-AF65-F5344CB8AC3E}">
-        <p14:creationId xmlns="" xmlns:p14="http://schemas.microsoft.com/office/powerpoint/2010/main" val="522405798"/>
+        <p14:creationId xmlns:p14="http://schemas.microsoft.com/office/powerpoint/2010/main" xmlns="" val="522405798"/>
       </p:ext>
     </p:extLst>
   </p:cSld>
@@ -40333,7 +40217,7 @@
     </p:spTree>
     <p:extLst>
       <p:ext uri="{BB962C8B-B14F-4D97-AF65-F5344CB8AC3E}">
-        <p14:creationId xmlns="" xmlns:p14="http://schemas.microsoft.com/office/powerpoint/2010/main" val="522405798"/>
+        <p14:creationId xmlns:p14="http://schemas.microsoft.com/office/powerpoint/2010/main" xmlns="" val="522405798"/>
       </p:ext>
     </p:extLst>
   </p:cSld>
@@ -40450,7 +40334,7 @@
     </p:spTree>
     <p:extLst>
       <p:ext uri="{BB962C8B-B14F-4D97-AF65-F5344CB8AC3E}">
-        <p14:creationId xmlns="" xmlns:p14="http://schemas.microsoft.com/office/powerpoint/2010/main" val="522405798"/>
+        <p14:creationId xmlns:p14="http://schemas.microsoft.com/office/powerpoint/2010/main" xmlns="" val="522405798"/>
       </p:ext>
     </p:extLst>
   </p:cSld>
@@ -40720,7 +40604,7 @@
     </p:spTree>
     <p:extLst>
       <p:ext uri="{BB962C8B-B14F-4D97-AF65-F5344CB8AC3E}">
-        <p14:creationId xmlns="" xmlns:p14="http://schemas.microsoft.com/office/powerpoint/2010/main" val="522405798"/>
+        <p14:creationId xmlns:p14="http://schemas.microsoft.com/office/powerpoint/2010/main" xmlns="" val="522405798"/>
       </p:ext>
     </p:extLst>
   </p:cSld>
@@ -40869,7 +40753,7 @@
     </p:spTree>
     <p:extLst>
       <p:ext uri="{BB962C8B-B14F-4D97-AF65-F5344CB8AC3E}">
-        <p14:creationId xmlns="" xmlns:p14="http://schemas.microsoft.com/office/powerpoint/2010/main" val="522405798"/>
+        <p14:creationId xmlns:p14="http://schemas.microsoft.com/office/powerpoint/2010/main" xmlns="" val="522405798"/>
       </p:ext>
     </p:extLst>
   </p:cSld>
@@ -40986,7 +40870,7 @@
     </p:spTree>
     <p:extLst>
       <p:ext uri="{BB962C8B-B14F-4D97-AF65-F5344CB8AC3E}">
-        <p14:creationId xmlns="" xmlns:p14="http://schemas.microsoft.com/office/powerpoint/2010/main" val="522405798"/>
+        <p14:creationId xmlns:p14="http://schemas.microsoft.com/office/powerpoint/2010/main" xmlns="" val="522405798"/>
       </p:ext>
     </p:extLst>
   </p:cSld>
@@ -41135,7 +41019,7 @@
     </p:spTree>
     <p:extLst>
       <p:ext uri="{BB962C8B-B14F-4D97-AF65-F5344CB8AC3E}">
-        <p14:creationId xmlns="" xmlns:p14="http://schemas.microsoft.com/office/powerpoint/2010/main" val="522405798"/>
+        <p14:creationId xmlns:p14="http://schemas.microsoft.com/office/powerpoint/2010/main" xmlns="" val="522405798"/>
       </p:ext>
     </p:extLst>
   </p:cSld>
@@ -41252,7 +41136,7 @@
     </p:spTree>
     <p:extLst>
       <p:ext uri="{BB962C8B-B14F-4D97-AF65-F5344CB8AC3E}">
-        <p14:creationId xmlns="" xmlns:p14="http://schemas.microsoft.com/office/powerpoint/2010/main" val="522405798"/>
+        <p14:creationId xmlns:p14="http://schemas.microsoft.com/office/powerpoint/2010/main" xmlns="" val="522405798"/>
       </p:ext>
     </p:extLst>
   </p:cSld>
@@ -41401,7 +41285,7 @@
     </p:spTree>
     <p:extLst>
       <p:ext uri="{BB962C8B-B14F-4D97-AF65-F5344CB8AC3E}">
-        <p14:creationId xmlns="" xmlns:p14="http://schemas.microsoft.com/office/powerpoint/2010/main" val="522405798"/>
+        <p14:creationId xmlns:p14="http://schemas.microsoft.com/office/powerpoint/2010/main" xmlns="" val="522405798"/>
       </p:ext>
     </p:extLst>
   </p:cSld>
@@ -41518,7 +41402,7 @@
     </p:spTree>
     <p:extLst>
       <p:ext uri="{BB962C8B-B14F-4D97-AF65-F5344CB8AC3E}">
-        <p14:creationId xmlns="" xmlns:p14="http://schemas.microsoft.com/office/powerpoint/2010/main" val="522405798"/>
+        <p14:creationId xmlns:p14="http://schemas.microsoft.com/office/powerpoint/2010/main" xmlns="" val="522405798"/>
       </p:ext>
     </p:extLst>
   </p:cSld>
@@ -41650,7 +41534,7 @@
     </p:spTree>
     <p:extLst>
       <p:ext uri="{BB962C8B-B14F-4D97-AF65-F5344CB8AC3E}">
-        <p14:creationId xmlns="" xmlns:p14="http://schemas.microsoft.com/office/powerpoint/2010/main" val="522405798"/>
+        <p14:creationId xmlns:p14="http://schemas.microsoft.com/office/powerpoint/2010/main" xmlns="" val="522405798"/>
       </p:ext>
     </p:extLst>
   </p:cSld>
@@ -41722,7 +41606,7 @@
     </p:spTree>
     <p:extLst>
       <p:ext uri="{BB962C8B-B14F-4D97-AF65-F5344CB8AC3E}">
-        <p14:creationId xmlns="" xmlns:p14="http://schemas.microsoft.com/office/powerpoint/2010/main" val="522405798"/>
+        <p14:creationId xmlns:p14="http://schemas.microsoft.com/office/powerpoint/2010/main" xmlns="" val="522405798"/>
       </p:ext>
     </p:extLst>
   </p:cSld>
@@ -41900,7 +41784,7 @@
     </p:spTree>
     <p:extLst>
       <p:ext uri="{BB962C8B-B14F-4D97-AF65-F5344CB8AC3E}">
-        <p14:creationId xmlns="" xmlns:p14="http://schemas.microsoft.com/office/powerpoint/2010/main" val="522405798"/>
+        <p14:creationId xmlns:p14="http://schemas.microsoft.com/office/powerpoint/2010/main" xmlns="" val="522405798"/>
       </p:ext>
     </p:extLst>
   </p:cSld>
@@ -42030,7 +41914,7 @@
     </p:spTree>
     <p:extLst>
       <p:ext uri="{BB962C8B-B14F-4D97-AF65-F5344CB8AC3E}">
-        <p14:creationId xmlns="" xmlns:p14="http://schemas.microsoft.com/office/powerpoint/2010/main" val="522405798"/>
+        <p14:creationId xmlns:p14="http://schemas.microsoft.com/office/powerpoint/2010/main" xmlns="" val="522405798"/>
       </p:ext>
     </p:extLst>
   </p:cSld>
@@ -42316,7 +42200,7 @@
     </p:spTree>
     <p:extLst>
       <p:ext uri="{BB962C8B-B14F-4D97-AF65-F5344CB8AC3E}">
-        <p14:creationId xmlns="" xmlns:p14="http://schemas.microsoft.com/office/powerpoint/2010/main" val="522405798"/>
+        <p14:creationId xmlns:p14="http://schemas.microsoft.com/office/powerpoint/2010/main" xmlns="" val="522405798"/>
       </p:ext>
     </p:extLst>
   </p:cSld>
@@ -42543,7 +42427,7 @@
     </p:spTree>
     <p:extLst>
       <p:ext uri="{BB962C8B-B14F-4D97-AF65-F5344CB8AC3E}">
-        <p14:creationId xmlns="" xmlns:p14="http://schemas.microsoft.com/office/powerpoint/2010/main" val="522405798"/>
+        <p14:creationId xmlns:p14="http://schemas.microsoft.com/office/powerpoint/2010/main" xmlns="" val="522405798"/>
       </p:ext>
     </p:extLst>
   </p:cSld>
@@ -42736,7 +42620,7 @@
     </p:spTree>
     <p:extLst>
       <p:ext uri="{BB962C8B-B14F-4D97-AF65-F5344CB8AC3E}">
-        <p14:creationId xmlns="" xmlns:p14="http://schemas.microsoft.com/office/powerpoint/2010/main" val="522405798"/>
+        <p14:creationId xmlns:p14="http://schemas.microsoft.com/office/powerpoint/2010/main" xmlns="" val="522405798"/>
       </p:ext>
     </p:extLst>
   </p:cSld>
@@ -42866,7 +42750,7 @@
     </p:spTree>
     <p:extLst>
       <p:ext uri="{BB962C8B-B14F-4D97-AF65-F5344CB8AC3E}">
-        <p14:creationId xmlns="" xmlns:p14="http://schemas.microsoft.com/office/powerpoint/2010/main" val="522405798"/>
+        <p14:creationId xmlns:p14="http://schemas.microsoft.com/office/powerpoint/2010/main" xmlns="" val="522405798"/>
       </p:ext>
     </p:extLst>
   </p:cSld>
@@ -42996,7 +42880,7 @@
     </p:spTree>
     <p:extLst>
       <p:ext uri="{BB962C8B-B14F-4D97-AF65-F5344CB8AC3E}">
-        <p14:creationId xmlns="" xmlns:p14="http://schemas.microsoft.com/office/powerpoint/2010/main" val="522405798"/>
+        <p14:creationId xmlns:p14="http://schemas.microsoft.com/office/powerpoint/2010/main" xmlns="" val="522405798"/>
       </p:ext>
     </p:extLst>
   </p:cSld>
@@ -43206,7 +43090,7 @@
     </p:spTree>
     <p:extLst>
       <p:ext uri="{BB962C8B-B14F-4D97-AF65-F5344CB8AC3E}">
-        <p14:creationId xmlns="" xmlns:p14="http://schemas.microsoft.com/office/powerpoint/2010/main" val="522405798"/>
+        <p14:creationId xmlns:p14="http://schemas.microsoft.com/office/powerpoint/2010/main" xmlns="" val="522405798"/>
       </p:ext>
     </p:extLst>
   </p:cSld>
@@ -43461,7 +43345,7 @@
     </p:spTree>
     <p:extLst>
       <p:ext uri="{BB962C8B-B14F-4D97-AF65-F5344CB8AC3E}">
-        <p14:creationId xmlns="" xmlns:p14="http://schemas.microsoft.com/office/powerpoint/2010/main" val="522405798"/>
+        <p14:creationId xmlns:p14="http://schemas.microsoft.com/office/powerpoint/2010/main" xmlns="" val="522405798"/>
       </p:ext>
     </p:extLst>
   </p:cSld>
@@ -43655,7 +43539,7 @@
     </p:spTree>
     <p:extLst>
       <p:ext uri="{BB962C8B-B14F-4D97-AF65-F5344CB8AC3E}">
-        <p14:creationId xmlns="" xmlns:p14="http://schemas.microsoft.com/office/powerpoint/2010/main" val="522405798"/>
+        <p14:creationId xmlns:p14="http://schemas.microsoft.com/office/powerpoint/2010/main" xmlns="" val="522405798"/>
       </p:ext>
     </p:extLst>
   </p:cSld>
@@ -43785,7 +43669,7 @@
     </p:spTree>
     <p:extLst>
       <p:ext uri="{BB962C8B-B14F-4D97-AF65-F5344CB8AC3E}">
-        <p14:creationId xmlns="" xmlns:p14="http://schemas.microsoft.com/office/powerpoint/2010/main" val="522405798"/>
+        <p14:creationId xmlns:p14="http://schemas.microsoft.com/office/powerpoint/2010/main" xmlns="" val="522405798"/>
       </p:ext>
     </p:extLst>
   </p:cSld>
@@ -43915,7 +43799,7 @@
     </p:spTree>
     <p:extLst>
       <p:ext uri="{BB962C8B-B14F-4D97-AF65-F5344CB8AC3E}">
-        <p14:creationId xmlns="" xmlns:p14="http://schemas.microsoft.com/office/powerpoint/2010/main" val="522405798"/>
+        <p14:creationId xmlns:p14="http://schemas.microsoft.com/office/powerpoint/2010/main" xmlns="" val="522405798"/>
       </p:ext>
     </p:extLst>
   </p:cSld>
@@ -44045,7 +43929,7 @@
     </p:spTree>
     <p:extLst>
       <p:ext uri="{BB962C8B-B14F-4D97-AF65-F5344CB8AC3E}">
-        <p14:creationId xmlns="" xmlns:p14="http://schemas.microsoft.com/office/powerpoint/2010/main" val="522405798"/>
+        <p14:creationId xmlns:p14="http://schemas.microsoft.com/office/powerpoint/2010/main" xmlns="" val="522405798"/>
       </p:ext>
     </p:extLst>
   </p:cSld>
@@ -44384,7 +44268,7 @@
     </p:spTree>
     <p:extLst>
       <p:ext uri="{BB962C8B-B14F-4D97-AF65-F5344CB8AC3E}">
-        <p14:creationId xmlns="" xmlns:p14="http://schemas.microsoft.com/office/powerpoint/2010/main" val="522405798"/>
+        <p14:creationId xmlns:p14="http://schemas.microsoft.com/office/powerpoint/2010/main" xmlns="" val="522405798"/>
       </p:ext>
     </p:extLst>
   </p:cSld>
@@ -44479,7 +44363,7 @@
     </p:spTree>
     <p:extLst>
       <p:ext uri="{BB962C8B-B14F-4D97-AF65-F5344CB8AC3E}">
-        <p14:creationId xmlns:p14="http://schemas.microsoft.com/office/powerpoint/2010/main" xmlns="" val="3907764274"/>
+        <p14:creationId xmlns="" xmlns:p14="http://schemas.microsoft.com/office/powerpoint/2010/main" val="3907764274"/>
       </p:ext>
     </p:extLst>
   </p:cSld>
@@ -44725,7 +44609,7 @@
     </p:spTree>
     <p:extLst>
       <p:ext uri="{BB962C8B-B14F-4D97-AF65-F5344CB8AC3E}">
-        <p14:creationId xmlns="" xmlns:p14="http://schemas.microsoft.com/office/powerpoint/2010/main" val="522405798"/>
+        <p14:creationId xmlns:p14="http://schemas.microsoft.com/office/powerpoint/2010/main" xmlns="" val="522405798"/>
       </p:ext>
     </p:extLst>
   </p:cSld>
@@ -44908,7 +44792,7 @@
     </p:spTree>
     <p:extLst>
       <p:ext uri="{BB962C8B-B14F-4D97-AF65-F5344CB8AC3E}">
-        <p14:creationId xmlns="" xmlns:p14="http://schemas.microsoft.com/office/powerpoint/2010/main" val="522405798"/>
+        <p14:creationId xmlns:p14="http://schemas.microsoft.com/office/powerpoint/2010/main" xmlns="" val="522405798"/>
       </p:ext>
     </p:extLst>
   </p:cSld>
@@ -45292,7 +45176,7 @@
     </p:spTree>
     <p:extLst>
       <p:ext uri="{BB962C8B-B14F-4D97-AF65-F5344CB8AC3E}">
-        <p14:creationId xmlns="" xmlns:p14="http://schemas.microsoft.com/office/powerpoint/2010/main" val="522405798"/>
+        <p14:creationId xmlns:p14="http://schemas.microsoft.com/office/powerpoint/2010/main" xmlns="" val="522405798"/>
       </p:ext>
     </p:extLst>
   </p:cSld>
@@ -45523,7 +45407,7 @@
     </p:spTree>
     <p:extLst>
       <p:ext uri="{BB962C8B-B14F-4D97-AF65-F5344CB8AC3E}">
-        <p14:creationId xmlns="" xmlns:p14="http://schemas.microsoft.com/office/powerpoint/2010/main" val="522405798"/>
+        <p14:creationId xmlns:p14="http://schemas.microsoft.com/office/powerpoint/2010/main" xmlns="" val="522405798"/>
       </p:ext>
     </p:extLst>
   </p:cSld>
@@ -45815,7 +45699,7 @@
     </p:spTree>
     <p:extLst>
       <p:ext uri="{BB962C8B-B14F-4D97-AF65-F5344CB8AC3E}">
-        <p14:creationId xmlns="" xmlns:p14="http://schemas.microsoft.com/office/powerpoint/2010/main" val="522405798"/>
+        <p14:creationId xmlns:p14="http://schemas.microsoft.com/office/powerpoint/2010/main" xmlns="" val="522405798"/>
       </p:ext>
     </p:extLst>
   </p:cSld>
@@ -46107,7 +45991,7 @@
     </p:spTree>
     <p:extLst>
       <p:ext uri="{BB962C8B-B14F-4D97-AF65-F5344CB8AC3E}">
-        <p14:creationId xmlns="" xmlns:p14="http://schemas.microsoft.com/office/powerpoint/2010/main" val="522405798"/>
+        <p14:creationId xmlns:p14="http://schemas.microsoft.com/office/powerpoint/2010/main" xmlns="" val="522405798"/>
       </p:ext>
     </p:extLst>
   </p:cSld>
@@ -46359,7 +46243,7 @@
     </p:spTree>
     <p:extLst>
       <p:ext uri="{BB962C8B-B14F-4D97-AF65-F5344CB8AC3E}">
-        <p14:creationId xmlns="" xmlns:p14="http://schemas.microsoft.com/office/powerpoint/2010/main" val="522405798"/>
+        <p14:creationId xmlns:p14="http://schemas.microsoft.com/office/powerpoint/2010/main" xmlns="" val="522405798"/>
       </p:ext>
     </p:extLst>
   </p:cSld>
@@ -46631,7 +46515,7 @@
     </p:spTree>
     <p:extLst>
       <p:ext uri="{BB962C8B-B14F-4D97-AF65-F5344CB8AC3E}">
-        <p14:creationId xmlns="" xmlns:p14="http://schemas.microsoft.com/office/powerpoint/2010/main" val="522405798"/>
+        <p14:creationId xmlns:p14="http://schemas.microsoft.com/office/powerpoint/2010/main" xmlns="" val="522405798"/>
       </p:ext>
     </p:extLst>
   </p:cSld>
@@ -46876,7 +46760,7 @@
     </p:spTree>
     <p:extLst>
       <p:ext uri="{BB962C8B-B14F-4D97-AF65-F5344CB8AC3E}">
-        <p14:creationId xmlns="" xmlns:p14="http://schemas.microsoft.com/office/powerpoint/2010/main" val="522405798"/>
+        <p14:creationId xmlns:p14="http://schemas.microsoft.com/office/powerpoint/2010/main" xmlns="" val="522405798"/>
       </p:ext>
     </p:extLst>
   </p:cSld>
@@ -47292,7 +47176,7 @@
     </p:spTree>
     <p:extLst>
       <p:ext uri="{BB962C8B-B14F-4D97-AF65-F5344CB8AC3E}">
-        <p14:creationId xmlns="" xmlns:p14="http://schemas.microsoft.com/office/powerpoint/2010/main" val="522405798"/>
+        <p14:creationId xmlns:p14="http://schemas.microsoft.com/office/powerpoint/2010/main" xmlns="" val="522405798"/>
       </p:ext>
     </p:extLst>
   </p:cSld>
@@ -47509,7 +47393,7 @@
     </p:spTree>
     <p:extLst>
       <p:ext uri="{BB962C8B-B14F-4D97-AF65-F5344CB8AC3E}">
-        <p14:creationId xmlns="" xmlns:p14="http://schemas.microsoft.com/office/powerpoint/2010/main" val="522405798"/>
+        <p14:creationId xmlns:p14="http://schemas.microsoft.com/office/powerpoint/2010/main" xmlns="" val="522405798"/>
       </p:ext>
     </p:extLst>
   </p:cSld>
@@ -47757,7 +47641,7 @@
     </p:spTree>
     <p:extLst>
       <p:ext uri="{BB962C8B-B14F-4D97-AF65-F5344CB8AC3E}">
-        <p14:creationId xmlns="" xmlns:p14="http://schemas.microsoft.com/office/powerpoint/2010/main" val="522405798"/>
+        <p14:creationId xmlns:p14="http://schemas.microsoft.com/office/powerpoint/2010/main" xmlns="" val="522405798"/>
       </p:ext>
     </p:extLst>
   </p:cSld>
@@ -48049,7 +47933,7 @@
     </p:spTree>
     <p:extLst>
       <p:ext uri="{BB962C8B-B14F-4D97-AF65-F5344CB8AC3E}">
-        <p14:creationId xmlns="" xmlns:p14="http://schemas.microsoft.com/office/powerpoint/2010/main" val="522405798"/>
+        <p14:creationId xmlns:p14="http://schemas.microsoft.com/office/powerpoint/2010/main" xmlns="" val="522405798"/>
       </p:ext>
     </p:extLst>
   </p:cSld>
@@ -48306,7 +48190,7 @@
     </p:spTree>
     <p:extLst>
       <p:ext uri="{BB962C8B-B14F-4D97-AF65-F5344CB8AC3E}">
-        <p14:creationId xmlns="" xmlns:p14="http://schemas.microsoft.com/office/powerpoint/2010/main" val="522405798"/>
+        <p14:creationId xmlns:p14="http://schemas.microsoft.com/office/powerpoint/2010/main" xmlns="" val="522405798"/>
       </p:ext>
     </p:extLst>
   </p:cSld>
@@ -48421,7 +48305,7 @@
     </p:spTree>
     <p:extLst>
       <p:ext uri="{BB962C8B-B14F-4D97-AF65-F5344CB8AC3E}">
-        <p14:creationId xmlns:p14="http://schemas.microsoft.com/office/powerpoint/2010/main" xmlns="" val="3907764274"/>
+        <p14:creationId xmlns="" xmlns:p14="http://schemas.microsoft.com/office/powerpoint/2010/main" val="3907764274"/>
       </p:ext>
     </p:extLst>
   </p:cSld>
@@ -48651,14 +48535,7 @@
                 <a:latin typeface="微軟正黑體" pitchFamily="34" charset="-120"/>
                 <a:ea typeface="微軟正黑體" pitchFamily="34" charset="-120"/>
               </a:rPr>
-              <a:t>數學領域將其稱為“核</a:t>
-            </a:r>
-            <a:r>
-              <a:rPr lang="zh-TW" altLang="zh-TW" sz="3200" dirty="0" smtClean="0">
-                <a:latin typeface="微軟正黑體" pitchFamily="34" charset="-120"/>
-                <a:ea typeface="微軟正黑體" pitchFamily="34" charset="-120"/>
-              </a:rPr>
-              <a:t>”</a:t>
+              <a:t>數學領域將其稱為“核”</a:t>
             </a:r>
             <a:endParaRPr lang="en-US" altLang="zh-TW" sz="3200" dirty="0" smtClean="0">
               <a:latin typeface="微軟正黑體" pitchFamily="34" charset="-120"/>
@@ -48701,7 +48578,7 @@
     </p:spTree>
     <p:extLst>
       <p:ext uri="{BB962C8B-B14F-4D97-AF65-F5344CB8AC3E}">
-        <p14:creationId xmlns="" xmlns:p14="http://schemas.microsoft.com/office/powerpoint/2010/main" val="522405798"/>
+        <p14:creationId xmlns:p14="http://schemas.microsoft.com/office/powerpoint/2010/main" xmlns="" val="522405798"/>
       </p:ext>
     </p:extLst>
   </p:cSld>
@@ -48882,7 +48759,7 @@
     </p:spTree>
     <p:extLst>
       <p:ext uri="{BB962C8B-B14F-4D97-AF65-F5344CB8AC3E}">
-        <p14:creationId xmlns="" xmlns:p14="http://schemas.microsoft.com/office/powerpoint/2010/main" val="522405798"/>
+        <p14:creationId xmlns:p14="http://schemas.microsoft.com/office/powerpoint/2010/main" xmlns="" val="522405798"/>
       </p:ext>
     </p:extLst>
   </p:cSld>
@@ -49061,14 +48938,7 @@
                 <a:latin typeface="微軟正黑體" pitchFamily="34" charset="-120"/>
                 <a:ea typeface="微軟正黑體" pitchFamily="34" charset="-120"/>
               </a:rPr>
-              <a:t>去除這些雜訊</a:t>
-            </a:r>
-            <a:r>
-              <a:rPr lang="zh-TW" altLang="zh-TW" sz="3200" dirty="0" smtClean="0">
-                <a:latin typeface="微軟正黑體" pitchFamily="34" charset="-120"/>
-                <a:ea typeface="微軟正黑體" pitchFamily="34" charset="-120"/>
-              </a:rPr>
-              <a:t>資訊</a:t>
+              <a:t>去除這些雜訊資訊</a:t>
             </a:r>
             <a:r>
               <a:rPr lang="zh-TW" altLang="en-US" sz="3200" dirty="0" smtClean="0">
@@ -49151,7 +49021,7 @@
     </p:spTree>
     <p:extLst>
       <p:ext uri="{BB962C8B-B14F-4D97-AF65-F5344CB8AC3E}">
-        <p14:creationId xmlns="" xmlns:p14="http://schemas.microsoft.com/office/powerpoint/2010/main" val="522405798"/>
+        <p14:creationId xmlns:p14="http://schemas.microsoft.com/office/powerpoint/2010/main" xmlns="" val="522405798"/>
       </p:ext>
     </p:extLst>
   </p:cSld>
@@ -49352,7 +49222,7 @@
     </p:spTree>
     <p:extLst>
       <p:ext uri="{BB962C8B-B14F-4D97-AF65-F5344CB8AC3E}">
-        <p14:creationId xmlns="" xmlns:p14="http://schemas.microsoft.com/office/powerpoint/2010/main" val="522405798"/>
+        <p14:creationId xmlns:p14="http://schemas.microsoft.com/office/powerpoint/2010/main" xmlns="" val="522405798"/>
       </p:ext>
     </p:extLst>
   </p:cSld>
@@ -49573,7 +49443,7 @@
     </p:spTree>
     <p:extLst>
       <p:ext uri="{BB962C8B-B14F-4D97-AF65-F5344CB8AC3E}">
-        <p14:creationId xmlns="" xmlns:p14="http://schemas.microsoft.com/office/powerpoint/2010/main" val="522405798"/>
+        <p14:creationId xmlns:p14="http://schemas.microsoft.com/office/powerpoint/2010/main" xmlns="" val="522405798"/>
       </p:ext>
     </p:extLst>
   </p:cSld>
@@ -49819,7 +49689,7 @@
     </p:spTree>
     <p:extLst>
       <p:ext uri="{BB962C8B-B14F-4D97-AF65-F5344CB8AC3E}">
-        <p14:creationId xmlns="" xmlns:p14="http://schemas.microsoft.com/office/powerpoint/2010/main" val="522405798"/>
+        <p14:creationId xmlns:p14="http://schemas.microsoft.com/office/powerpoint/2010/main" xmlns="" val="522405798"/>
       </p:ext>
     </p:extLst>
   </p:cSld>
@@ -49983,7 +49853,7 @@
     </p:spTree>
     <p:extLst>
       <p:ext uri="{BB962C8B-B14F-4D97-AF65-F5344CB8AC3E}">
-        <p14:creationId xmlns="" xmlns:p14="http://schemas.microsoft.com/office/powerpoint/2010/main" val="522405798"/>
+        <p14:creationId xmlns:p14="http://schemas.microsoft.com/office/powerpoint/2010/main" xmlns="" val="522405798"/>
       </p:ext>
     </p:extLst>
   </p:cSld>
@@ -50232,7 +50102,7 @@
     </p:spTree>
     <p:extLst>
       <p:ext uri="{BB962C8B-B14F-4D97-AF65-F5344CB8AC3E}">
-        <p14:creationId xmlns="" xmlns:p14="http://schemas.microsoft.com/office/powerpoint/2010/main" val="522405798"/>
+        <p14:creationId xmlns:p14="http://schemas.microsoft.com/office/powerpoint/2010/main" xmlns="" val="522405798"/>
       </p:ext>
     </p:extLst>
   </p:cSld>
@@ -50444,7 +50314,7 @@
     </p:spTree>
     <p:extLst>
       <p:ext uri="{BB962C8B-B14F-4D97-AF65-F5344CB8AC3E}">
-        <p14:creationId xmlns="" xmlns:p14="http://schemas.microsoft.com/office/powerpoint/2010/main" val="522405798"/>
+        <p14:creationId xmlns:p14="http://schemas.microsoft.com/office/powerpoint/2010/main" xmlns="" val="522405798"/>
       </p:ext>
     </p:extLst>
   </p:cSld>
@@ -50576,7 +50446,7 @@
     </p:spTree>
     <p:extLst>
       <p:ext uri="{BB962C8B-B14F-4D97-AF65-F5344CB8AC3E}">
-        <p14:creationId xmlns="" xmlns:p14="http://schemas.microsoft.com/office/powerpoint/2010/main" val="522405798"/>
+        <p14:creationId xmlns:p14="http://schemas.microsoft.com/office/powerpoint/2010/main" xmlns="" val="522405798"/>
       </p:ext>
     </p:extLst>
   </p:cSld>
@@ -50708,7 +50578,7 @@
     </p:spTree>
     <p:extLst>
       <p:ext uri="{BB962C8B-B14F-4D97-AF65-F5344CB8AC3E}">
-        <p14:creationId xmlns="" xmlns:p14="http://schemas.microsoft.com/office/powerpoint/2010/main" val="522405798"/>
+        <p14:creationId xmlns:p14="http://schemas.microsoft.com/office/powerpoint/2010/main" xmlns="" val="522405798"/>
       </p:ext>
     </p:extLst>
   </p:cSld>
@@ -50840,7 +50710,7 @@
     </p:spTree>
     <p:extLst>
       <p:ext uri="{BB962C8B-B14F-4D97-AF65-F5344CB8AC3E}">
-        <p14:creationId xmlns="" xmlns:p14="http://schemas.microsoft.com/office/powerpoint/2010/main" val="522405798"/>
+        <p14:creationId xmlns:p14="http://schemas.microsoft.com/office/powerpoint/2010/main" xmlns="" val="522405798"/>
       </p:ext>
     </p:extLst>
   </p:cSld>
@@ -50975,7 +50845,7 @@
     </p:spTree>
     <p:extLst>
       <p:ext uri="{BB962C8B-B14F-4D97-AF65-F5344CB8AC3E}">
-        <p14:creationId xmlns="" xmlns:p14="http://schemas.microsoft.com/office/powerpoint/2010/main" val="522405798"/>
+        <p14:creationId xmlns:p14="http://schemas.microsoft.com/office/powerpoint/2010/main" xmlns="" val="522405798"/>
       </p:ext>
     </p:extLst>
   </p:cSld>
@@ -51139,7 +51009,7 @@
     </p:spTree>
     <p:extLst>
       <p:ext uri="{BB962C8B-B14F-4D97-AF65-F5344CB8AC3E}">
-        <p14:creationId xmlns="" xmlns:p14="http://schemas.microsoft.com/office/powerpoint/2010/main" val="522405798"/>
+        <p14:creationId xmlns:p14="http://schemas.microsoft.com/office/powerpoint/2010/main" xmlns="" val="522405798"/>
       </p:ext>
     </p:extLst>
   </p:cSld>
@@ -51303,7 +51173,7 @@
     </p:spTree>
     <p:extLst>
       <p:ext uri="{BB962C8B-B14F-4D97-AF65-F5344CB8AC3E}">
-        <p14:creationId xmlns="" xmlns:p14="http://schemas.microsoft.com/office/powerpoint/2010/main" val="522405798"/>
+        <p14:creationId xmlns:p14="http://schemas.microsoft.com/office/powerpoint/2010/main" xmlns="" val="522405798"/>
       </p:ext>
     </p:extLst>
   </p:cSld>
@@ -51602,7 +51472,7 @@
     </p:spTree>
     <p:extLst>
       <p:ext uri="{BB962C8B-B14F-4D97-AF65-F5344CB8AC3E}">
-        <p14:creationId xmlns="" xmlns:p14="http://schemas.microsoft.com/office/powerpoint/2010/main" val="522405798"/>
+        <p14:creationId xmlns:p14="http://schemas.microsoft.com/office/powerpoint/2010/main" xmlns="" val="522405798"/>
       </p:ext>
     </p:extLst>
   </p:cSld>
@@ -51857,7 +51727,7 @@
     </p:spTree>
     <p:extLst>
       <p:ext uri="{BB962C8B-B14F-4D97-AF65-F5344CB8AC3E}">
-        <p14:creationId xmlns="" xmlns:p14="http://schemas.microsoft.com/office/powerpoint/2010/main" val="522405798"/>
+        <p14:creationId xmlns:p14="http://schemas.microsoft.com/office/powerpoint/2010/main" xmlns="" val="522405798"/>
       </p:ext>
     </p:extLst>
   </p:cSld>
@@ -52078,7 +51948,7 @@
     </p:spTree>
     <p:extLst>
       <p:ext uri="{BB962C8B-B14F-4D97-AF65-F5344CB8AC3E}">
-        <p14:creationId xmlns="" xmlns:p14="http://schemas.microsoft.com/office/powerpoint/2010/main" val="522405798"/>
+        <p14:creationId xmlns:p14="http://schemas.microsoft.com/office/powerpoint/2010/main" xmlns="" val="522405798"/>
       </p:ext>
     </p:extLst>
   </p:cSld>
@@ -52443,7 +52313,7 @@
     </p:spTree>
     <p:extLst>
       <p:ext uri="{BB962C8B-B14F-4D97-AF65-F5344CB8AC3E}">
-        <p14:creationId xmlns="" xmlns:p14="http://schemas.microsoft.com/office/powerpoint/2010/main" val="522405798"/>
+        <p14:creationId xmlns:p14="http://schemas.microsoft.com/office/powerpoint/2010/main" xmlns="" val="522405798"/>
       </p:ext>
     </p:extLst>
   </p:cSld>
@@ -52575,7 +52445,7 @@
     </p:spTree>
     <p:extLst>
       <p:ext uri="{BB962C8B-B14F-4D97-AF65-F5344CB8AC3E}">
-        <p14:creationId xmlns="" xmlns:p14="http://schemas.microsoft.com/office/powerpoint/2010/main" val="522405798"/>
+        <p14:creationId xmlns:p14="http://schemas.microsoft.com/office/powerpoint/2010/main" xmlns="" val="522405798"/>
       </p:ext>
     </p:extLst>
   </p:cSld>
@@ -52766,7 +52636,7 @@
     </p:spTree>
     <p:extLst>
       <p:ext uri="{BB962C8B-B14F-4D97-AF65-F5344CB8AC3E}">
-        <p14:creationId xmlns="" xmlns:p14="http://schemas.microsoft.com/office/powerpoint/2010/main" val="522405798"/>
+        <p14:creationId xmlns:p14="http://schemas.microsoft.com/office/powerpoint/2010/main" xmlns="" val="522405798"/>
       </p:ext>
     </p:extLst>
   </p:cSld>
@@ -52962,7 +52832,7 @@
     </p:spTree>
     <p:extLst>
       <p:ext uri="{BB962C8B-B14F-4D97-AF65-F5344CB8AC3E}">
-        <p14:creationId xmlns="" xmlns:p14="http://schemas.microsoft.com/office/powerpoint/2010/main" val="522405798"/>
+        <p14:creationId xmlns:p14="http://schemas.microsoft.com/office/powerpoint/2010/main" xmlns="" val="522405798"/>
       </p:ext>
     </p:extLst>
   </p:cSld>
@@ -53094,7 +52964,7 @@
     </p:spTree>
     <p:extLst>
       <p:ext uri="{BB962C8B-B14F-4D97-AF65-F5344CB8AC3E}">
-        <p14:creationId xmlns="" xmlns:p14="http://schemas.microsoft.com/office/powerpoint/2010/main" val="522405798"/>
+        <p14:creationId xmlns:p14="http://schemas.microsoft.com/office/powerpoint/2010/main" xmlns="" val="522405798"/>
       </p:ext>
     </p:extLst>
   </p:cSld>
@@ -53495,7 +53365,7 @@
     </p:spTree>
     <p:extLst>
       <p:ext uri="{BB962C8B-B14F-4D97-AF65-F5344CB8AC3E}">
-        <p14:creationId xmlns="" xmlns:p14="http://schemas.microsoft.com/office/powerpoint/2010/main" val="522405798"/>
+        <p14:creationId xmlns:p14="http://schemas.microsoft.com/office/powerpoint/2010/main" xmlns="" val="522405798"/>
       </p:ext>
     </p:extLst>
   </p:cSld>
@@ -53683,7 +53553,7 @@
     </p:spTree>
     <p:extLst>
       <p:ext uri="{BB962C8B-B14F-4D97-AF65-F5344CB8AC3E}">
-        <p14:creationId xmlns="" xmlns:p14="http://schemas.microsoft.com/office/powerpoint/2010/main" val="522405798"/>
+        <p14:creationId xmlns:p14="http://schemas.microsoft.com/office/powerpoint/2010/main" xmlns="" val="522405798"/>
       </p:ext>
     </p:extLst>
   </p:cSld>
@@ -53847,7 +53717,7 @@
     </p:spTree>
     <p:extLst>
       <p:ext uri="{BB962C8B-B14F-4D97-AF65-F5344CB8AC3E}">
-        <p14:creationId xmlns="" xmlns:p14="http://schemas.microsoft.com/office/powerpoint/2010/main" val="522405798"/>
+        <p14:creationId xmlns:p14="http://schemas.microsoft.com/office/powerpoint/2010/main" xmlns="" val="522405798"/>
       </p:ext>
     </p:extLst>
   </p:cSld>
@@ -53979,7 +53849,7 @@
     </p:spTree>
     <p:extLst>
       <p:ext uri="{BB962C8B-B14F-4D97-AF65-F5344CB8AC3E}">
-        <p14:creationId xmlns="" xmlns:p14="http://schemas.microsoft.com/office/powerpoint/2010/main" val="522405798"/>
+        <p14:creationId xmlns:p14="http://schemas.microsoft.com/office/powerpoint/2010/main" xmlns="" val="522405798"/>
       </p:ext>
     </p:extLst>
   </p:cSld>
